--- a/数据库/配图.pptx
+++ b/数据库/配图.pptx
@@ -5,7 +5,7 @@
     <p:sldMasterId id="2147483649" r:id="rId1"/>
   </p:sldMasterIdLst>
   <p:notesMasterIdLst>
-    <p:notesMasterId r:id="rId7"/>
+    <p:notesMasterId r:id="rId8"/>
   </p:notesMasterIdLst>
   <p:sldIdLst>
     <p:sldId id="292" r:id="rId2"/>
@@ -13,6 +13,7 @@
     <p:sldId id="294" r:id="rId4"/>
     <p:sldId id="295" r:id="rId5"/>
     <p:sldId id="296" r:id="rId6"/>
+    <p:sldId id="297" r:id="rId7"/>
   </p:sldIdLst>
   <p:sldSz cx="12192000" cy="6858000"/>
   <p:notesSz cx="6858000" cy="9144000"/>
@@ -1834,7 +1835,7 @@
           <p:cNvPr id="4097" name="Rectangle 1">
             <a:extLst>
               <a:ext uri="{FF2B5EF4-FFF2-40B4-BE49-F238E27FC236}">
-                <a16:creationId xmlns:a16="http://schemas.microsoft.com/office/drawing/2014/main" id="{565A64E7-9CD6-4CA0-BB1F-239A37432A4C}"/>
+                <a16:creationId xmlns:a16="http://schemas.microsoft.com/office/drawing/2014/main" xmlns="" id="{565A64E7-9CD6-4CA0-BB1F-239A37432A4C}"/>
               </a:ext>
             </a:extLst>
           </p:cNvPr>
@@ -1894,7 +1895,7 @@
           <p:cNvPr id="4098" name="Rectangle 2">
             <a:extLst>
               <a:ext uri="{FF2B5EF4-FFF2-40B4-BE49-F238E27FC236}">
-                <a16:creationId xmlns:a16="http://schemas.microsoft.com/office/drawing/2014/main" id="{BEC89F56-1C5B-450B-BA44-8C5C6738B526}"/>
+                <a16:creationId xmlns:a16="http://schemas.microsoft.com/office/drawing/2014/main" xmlns="" id="{BEC89F56-1C5B-450B-BA44-8C5C6738B526}"/>
               </a:ext>
             </a:extLst>
           </p:cNvPr>
@@ -2485,6 +2486,72 @@
 </p:notes>
 </file>
 
+<file path=ppt/notesSlides/notesSlide6.xml><?xml version="1.0" encoding="utf-8"?>
+<p:notes xmlns:a="http://schemas.openxmlformats.org/drawingml/2006/main" xmlns:r="http://schemas.openxmlformats.org/officeDocument/2006/relationships" xmlns:p="http://schemas.openxmlformats.org/presentationml/2006/main">
+  <p:cSld>
+    <p:spTree>
+      <p:nvGrpSpPr>
+        <p:cNvPr id="1" name=""/>
+        <p:cNvGrpSpPr/>
+        <p:nvPr/>
+      </p:nvGrpSpPr>
+      <p:grpSpPr>
+        <a:xfrm>
+          <a:off x="0" y="0"/>
+          <a:ext cx="0" cy="0"/>
+          <a:chOff x="0" y="0"/>
+          <a:chExt cx="0" cy="0"/>
+        </a:xfrm>
+      </p:grpSpPr>
+      <p:sp>
+        <p:nvSpPr>
+          <p:cNvPr id="2" name="幻灯片图像占位符 1"/>
+          <p:cNvSpPr>
+            <a:spLocks noGrp="1" noRot="1" noChangeAspect="1"/>
+          </p:cNvSpPr>
+          <p:nvPr>
+            <p:ph type="sldImg"/>
+          </p:nvPr>
+        </p:nvSpPr>
+        <p:spPr>
+          <a:xfrm>
+            <a:off x="381000" y="685800"/>
+            <a:ext cx="6096000" cy="3429000"/>
+          </a:xfrm>
+        </p:spPr>
+      </p:sp>
+      <p:sp>
+        <p:nvSpPr>
+          <p:cNvPr id="3" name="备注占位符 2"/>
+          <p:cNvSpPr>
+            <a:spLocks noGrp="1"/>
+          </p:cNvSpPr>
+          <p:nvPr>
+            <p:ph type="body" idx="1"/>
+          </p:nvPr>
+        </p:nvSpPr>
+        <p:spPr/>
+        <p:txBody>
+          <a:bodyPr/>
+          <a:lstStyle/>
+          <a:p>
+            <a:endParaRPr lang="zh-CN" altLang="en-US" dirty="0"/>
+          </a:p>
+        </p:txBody>
+      </p:sp>
+    </p:spTree>
+    <p:extLst>
+      <p:ext uri="{BB962C8B-B14F-4D97-AF65-F5344CB8AC3E}">
+        <p14:creationId xmlns:p14="http://schemas.microsoft.com/office/powerpoint/2010/main" val="3436149696"/>
+      </p:ext>
+    </p:extLst>
+  </p:cSld>
+  <p:clrMapOvr>
+    <a:masterClrMapping/>
+  </p:clrMapOvr>
+</p:notes>
+</file>
+
 <file path=ppt/slideLayouts/slideLayout1.xml><?xml version="1.0" encoding="utf-8"?>
 <p:sldLayout xmlns:a="http://schemas.openxmlformats.org/drawingml/2006/main" xmlns:r="http://schemas.openxmlformats.org/officeDocument/2006/relationships" xmlns:p="http://schemas.openxmlformats.org/presentationml/2006/main" type="title" preserve="1">
   <p:cSld name="标题幻灯片">
@@ -2507,7 +2574,7 @@
           <p:cNvPr id="2" name="标题 1">
             <a:extLst>
               <a:ext uri="{FF2B5EF4-FFF2-40B4-BE49-F238E27FC236}">
-                <a16:creationId xmlns:a16="http://schemas.microsoft.com/office/drawing/2014/main" id="{33920F4C-4250-4125-8984-E27C967C7C91}"/>
+                <a16:creationId xmlns:a16="http://schemas.microsoft.com/office/drawing/2014/main" xmlns="" id="{33920F4C-4250-4125-8984-E27C967C7C91}"/>
               </a:ext>
             </a:extLst>
           </p:cNvPr>
@@ -2547,7 +2614,7 @@
           <p:cNvPr id="3" name="副标题 2">
             <a:extLst>
               <a:ext uri="{FF2B5EF4-FFF2-40B4-BE49-F238E27FC236}">
-                <a16:creationId xmlns:a16="http://schemas.microsoft.com/office/drawing/2014/main" id="{CCF65E6E-81FD-4631-BDBA-343341FD9BED}"/>
+                <a16:creationId xmlns:a16="http://schemas.microsoft.com/office/drawing/2014/main" xmlns="" id="{CCF65E6E-81FD-4631-BDBA-343341FD9BED}"/>
               </a:ext>
             </a:extLst>
           </p:cNvPr>
@@ -2620,7 +2687,7 @@
           <p:cNvPr id="4" name="灯片编号占位符 3">
             <a:extLst>
               <a:ext uri="{FF2B5EF4-FFF2-40B4-BE49-F238E27FC236}">
-                <a16:creationId xmlns:a16="http://schemas.microsoft.com/office/drawing/2014/main" id="{47937965-0035-43F3-A8F9-BA99A5C466AA}"/>
+                <a16:creationId xmlns:a16="http://schemas.microsoft.com/office/drawing/2014/main" xmlns="" id="{47937965-0035-43F3-A8F9-BA99A5C466AA}"/>
               </a:ext>
             </a:extLst>
           </p:cNvPr>
@@ -2684,7 +2751,7 @@
           <p:cNvPr id="2" name="标题 1">
             <a:extLst>
               <a:ext uri="{FF2B5EF4-FFF2-40B4-BE49-F238E27FC236}">
-                <a16:creationId xmlns:a16="http://schemas.microsoft.com/office/drawing/2014/main" id="{5B0188C7-8DF4-45E6-BB0A-3DE8FA47D954}"/>
+                <a16:creationId xmlns:a16="http://schemas.microsoft.com/office/drawing/2014/main" xmlns="" id="{5B0188C7-8DF4-45E6-BB0A-3DE8FA47D954}"/>
               </a:ext>
             </a:extLst>
           </p:cNvPr>
@@ -2720,7 +2787,7 @@
           <p:cNvPr id="3" name="竖排文字占位符 2">
             <a:extLst>
               <a:ext uri="{FF2B5EF4-FFF2-40B4-BE49-F238E27FC236}">
-                <a16:creationId xmlns:a16="http://schemas.microsoft.com/office/drawing/2014/main" id="{332766E8-BF75-446A-964B-9715DDF66D28}"/>
+                <a16:creationId xmlns:a16="http://schemas.microsoft.com/office/drawing/2014/main" xmlns="" id="{332766E8-BF75-446A-964B-9715DDF66D28}"/>
               </a:ext>
             </a:extLst>
           </p:cNvPr>
@@ -2785,7 +2852,7 @@
           <p:cNvPr id="4" name="灯片编号占位符 3">
             <a:extLst>
               <a:ext uri="{FF2B5EF4-FFF2-40B4-BE49-F238E27FC236}">
-                <a16:creationId xmlns:a16="http://schemas.microsoft.com/office/drawing/2014/main" id="{553A1DE0-A6FD-4D1F-A299-AD52DB77F17D}"/>
+                <a16:creationId xmlns:a16="http://schemas.microsoft.com/office/drawing/2014/main" xmlns="" id="{553A1DE0-A6FD-4D1F-A299-AD52DB77F17D}"/>
               </a:ext>
             </a:extLst>
           </p:cNvPr>
@@ -2849,7 +2916,7 @@
           <p:cNvPr id="2" name="竖排标题 1">
             <a:extLst>
               <a:ext uri="{FF2B5EF4-FFF2-40B4-BE49-F238E27FC236}">
-                <a16:creationId xmlns:a16="http://schemas.microsoft.com/office/drawing/2014/main" id="{91216533-0BD7-4F3B-AC52-7D59BF32C6B7}"/>
+                <a16:creationId xmlns:a16="http://schemas.microsoft.com/office/drawing/2014/main" xmlns="" id="{91216533-0BD7-4F3B-AC52-7D59BF32C6B7}"/>
               </a:ext>
             </a:extLst>
           </p:cNvPr>
@@ -2885,7 +2952,7 @@
           <p:cNvPr id="3" name="竖排文字占位符 2">
             <a:extLst>
               <a:ext uri="{FF2B5EF4-FFF2-40B4-BE49-F238E27FC236}">
-                <a16:creationId xmlns:a16="http://schemas.microsoft.com/office/drawing/2014/main" id="{4B9DCB10-4EE5-4A4E-A344-9273E798B8A0}"/>
+                <a16:creationId xmlns:a16="http://schemas.microsoft.com/office/drawing/2014/main" xmlns="" id="{4B9DCB10-4EE5-4A4E-A344-9273E798B8A0}"/>
               </a:ext>
             </a:extLst>
           </p:cNvPr>
@@ -2950,7 +3017,7 @@
           <p:cNvPr id="4" name="灯片编号占位符 3">
             <a:extLst>
               <a:ext uri="{FF2B5EF4-FFF2-40B4-BE49-F238E27FC236}">
-                <a16:creationId xmlns:a16="http://schemas.microsoft.com/office/drawing/2014/main" id="{36606AC1-ADDE-49A6-9E3D-5F936A179597}"/>
+                <a16:creationId xmlns:a16="http://schemas.microsoft.com/office/drawing/2014/main" xmlns="" id="{36606AC1-ADDE-49A6-9E3D-5F936A179597}"/>
               </a:ext>
             </a:extLst>
           </p:cNvPr>
@@ -3014,7 +3081,7 @@
           <p:cNvPr id="2" name="标题 1">
             <a:extLst>
               <a:ext uri="{FF2B5EF4-FFF2-40B4-BE49-F238E27FC236}">
-                <a16:creationId xmlns:a16="http://schemas.microsoft.com/office/drawing/2014/main" id="{1AB45643-41E5-4F8A-A3FB-70282E6F91E4}"/>
+                <a16:creationId xmlns:a16="http://schemas.microsoft.com/office/drawing/2014/main" xmlns="" id="{1AB45643-41E5-4F8A-A3FB-70282E6F91E4}"/>
               </a:ext>
             </a:extLst>
           </p:cNvPr>
@@ -3050,7 +3117,7 @@
           <p:cNvPr id="3" name="内容占位符 2">
             <a:extLst>
               <a:ext uri="{FF2B5EF4-FFF2-40B4-BE49-F238E27FC236}">
-                <a16:creationId xmlns:a16="http://schemas.microsoft.com/office/drawing/2014/main" id="{E635A896-792B-4191-811D-D0D9BE8A97FD}"/>
+                <a16:creationId xmlns:a16="http://schemas.microsoft.com/office/drawing/2014/main" xmlns="" id="{E635A896-792B-4191-811D-D0D9BE8A97FD}"/>
               </a:ext>
             </a:extLst>
           </p:cNvPr>
@@ -3115,7 +3182,7 @@
           <p:cNvPr id="4" name="灯片编号占位符 3">
             <a:extLst>
               <a:ext uri="{FF2B5EF4-FFF2-40B4-BE49-F238E27FC236}">
-                <a16:creationId xmlns:a16="http://schemas.microsoft.com/office/drawing/2014/main" id="{2752FF08-65C9-4F66-835B-7EDC0DD8252F}"/>
+                <a16:creationId xmlns:a16="http://schemas.microsoft.com/office/drawing/2014/main" xmlns="" id="{2752FF08-65C9-4F66-835B-7EDC0DD8252F}"/>
               </a:ext>
             </a:extLst>
           </p:cNvPr>
@@ -3179,7 +3246,7 @@
           <p:cNvPr id="2" name="标题 1">
             <a:extLst>
               <a:ext uri="{FF2B5EF4-FFF2-40B4-BE49-F238E27FC236}">
-                <a16:creationId xmlns:a16="http://schemas.microsoft.com/office/drawing/2014/main" id="{DEF0F9E6-6E4E-4C9E-A98D-EF8DABD21CAB}"/>
+                <a16:creationId xmlns:a16="http://schemas.microsoft.com/office/drawing/2014/main" xmlns="" id="{DEF0F9E6-6E4E-4C9E-A98D-EF8DABD21CAB}"/>
               </a:ext>
             </a:extLst>
           </p:cNvPr>
@@ -3219,7 +3286,7 @@
           <p:cNvPr id="3" name="文本占位符 2">
             <a:extLst>
               <a:ext uri="{FF2B5EF4-FFF2-40B4-BE49-F238E27FC236}">
-                <a16:creationId xmlns:a16="http://schemas.microsoft.com/office/drawing/2014/main" id="{8D9ABEE6-AE6E-4050-8164-5EBC00252ACF}"/>
+                <a16:creationId xmlns:a16="http://schemas.microsoft.com/office/drawing/2014/main" xmlns="" id="{8D9ABEE6-AE6E-4050-8164-5EBC00252ACF}"/>
               </a:ext>
             </a:extLst>
           </p:cNvPr>
@@ -3293,7 +3360,7 @@
           <p:cNvPr id="4" name="灯片编号占位符 3">
             <a:extLst>
               <a:ext uri="{FF2B5EF4-FFF2-40B4-BE49-F238E27FC236}">
-                <a16:creationId xmlns:a16="http://schemas.microsoft.com/office/drawing/2014/main" id="{8E786AA7-4871-4B03-B855-2BCA04E63482}"/>
+                <a16:creationId xmlns:a16="http://schemas.microsoft.com/office/drawing/2014/main" xmlns="" id="{8E786AA7-4871-4B03-B855-2BCA04E63482}"/>
               </a:ext>
             </a:extLst>
           </p:cNvPr>
@@ -3357,7 +3424,7 @@
           <p:cNvPr id="2" name="标题 1">
             <a:extLst>
               <a:ext uri="{FF2B5EF4-FFF2-40B4-BE49-F238E27FC236}">
-                <a16:creationId xmlns:a16="http://schemas.microsoft.com/office/drawing/2014/main" id="{757AFEB8-002C-464E-9FC8-10826243CD30}"/>
+                <a16:creationId xmlns:a16="http://schemas.microsoft.com/office/drawing/2014/main" xmlns="" id="{757AFEB8-002C-464E-9FC8-10826243CD30}"/>
               </a:ext>
             </a:extLst>
           </p:cNvPr>
@@ -3393,7 +3460,7 @@
           <p:cNvPr id="3" name="内容占位符 2">
             <a:extLst>
               <a:ext uri="{FF2B5EF4-FFF2-40B4-BE49-F238E27FC236}">
-                <a16:creationId xmlns:a16="http://schemas.microsoft.com/office/drawing/2014/main" id="{343C147F-0E80-4BC5-88C0-0B13AB1C0E8E}"/>
+                <a16:creationId xmlns:a16="http://schemas.microsoft.com/office/drawing/2014/main" xmlns="" id="{343C147F-0E80-4BC5-88C0-0B13AB1C0E8E}"/>
               </a:ext>
             </a:extLst>
           </p:cNvPr>
@@ -3458,7 +3525,7 @@
           <p:cNvPr id="4" name="内容占位符 3">
             <a:extLst>
               <a:ext uri="{FF2B5EF4-FFF2-40B4-BE49-F238E27FC236}">
-                <a16:creationId xmlns:a16="http://schemas.microsoft.com/office/drawing/2014/main" id="{ABE29A0D-470A-4D24-B5E4-D69B45AFAA1A}"/>
+                <a16:creationId xmlns:a16="http://schemas.microsoft.com/office/drawing/2014/main" xmlns="" id="{ABE29A0D-470A-4D24-B5E4-D69B45AFAA1A}"/>
               </a:ext>
             </a:extLst>
           </p:cNvPr>
@@ -3523,7 +3590,7 @@
           <p:cNvPr id="5" name="灯片编号占位符 4">
             <a:extLst>
               <a:ext uri="{FF2B5EF4-FFF2-40B4-BE49-F238E27FC236}">
-                <a16:creationId xmlns:a16="http://schemas.microsoft.com/office/drawing/2014/main" id="{3D4E71FC-FA32-40B2-A781-96D870E3A664}"/>
+                <a16:creationId xmlns:a16="http://schemas.microsoft.com/office/drawing/2014/main" xmlns="" id="{3D4E71FC-FA32-40B2-A781-96D870E3A664}"/>
               </a:ext>
             </a:extLst>
           </p:cNvPr>
@@ -3587,7 +3654,7 @@
           <p:cNvPr id="2" name="标题 1">
             <a:extLst>
               <a:ext uri="{FF2B5EF4-FFF2-40B4-BE49-F238E27FC236}">
-                <a16:creationId xmlns:a16="http://schemas.microsoft.com/office/drawing/2014/main" id="{D088E822-3460-4549-B734-2357F8BD35D2}"/>
+                <a16:creationId xmlns:a16="http://schemas.microsoft.com/office/drawing/2014/main" xmlns="" id="{D088E822-3460-4549-B734-2357F8BD35D2}"/>
               </a:ext>
             </a:extLst>
           </p:cNvPr>
@@ -3623,7 +3690,7 @@
           <p:cNvPr id="3" name="文本占位符 2">
             <a:extLst>
               <a:ext uri="{FF2B5EF4-FFF2-40B4-BE49-F238E27FC236}">
-                <a16:creationId xmlns:a16="http://schemas.microsoft.com/office/drawing/2014/main" id="{25F6B7B6-AAD1-46DE-812D-E279B2BA4CAA}"/>
+                <a16:creationId xmlns:a16="http://schemas.microsoft.com/office/drawing/2014/main" xmlns="" id="{25F6B7B6-AAD1-46DE-812D-E279B2BA4CAA}"/>
               </a:ext>
             </a:extLst>
           </p:cNvPr>
@@ -3697,7 +3764,7 @@
           <p:cNvPr id="4" name="内容占位符 3">
             <a:extLst>
               <a:ext uri="{FF2B5EF4-FFF2-40B4-BE49-F238E27FC236}">
-                <a16:creationId xmlns:a16="http://schemas.microsoft.com/office/drawing/2014/main" id="{E6EF8512-4BCF-429F-98B6-A40F21E02F3B}"/>
+                <a16:creationId xmlns:a16="http://schemas.microsoft.com/office/drawing/2014/main" xmlns="" id="{E6EF8512-4BCF-429F-98B6-A40F21E02F3B}"/>
               </a:ext>
             </a:extLst>
           </p:cNvPr>
@@ -3762,7 +3829,7 @@
           <p:cNvPr id="5" name="文本占位符 4">
             <a:extLst>
               <a:ext uri="{FF2B5EF4-FFF2-40B4-BE49-F238E27FC236}">
-                <a16:creationId xmlns:a16="http://schemas.microsoft.com/office/drawing/2014/main" id="{2E43955C-CB2E-44EA-8DEC-762EDA6D8F57}"/>
+                <a16:creationId xmlns:a16="http://schemas.microsoft.com/office/drawing/2014/main" xmlns="" id="{2E43955C-CB2E-44EA-8DEC-762EDA6D8F57}"/>
               </a:ext>
             </a:extLst>
           </p:cNvPr>
@@ -3836,7 +3903,7 @@
           <p:cNvPr id="6" name="内容占位符 5">
             <a:extLst>
               <a:ext uri="{FF2B5EF4-FFF2-40B4-BE49-F238E27FC236}">
-                <a16:creationId xmlns:a16="http://schemas.microsoft.com/office/drawing/2014/main" id="{FF04F6E5-926D-46BC-967B-30BA700C57B5}"/>
+                <a16:creationId xmlns:a16="http://schemas.microsoft.com/office/drawing/2014/main" xmlns="" id="{FF04F6E5-926D-46BC-967B-30BA700C57B5}"/>
               </a:ext>
             </a:extLst>
           </p:cNvPr>
@@ -3901,7 +3968,7 @@
           <p:cNvPr id="7" name="灯片编号占位符 6">
             <a:extLst>
               <a:ext uri="{FF2B5EF4-FFF2-40B4-BE49-F238E27FC236}">
-                <a16:creationId xmlns:a16="http://schemas.microsoft.com/office/drawing/2014/main" id="{A67352EA-DCBA-42ED-B669-CF6A9048E629}"/>
+                <a16:creationId xmlns:a16="http://schemas.microsoft.com/office/drawing/2014/main" xmlns="" id="{A67352EA-DCBA-42ED-B669-CF6A9048E629}"/>
               </a:ext>
             </a:extLst>
           </p:cNvPr>
@@ -3965,7 +4032,7 @@
           <p:cNvPr id="2" name="标题 1">
             <a:extLst>
               <a:ext uri="{FF2B5EF4-FFF2-40B4-BE49-F238E27FC236}">
-                <a16:creationId xmlns:a16="http://schemas.microsoft.com/office/drawing/2014/main" id="{566439B8-A890-4BF3-A5FC-9269282A0AA1}"/>
+                <a16:creationId xmlns:a16="http://schemas.microsoft.com/office/drawing/2014/main" xmlns="" id="{566439B8-A890-4BF3-A5FC-9269282A0AA1}"/>
               </a:ext>
             </a:extLst>
           </p:cNvPr>
@@ -4001,7 +4068,7 @@
           <p:cNvPr id="3" name="灯片编号占位符 2">
             <a:extLst>
               <a:ext uri="{FF2B5EF4-FFF2-40B4-BE49-F238E27FC236}">
-                <a16:creationId xmlns:a16="http://schemas.microsoft.com/office/drawing/2014/main" id="{DC232DAC-B15C-46F2-8CAE-846C4A5E236A}"/>
+                <a16:creationId xmlns:a16="http://schemas.microsoft.com/office/drawing/2014/main" xmlns="" id="{DC232DAC-B15C-46F2-8CAE-846C4A5E236A}"/>
               </a:ext>
             </a:extLst>
           </p:cNvPr>
@@ -4065,7 +4132,7 @@
           <p:cNvPr id="2" name="灯片编号占位符 1">
             <a:extLst>
               <a:ext uri="{FF2B5EF4-FFF2-40B4-BE49-F238E27FC236}">
-                <a16:creationId xmlns:a16="http://schemas.microsoft.com/office/drawing/2014/main" id="{97A36CCC-2ABB-464B-82A7-289602FB00C7}"/>
+                <a16:creationId xmlns:a16="http://schemas.microsoft.com/office/drawing/2014/main" xmlns="" id="{97A36CCC-2ABB-464B-82A7-289602FB00C7}"/>
               </a:ext>
             </a:extLst>
           </p:cNvPr>
@@ -4129,7 +4196,7 @@
           <p:cNvPr id="2" name="标题 1">
             <a:extLst>
               <a:ext uri="{FF2B5EF4-FFF2-40B4-BE49-F238E27FC236}">
-                <a16:creationId xmlns:a16="http://schemas.microsoft.com/office/drawing/2014/main" id="{34A01729-8E96-427E-B87C-84725AC1F1A2}"/>
+                <a16:creationId xmlns:a16="http://schemas.microsoft.com/office/drawing/2014/main" xmlns="" id="{34A01729-8E96-427E-B87C-84725AC1F1A2}"/>
               </a:ext>
             </a:extLst>
           </p:cNvPr>
@@ -4169,7 +4236,7 @@
           <p:cNvPr id="3" name="内容占位符 2">
             <a:extLst>
               <a:ext uri="{FF2B5EF4-FFF2-40B4-BE49-F238E27FC236}">
-                <a16:creationId xmlns:a16="http://schemas.microsoft.com/office/drawing/2014/main" id="{E129B704-0C29-4DA0-AAE3-8730A27EC2C3}"/>
+                <a16:creationId xmlns:a16="http://schemas.microsoft.com/office/drawing/2014/main" xmlns="" id="{E129B704-0C29-4DA0-AAE3-8730A27EC2C3}"/>
               </a:ext>
             </a:extLst>
           </p:cNvPr>
@@ -4262,7 +4329,7 @@
           <p:cNvPr id="4" name="文本占位符 3">
             <a:extLst>
               <a:ext uri="{FF2B5EF4-FFF2-40B4-BE49-F238E27FC236}">
-                <a16:creationId xmlns:a16="http://schemas.microsoft.com/office/drawing/2014/main" id="{BD61614F-03CD-4D7C-AB94-0D876667233E}"/>
+                <a16:creationId xmlns:a16="http://schemas.microsoft.com/office/drawing/2014/main" xmlns="" id="{BD61614F-03CD-4D7C-AB94-0D876667233E}"/>
               </a:ext>
             </a:extLst>
           </p:cNvPr>
@@ -4336,7 +4403,7 @@
           <p:cNvPr id="5" name="灯片编号占位符 4">
             <a:extLst>
               <a:ext uri="{FF2B5EF4-FFF2-40B4-BE49-F238E27FC236}">
-                <a16:creationId xmlns:a16="http://schemas.microsoft.com/office/drawing/2014/main" id="{5F584EEA-F424-4D5A-9512-C341C6F74527}"/>
+                <a16:creationId xmlns:a16="http://schemas.microsoft.com/office/drawing/2014/main" xmlns="" id="{5F584EEA-F424-4D5A-9512-C341C6F74527}"/>
               </a:ext>
             </a:extLst>
           </p:cNvPr>
@@ -4400,7 +4467,7 @@
           <p:cNvPr id="2" name="标题 1">
             <a:extLst>
               <a:ext uri="{FF2B5EF4-FFF2-40B4-BE49-F238E27FC236}">
-                <a16:creationId xmlns:a16="http://schemas.microsoft.com/office/drawing/2014/main" id="{8AC0D9A2-D4AA-4901-B563-F938E76BA47B}"/>
+                <a16:creationId xmlns:a16="http://schemas.microsoft.com/office/drawing/2014/main" xmlns="" id="{8AC0D9A2-D4AA-4901-B563-F938E76BA47B}"/>
               </a:ext>
             </a:extLst>
           </p:cNvPr>
@@ -4440,7 +4507,7 @@
           <p:cNvPr id="3" name="图片占位符 2">
             <a:extLst>
               <a:ext uri="{FF2B5EF4-FFF2-40B4-BE49-F238E27FC236}">
-                <a16:creationId xmlns:a16="http://schemas.microsoft.com/office/drawing/2014/main" id="{55B52424-42FD-4880-9E96-0C7B44DF59E6}"/>
+                <a16:creationId xmlns:a16="http://schemas.microsoft.com/office/drawing/2014/main" xmlns="" id="{55B52424-42FD-4880-9E96-0C7B44DF59E6}"/>
               </a:ext>
             </a:extLst>
           </p:cNvPr>
@@ -4510,7 +4577,7 @@
           <p:cNvPr id="4" name="文本占位符 3">
             <a:extLst>
               <a:ext uri="{FF2B5EF4-FFF2-40B4-BE49-F238E27FC236}">
-                <a16:creationId xmlns:a16="http://schemas.microsoft.com/office/drawing/2014/main" id="{A9ACC898-B51A-4746-96CF-9C1B90950FE9}"/>
+                <a16:creationId xmlns:a16="http://schemas.microsoft.com/office/drawing/2014/main" xmlns="" id="{A9ACC898-B51A-4746-96CF-9C1B90950FE9}"/>
               </a:ext>
             </a:extLst>
           </p:cNvPr>
@@ -4584,7 +4651,7 @@
           <p:cNvPr id="5" name="灯片编号占位符 4">
             <a:extLst>
               <a:ext uri="{FF2B5EF4-FFF2-40B4-BE49-F238E27FC236}">
-                <a16:creationId xmlns:a16="http://schemas.microsoft.com/office/drawing/2014/main" id="{FF76DA64-88F7-483C-AE16-E94C47973A01}"/>
+                <a16:creationId xmlns:a16="http://schemas.microsoft.com/office/drawing/2014/main" xmlns="" id="{FF76DA64-88F7-483C-AE16-E94C47973A01}"/>
               </a:ext>
             </a:extLst>
           </p:cNvPr>
@@ -4656,7 +4723,7 @@
           <p:cNvPr id="2049" name="Picture 1" descr="ppt元素-11.png">
             <a:extLst>
               <a:ext uri="{FF2B5EF4-FFF2-40B4-BE49-F238E27FC236}">
-                <a16:creationId xmlns:a16="http://schemas.microsoft.com/office/drawing/2014/main" id="{4CBE4F7A-DF60-480C-A0F2-6DFBCF878D11}"/>
+                <a16:creationId xmlns:a16="http://schemas.microsoft.com/office/drawing/2014/main" xmlns="" id="{4CBE4F7A-DF60-480C-A0F2-6DFBCF878D11}"/>
               </a:ext>
             </a:extLst>
           </p:cNvPr>
@@ -4727,7 +4794,7 @@
           <p:cNvPr id="2050" name="Rectangle 2">
             <a:extLst>
               <a:ext uri="{FF2B5EF4-FFF2-40B4-BE49-F238E27FC236}">
-                <a16:creationId xmlns:a16="http://schemas.microsoft.com/office/drawing/2014/main" id="{8C0EE73C-67BB-4C42-8BD8-750C3733AD42}"/>
+                <a16:creationId xmlns:a16="http://schemas.microsoft.com/office/drawing/2014/main" xmlns="" id="{8C0EE73C-67BB-4C42-8BD8-750C3733AD42}"/>
               </a:ext>
             </a:extLst>
           </p:cNvPr>
@@ -5278,7 +5345,7 @@
           <p:cNvPr id="39" name="图片 38">
             <a:extLst>
               <a:ext uri="{FF2B5EF4-FFF2-40B4-BE49-F238E27FC236}">
-                <a16:creationId xmlns:a16="http://schemas.microsoft.com/office/drawing/2014/main" id="{C49BA596-B860-41A3-9734-D1BA0CD74A42}"/>
+                <a16:creationId xmlns:a16="http://schemas.microsoft.com/office/drawing/2014/main" xmlns="" id="{C49BA596-B860-41A3-9734-D1BA0CD74A42}"/>
               </a:ext>
             </a:extLst>
           </p:cNvPr>
@@ -5320,7 +5387,7 @@
           <p:cNvPr id="78" name="表格 77">
             <a:extLst>
               <a:ext uri="{FF2B5EF4-FFF2-40B4-BE49-F238E27FC236}">
-                <a16:creationId xmlns:a16="http://schemas.microsoft.com/office/drawing/2014/main" id="{FF252C29-EF21-4355-A912-49256C22FA06}"/>
+                <a16:creationId xmlns:a16="http://schemas.microsoft.com/office/drawing/2014/main" xmlns="" id="{FF252C29-EF21-4355-A912-49256C22FA06}"/>
               </a:ext>
             </a:extLst>
           </p:cNvPr>
@@ -5347,21 +5414,21 @@
                 <a:gridCol w="1895730">
                   <a:extLst>
                     <a:ext uri="{9D8B030D-6E8A-4147-A177-3AD203B41FA5}">
-                      <a16:colId xmlns:a16="http://schemas.microsoft.com/office/drawing/2014/main" val="3948644296"/>
+                      <a16:colId xmlns:a16="http://schemas.microsoft.com/office/drawing/2014/main" xmlns="" val="3948644296"/>
                     </a:ext>
                   </a:extLst>
                 </a:gridCol>
                 <a:gridCol w="2478587">
                   <a:extLst>
                     <a:ext uri="{9D8B030D-6E8A-4147-A177-3AD203B41FA5}">
-                      <a16:colId xmlns:a16="http://schemas.microsoft.com/office/drawing/2014/main" val="3723654050"/>
+                      <a16:colId xmlns:a16="http://schemas.microsoft.com/office/drawing/2014/main" xmlns="" val="3723654050"/>
                     </a:ext>
                   </a:extLst>
                 </a:gridCol>
                 <a:gridCol w="2826483">
                   <a:extLst>
                     <a:ext uri="{9D8B030D-6E8A-4147-A177-3AD203B41FA5}">
-                      <a16:colId xmlns:a16="http://schemas.microsoft.com/office/drawing/2014/main" val="4270415431"/>
+                      <a16:colId xmlns:a16="http://schemas.microsoft.com/office/drawing/2014/main" xmlns="" val="4270415431"/>
                     </a:ext>
                   </a:extLst>
                 </a:gridCol>
@@ -5586,7 +5653,7 @@
                 </a:tc>
                 <a:extLst>
                   <a:ext uri="{0D108BD9-81ED-4DB2-BD59-A6C34878D82A}">
-                    <a16:rowId xmlns:a16="http://schemas.microsoft.com/office/drawing/2014/main" val="1556317445"/>
+                    <a16:rowId xmlns:a16="http://schemas.microsoft.com/office/drawing/2014/main" xmlns="" val="1556317445"/>
                   </a:ext>
                 </a:extLst>
               </a:tr>
@@ -5781,7 +5848,7 @@
                 </a:tc>
                 <a:extLst>
                   <a:ext uri="{0D108BD9-81ED-4DB2-BD59-A6C34878D82A}">
-                    <a16:rowId xmlns:a16="http://schemas.microsoft.com/office/drawing/2014/main" val="1172037100"/>
+                    <a16:rowId xmlns:a16="http://schemas.microsoft.com/office/drawing/2014/main" xmlns="" val="1172037100"/>
                   </a:ext>
                 </a:extLst>
               </a:tr>
@@ -5995,7 +6062,7 @@
                 </a:tc>
                 <a:extLst>
                   <a:ext uri="{0D108BD9-81ED-4DB2-BD59-A6C34878D82A}">
-                    <a16:rowId xmlns:a16="http://schemas.microsoft.com/office/drawing/2014/main" val="2243676995"/>
+                    <a16:rowId xmlns:a16="http://schemas.microsoft.com/office/drawing/2014/main" xmlns="" val="2243676995"/>
                   </a:ext>
                 </a:extLst>
               </a:tr>
@@ -6199,7 +6266,7 @@
                 </a:tc>
                 <a:extLst>
                   <a:ext uri="{0D108BD9-81ED-4DB2-BD59-A6C34878D82A}">
-                    <a16:rowId xmlns:a16="http://schemas.microsoft.com/office/drawing/2014/main" val="4256870296"/>
+                    <a16:rowId xmlns:a16="http://schemas.microsoft.com/office/drawing/2014/main" xmlns="" val="4256870296"/>
                   </a:ext>
                 </a:extLst>
               </a:tr>
@@ -6394,7 +6461,7 @@
                 </a:tc>
                 <a:extLst>
                   <a:ext uri="{0D108BD9-81ED-4DB2-BD59-A6C34878D82A}">
-                    <a16:rowId xmlns:a16="http://schemas.microsoft.com/office/drawing/2014/main" val="899282155"/>
+                    <a16:rowId xmlns:a16="http://schemas.microsoft.com/office/drawing/2014/main" xmlns="" val="899282155"/>
                   </a:ext>
                 </a:extLst>
               </a:tr>
@@ -6597,7 +6664,7 @@
                 </a:tc>
                 <a:extLst>
                   <a:ext uri="{0D108BD9-81ED-4DB2-BD59-A6C34878D82A}">
-                    <a16:rowId xmlns:a16="http://schemas.microsoft.com/office/drawing/2014/main" val="10005"/>
+                    <a16:rowId xmlns:a16="http://schemas.microsoft.com/office/drawing/2014/main" xmlns="" val="10005"/>
                   </a:ext>
                 </a:extLst>
               </a:tr>
@@ -6703,6 +6770,18 @@
                           <a:cs typeface="+mn-cs"/>
                         </a:rPr>
                         <a:t>聚集索引</a:t>
+                      </a:r>
+                      <a:r>
+                        <a:rPr lang="en-US" altLang="zh-CN" sz="1600" kern="1200" dirty="0">
+                          <a:solidFill>
+                            <a:schemeClr val="bg1"/>
+                          </a:solidFill>
+                          <a:effectLst/>
+                          <a:latin typeface="微软雅黑" panose="020B0503020204020204" pitchFamily="34" charset="-122"/>
+                          <a:ea typeface="微软雅黑" panose="020B0503020204020204" pitchFamily="34" charset="-122"/>
+                          <a:cs typeface="+mn-cs"/>
+                        </a:rPr>
+                        <a:t/>
                       </a:r>
                       <a:br>
                         <a:rPr lang="en-US" altLang="zh-CN" sz="1600" kern="1200" dirty="0">
@@ -6872,7 +6951,7 @@
                 </a:tc>
                 <a:extLst>
                   <a:ext uri="{0D108BD9-81ED-4DB2-BD59-A6C34878D82A}">
-                    <a16:rowId xmlns:a16="http://schemas.microsoft.com/office/drawing/2014/main" val="10006"/>
+                    <a16:rowId xmlns:a16="http://schemas.microsoft.com/office/drawing/2014/main" xmlns="" val="10006"/>
                   </a:ext>
                 </a:extLst>
               </a:tr>
@@ -7123,7 +7202,7 @@
                 </a:tc>
                 <a:extLst>
                   <a:ext uri="{0D108BD9-81ED-4DB2-BD59-A6C34878D82A}">
-                    <a16:rowId xmlns:a16="http://schemas.microsoft.com/office/drawing/2014/main" val="10007"/>
+                    <a16:rowId xmlns:a16="http://schemas.microsoft.com/office/drawing/2014/main" xmlns="" val="10007"/>
                   </a:ext>
                 </a:extLst>
               </a:tr>
@@ -7196,7 +7275,7 @@
           <p:cNvPr id="40" name="流程图: 过程 39">
             <a:extLst>
               <a:ext uri="{FF2B5EF4-FFF2-40B4-BE49-F238E27FC236}">
-                <a16:creationId xmlns:a16="http://schemas.microsoft.com/office/drawing/2014/main" id="{DEE6F68B-D383-4456-A945-5D2426316FC6}"/>
+                <a16:creationId xmlns:a16="http://schemas.microsoft.com/office/drawing/2014/main" xmlns="" id="{DEE6F68B-D383-4456-A945-5D2426316FC6}"/>
               </a:ext>
             </a:extLst>
           </p:cNvPr>
@@ -7494,7 +7573,7 @@
           <p:cNvPr id="39" name="图片 38">
             <a:extLst>
               <a:ext uri="{FF2B5EF4-FFF2-40B4-BE49-F238E27FC236}">
-                <a16:creationId xmlns:a16="http://schemas.microsoft.com/office/drawing/2014/main" id="{C49BA596-B860-41A3-9734-D1BA0CD74A42}"/>
+                <a16:creationId xmlns:a16="http://schemas.microsoft.com/office/drawing/2014/main" xmlns="" id="{C49BA596-B860-41A3-9734-D1BA0CD74A42}"/>
               </a:ext>
             </a:extLst>
           </p:cNvPr>
@@ -7517,7 +7596,7 @@
         </p:blipFill>
         <p:spPr>
           <a:xfrm>
-            <a:off x="806714" y="1052736"/>
+            <a:off x="1559496" y="1412776"/>
             <a:ext cx="8457637" cy="4680520"/>
           </a:xfrm>
           <a:prstGeom prst="rect">
@@ -7536,7 +7615,7 @@
           <p:cNvPr id="78" name="表格 77">
             <a:extLst>
               <a:ext uri="{FF2B5EF4-FFF2-40B4-BE49-F238E27FC236}">
-                <a16:creationId xmlns:a16="http://schemas.microsoft.com/office/drawing/2014/main" id="{FF252C29-EF21-4355-A912-49256C22FA06}"/>
+                <a16:creationId xmlns:a16="http://schemas.microsoft.com/office/drawing/2014/main" xmlns="" id="{FF252C29-EF21-4355-A912-49256C22FA06}"/>
               </a:ext>
             </a:extLst>
           </p:cNvPr>
@@ -7546,13 +7625,13 @@
           <p:nvPr>
             <p:extLst>
               <p:ext uri="{D42A27DB-BD31-4B8C-83A1-F6EECF244321}">
-                <p14:modId xmlns:p14="http://schemas.microsoft.com/office/powerpoint/2010/main" val="78352489"/>
+                <p14:modId xmlns:p14="http://schemas.microsoft.com/office/powerpoint/2010/main" val="3651957017"/>
               </p:ext>
             </p:extLst>
           </p:nvPr>
         </p:nvGraphicFramePr>
         <p:xfrm>
-          <a:off x="1055440" y="1268761"/>
+          <a:off x="1808222" y="1628801"/>
           <a:ext cx="7992888" cy="3838600"/>
         </p:xfrm>
         <a:graphic>
@@ -7563,28 +7642,28 @@
                 <a:gridCol w="2232248">
                   <a:extLst>
                     <a:ext uri="{9D8B030D-6E8A-4147-A177-3AD203B41FA5}">
-                      <a16:colId xmlns:a16="http://schemas.microsoft.com/office/drawing/2014/main" val="3948644296"/>
+                      <a16:colId xmlns:a16="http://schemas.microsoft.com/office/drawing/2014/main" xmlns="" val="3948644296"/>
                     </a:ext>
                   </a:extLst>
                 </a:gridCol>
                 <a:gridCol w="1728191">
                   <a:extLst>
                     <a:ext uri="{9D8B030D-6E8A-4147-A177-3AD203B41FA5}">
-                      <a16:colId xmlns:a16="http://schemas.microsoft.com/office/drawing/2014/main" val="3723654050"/>
+                      <a16:colId xmlns:a16="http://schemas.microsoft.com/office/drawing/2014/main" xmlns="" val="3723654050"/>
                     </a:ext>
                   </a:extLst>
                 </a:gridCol>
                 <a:gridCol w="2094779">
                   <a:extLst>
                     <a:ext uri="{9D8B030D-6E8A-4147-A177-3AD203B41FA5}">
-                      <a16:colId xmlns:a16="http://schemas.microsoft.com/office/drawing/2014/main" val="4270415431"/>
+                      <a16:colId xmlns:a16="http://schemas.microsoft.com/office/drawing/2014/main" xmlns="" val="4270415431"/>
                     </a:ext>
                   </a:extLst>
                 </a:gridCol>
                 <a:gridCol w="1937670">
                   <a:extLst>
                     <a:ext uri="{9D8B030D-6E8A-4147-A177-3AD203B41FA5}">
-                      <a16:colId xmlns:a16="http://schemas.microsoft.com/office/drawing/2014/main" val="20003"/>
+                      <a16:colId xmlns:a16="http://schemas.microsoft.com/office/drawing/2014/main" xmlns="" val="20003"/>
                     </a:ext>
                   </a:extLst>
                 </a:gridCol>
@@ -7974,7 +8053,7 @@
                 </a:tc>
                 <a:extLst>
                   <a:ext uri="{0D108BD9-81ED-4DB2-BD59-A6C34878D82A}">
-                    <a16:rowId xmlns:a16="http://schemas.microsoft.com/office/drawing/2014/main" val="1556317445"/>
+                    <a16:rowId xmlns:a16="http://schemas.microsoft.com/office/drawing/2014/main" xmlns="" val="1556317445"/>
                   </a:ext>
                 </a:extLst>
               </a:tr>
@@ -8266,7 +8345,7 @@
                 </a:tc>
                 <a:extLst>
                   <a:ext uri="{0D108BD9-81ED-4DB2-BD59-A6C34878D82A}">
-                    <a16:rowId xmlns:a16="http://schemas.microsoft.com/office/drawing/2014/main" val="1172037100"/>
+                    <a16:rowId xmlns:a16="http://schemas.microsoft.com/office/drawing/2014/main" xmlns="" val="1172037100"/>
                   </a:ext>
                 </a:extLst>
               </a:tr>
@@ -8558,7 +8637,7 @@
                 </a:tc>
                 <a:extLst>
                   <a:ext uri="{0D108BD9-81ED-4DB2-BD59-A6C34878D82A}">
-                    <a16:rowId xmlns:a16="http://schemas.microsoft.com/office/drawing/2014/main" val="2243676995"/>
+                    <a16:rowId xmlns:a16="http://schemas.microsoft.com/office/drawing/2014/main" xmlns="" val="2243676995"/>
                   </a:ext>
                 </a:extLst>
               </a:tr>
@@ -8850,7 +8929,7 @@
                 </a:tc>
                 <a:extLst>
                   <a:ext uri="{0D108BD9-81ED-4DB2-BD59-A6C34878D82A}">
-                    <a16:rowId xmlns:a16="http://schemas.microsoft.com/office/drawing/2014/main" val="4256870296"/>
+                    <a16:rowId xmlns:a16="http://schemas.microsoft.com/office/drawing/2014/main" xmlns="" val="4256870296"/>
                   </a:ext>
                 </a:extLst>
               </a:tr>
@@ -9142,7 +9221,7 @@
                 </a:tc>
                 <a:extLst>
                   <a:ext uri="{0D108BD9-81ED-4DB2-BD59-A6C34878D82A}">
-                    <a16:rowId xmlns:a16="http://schemas.microsoft.com/office/drawing/2014/main" val="899282155"/>
+                    <a16:rowId xmlns:a16="http://schemas.microsoft.com/office/drawing/2014/main" xmlns="" val="899282155"/>
                   </a:ext>
                 </a:extLst>
               </a:tr>
@@ -9155,7 +9234,7 @@
           <p:cNvPr id="40" name="流程图: 过程 39">
             <a:extLst>
               <a:ext uri="{FF2B5EF4-FFF2-40B4-BE49-F238E27FC236}">
-                <a16:creationId xmlns:a16="http://schemas.microsoft.com/office/drawing/2014/main" id="{DEE6F68B-D383-4456-A945-5D2426316FC6}"/>
+                <a16:creationId xmlns:a16="http://schemas.microsoft.com/office/drawing/2014/main" xmlns="" id="{DEE6F68B-D383-4456-A945-5D2426316FC6}"/>
               </a:ext>
             </a:extLst>
           </p:cNvPr>
@@ -9164,7 +9243,7 @@
         </p:nvSpPr>
         <p:spPr>
           <a:xfrm>
-            <a:off x="3215680" y="5156464"/>
+            <a:off x="3968462" y="5516504"/>
             <a:ext cx="4176464" cy="450501"/>
           </a:xfrm>
           <a:prstGeom prst="flowChartProcess">
@@ -9233,7 +9312,7 @@
         </p:blipFill>
         <p:spPr>
           <a:xfrm>
-            <a:off x="3935760" y="2204864"/>
+            <a:off x="4688542" y="2564904"/>
             <a:ext cx="385961" cy="382140"/>
           </a:xfrm>
           <a:prstGeom prst="rect">
@@ -9263,7 +9342,7 @@
         </p:blipFill>
         <p:spPr>
           <a:xfrm>
-            <a:off x="5873756" y="2204864"/>
+            <a:off x="6626538" y="2564904"/>
             <a:ext cx="385961" cy="382140"/>
           </a:xfrm>
           <a:prstGeom prst="rect">
@@ -9293,7 +9372,7 @@
         </p:blipFill>
         <p:spPr>
           <a:xfrm>
-            <a:off x="7860411" y="2204864"/>
+            <a:off x="8613193" y="2564904"/>
             <a:ext cx="385961" cy="382140"/>
           </a:xfrm>
           <a:prstGeom prst="rect">
@@ -9323,7 +9402,7 @@
         </p:blipFill>
         <p:spPr>
           <a:xfrm>
-            <a:off x="5873756" y="2996952"/>
+            <a:off x="6626538" y="3356992"/>
             <a:ext cx="385961" cy="382140"/>
           </a:xfrm>
           <a:prstGeom prst="rect">
@@ -9353,7 +9432,7 @@
         </p:blipFill>
         <p:spPr>
           <a:xfrm>
-            <a:off x="7860411" y="2996952"/>
+            <a:off x="8613193" y="3356992"/>
             <a:ext cx="385961" cy="382140"/>
           </a:xfrm>
           <a:prstGeom prst="rect">
@@ -9383,7 +9462,7 @@
         </p:blipFill>
         <p:spPr>
           <a:xfrm>
-            <a:off x="7860410" y="3789040"/>
+            <a:off x="8613192" y="4149080"/>
             <a:ext cx="385961" cy="382140"/>
           </a:xfrm>
           <a:prstGeom prst="rect">
@@ -9413,7 +9492,7 @@
         </p:blipFill>
         <p:spPr>
           <a:xfrm>
-            <a:off x="3969575" y="2996952"/>
+            <a:off x="4722357" y="3356992"/>
             <a:ext cx="335042" cy="335042"/>
           </a:xfrm>
           <a:prstGeom prst="rect">
@@ -9443,7 +9522,7 @@
         </p:blipFill>
         <p:spPr>
           <a:xfrm>
-            <a:off x="3969575" y="3788649"/>
+            <a:off x="4722357" y="4148689"/>
             <a:ext cx="335042" cy="335042"/>
           </a:xfrm>
           <a:prstGeom prst="rect">
@@ -9473,7 +9552,7 @@
         </p:blipFill>
         <p:spPr>
           <a:xfrm>
-            <a:off x="3944553" y="4574400"/>
+            <a:off x="4697335" y="4934440"/>
             <a:ext cx="335042" cy="335042"/>
           </a:xfrm>
           <a:prstGeom prst="rect">
@@ -9503,7 +9582,7 @@
         </p:blipFill>
         <p:spPr>
           <a:xfrm>
-            <a:off x="5927503" y="3788649"/>
+            <a:off x="6680285" y="4148689"/>
             <a:ext cx="335042" cy="335042"/>
           </a:xfrm>
           <a:prstGeom prst="rect">
@@ -9533,7 +9612,7 @@
         </p:blipFill>
         <p:spPr>
           <a:xfrm>
-            <a:off x="5902481" y="4574400"/>
+            <a:off x="6655263" y="4934440"/>
             <a:ext cx="335042" cy="335042"/>
           </a:xfrm>
           <a:prstGeom prst="rect">
@@ -9563,7 +9642,7 @@
         </p:blipFill>
         <p:spPr>
           <a:xfrm>
-            <a:off x="7885869" y="4511532"/>
+            <a:off x="8638651" y="4871572"/>
             <a:ext cx="335042" cy="335042"/>
           </a:xfrm>
           <a:prstGeom prst="rect">
@@ -9621,7 +9700,7 @@
           <p:cNvPr id="39" name="图片 38">
             <a:extLst>
               <a:ext uri="{FF2B5EF4-FFF2-40B4-BE49-F238E27FC236}">
-                <a16:creationId xmlns:a16="http://schemas.microsoft.com/office/drawing/2014/main" id="{C49BA596-B860-41A3-9734-D1BA0CD74A42}"/>
+                <a16:creationId xmlns:a16="http://schemas.microsoft.com/office/drawing/2014/main" xmlns="" id="{C49BA596-B860-41A3-9734-D1BA0CD74A42}"/>
               </a:ext>
             </a:extLst>
           </p:cNvPr>
@@ -9644,7 +9723,7 @@
         </p:blipFill>
         <p:spPr>
           <a:xfrm>
-            <a:off x="2567608" y="1052736"/>
+            <a:off x="4223792" y="2564904"/>
             <a:ext cx="4032448" cy="1894299"/>
           </a:xfrm>
           <a:prstGeom prst="rect">
@@ -9663,7 +9742,7 @@
           <p:cNvPr id="78" name="表格 77">
             <a:extLst>
               <a:ext uri="{FF2B5EF4-FFF2-40B4-BE49-F238E27FC236}">
-                <a16:creationId xmlns:a16="http://schemas.microsoft.com/office/drawing/2014/main" id="{FF252C29-EF21-4355-A912-49256C22FA06}"/>
+                <a16:creationId xmlns:a16="http://schemas.microsoft.com/office/drawing/2014/main" xmlns="" id="{FF252C29-EF21-4355-A912-49256C22FA06}"/>
               </a:ext>
             </a:extLst>
           </p:cNvPr>
@@ -9673,13 +9752,13 @@
           <p:nvPr>
             <p:extLst>
               <p:ext uri="{D42A27DB-BD31-4B8C-83A1-F6EECF244321}">
-                <p14:modId xmlns:p14="http://schemas.microsoft.com/office/powerpoint/2010/main" val="3445063957"/>
+                <p14:modId xmlns:p14="http://schemas.microsoft.com/office/powerpoint/2010/main" val="1000322064"/>
               </p:ext>
             </p:extLst>
           </p:nvPr>
         </p:nvGraphicFramePr>
         <p:xfrm>
-          <a:off x="2730041" y="1231739"/>
+          <a:off x="4386225" y="2743907"/>
           <a:ext cx="3725999" cy="1240132"/>
         </p:xfrm>
         <a:graphic>
@@ -9690,21 +9769,21 @@
                 <a:gridCol w="1438878">
                   <a:extLst>
                     <a:ext uri="{9D8B030D-6E8A-4147-A177-3AD203B41FA5}">
-                      <a16:colId xmlns:a16="http://schemas.microsoft.com/office/drawing/2014/main" val="3948644296"/>
+                      <a16:colId xmlns:a16="http://schemas.microsoft.com/office/drawing/2014/main" xmlns="" val="3948644296"/>
                     </a:ext>
                   </a:extLst>
                 </a:gridCol>
                 <a:gridCol w="1094802">
                   <a:extLst>
                     <a:ext uri="{9D8B030D-6E8A-4147-A177-3AD203B41FA5}">
-                      <a16:colId xmlns:a16="http://schemas.microsoft.com/office/drawing/2014/main" val="3723654050"/>
+                      <a16:colId xmlns:a16="http://schemas.microsoft.com/office/drawing/2014/main" xmlns="" val="3723654050"/>
                     </a:ext>
                   </a:extLst>
                 </a:gridCol>
                 <a:gridCol w="1192319">
                   <a:extLst>
                     <a:ext uri="{9D8B030D-6E8A-4147-A177-3AD203B41FA5}">
-                      <a16:colId xmlns:a16="http://schemas.microsoft.com/office/drawing/2014/main" val="4270415431"/>
+                      <a16:colId xmlns:a16="http://schemas.microsoft.com/office/drawing/2014/main" xmlns="" val="4270415431"/>
                     </a:ext>
                   </a:extLst>
                 </a:gridCol>
@@ -9929,7 +10008,7 @@
                 </a:tc>
                 <a:extLst>
                   <a:ext uri="{0D108BD9-81ED-4DB2-BD59-A6C34878D82A}">
-                    <a16:rowId xmlns:a16="http://schemas.microsoft.com/office/drawing/2014/main" val="1556317445"/>
+                    <a16:rowId xmlns:a16="http://schemas.microsoft.com/office/drawing/2014/main" xmlns="" val="1556317445"/>
                   </a:ext>
                 </a:extLst>
               </a:tr>
@@ -10138,7 +10217,7 @@
                 </a:tc>
                 <a:extLst>
                   <a:ext uri="{0D108BD9-81ED-4DB2-BD59-A6C34878D82A}">
-                    <a16:rowId xmlns:a16="http://schemas.microsoft.com/office/drawing/2014/main" val="1172037100"/>
+                    <a16:rowId xmlns:a16="http://schemas.microsoft.com/office/drawing/2014/main" xmlns="" val="1172037100"/>
                   </a:ext>
                 </a:extLst>
               </a:tr>
@@ -10363,7 +10442,7 @@
                 </a:tc>
                 <a:extLst>
                   <a:ext uri="{0D108BD9-81ED-4DB2-BD59-A6C34878D82A}">
-                    <a16:rowId xmlns:a16="http://schemas.microsoft.com/office/drawing/2014/main" val="2243676995"/>
+                    <a16:rowId xmlns:a16="http://schemas.microsoft.com/office/drawing/2014/main" xmlns="" val="2243676995"/>
                   </a:ext>
                 </a:extLst>
               </a:tr>
@@ -10376,7 +10455,7 @@
           <p:cNvPr id="40" name="流程图: 过程 39">
             <a:extLst>
               <a:ext uri="{FF2B5EF4-FFF2-40B4-BE49-F238E27FC236}">
-                <a16:creationId xmlns:a16="http://schemas.microsoft.com/office/drawing/2014/main" id="{DEE6F68B-D383-4456-A945-5D2426316FC6}"/>
+                <a16:creationId xmlns:a16="http://schemas.microsoft.com/office/drawing/2014/main" xmlns="" id="{DEE6F68B-D383-4456-A945-5D2426316FC6}"/>
               </a:ext>
             </a:extLst>
           </p:cNvPr>
@@ -10385,7 +10464,7 @@
         </p:nvSpPr>
         <p:spPr>
           <a:xfrm>
-            <a:off x="3035660" y="2462808"/>
+            <a:off x="4691844" y="3974976"/>
             <a:ext cx="3096344" cy="450501"/>
           </a:xfrm>
           <a:prstGeom prst="flowChartProcess">
@@ -10485,7 +10564,7 @@
         </p:nvSpPr>
         <p:spPr bwMode="auto">
           <a:xfrm>
-            <a:off x="2927648" y="3140968"/>
+            <a:off x="4151784" y="2492896"/>
             <a:ext cx="3456384" cy="1728192"/>
           </a:xfrm>
           <a:prstGeom prst="rect">
@@ -10544,7 +10623,7 @@
         </p:blipFill>
         <p:spPr>
           <a:xfrm>
-            <a:off x="3071664" y="3320988"/>
+            <a:off x="4295800" y="2672916"/>
             <a:ext cx="3072342" cy="1368152"/>
           </a:xfrm>
           <a:prstGeom prst="rect">
@@ -10602,7 +10681,7 @@
           <p:cNvPr id="257" name="图片 256">
             <a:extLst>
               <a:ext uri="{FF2B5EF4-FFF2-40B4-BE49-F238E27FC236}">
-                <a16:creationId xmlns:a16="http://schemas.microsoft.com/office/drawing/2014/main" id="{F227F290-809D-4C66-80F7-4ED1A8FECA3A}"/>
+                <a16:creationId xmlns:a16="http://schemas.microsoft.com/office/drawing/2014/main" xmlns="" id="{F227F290-809D-4C66-80F7-4ED1A8FECA3A}"/>
               </a:ext>
             </a:extLst>
           </p:cNvPr>
@@ -10644,7 +10723,7 @@
           <p:cNvPr id="172" name="直接箭头连接符 171">
             <a:extLst>
               <a:ext uri="{FF2B5EF4-FFF2-40B4-BE49-F238E27FC236}">
-                <a16:creationId xmlns:a16="http://schemas.microsoft.com/office/drawing/2014/main" id="{0D64FD88-B358-4F8D-8E5E-BDE1594E50C2}"/>
+                <a16:creationId xmlns:a16="http://schemas.microsoft.com/office/drawing/2014/main" xmlns="" id="{0D64FD88-B358-4F8D-8E5E-BDE1594E50C2}"/>
               </a:ext>
             </a:extLst>
           </p:cNvPr>
@@ -10689,7 +10768,7 @@
           <p:cNvPr id="178" name="矩形 177">
             <a:extLst>
               <a:ext uri="{FF2B5EF4-FFF2-40B4-BE49-F238E27FC236}">
-                <a16:creationId xmlns:a16="http://schemas.microsoft.com/office/drawing/2014/main" id="{B050F764-DDE9-4B5B-9C18-3F92C32CA32C}"/>
+                <a16:creationId xmlns:a16="http://schemas.microsoft.com/office/drawing/2014/main" xmlns="" id="{B050F764-DDE9-4B5B-9C18-3F92C32CA32C}"/>
               </a:ext>
             </a:extLst>
           </p:cNvPr>
@@ -10740,7 +10819,7 @@
           <p:cNvPr id="194" name="直接箭头连接符 193">
             <a:extLst>
               <a:ext uri="{FF2B5EF4-FFF2-40B4-BE49-F238E27FC236}">
-                <a16:creationId xmlns:a16="http://schemas.microsoft.com/office/drawing/2014/main" id="{F56DB617-0071-4854-8092-F372A816CE21}"/>
+                <a16:creationId xmlns:a16="http://schemas.microsoft.com/office/drawing/2014/main" xmlns="" id="{F56DB617-0071-4854-8092-F372A816CE21}"/>
               </a:ext>
             </a:extLst>
           </p:cNvPr>
@@ -10785,7 +10864,7 @@
           <p:cNvPr id="197" name="直接箭头连接符 196">
             <a:extLst>
               <a:ext uri="{FF2B5EF4-FFF2-40B4-BE49-F238E27FC236}">
-                <a16:creationId xmlns:a16="http://schemas.microsoft.com/office/drawing/2014/main" id="{2553B99D-8C39-42D1-A5DA-5CA1B8E882C9}"/>
+                <a16:creationId xmlns:a16="http://schemas.microsoft.com/office/drawing/2014/main" xmlns="" id="{2553B99D-8C39-42D1-A5DA-5CA1B8E882C9}"/>
               </a:ext>
             </a:extLst>
           </p:cNvPr>
@@ -10830,7 +10909,7 @@
           <p:cNvPr id="161" name="直接箭头连接符 160">
             <a:extLst>
               <a:ext uri="{FF2B5EF4-FFF2-40B4-BE49-F238E27FC236}">
-                <a16:creationId xmlns:a16="http://schemas.microsoft.com/office/drawing/2014/main" id="{6D1CFA88-A0DF-45A5-A07D-D1BEB07BA749}"/>
+                <a16:creationId xmlns:a16="http://schemas.microsoft.com/office/drawing/2014/main" xmlns="" id="{6D1CFA88-A0DF-45A5-A07D-D1BEB07BA749}"/>
               </a:ext>
             </a:extLst>
           </p:cNvPr>
@@ -10874,7 +10953,7 @@
           <p:cNvPr id="166" name="直接箭头连接符 165">
             <a:extLst>
               <a:ext uri="{FF2B5EF4-FFF2-40B4-BE49-F238E27FC236}">
-                <a16:creationId xmlns:a16="http://schemas.microsoft.com/office/drawing/2014/main" id="{00FEAF24-65F1-4590-91F9-55951F495E80}"/>
+                <a16:creationId xmlns:a16="http://schemas.microsoft.com/office/drawing/2014/main" xmlns="" id="{00FEAF24-65F1-4590-91F9-55951F495E80}"/>
               </a:ext>
             </a:extLst>
           </p:cNvPr>
@@ -10918,7 +10997,7 @@
           <p:cNvPr id="169" name="直接箭头连接符 168">
             <a:extLst>
               <a:ext uri="{FF2B5EF4-FFF2-40B4-BE49-F238E27FC236}">
-                <a16:creationId xmlns:a16="http://schemas.microsoft.com/office/drawing/2014/main" id="{A1F223C0-81D2-4241-8C1E-DD444175A9CF}"/>
+                <a16:creationId xmlns:a16="http://schemas.microsoft.com/office/drawing/2014/main" xmlns="" id="{A1F223C0-81D2-4241-8C1E-DD444175A9CF}"/>
               </a:ext>
             </a:extLst>
           </p:cNvPr>
@@ -10962,7 +11041,7 @@
           <p:cNvPr id="175" name="矩形 174">
             <a:extLst>
               <a:ext uri="{FF2B5EF4-FFF2-40B4-BE49-F238E27FC236}">
-                <a16:creationId xmlns:a16="http://schemas.microsoft.com/office/drawing/2014/main" id="{17FE339F-6AC7-4745-A544-BDC4026D8792}"/>
+                <a16:creationId xmlns:a16="http://schemas.microsoft.com/office/drawing/2014/main" xmlns="" id="{17FE339F-6AC7-4745-A544-BDC4026D8792}"/>
               </a:ext>
             </a:extLst>
           </p:cNvPr>
@@ -11013,7 +11092,7 @@
           <p:cNvPr id="1024" name="直接箭头连接符 1023">
             <a:extLst>
               <a:ext uri="{FF2B5EF4-FFF2-40B4-BE49-F238E27FC236}">
-                <a16:creationId xmlns:a16="http://schemas.microsoft.com/office/drawing/2014/main" id="{A1985650-379D-4282-B198-3EBC10E65DEE}"/>
+                <a16:creationId xmlns:a16="http://schemas.microsoft.com/office/drawing/2014/main" xmlns="" id="{A1985650-379D-4282-B198-3EBC10E65DEE}"/>
               </a:ext>
             </a:extLst>
           </p:cNvPr>
@@ -11058,7 +11137,7 @@
           <p:cNvPr id="7" name="矩形 6">
             <a:extLst>
               <a:ext uri="{FF2B5EF4-FFF2-40B4-BE49-F238E27FC236}">
-                <a16:creationId xmlns:a16="http://schemas.microsoft.com/office/drawing/2014/main" id="{37B7BAEF-79CF-4B6B-A59B-86480827D2C9}"/>
+                <a16:creationId xmlns:a16="http://schemas.microsoft.com/office/drawing/2014/main" xmlns="" id="{37B7BAEF-79CF-4B6B-A59B-86480827D2C9}"/>
               </a:ext>
             </a:extLst>
           </p:cNvPr>
@@ -11119,7 +11198,7 @@
           <p:cNvPr id="9" name="矩形 8">
             <a:extLst>
               <a:ext uri="{FF2B5EF4-FFF2-40B4-BE49-F238E27FC236}">
-                <a16:creationId xmlns:a16="http://schemas.microsoft.com/office/drawing/2014/main" id="{E6ACE29F-F37D-4240-9D6C-130E7B1A3E48}"/>
+                <a16:creationId xmlns:a16="http://schemas.microsoft.com/office/drawing/2014/main" xmlns="" id="{E6ACE29F-F37D-4240-9D6C-130E7B1A3E48}"/>
               </a:ext>
             </a:extLst>
           </p:cNvPr>
@@ -11168,7 +11247,7 @@
           <p:cNvPr id="14" name="矩形 13">
             <a:extLst>
               <a:ext uri="{FF2B5EF4-FFF2-40B4-BE49-F238E27FC236}">
-                <a16:creationId xmlns:a16="http://schemas.microsoft.com/office/drawing/2014/main" id="{FC72634C-CB43-4AAA-B2DC-827D6BB31274}"/>
+                <a16:creationId xmlns:a16="http://schemas.microsoft.com/office/drawing/2014/main" xmlns="" id="{FC72634C-CB43-4AAA-B2DC-827D6BB31274}"/>
               </a:ext>
             </a:extLst>
           </p:cNvPr>
@@ -11233,7 +11312,7 @@
           <p:cNvPr id="15" name="矩形 14">
             <a:extLst>
               <a:ext uri="{FF2B5EF4-FFF2-40B4-BE49-F238E27FC236}">
-                <a16:creationId xmlns:a16="http://schemas.microsoft.com/office/drawing/2014/main" id="{07781BD3-FFCC-42E5-9DA7-72D4AE69B5B9}"/>
+                <a16:creationId xmlns:a16="http://schemas.microsoft.com/office/drawing/2014/main" xmlns="" id="{07781BD3-FFCC-42E5-9DA7-72D4AE69B5B9}"/>
               </a:ext>
             </a:extLst>
           </p:cNvPr>
@@ -11282,7 +11361,7 @@
           <p:cNvPr id="16" name="矩形 15">
             <a:extLst>
               <a:ext uri="{FF2B5EF4-FFF2-40B4-BE49-F238E27FC236}">
-                <a16:creationId xmlns:a16="http://schemas.microsoft.com/office/drawing/2014/main" id="{108CC32B-9F7B-446A-93EA-8D9250276AEC}"/>
+                <a16:creationId xmlns:a16="http://schemas.microsoft.com/office/drawing/2014/main" xmlns="" id="{108CC32B-9F7B-446A-93EA-8D9250276AEC}"/>
               </a:ext>
             </a:extLst>
           </p:cNvPr>
@@ -11347,7 +11426,7 @@
           <p:cNvPr id="17" name="矩形 16">
             <a:extLst>
               <a:ext uri="{FF2B5EF4-FFF2-40B4-BE49-F238E27FC236}">
-                <a16:creationId xmlns:a16="http://schemas.microsoft.com/office/drawing/2014/main" id="{5B1B5E58-96A2-4E36-A53B-3ADFBE4B9DE9}"/>
+                <a16:creationId xmlns:a16="http://schemas.microsoft.com/office/drawing/2014/main" xmlns="" id="{5B1B5E58-96A2-4E36-A53B-3ADFBE4B9DE9}"/>
               </a:ext>
             </a:extLst>
           </p:cNvPr>
@@ -11396,7 +11475,7 @@
           <p:cNvPr id="30" name="矩形 29">
             <a:extLst>
               <a:ext uri="{FF2B5EF4-FFF2-40B4-BE49-F238E27FC236}">
-                <a16:creationId xmlns:a16="http://schemas.microsoft.com/office/drawing/2014/main" id="{ACD153CC-3129-4228-90E8-89B05E479312}"/>
+                <a16:creationId xmlns:a16="http://schemas.microsoft.com/office/drawing/2014/main" xmlns="" id="{ACD153CC-3129-4228-90E8-89B05E479312}"/>
               </a:ext>
             </a:extLst>
           </p:cNvPr>
@@ -11461,7 +11540,7 @@
           <p:cNvPr id="31" name="矩形 30">
             <a:extLst>
               <a:ext uri="{FF2B5EF4-FFF2-40B4-BE49-F238E27FC236}">
-                <a16:creationId xmlns:a16="http://schemas.microsoft.com/office/drawing/2014/main" id="{4110AD99-9074-48EA-A28B-868C17D1FF0E}"/>
+                <a16:creationId xmlns:a16="http://schemas.microsoft.com/office/drawing/2014/main" xmlns="" id="{4110AD99-9074-48EA-A28B-868C17D1FF0E}"/>
               </a:ext>
             </a:extLst>
           </p:cNvPr>
@@ -11514,7 +11593,7 @@
           <p:cNvPr id="32" name="矩形 31">
             <a:extLst>
               <a:ext uri="{FF2B5EF4-FFF2-40B4-BE49-F238E27FC236}">
-                <a16:creationId xmlns:a16="http://schemas.microsoft.com/office/drawing/2014/main" id="{ED42542B-5FC7-4878-89A4-E691AAFF28BB}"/>
+                <a16:creationId xmlns:a16="http://schemas.microsoft.com/office/drawing/2014/main" xmlns="" id="{ED42542B-5FC7-4878-89A4-E691AAFF28BB}"/>
               </a:ext>
             </a:extLst>
           </p:cNvPr>
@@ -11579,7 +11658,7 @@
           <p:cNvPr id="33" name="矩形 32">
             <a:extLst>
               <a:ext uri="{FF2B5EF4-FFF2-40B4-BE49-F238E27FC236}">
-                <a16:creationId xmlns:a16="http://schemas.microsoft.com/office/drawing/2014/main" id="{953F89D5-4376-4335-99AB-E7A4BE097595}"/>
+                <a16:creationId xmlns:a16="http://schemas.microsoft.com/office/drawing/2014/main" xmlns="" id="{953F89D5-4376-4335-99AB-E7A4BE097595}"/>
               </a:ext>
             </a:extLst>
           </p:cNvPr>
@@ -11632,7 +11711,7 @@
           <p:cNvPr id="34" name="矩形 33">
             <a:extLst>
               <a:ext uri="{FF2B5EF4-FFF2-40B4-BE49-F238E27FC236}">
-                <a16:creationId xmlns:a16="http://schemas.microsoft.com/office/drawing/2014/main" id="{552D01B9-A9A8-45C2-BAFB-213F3DED539A}"/>
+                <a16:creationId xmlns:a16="http://schemas.microsoft.com/office/drawing/2014/main" xmlns="" id="{552D01B9-A9A8-45C2-BAFB-213F3DED539A}"/>
               </a:ext>
             </a:extLst>
           </p:cNvPr>
@@ -11697,7 +11776,7 @@
           <p:cNvPr id="35" name="矩形 34">
             <a:extLst>
               <a:ext uri="{FF2B5EF4-FFF2-40B4-BE49-F238E27FC236}">
-                <a16:creationId xmlns:a16="http://schemas.microsoft.com/office/drawing/2014/main" id="{ACB8139C-D524-4CD3-9FD1-32C13C729CDF}"/>
+                <a16:creationId xmlns:a16="http://schemas.microsoft.com/office/drawing/2014/main" xmlns="" id="{ACB8139C-D524-4CD3-9FD1-32C13C729CDF}"/>
               </a:ext>
             </a:extLst>
           </p:cNvPr>
@@ -11750,7 +11829,7 @@
           <p:cNvPr id="63" name="矩形 62">
             <a:extLst>
               <a:ext uri="{FF2B5EF4-FFF2-40B4-BE49-F238E27FC236}">
-                <a16:creationId xmlns:a16="http://schemas.microsoft.com/office/drawing/2014/main" id="{6BCF8310-F3B6-4BA0-A24B-2D7AF6095775}"/>
+                <a16:creationId xmlns:a16="http://schemas.microsoft.com/office/drawing/2014/main" xmlns="" id="{6BCF8310-F3B6-4BA0-A24B-2D7AF6095775}"/>
               </a:ext>
             </a:extLst>
           </p:cNvPr>
@@ -11803,7 +11882,7 @@
           <p:cNvPr id="64" name="矩形 63">
             <a:extLst>
               <a:ext uri="{FF2B5EF4-FFF2-40B4-BE49-F238E27FC236}">
-                <a16:creationId xmlns:a16="http://schemas.microsoft.com/office/drawing/2014/main" id="{79849AE5-574E-44A0-8FBC-DD77FC40B809}"/>
+                <a16:creationId xmlns:a16="http://schemas.microsoft.com/office/drawing/2014/main" xmlns="" id="{79849AE5-574E-44A0-8FBC-DD77FC40B809}"/>
               </a:ext>
             </a:extLst>
           </p:cNvPr>
@@ -11856,7 +11935,7 @@
           <p:cNvPr id="24" name="矩形 23">
             <a:extLst>
               <a:ext uri="{FF2B5EF4-FFF2-40B4-BE49-F238E27FC236}">
-                <a16:creationId xmlns:a16="http://schemas.microsoft.com/office/drawing/2014/main" id="{DA18C985-9AB9-4EBA-9EB1-362363B137D1}"/>
+                <a16:creationId xmlns:a16="http://schemas.microsoft.com/office/drawing/2014/main" xmlns="" id="{DA18C985-9AB9-4EBA-9EB1-362363B137D1}"/>
               </a:ext>
             </a:extLst>
           </p:cNvPr>
@@ -11921,7 +12000,7 @@
           <p:cNvPr id="26" name="矩形 25">
             <a:extLst>
               <a:ext uri="{FF2B5EF4-FFF2-40B4-BE49-F238E27FC236}">
-                <a16:creationId xmlns:a16="http://schemas.microsoft.com/office/drawing/2014/main" id="{0A87C972-9CCD-4CE9-931B-D0EC29B1BCD7}"/>
+                <a16:creationId xmlns:a16="http://schemas.microsoft.com/office/drawing/2014/main" xmlns="" id="{0A87C972-9CCD-4CE9-931B-D0EC29B1BCD7}"/>
               </a:ext>
             </a:extLst>
           </p:cNvPr>
@@ -11981,7 +12060,7 @@
           <p:cNvPr id="65" name="矩形 64">
             <a:extLst>
               <a:ext uri="{FF2B5EF4-FFF2-40B4-BE49-F238E27FC236}">
-                <a16:creationId xmlns:a16="http://schemas.microsoft.com/office/drawing/2014/main" id="{97AC42A3-0EB5-46C4-A2FA-39124F668C21}"/>
+                <a16:creationId xmlns:a16="http://schemas.microsoft.com/office/drawing/2014/main" xmlns="" id="{97AC42A3-0EB5-46C4-A2FA-39124F668C21}"/>
               </a:ext>
             </a:extLst>
           </p:cNvPr>
@@ -12040,7 +12119,7 @@
           <p:cNvPr id="73" name="矩形 72">
             <a:extLst>
               <a:ext uri="{FF2B5EF4-FFF2-40B4-BE49-F238E27FC236}">
-                <a16:creationId xmlns:a16="http://schemas.microsoft.com/office/drawing/2014/main" id="{E6C17853-00E6-4FAE-9BFD-A564612E2C6B}"/>
+                <a16:creationId xmlns:a16="http://schemas.microsoft.com/office/drawing/2014/main" xmlns="" id="{E6C17853-00E6-4FAE-9BFD-A564612E2C6B}"/>
               </a:ext>
             </a:extLst>
           </p:cNvPr>
@@ -12105,7 +12184,7 @@
           <p:cNvPr id="74" name="矩形 73">
             <a:extLst>
               <a:ext uri="{FF2B5EF4-FFF2-40B4-BE49-F238E27FC236}">
-                <a16:creationId xmlns:a16="http://schemas.microsoft.com/office/drawing/2014/main" id="{2333C966-DA8B-4150-839F-B139DDE0D0E4}"/>
+                <a16:creationId xmlns:a16="http://schemas.microsoft.com/office/drawing/2014/main" xmlns="" id="{2333C966-DA8B-4150-839F-B139DDE0D0E4}"/>
               </a:ext>
             </a:extLst>
           </p:cNvPr>
@@ -12165,7 +12244,7 @@
           <p:cNvPr id="71" name="矩形 70">
             <a:extLst>
               <a:ext uri="{FF2B5EF4-FFF2-40B4-BE49-F238E27FC236}">
-                <a16:creationId xmlns:a16="http://schemas.microsoft.com/office/drawing/2014/main" id="{0DA5654E-2DF2-44C6-9D65-3F7113AD38C8}"/>
+                <a16:creationId xmlns:a16="http://schemas.microsoft.com/office/drawing/2014/main" xmlns="" id="{0DA5654E-2DF2-44C6-9D65-3F7113AD38C8}"/>
               </a:ext>
             </a:extLst>
           </p:cNvPr>
@@ -12223,7 +12302,7 @@
           <p:cNvPr id="99" name="矩形 98">
             <a:extLst>
               <a:ext uri="{FF2B5EF4-FFF2-40B4-BE49-F238E27FC236}">
-                <a16:creationId xmlns:a16="http://schemas.microsoft.com/office/drawing/2014/main" id="{1639F1B4-D6E8-4376-85B5-248256518778}"/>
+                <a16:creationId xmlns:a16="http://schemas.microsoft.com/office/drawing/2014/main" xmlns="" id="{1639F1B4-D6E8-4376-85B5-248256518778}"/>
               </a:ext>
             </a:extLst>
           </p:cNvPr>
@@ -12288,7 +12367,7 @@
           <p:cNvPr id="100" name="矩形 99">
             <a:extLst>
               <a:ext uri="{FF2B5EF4-FFF2-40B4-BE49-F238E27FC236}">
-                <a16:creationId xmlns:a16="http://schemas.microsoft.com/office/drawing/2014/main" id="{EC50183A-5549-4B40-A606-C389FF335E01}"/>
+                <a16:creationId xmlns:a16="http://schemas.microsoft.com/office/drawing/2014/main" xmlns="" id="{EC50183A-5549-4B40-A606-C389FF335E01}"/>
               </a:ext>
             </a:extLst>
           </p:cNvPr>
@@ -12348,7 +12427,7 @@
           <p:cNvPr id="97" name="矩形 96">
             <a:extLst>
               <a:ext uri="{FF2B5EF4-FFF2-40B4-BE49-F238E27FC236}">
-                <a16:creationId xmlns:a16="http://schemas.microsoft.com/office/drawing/2014/main" id="{2A61C2F1-5BD4-4C70-8063-33A6D3847503}"/>
+                <a16:creationId xmlns:a16="http://schemas.microsoft.com/office/drawing/2014/main" xmlns="" id="{2A61C2F1-5BD4-4C70-8063-33A6D3847503}"/>
               </a:ext>
             </a:extLst>
           </p:cNvPr>
@@ -12411,7 +12490,7 @@
           <p:cNvPr id="94" name="矩形 93">
             <a:extLst>
               <a:ext uri="{FF2B5EF4-FFF2-40B4-BE49-F238E27FC236}">
-                <a16:creationId xmlns:a16="http://schemas.microsoft.com/office/drawing/2014/main" id="{A521D8BB-7B79-4C1E-951C-EA8AFCF4B267}"/>
+                <a16:creationId xmlns:a16="http://schemas.microsoft.com/office/drawing/2014/main" xmlns="" id="{A521D8BB-7B79-4C1E-951C-EA8AFCF4B267}"/>
               </a:ext>
             </a:extLst>
           </p:cNvPr>
@@ -12476,7 +12555,7 @@
           <p:cNvPr id="95" name="矩形 94">
             <a:extLst>
               <a:ext uri="{FF2B5EF4-FFF2-40B4-BE49-F238E27FC236}">
-                <a16:creationId xmlns:a16="http://schemas.microsoft.com/office/drawing/2014/main" id="{4E72158A-A825-4DDE-8239-D88E9FA67659}"/>
+                <a16:creationId xmlns:a16="http://schemas.microsoft.com/office/drawing/2014/main" xmlns="" id="{4E72158A-A825-4DDE-8239-D88E9FA67659}"/>
               </a:ext>
             </a:extLst>
           </p:cNvPr>
@@ -12536,7 +12615,7 @@
           <p:cNvPr id="92" name="矩形 91">
             <a:extLst>
               <a:ext uri="{FF2B5EF4-FFF2-40B4-BE49-F238E27FC236}">
-                <a16:creationId xmlns:a16="http://schemas.microsoft.com/office/drawing/2014/main" id="{02460B4E-7692-4094-BC26-D24AB102D2DE}"/>
+                <a16:creationId xmlns:a16="http://schemas.microsoft.com/office/drawing/2014/main" xmlns="" id="{02460B4E-7692-4094-BC26-D24AB102D2DE}"/>
               </a:ext>
             </a:extLst>
           </p:cNvPr>
@@ -12594,7 +12673,7 @@
           <p:cNvPr id="112" name="矩形 111">
             <a:extLst>
               <a:ext uri="{FF2B5EF4-FFF2-40B4-BE49-F238E27FC236}">
-                <a16:creationId xmlns:a16="http://schemas.microsoft.com/office/drawing/2014/main" id="{B5E5D5CD-3CC5-409C-BCB5-884E9D37E5D6}"/>
+                <a16:creationId xmlns:a16="http://schemas.microsoft.com/office/drawing/2014/main" xmlns="" id="{B5E5D5CD-3CC5-409C-BCB5-884E9D37E5D6}"/>
               </a:ext>
             </a:extLst>
           </p:cNvPr>
@@ -12659,7 +12738,7 @@
           <p:cNvPr id="113" name="矩形 112">
             <a:extLst>
               <a:ext uri="{FF2B5EF4-FFF2-40B4-BE49-F238E27FC236}">
-                <a16:creationId xmlns:a16="http://schemas.microsoft.com/office/drawing/2014/main" id="{3C74AE26-A41C-451A-93D6-B27CBB3E016A}"/>
+                <a16:creationId xmlns:a16="http://schemas.microsoft.com/office/drawing/2014/main" xmlns="" id="{3C74AE26-A41C-451A-93D6-B27CBB3E016A}"/>
               </a:ext>
             </a:extLst>
           </p:cNvPr>
@@ -12724,7 +12803,7 @@
           <p:cNvPr id="110" name="矩形 109">
             <a:extLst>
               <a:ext uri="{FF2B5EF4-FFF2-40B4-BE49-F238E27FC236}">
-                <a16:creationId xmlns:a16="http://schemas.microsoft.com/office/drawing/2014/main" id="{0C8CD50E-815E-47C5-A00B-C54DE312B28D}"/>
+                <a16:creationId xmlns:a16="http://schemas.microsoft.com/office/drawing/2014/main" xmlns="" id="{0C8CD50E-815E-47C5-A00B-C54DE312B28D}"/>
               </a:ext>
             </a:extLst>
           </p:cNvPr>
@@ -12782,7 +12861,7 @@
           <p:cNvPr id="107" name="矩形 106">
             <a:extLst>
               <a:ext uri="{FF2B5EF4-FFF2-40B4-BE49-F238E27FC236}">
-                <a16:creationId xmlns:a16="http://schemas.microsoft.com/office/drawing/2014/main" id="{B54F39DC-51EA-4478-8F4D-BB3DA807EE60}"/>
+                <a16:creationId xmlns:a16="http://schemas.microsoft.com/office/drawing/2014/main" xmlns="" id="{B54F39DC-51EA-4478-8F4D-BB3DA807EE60}"/>
               </a:ext>
             </a:extLst>
           </p:cNvPr>
@@ -12847,7 +12926,7 @@
           <p:cNvPr id="108" name="矩形 107">
             <a:extLst>
               <a:ext uri="{FF2B5EF4-FFF2-40B4-BE49-F238E27FC236}">
-                <a16:creationId xmlns:a16="http://schemas.microsoft.com/office/drawing/2014/main" id="{4F20AB32-1C4C-48BE-BCB1-5EB119FE6AF9}"/>
+                <a16:creationId xmlns:a16="http://schemas.microsoft.com/office/drawing/2014/main" xmlns="" id="{4F20AB32-1C4C-48BE-BCB1-5EB119FE6AF9}"/>
               </a:ext>
             </a:extLst>
           </p:cNvPr>
@@ -12912,7 +12991,7 @@
           <p:cNvPr id="105" name="矩形 104">
             <a:extLst>
               <a:ext uri="{FF2B5EF4-FFF2-40B4-BE49-F238E27FC236}">
-                <a16:creationId xmlns:a16="http://schemas.microsoft.com/office/drawing/2014/main" id="{250F81F5-628E-4CCB-914C-672AB20D1687}"/>
+                <a16:creationId xmlns:a16="http://schemas.microsoft.com/office/drawing/2014/main" xmlns="" id="{250F81F5-628E-4CCB-914C-672AB20D1687}"/>
               </a:ext>
             </a:extLst>
           </p:cNvPr>
@@ -12971,7 +13050,7 @@
           <p:cNvPr id="125" name="矩形 124">
             <a:extLst>
               <a:ext uri="{FF2B5EF4-FFF2-40B4-BE49-F238E27FC236}">
-                <a16:creationId xmlns:a16="http://schemas.microsoft.com/office/drawing/2014/main" id="{327EF90D-4738-465C-B6B5-55FC20FF21C1}"/>
+                <a16:creationId xmlns:a16="http://schemas.microsoft.com/office/drawing/2014/main" xmlns="" id="{327EF90D-4738-465C-B6B5-55FC20FF21C1}"/>
               </a:ext>
             </a:extLst>
           </p:cNvPr>
@@ -13036,7 +13115,7 @@
           <p:cNvPr id="126" name="矩形 125">
             <a:extLst>
               <a:ext uri="{FF2B5EF4-FFF2-40B4-BE49-F238E27FC236}">
-                <a16:creationId xmlns:a16="http://schemas.microsoft.com/office/drawing/2014/main" id="{DD5668FB-18A2-4C5D-A4E5-452B6AAF91F6}"/>
+                <a16:creationId xmlns:a16="http://schemas.microsoft.com/office/drawing/2014/main" xmlns="" id="{DD5668FB-18A2-4C5D-A4E5-452B6AAF91F6}"/>
               </a:ext>
             </a:extLst>
           </p:cNvPr>
@@ -13101,7 +13180,7 @@
           <p:cNvPr id="123" name="矩形 122">
             <a:extLst>
               <a:ext uri="{FF2B5EF4-FFF2-40B4-BE49-F238E27FC236}">
-                <a16:creationId xmlns:a16="http://schemas.microsoft.com/office/drawing/2014/main" id="{49C1F086-9102-485B-A3BA-C92C0397DCD1}"/>
+                <a16:creationId xmlns:a16="http://schemas.microsoft.com/office/drawing/2014/main" xmlns="" id="{49C1F086-9102-485B-A3BA-C92C0397DCD1}"/>
               </a:ext>
             </a:extLst>
           </p:cNvPr>
@@ -13160,7 +13239,7 @@
           <p:cNvPr id="135" name="组合 134">
             <a:extLst>
               <a:ext uri="{FF2B5EF4-FFF2-40B4-BE49-F238E27FC236}">
-                <a16:creationId xmlns:a16="http://schemas.microsoft.com/office/drawing/2014/main" id="{F975F6B0-D790-4A6C-BB29-F4FB51B602F7}"/>
+                <a16:creationId xmlns:a16="http://schemas.microsoft.com/office/drawing/2014/main" xmlns="" id="{F975F6B0-D790-4A6C-BB29-F4FB51B602F7}"/>
               </a:ext>
             </a:extLst>
           </p:cNvPr>
@@ -13180,7 +13259,7 @@
             <p:cNvPr id="138" name="矩形 137">
               <a:extLst>
                 <a:ext uri="{FF2B5EF4-FFF2-40B4-BE49-F238E27FC236}">
-                  <a16:creationId xmlns:a16="http://schemas.microsoft.com/office/drawing/2014/main" id="{DC1C98AF-A996-423D-89F0-3C95B8535B0D}"/>
+                  <a16:creationId xmlns:a16="http://schemas.microsoft.com/office/drawing/2014/main" xmlns="" id="{DC1C98AF-A996-423D-89F0-3C95B8535B0D}"/>
                 </a:ext>
               </a:extLst>
             </p:cNvPr>
@@ -13245,7 +13324,7 @@
             <p:cNvPr id="139" name="矩形 138">
               <a:extLst>
                 <a:ext uri="{FF2B5EF4-FFF2-40B4-BE49-F238E27FC236}">
-                  <a16:creationId xmlns:a16="http://schemas.microsoft.com/office/drawing/2014/main" id="{78F3EE47-A00F-4700-8C3F-F83F4EC2368A}"/>
+                  <a16:creationId xmlns:a16="http://schemas.microsoft.com/office/drawing/2014/main" xmlns="" id="{78F3EE47-A00F-4700-8C3F-F83F4EC2368A}"/>
                 </a:ext>
               </a:extLst>
             </p:cNvPr>
@@ -13304,7 +13383,7 @@
           <p:cNvPr id="136" name="矩形 135">
             <a:extLst>
               <a:ext uri="{FF2B5EF4-FFF2-40B4-BE49-F238E27FC236}">
-                <a16:creationId xmlns:a16="http://schemas.microsoft.com/office/drawing/2014/main" id="{4E58509F-9FCD-4635-997A-F57263518B87}"/>
+                <a16:creationId xmlns:a16="http://schemas.microsoft.com/office/drawing/2014/main" xmlns="" id="{4E58509F-9FCD-4635-997A-F57263518B87}"/>
               </a:ext>
             </a:extLst>
           </p:cNvPr>
@@ -13363,7 +13442,7 @@
           <p:cNvPr id="133" name="矩形 132">
             <a:extLst>
               <a:ext uri="{FF2B5EF4-FFF2-40B4-BE49-F238E27FC236}">
-                <a16:creationId xmlns:a16="http://schemas.microsoft.com/office/drawing/2014/main" id="{A435A12E-617E-4F50-A1FA-3E6396CA6389}"/>
+                <a16:creationId xmlns:a16="http://schemas.microsoft.com/office/drawing/2014/main" xmlns="" id="{A435A12E-617E-4F50-A1FA-3E6396CA6389}"/>
               </a:ext>
             </a:extLst>
           </p:cNvPr>
@@ -13428,7 +13507,7 @@
           <p:cNvPr id="134" name="矩形 133">
             <a:extLst>
               <a:ext uri="{FF2B5EF4-FFF2-40B4-BE49-F238E27FC236}">
-                <a16:creationId xmlns:a16="http://schemas.microsoft.com/office/drawing/2014/main" id="{4D5B8EBC-19FD-4F3C-A9C3-3673D0520470}"/>
+                <a16:creationId xmlns:a16="http://schemas.microsoft.com/office/drawing/2014/main" xmlns="" id="{4D5B8EBC-19FD-4F3C-A9C3-3673D0520470}"/>
               </a:ext>
             </a:extLst>
           </p:cNvPr>
@@ -13486,7 +13565,7 @@
           <p:cNvPr id="131" name="矩形 130">
             <a:extLst>
               <a:ext uri="{FF2B5EF4-FFF2-40B4-BE49-F238E27FC236}">
-                <a16:creationId xmlns:a16="http://schemas.microsoft.com/office/drawing/2014/main" id="{919463F1-DF37-41EB-BFA1-D983896AD0EB}"/>
+                <a16:creationId xmlns:a16="http://schemas.microsoft.com/office/drawing/2014/main" xmlns="" id="{919463F1-DF37-41EB-BFA1-D983896AD0EB}"/>
               </a:ext>
             </a:extLst>
           </p:cNvPr>
@@ -13545,7 +13624,7 @@
           <p:cNvPr id="153" name="矩形 152">
             <a:extLst>
               <a:ext uri="{FF2B5EF4-FFF2-40B4-BE49-F238E27FC236}">
-                <a16:creationId xmlns:a16="http://schemas.microsoft.com/office/drawing/2014/main" id="{83C1B2CA-14E6-4794-8594-B68ACAA78D34}"/>
+                <a16:creationId xmlns:a16="http://schemas.microsoft.com/office/drawing/2014/main" xmlns="" id="{83C1B2CA-14E6-4794-8594-B68ACAA78D34}"/>
               </a:ext>
             </a:extLst>
           </p:cNvPr>
@@ -13601,7 +13680,7 @@
           <p:cNvPr id="155" name="矩形 154">
             <a:extLst>
               <a:ext uri="{FF2B5EF4-FFF2-40B4-BE49-F238E27FC236}">
-                <a16:creationId xmlns:a16="http://schemas.microsoft.com/office/drawing/2014/main" id="{878A6970-1699-41F0-BDE3-886FBEF0B76B}"/>
+                <a16:creationId xmlns:a16="http://schemas.microsoft.com/office/drawing/2014/main" xmlns="" id="{878A6970-1699-41F0-BDE3-886FBEF0B76B}"/>
               </a:ext>
             </a:extLst>
           </p:cNvPr>
@@ -13657,7 +13736,7 @@
           <p:cNvPr id="156" name="矩形 155">
             <a:extLst>
               <a:ext uri="{FF2B5EF4-FFF2-40B4-BE49-F238E27FC236}">
-                <a16:creationId xmlns:a16="http://schemas.microsoft.com/office/drawing/2014/main" id="{967D82E7-9CF5-42D3-9793-0EF394115726}"/>
+                <a16:creationId xmlns:a16="http://schemas.microsoft.com/office/drawing/2014/main" xmlns="" id="{967D82E7-9CF5-42D3-9793-0EF394115726}"/>
               </a:ext>
             </a:extLst>
           </p:cNvPr>
@@ -13713,7 +13792,7 @@
           <p:cNvPr id="174" name="矩形 173">
             <a:extLst>
               <a:ext uri="{FF2B5EF4-FFF2-40B4-BE49-F238E27FC236}">
-                <a16:creationId xmlns:a16="http://schemas.microsoft.com/office/drawing/2014/main" id="{DFA3D6EC-3815-4B8D-BED3-F521A6FFAE36}"/>
+                <a16:creationId xmlns:a16="http://schemas.microsoft.com/office/drawing/2014/main" xmlns="" id="{DFA3D6EC-3815-4B8D-BED3-F521A6FFAE36}"/>
               </a:ext>
             </a:extLst>
           </p:cNvPr>
@@ -13768,7 +13847,7 @@
           <p:cNvPr id="176" name="矩形 175">
             <a:extLst>
               <a:ext uri="{FF2B5EF4-FFF2-40B4-BE49-F238E27FC236}">
-                <a16:creationId xmlns:a16="http://schemas.microsoft.com/office/drawing/2014/main" id="{DE650D74-511F-4E9C-8A02-226A28CD6B26}"/>
+                <a16:creationId xmlns:a16="http://schemas.microsoft.com/office/drawing/2014/main" xmlns="" id="{DE650D74-511F-4E9C-8A02-226A28CD6B26}"/>
               </a:ext>
             </a:extLst>
           </p:cNvPr>
@@ -13818,7 +13897,7 @@
           <p:cNvPr id="177" name="矩形 176">
             <a:extLst>
               <a:ext uri="{FF2B5EF4-FFF2-40B4-BE49-F238E27FC236}">
-                <a16:creationId xmlns:a16="http://schemas.microsoft.com/office/drawing/2014/main" id="{EC0B0EB3-16F5-44BE-A7CD-7081A5ABF1EA}"/>
+                <a16:creationId xmlns:a16="http://schemas.microsoft.com/office/drawing/2014/main" xmlns="" id="{EC0B0EB3-16F5-44BE-A7CD-7081A5ABF1EA}"/>
               </a:ext>
             </a:extLst>
           </p:cNvPr>
@@ -13868,7 +13947,7 @@
           <p:cNvPr id="183" name="矩形 182">
             <a:extLst>
               <a:ext uri="{FF2B5EF4-FFF2-40B4-BE49-F238E27FC236}">
-                <a16:creationId xmlns:a16="http://schemas.microsoft.com/office/drawing/2014/main" id="{9D3DD53F-FC8A-4A79-9D6A-7E89379C2568}"/>
+                <a16:creationId xmlns:a16="http://schemas.microsoft.com/office/drawing/2014/main" xmlns="" id="{9D3DD53F-FC8A-4A79-9D6A-7E89379C2568}"/>
               </a:ext>
             </a:extLst>
           </p:cNvPr>
@@ -13919,7 +13998,7 @@
           <p:cNvPr id="184" name="矩形 183">
             <a:extLst>
               <a:ext uri="{FF2B5EF4-FFF2-40B4-BE49-F238E27FC236}">
-                <a16:creationId xmlns:a16="http://schemas.microsoft.com/office/drawing/2014/main" id="{79AF8359-84AC-4AA7-984E-E1C58ED74B8E}"/>
+                <a16:creationId xmlns:a16="http://schemas.microsoft.com/office/drawing/2014/main" xmlns="" id="{79AF8359-84AC-4AA7-984E-E1C58ED74B8E}"/>
               </a:ext>
             </a:extLst>
           </p:cNvPr>
@@ -13974,7 +14053,7 @@
           <p:cNvPr id="185" name="矩形 184">
             <a:extLst>
               <a:ext uri="{FF2B5EF4-FFF2-40B4-BE49-F238E27FC236}">
-                <a16:creationId xmlns:a16="http://schemas.microsoft.com/office/drawing/2014/main" id="{9597E87A-8C74-47A3-BAFB-E73EFD676CFD}"/>
+                <a16:creationId xmlns:a16="http://schemas.microsoft.com/office/drawing/2014/main" xmlns="" id="{9597E87A-8C74-47A3-BAFB-E73EFD676CFD}"/>
               </a:ext>
             </a:extLst>
           </p:cNvPr>
@@ -14029,7 +14108,7 @@
           <p:cNvPr id="186" name="矩形 185">
             <a:extLst>
               <a:ext uri="{FF2B5EF4-FFF2-40B4-BE49-F238E27FC236}">
-                <a16:creationId xmlns:a16="http://schemas.microsoft.com/office/drawing/2014/main" id="{E2E91619-C893-4DF0-82D9-A204E8111C33}"/>
+                <a16:creationId xmlns:a16="http://schemas.microsoft.com/office/drawing/2014/main" xmlns="" id="{E2E91619-C893-4DF0-82D9-A204E8111C33}"/>
               </a:ext>
             </a:extLst>
           </p:cNvPr>
@@ -14080,7 +14159,7 @@
           <p:cNvPr id="187" name="矩形 186">
             <a:extLst>
               <a:ext uri="{FF2B5EF4-FFF2-40B4-BE49-F238E27FC236}">
-                <a16:creationId xmlns:a16="http://schemas.microsoft.com/office/drawing/2014/main" id="{5AB22BEF-4276-4C40-A6F9-3B5BE529424E}"/>
+                <a16:creationId xmlns:a16="http://schemas.microsoft.com/office/drawing/2014/main" xmlns="" id="{5AB22BEF-4276-4C40-A6F9-3B5BE529424E}"/>
               </a:ext>
             </a:extLst>
           </p:cNvPr>
@@ -14131,7 +14210,7 @@
           <p:cNvPr id="201" name="直接箭头连接符 200">
             <a:extLst>
               <a:ext uri="{FF2B5EF4-FFF2-40B4-BE49-F238E27FC236}">
-                <a16:creationId xmlns:a16="http://schemas.microsoft.com/office/drawing/2014/main" id="{40089274-E461-4FA9-A3A0-3DD4F286B7DC}"/>
+                <a16:creationId xmlns:a16="http://schemas.microsoft.com/office/drawing/2014/main" xmlns="" id="{40089274-E461-4FA9-A3A0-3DD4F286B7DC}"/>
               </a:ext>
             </a:extLst>
           </p:cNvPr>
@@ -14176,7 +14255,7 @@
           <p:cNvPr id="204" name="直接箭头连接符 203">
             <a:extLst>
               <a:ext uri="{FF2B5EF4-FFF2-40B4-BE49-F238E27FC236}">
-                <a16:creationId xmlns:a16="http://schemas.microsoft.com/office/drawing/2014/main" id="{B1AEC1EA-81C2-466D-BB1D-D71C4DEBC7AF}"/>
+                <a16:creationId xmlns:a16="http://schemas.microsoft.com/office/drawing/2014/main" xmlns="" id="{B1AEC1EA-81C2-466D-BB1D-D71C4DEBC7AF}"/>
               </a:ext>
             </a:extLst>
           </p:cNvPr>
@@ -14221,7 +14300,7 @@
           <p:cNvPr id="207" name="直接箭头连接符 206">
             <a:extLst>
               <a:ext uri="{FF2B5EF4-FFF2-40B4-BE49-F238E27FC236}">
-                <a16:creationId xmlns:a16="http://schemas.microsoft.com/office/drawing/2014/main" id="{A47430E1-8CF3-47EE-8B2E-7342844B071E}"/>
+                <a16:creationId xmlns:a16="http://schemas.microsoft.com/office/drawing/2014/main" xmlns="" id="{A47430E1-8CF3-47EE-8B2E-7342844B071E}"/>
               </a:ext>
             </a:extLst>
           </p:cNvPr>
@@ -14264,7 +14343,7 @@
           <p:cNvPr id="227" name="矩形 226">
             <a:extLst>
               <a:ext uri="{FF2B5EF4-FFF2-40B4-BE49-F238E27FC236}">
-                <a16:creationId xmlns:a16="http://schemas.microsoft.com/office/drawing/2014/main" id="{5B38A7EF-50A2-468E-959E-7300A24F8529}"/>
+                <a16:creationId xmlns:a16="http://schemas.microsoft.com/office/drawing/2014/main" xmlns="" id="{5B38A7EF-50A2-468E-959E-7300A24F8529}"/>
               </a:ext>
             </a:extLst>
           </p:cNvPr>
@@ -14321,7 +14400,7 @@
           <p:cNvPr id="228" name="直接箭头连接符 227">
             <a:extLst>
               <a:ext uri="{FF2B5EF4-FFF2-40B4-BE49-F238E27FC236}">
-                <a16:creationId xmlns:a16="http://schemas.microsoft.com/office/drawing/2014/main" id="{FCF163D0-2FB6-49F3-A07A-D163DAF85D65}"/>
+                <a16:creationId xmlns:a16="http://schemas.microsoft.com/office/drawing/2014/main" xmlns="" id="{FCF163D0-2FB6-49F3-A07A-D163DAF85D65}"/>
               </a:ext>
             </a:extLst>
           </p:cNvPr>
@@ -14364,7 +14443,7 @@
           <p:cNvPr id="1051" name="连接符: 肘形 1050">
             <a:extLst>
               <a:ext uri="{FF2B5EF4-FFF2-40B4-BE49-F238E27FC236}">
-                <a16:creationId xmlns:a16="http://schemas.microsoft.com/office/drawing/2014/main" id="{C18E0C09-8FC2-4752-A56B-66777B894DEF}"/>
+                <a16:creationId xmlns:a16="http://schemas.microsoft.com/office/drawing/2014/main" xmlns="" id="{C18E0C09-8FC2-4752-A56B-66777B894DEF}"/>
               </a:ext>
             </a:extLst>
           </p:cNvPr>
@@ -14410,7 +14489,7 @@
           <p:cNvPr id="235" name="矩形 234">
             <a:extLst>
               <a:ext uri="{FF2B5EF4-FFF2-40B4-BE49-F238E27FC236}">
-                <a16:creationId xmlns:a16="http://schemas.microsoft.com/office/drawing/2014/main" id="{866C2B94-D05D-4602-9A05-7040CB59A031}"/>
+                <a16:creationId xmlns:a16="http://schemas.microsoft.com/office/drawing/2014/main" xmlns="" id="{866C2B94-D05D-4602-9A05-7040CB59A031}"/>
               </a:ext>
             </a:extLst>
           </p:cNvPr>
@@ -14466,7 +14545,7 @@
           <p:cNvPr id="238" name="矩形 237">
             <a:extLst>
               <a:ext uri="{FF2B5EF4-FFF2-40B4-BE49-F238E27FC236}">
-                <a16:creationId xmlns:a16="http://schemas.microsoft.com/office/drawing/2014/main" id="{1C801504-BC9C-459F-9964-48D4EE4E50AF}"/>
+                <a16:creationId xmlns:a16="http://schemas.microsoft.com/office/drawing/2014/main" xmlns="" id="{1C801504-BC9C-459F-9964-48D4EE4E50AF}"/>
               </a:ext>
             </a:extLst>
           </p:cNvPr>
@@ -14535,7 +14614,7 @@
           <p:cNvPr id="239" name="矩形 238">
             <a:extLst>
               <a:ext uri="{FF2B5EF4-FFF2-40B4-BE49-F238E27FC236}">
-                <a16:creationId xmlns:a16="http://schemas.microsoft.com/office/drawing/2014/main" id="{C17303F0-5E15-4B80-BF00-13910CEE849A}"/>
+                <a16:creationId xmlns:a16="http://schemas.microsoft.com/office/drawing/2014/main" xmlns="" id="{C17303F0-5E15-4B80-BF00-13910CEE849A}"/>
               </a:ext>
             </a:extLst>
           </p:cNvPr>
@@ -14604,7 +14683,7 @@
           <p:cNvPr id="240" name="矩形 239">
             <a:extLst>
               <a:ext uri="{FF2B5EF4-FFF2-40B4-BE49-F238E27FC236}">
-                <a16:creationId xmlns:a16="http://schemas.microsoft.com/office/drawing/2014/main" id="{9E7E878F-B0F2-438A-8DF9-914FAAB4EAA6}"/>
+                <a16:creationId xmlns:a16="http://schemas.microsoft.com/office/drawing/2014/main" xmlns="" id="{9E7E878F-B0F2-438A-8DF9-914FAAB4EAA6}"/>
               </a:ext>
             </a:extLst>
           </p:cNvPr>
@@ -14660,7 +14739,7 @@
           <p:cNvPr id="242" name="表格 241">
             <a:extLst>
               <a:ext uri="{FF2B5EF4-FFF2-40B4-BE49-F238E27FC236}">
-                <a16:creationId xmlns:a16="http://schemas.microsoft.com/office/drawing/2014/main" id="{9AAB3172-877E-4AE8-8A67-240BB4D58BA3}"/>
+                <a16:creationId xmlns:a16="http://schemas.microsoft.com/office/drawing/2014/main" xmlns="" id="{9AAB3172-877E-4AE8-8A67-240BB4D58BA3}"/>
               </a:ext>
             </a:extLst>
           </p:cNvPr>
@@ -14687,28 +14766,28 @@
                 <a:gridCol w="798257">
                   <a:extLst>
                     <a:ext uri="{9D8B030D-6E8A-4147-A177-3AD203B41FA5}">
-                      <a16:colId xmlns:a16="http://schemas.microsoft.com/office/drawing/2014/main" val="3948644296"/>
+                      <a16:colId xmlns:a16="http://schemas.microsoft.com/office/drawing/2014/main" xmlns="" val="3948644296"/>
                     </a:ext>
                   </a:extLst>
                 </a:gridCol>
                 <a:gridCol w="618004">
                   <a:extLst>
                     <a:ext uri="{9D8B030D-6E8A-4147-A177-3AD203B41FA5}">
-                      <a16:colId xmlns:a16="http://schemas.microsoft.com/office/drawing/2014/main" val="3723654050"/>
+                      <a16:colId xmlns:a16="http://schemas.microsoft.com/office/drawing/2014/main" xmlns="" val="3723654050"/>
                     </a:ext>
                   </a:extLst>
                 </a:gridCol>
                 <a:gridCol w="749097">
                   <a:extLst>
                     <a:ext uri="{9D8B030D-6E8A-4147-A177-3AD203B41FA5}">
-                      <a16:colId xmlns:a16="http://schemas.microsoft.com/office/drawing/2014/main" val="4270415431"/>
+                      <a16:colId xmlns:a16="http://schemas.microsoft.com/office/drawing/2014/main" xmlns="" val="4270415431"/>
                     </a:ext>
                   </a:extLst>
                 </a:gridCol>
                 <a:gridCol w="692914">
                   <a:extLst>
                     <a:ext uri="{9D8B030D-6E8A-4147-A177-3AD203B41FA5}">
-                      <a16:colId xmlns:a16="http://schemas.microsoft.com/office/drawing/2014/main" val="20003"/>
+                      <a16:colId xmlns:a16="http://schemas.microsoft.com/office/drawing/2014/main" xmlns="" val="20003"/>
                     </a:ext>
                   </a:extLst>
                 </a:gridCol>
@@ -15050,7 +15129,7 @@
                 </a:tc>
                 <a:extLst>
                   <a:ext uri="{0D108BD9-81ED-4DB2-BD59-A6C34878D82A}">
-                    <a16:rowId xmlns:a16="http://schemas.microsoft.com/office/drawing/2014/main" val="1556317445"/>
+                    <a16:rowId xmlns:a16="http://schemas.microsoft.com/office/drawing/2014/main" xmlns="" val="1556317445"/>
                   </a:ext>
                 </a:extLst>
               </a:tr>
@@ -15335,7 +15414,7 @@
                 </a:tc>
                 <a:extLst>
                   <a:ext uri="{0D108BD9-81ED-4DB2-BD59-A6C34878D82A}">
-                    <a16:rowId xmlns:a16="http://schemas.microsoft.com/office/drawing/2014/main" val="1172037100"/>
+                    <a16:rowId xmlns:a16="http://schemas.microsoft.com/office/drawing/2014/main" xmlns="" val="1172037100"/>
                   </a:ext>
                 </a:extLst>
               </a:tr>
@@ -15620,7 +15699,7 @@
                 </a:tc>
                 <a:extLst>
                   <a:ext uri="{0D108BD9-81ED-4DB2-BD59-A6C34878D82A}">
-                    <a16:rowId xmlns:a16="http://schemas.microsoft.com/office/drawing/2014/main" val="2243676995"/>
+                    <a16:rowId xmlns:a16="http://schemas.microsoft.com/office/drawing/2014/main" xmlns="" val="2243676995"/>
                   </a:ext>
                 </a:extLst>
               </a:tr>
@@ -15888,7 +15967,7 @@
                 </a:tc>
                 <a:extLst>
                   <a:ext uri="{0D108BD9-81ED-4DB2-BD59-A6C34878D82A}">
-                    <a16:rowId xmlns:a16="http://schemas.microsoft.com/office/drawing/2014/main" val="4256870296"/>
+                    <a16:rowId xmlns:a16="http://schemas.microsoft.com/office/drawing/2014/main" xmlns="" val="4256870296"/>
                   </a:ext>
                 </a:extLst>
               </a:tr>
@@ -16173,7 +16252,7 @@
                 </a:tc>
                 <a:extLst>
                   <a:ext uri="{0D108BD9-81ED-4DB2-BD59-A6C34878D82A}">
-                    <a16:rowId xmlns:a16="http://schemas.microsoft.com/office/drawing/2014/main" val="899282155"/>
+                    <a16:rowId xmlns:a16="http://schemas.microsoft.com/office/drawing/2014/main" xmlns="" val="899282155"/>
                   </a:ext>
                 </a:extLst>
               </a:tr>
@@ -16186,7 +16265,7 @@
           <p:cNvPr id="255" name="矩形 254">
             <a:extLst>
               <a:ext uri="{FF2B5EF4-FFF2-40B4-BE49-F238E27FC236}">
-                <a16:creationId xmlns:a16="http://schemas.microsoft.com/office/drawing/2014/main" id="{069080C4-ED58-4DC6-97FC-AEC40E681730}"/>
+                <a16:creationId xmlns:a16="http://schemas.microsoft.com/office/drawing/2014/main" xmlns="" id="{069080C4-ED58-4DC6-97FC-AEC40E681730}"/>
               </a:ext>
             </a:extLst>
           </p:cNvPr>
@@ -16242,7 +16321,7 @@
           <p:cNvPr id="256" name="矩形 255">
             <a:extLst>
               <a:ext uri="{FF2B5EF4-FFF2-40B4-BE49-F238E27FC236}">
-                <a16:creationId xmlns:a16="http://schemas.microsoft.com/office/drawing/2014/main" id="{FCF1CD20-F034-4BEF-8565-6060DAD94853}"/>
+                <a16:creationId xmlns:a16="http://schemas.microsoft.com/office/drawing/2014/main" xmlns="" id="{FCF1CD20-F034-4BEF-8565-6060DAD94853}"/>
               </a:ext>
             </a:extLst>
           </p:cNvPr>
@@ -16375,7 +16454,7 @@
           <p:cNvPr id="258" name="矩形 257">
             <a:extLst>
               <a:ext uri="{FF2B5EF4-FFF2-40B4-BE49-F238E27FC236}">
-                <a16:creationId xmlns:a16="http://schemas.microsoft.com/office/drawing/2014/main" id="{AD976657-E2B9-436F-A69C-E68E93E618F0}"/>
+                <a16:creationId xmlns:a16="http://schemas.microsoft.com/office/drawing/2014/main" xmlns="" id="{AD976657-E2B9-436F-A69C-E68E93E618F0}"/>
               </a:ext>
             </a:extLst>
           </p:cNvPr>
@@ -16429,6 +16508,1696 @@
     <p:extLst>
       <p:ext uri="{BB962C8B-B14F-4D97-AF65-F5344CB8AC3E}">
         <p14:creationId xmlns:p14="http://schemas.microsoft.com/office/powerpoint/2010/main" val="3874882842"/>
+      </p:ext>
+    </p:extLst>
+  </p:cSld>
+  <p:clrMapOvr>
+    <a:masterClrMapping/>
+  </p:clrMapOvr>
+  <p:transition spd="med"/>
+</p:sld>
+</file>
+
+<file path=ppt/slides/slide6.xml><?xml version="1.0" encoding="utf-8"?>
+<p:sld xmlns:a="http://schemas.openxmlformats.org/drawingml/2006/main" xmlns:r="http://schemas.openxmlformats.org/officeDocument/2006/relationships" xmlns:p="http://schemas.openxmlformats.org/presentationml/2006/main" showMasterSp="0">
+  <p:cSld>
+    <p:bg>
+      <p:bgPr>
+        <a:blipFill dpi="0" rotWithShape="1">
+          <a:blip r:embed="rId3">
+            <a:lum/>
+          </a:blip>
+          <a:srcRect/>
+          <a:stretch>
+            <a:fillRect/>
+          </a:stretch>
+        </a:blipFill>
+        <a:effectLst/>
+      </p:bgPr>
+    </p:bg>
+    <p:spTree>
+      <p:nvGrpSpPr>
+        <p:cNvPr id="1" name=""/>
+        <p:cNvGrpSpPr/>
+        <p:nvPr/>
+      </p:nvGrpSpPr>
+      <p:grpSpPr>
+        <a:xfrm>
+          <a:off x="0" y="0"/>
+          <a:ext cx="0" cy="0"/>
+          <a:chOff x="0" y="0"/>
+          <a:chExt cx="0" cy="0"/>
+        </a:xfrm>
+      </p:grpSpPr>
+      <p:pic>
+        <p:nvPicPr>
+          <p:cNvPr id="59" name="图片 58">
+            <a:extLst>
+              <a:ext uri="{FF2B5EF4-FFF2-40B4-BE49-F238E27FC236}">
+                <a16:creationId xmlns:a16="http://schemas.microsoft.com/office/drawing/2014/main" xmlns="" id="{F227F290-809D-4C66-80F7-4ED1A8FECA3A}"/>
+              </a:ext>
+            </a:extLst>
+          </p:cNvPr>
+          <p:cNvPicPr>
+            <a:picLocks noChangeAspect="1"/>
+          </p:cNvPicPr>
+          <p:nvPr/>
+        </p:nvPicPr>
+        <p:blipFill>
+          <a:blip r:embed="rId4">
+            <a:extLst>
+              <a:ext uri="{28A0092B-C50C-407E-A947-70E740481C1C}">
+                <a14:useLocalDpi xmlns:a14="http://schemas.microsoft.com/office/drawing/2010/main" val="0"/>
+              </a:ext>
+            </a:extLst>
+          </a:blip>
+          <a:stretch>
+            <a:fillRect/>
+          </a:stretch>
+        </p:blipFill>
+        <p:spPr>
+          <a:xfrm>
+            <a:off x="1076161" y="260013"/>
+            <a:ext cx="8908272" cy="6264695"/>
+          </a:xfrm>
+          <a:prstGeom prst="rect">
+            <a:avLst/>
+          </a:prstGeom>
+          <a:ln>
+            <a:solidFill>
+              <a:schemeClr val="bg1"/>
+            </a:solidFill>
+          </a:ln>
+          <a:effectLst/>
+        </p:spPr>
+      </p:pic>
+      <p:pic>
+        <p:nvPicPr>
+          <p:cNvPr id="5" name="图片 4"/>
+          <p:cNvPicPr>
+            <a:picLocks noChangeAspect="1"/>
+          </p:cNvPicPr>
+          <p:nvPr/>
+        </p:nvPicPr>
+        <p:blipFill>
+          <a:blip r:embed="rId5" cstate="print">
+            <a:extLst>
+              <a:ext uri="{28A0092B-C50C-407E-A947-70E740481C1C}">
+                <a14:useLocalDpi xmlns:a14="http://schemas.microsoft.com/office/drawing/2010/main" val="0"/>
+              </a:ext>
+            </a:extLst>
+          </a:blip>
+          <a:stretch>
+            <a:fillRect/>
+          </a:stretch>
+        </p:blipFill>
+        <p:spPr>
+          <a:xfrm>
+            <a:off x="2662429" y="4539600"/>
+            <a:ext cx="720000" cy="720000"/>
+          </a:xfrm>
+          <a:prstGeom prst="rect">
+            <a:avLst/>
+          </a:prstGeom>
+          <a:effectLst/>
+        </p:spPr>
+      </p:pic>
+      <p:pic>
+        <p:nvPicPr>
+          <p:cNvPr id="8" name="图片 7"/>
+          <p:cNvPicPr>
+            <a:picLocks noChangeAspect="1"/>
+          </p:cNvPicPr>
+          <p:nvPr/>
+        </p:nvPicPr>
+        <p:blipFill>
+          <a:blip r:embed="rId6" cstate="print">
+            <a:extLst>
+              <a:ext uri="{28A0092B-C50C-407E-A947-70E740481C1C}">
+                <a14:useLocalDpi xmlns:a14="http://schemas.microsoft.com/office/drawing/2010/main" val="0"/>
+              </a:ext>
+            </a:extLst>
+          </a:blip>
+          <a:stretch>
+            <a:fillRect/>
+          </a:stretch>
+        </p:blipFill>
+        <p:spPr>
+          <a:xfrm>
+            <a:off x="6744100" y="1321607"/>
+            <a:ext cx="720000" cy="720000"/>
+          </a:xfrm>
+          <a:prstGeom prst="rect">
+            <a:avLst/>
+          </a:prstGeom>
+          <a:effectLst/>
+        </p:spPr>
+      </p:pic>
+      <p:pic>
+        <p:nvPicPr>
+          <p:cNvPr id="10" name="图片 9"/>
+          <p:cNvPicPr>
+            <a:picLocks noChangeAspect="1"/>
+          </p:cNvPicPr>
+          <p:nvPr/>
+        </p:nvPicPr>
+        <p:blipFill>
+          <a:blip r:embed="rId5" cstate="print">
+            <a:extLst>
+              <a:ext uri="{28A0092B-C50C-407E-A947-70E740481C1C}">
+                <a14:useLocalDpi xmlns:a14="http://schemas.microsoft.com/office/drawing/2010/main" val="0"/>
+              </a:ext>
+            </a:extLst>
+          </a:blip>
+          <a:stretch>
+            <a:fillRect/>
+          </a:stretch>
+        </p:blipFill>
+        <p:spPr>
+          <a:xfrm>
+            <a:off x="7716220" y="4539425"/>
+            <a:ext cx="720000" cy="720000"/>
+          </a:xfrm>
+          <a:prstGeom prst="rect">
+            <a:avLst/>
+          </a:prstGeom>
+          <a:effectLst/>
+        </p:spPr>
+      </p:pic>
+      <p:pic>
+        <p:nvPicPr>
+          <p:cNvPr id="11" name="图片 10"/>
+          <p:cNvPicPr>
+            <a:picLocks noChangeAspect="1"/>
+          </p:cNvPicPr>
+          <p:nvPr/>
+        </p:nvPicPr>
+        <p:blipFill>
+          <a:blip r:embed="rId6" cstate="print">
+            <a:extLst>
+              <a:ext uri="{28A0092B-C50C-407E-A947-70E740481C1C}">
+                <a14:useLocalDpi xmlns:a14="http://schemas.microsoft.com/office/drawing/2010/main" val="0"/>
+              </a:ext>
+            </a:extLst>
+          </a:blip>
+          <a:stretch>
+            <a:fillRect/>
+          </a:stretch>
+        </p:blipFill>
+        <p:spPr>
+          <a:xfrm>
+            <a:off x="8725243" y="1825543"/>
+            <a:ext cx="720000" cy="720000"/>
+          </a:xfrm>
+          <a:prstGeom prst="rect">
+            <a:avLst/>
+          </a:prstGeom>
+          <a:effectLst/>
+        </p:spPr>
+      </p:pic>
+      <p:pic>
+        <p:nvPicPr>
+          <p:cNvPr id="12" name="图片 11"/>
+          <p:cNvPicPr>
+            <a:picLocks noChangeAspect="1"/>
+          </p:cNvPicPr>
+          <p:nvPr/>
+        </p:nvPicPr>
+        <p:blipFill>
+          <a:blip r:embed="rId6" cstate="print">
+            <a:extLst>
+              <a:ext uri="{28A0092B-C50C-407E-A947-70E740481C1C}">
+                <a14:useLocalDpi xmlns:a14="http://schemas.microsoft.com/office/drawing/2010/main" val="0"/>
+              </a:ext>
+            </a:extLst>
+          </a:blip>
+          <a:stretch>
+            <a:fillRect/>
+          </a:stretch>
+        </p:blipFill>
+        <p:spPr>
+          <a:xfrm>
+            <a:off x="3645918" y="3792369"/>
+            <a:ext cx="720000" cy="720000"/>
+          </a:xfrm>
+          <a:prstGeom prst="rect">
+            <a:avLst/>
+          </a:prstGeom>
+          <a:effectLst/>
+        </p:spPr>
+      </p:pic>
+      <p:sp>
+        <p:nvSpPr>
+          <p:cNvPr id="13" name="矩形 12">
+            <a:extLst>
+              <a:ext uri="{FF2B5EF4-FFF2-40B4-BE49-F238E27FC236}">
+                <a16:creationId xmlns:a16="http://schemas.microsoft.com/office/drawing/2014/main" xmlns="" id="{9D3DD53F-FC8A-4A79-9D6A-7E89379C2568}"/>
+              </a:ext>
+            </a:extLst>
+          </p:cNvPr>
+          <p:cNvSpPr/>
+          <p:nvPr/>
+        </p:nvSpPr>
+        <p:spPr bwMode="auto">
+          <a:xfrm>
+            <a:off x="2472013" y="5320800"/>
+            <a:ext cx="1089173" cy="432128"/>
+          </a:xfrm>
+          <a:prstGeom prst="rect">
+            <a:avLst/>
+          </a:prstGeom>
+          <a:noFill/>
+          <a:ln w="25400" cap="flat" cmpd="sng" algn="ctr">
+            <a:noFill/>
+            <a:prstDash val="solid"/>
+            <a:round/>
+            <a:headEnd type="none" w="med" len="med"/>
+            <a:tailEnd type="none"/>
+          </a:ln>
+          <a:effectLst/>
+        </p:spPr>
+        <p:txBody>
+          <a:bodyPr rtlCol="0" anchor="ctr"/>
+          <a:lstStyle/>
+          <a:p>
+            <a:r>
+              <a:rPr lang="en-US" altLang="zh-CN" sz="1400" dirty="0" err="1">
+                <a:solidFill>
+                  <a:schemeClr val="bg1"/>
+                </a:solidFill>
+              </a:rPr>
+              <a:t>b</a:t>
+            </a:r>
+            <a:r>
+              <a:rPr lang="en-US" altLang="zh-CN" sz="1400" dirty="0" err="1" smtClean="0">
+                <a:solidFill>
+                  <a:schemeClr val="bg1"/>
+                </a:solidFill>
+              </a:rPr>
+              <a:t>inlog</a:t>
+            </a:r>
+            <a:r>
+              <a:rPr lang="en-US" altLang="zh-CN" sz="1400" dirty="0" smtClean="0">
+                <a:solidFill>
+                  <a:schemeClr val="bg1"/>
+                </a:solidFill>
+              </a:rPr>
+              <a:t/>
+            </a:r>
+            <a:br>
+              <a:rPr lang="en-US" altLang="zh-CN" sz="1400" dirty="0" smtClean="0">
+                <a:solidFill>
+                  <a:schemeClr val="bg1"/>
+                </a:solidFill>
+              </a:rPr>
+            </a:br>
+            <a:r>
+              <a:rPr lang="zh-CN" altLang="en-US" sz="1400" dirty="0" smtClean="0">
+                <a:solidFill>
+                  <a:schemeClr val="bg1"/>
+                </a:solidFill>
+              </a:rPr>
+              <a:t>二进制日志</a:t>
+            </a:r>
+            <a:endParaRPr lang="zh-CN" altLang="en-US" sz="1400" dirty="0">
+              <a:solidFill>
+                <a:schemeClr val="bg1"/>
+              </a:solidFill>
+            </a:endParaRPr>
+          </a:p>
+        </p:txBody>
+      </p:sp>
+      <p:cxnSp>
+        <p:nvCxnSpPr>
+          <p:cNvPr id="14" name="直接箭头连接符 13">
+            <a:extLst>
+              <a:ext uri="{FF2B5EF4-FFF2-40B4-BE49-F238E27FC236}">
+                <a16:creationId xmlns:a16="http://schemas.microsoft.com/office/drawing/2014/main" xmlns="" id="{6D1CFA88-A0DF-45A5-A07D-D1BEB07BA749}"/>
+              </a:ext>
+            </a:extLst>
+          </p:cNvPr>
+          <p:cNvCxnSpPr>
+            <a:cxnSpLocks/>
+            <a:stCxn id="41" idx="2"/>
+            <a:endCxn id="5" idx="0"/>
+          </p:cNvCxnSpPr>
+          <p:nvPr/>
+        </p:nvCxnSpPr>
+        <p:spPr bwMode="auto">
+          <a:xfrm>
+            <a:off x="3022429" y="1458201"/>
+            <a:ext cx="0" cy="3081399"/>
+          </a:xfrm>
+          <a:prstGeom prst="straightConnector1">
+            <a:avLst/>
+          </a:prstGeom>
+          <a:solidFill>
+            <a:srgbClr val="FFFFFF"/>
+          </a:solidFill>
+          <a:ln w="19050" cap="flat" cmpd="sng" algn="ctr">
+            <a:solidFill>
+              <a:schemeClr val="bg1"/>
+            </a:solidFill>
+            <a:prstDash val="solid"/>
+            <a:round/>
+            <a:headEnd type="none" w="med" len="med"/>
+            <a:tailEnd type="arrow"/>
+          </a:ln>
+          <a:effectLst/>
+        </p:spPr>
+      </p:cxnSp>
+      <p:sp>
+        <p:nvSpPr>
+          <p:cNvPr id="18" name="矩形 17">
+            <a:extLst>
+              <a:ext uri="{FF2B5EF4-FFF2-40B4-BE49-F238E27FC236}">
+                <a16:creationId xmlns:a16="http://schemas.microsoft.com/office/drawing/2014/main" xmlns="" id="{9D3DD53F-FC8A-4A79-9D6A-7E89379C2568}"/>
+              </a:ext>
+            </a:extLst>
+          </p:cNvPr>
+          <p:cNvSpPr/>
+          <p:nvPr/>
+        </p:nvSpPr>
+        <p:spPr bwMode="auto">
+          <a:xfrm>
+            <a:off x="3316826" y="4398336"/>
+            <a:ext cx="1311266" cy="432128"/>
+          </a:xfrm>
+          <a:prstGeom prst="rect">
+            <a:avLst/>
+          </a:prstGeom>
+          <a:noFill/>
+          <a:ln w="25400" cap="flat" cmpd="sng" algn="ctr">
+            <a:noFill/>
+            <a:prstDash val="solid"/>
+            <a:round/>
+            <a:headEnd type="none" w="med" len="med"/>
+            <a:tailEnd type="none"/>
+          </a:ln>
+          <a:effectLst/>
+        </p:spPr>
+        <p:txBody>
+          <a:bodyPr rtlCol="0" anchor="ctr"/>
+          <a:lstStyle/>
+          <a:p>
+            <a:r>
+              <a:rPr lang="en-US" altLang="zh-CN" sz="1400" dirty="0">
+                <a:solidFill>
+                  <a:schemeClr val="bg1"/>
+                </a:solidFill>
+              </a:rPr>
+              <a:t>l</a:t>
+            </a:r>
+            <a:r>
+              <a:rPr lang="en-US" altLang="zh-CN" sz="1400" dirty="0" smtClean="0">
+                <a:solidFill>
+                  <a:schemeClr val="bg1"/>
+                </a:solidFill>
+              </a:rPr>
+              <a:t>og dump</a:t>
+            </a:r>
+            <a:r>
+              <a:rPr lang="zh-CN" altLang="en-US" sz="1400" dirty="0" smtClean="0">
+                <a:solidFill>
+                  <a:schemeClr val="bg1"/>
+                </a:solidFill>
+              </a:rPr>
+              <a:t>线程</a:t>
+            </a:r>
+            <a:endParaRPr lang="zh-CN" altLang="en-US" sz="1400" dirty="0">
+              <a:solidFill>
+                <a:schemeClr val="bg1"/>
+              </a:solidFill>
+            </a:endParaRPr>
+          </a:p>
+        </p:txBody>
+      </p:sp>
+      <p:sp>
+        <p:nvSpPr>
+          <p:cNvPr id="19" name="任意多边形 18"/>
+          <p:cNvSpPr/>
+          <p:nvPr/>
+        </p:nvSpPr>
+        <p:spPr bwMode="auto">
+          <a:xfrm rot="20524339">
+            <a:off x="4115772" y="2269258"/>
+            <a:ext cx="2878475" cy="1171253"/>
+          </a:xfrm>
+          <a:custGeom>
+            <a:avLst/>
+            <a:gdLst>
+              <a:gd name="connsiteX0" fmla="*/ 0 w 2507530"/>
+              <a:gd name="connsiteY0" fmla="*/ 848542 h 848542"/>
+              <a:gd name="connsiteX1" fmla="*/ 1055802 w 2507530"/>
+              <a:gd name="connsiteY1" fmla="*/ 132105 h 848542"/>
+              <a:gd name="connsiteX2" fmla="*/ 2507530 w 2507530"/>
+              <a:gd name="connsiteY2" fmla="*/ 130 h 848542"/>
+              <a:gd name="connsiteX3" fmla="*/ 2507530 w 2507530"/>
+              <a:gd name="connsiteY3" fmla="*/ 130 h 848542"/>
+            </a:gdLst>
+            <a:ahLst/>
+            <a:cxnLst>
+              <a:cxn ang="0">
+                <a:pos x="connsiteX0" y="connsiteY0"/>
+              </a:cxn>
+              <a:cxn ang="0">
+                <a:pos x="connsiteX1" y="connsiteY1"/>
+              </a:cxn>
+              <a:cxn ang="0">
+                <a:pos x="connsiteX2" y="connsiteY2"/>
+              </a:cxn>
+              <a:cxn ang="0">
+                <a:pos x="connsiteX3" y="connsiteY3"/>
+              </a:cxn>
+            </a:cxnLst>
+            <a:rect l="l" t="t" r="r" b="b"/>
+            <a:pathLst>
+              <a:path w="2507530" h="848542">
+                <a:moveTo>
+                  <a:pt x="0" y="848542"/>
+                </a:moveTo>
+                <a:cubicBezTo>
+                  <a:pt x="318940" y="561024"/>
+                  <a:pt x="637880" y="273507"/>
+                  <a:pt x="1055802" y="132105"/>
+                </a:cubicBezTo>
+                <a:cubicBezTo>
+                  <a:pt x="1473724" y="-9297"/>
+                  <a:pt x="2507530" y="130"/>
+                  <a:pt x="2507530" y="130"/>
+                </a:cubicBezTo>
+                <a:lnTo>
+                  <a:pt x="2507530" y="130"/>
+                </a:lnTo>
+              </a:path>
+            </a:pathLst>
+          </a:custGeom>
+          <a:noFill/>
+          <a:ln w="19050" cap="flat" cmpd="sng" algn="ctr">
+            <a:solidFill>
+              <a:schemeClr val="bg1"/>
+            </a:solidFill>
+            <a:prstDash val="solid"/>
+            <a:round/>
+            <a:headEnd type="none" w="med" len="med"/>
+            <a:tailEnd type="arrow"/>
+          </a:ln>
+          <a:effectLst/>
+        </p:spPr>
+        <p:txBody>
+          <a:bodyPr rtlCol="0" anchor="ctr"/>
+          <a:lstStyle/>
+          <a:p>
+            <a:pPr algn="ctr"/>
+            <a:endParaRPr lang="zh-CN" altLang="en-US"/>
+          </a:p>
+        </p:txBody>
+      </p:sp>
+      <p:sp>
+        <p:nvSpPr>
+          <p:cNvPr id="20" name="任意多边形 19"/>
+          <p:cNvSpPr/>
+          <p:nvPr/>
+        </p:nvSpPr>
+        <p:spPr bwMode="auto">
+          <a:xfrm rot="9604690">
+            <a:off x="4080118" y="2751999"/>
+            <a:ext cx="2977332" cy="996582"/>
+          </a:xfrm>
+          <a:custGeom>
+            <a:avLst/>
+            <a:gdLst>
+              <a:gd name="connsiteX0" fmla="*/ 0 w 2507530"/>
+              <a:gd name="connsiteY0" fmla="*/ 848542 h 848542"/>
+              <a:gd name="connsiteX1" fmla="*/ 1055802 w 2507530"/>
+              <a:gd name="connsiteY1" fmla="*/ 132105 h 848542"/>
+              <a:gd name="connsiteX2" fmla="*/ 2507530 w 2507530"/>
+              <a:gd name="connsiteY2" fmla="*/ 130 h 848542"/>
+              <a:gd name="connsiteX3" fmla="*/ 2507530 w 2507530"/>
+              <a:gd name="connsiteY3" fmla="*/ 130 h 848542"/>
+            </a:gdLst>
+            <a:ahLst/>
+            <a:cxnLst>
+              <a:cxn ang="0">
+                <a:pos x="connsiteX0" y="connsiteY0"/>
+              </a:cxn>
+              <a:cxn ang="0">
+                <a:pos x="connsiteX1" y="connsiteY1"/>
+              </a:cxn>
+              <a:cxn ang="0">
+                <a:pos x="connsiteX2" y="connsiteY2"/>
+              </a:cxn>
+              <a:cxn ang="0">
+                <a:pos x="connsiteX3" y="connsiteY3"/>
+              </a:cxn>
+            </a:cxnLst>
+            <a:rect l="l" t="t" r="r" b="b"/>
+            <a:pathLst>
+              <a:path w="2507530" h="848542">
+                <a:moveTo>
+                  <a:pt x="0" y="848542"/>
+                </a:moveTo>
+                <a:cubicBezTo>
+                  <a:pt x="318940" y="561024"/>
+                  <a:pt x="637880" y="273507"/>
+                  <a:pt x="1055802" y="132105"/>
+                </a:cubicBezTo>
+                <a:cubicBezTo>
+                  <a:pt x="1473724" y="-9297"/>
+                  <a:pt x="2507530" y="130"/>
+                  <a:pt x="2507530" y="130"/>
+                </a:cubicBezTo>
+                <a:lnTo>
+                  <a:pt x="2507530" y="130"/>
+                </a:lnTo>
+              </a:path>
+            </a:pathLst>
+          </a:custGeom>
+          <a:noFill/>
+          <a:ln w="19050" cap="flat" cmpd="sng" algn="ctr">
+            <a:solidFill>
+              <a:schemeClr val="bg1"/>
+            </a:solidFill>
+            <a:prstDash val="solid"/>
+            <a:round/>
+            <a:headEnd type="none" w="med" len="med"/>
+            <a:tailEnd type="arrow"/>
+          </a:ln>
+          <a:effectLst/>
+        </p:spPr>
+        <p:txBody>
+          <a:bodyPr rtlCol="0" anchor="ctr"/>
+          <a:lstStyle/>
+          <a:p>
+            <a:pPr algn="ctr"/>
+            <a:endParaRPr lang="zh-CN" altLang="en-US"/>
+          </a:p>
+        </p:txBody>
+      </p:sp>
+      <p:sp>
+        <p:nvSpPr>
+          <p:cNvPr id="21" name="任意多边形 20"/>
+          <p:cNvSpPr/>
+          <p:nvPr/>
+        </p:nvSpPr>
+        <p:spPr bwMode="auto">
+          <a:xfrm rot="15813536">
+            <a:off x="6219373" y="3129356"/>
+            <a:ext cx="2326746" cy="511328"/>
+          </a:xfrm>
+          <a:custGeom>
+            <a:avLst/>
+            <a:gdLst>
+              <a:gd name="connsiteX0" fmla="*/ 0 w 2507530"/>
+              <a:gd name="connsiteY0" fmla="*/ 848542 h 848542"/>
+              <a:gd name="connsiteX1" fmla="*/ 1055802 w 2507530"/>
+              <a:gd name="connsiteY1" fmla="*/ 132105 h 848542"/>
+              <a:gd name="connsiteX2" fmla="*/ 2507530 w 2507530"/>
+              <a:gd name="connsiteY2" fmla="*/ 130 h 848542"/>
+              <a:gd name="connsiteX3" fmla="*/ 2507530 w 2507530"/>
+              <a:gd name="connsiteY3" fmla="*/ 130 h 848542"/>
+            </a:gdLst>
+            <a:ahLst/>
+            <a:cxnLst>
+              <a:cxn ang="0">
+                <a:pos x="connsiteX0" y="connsiteY0"/>
+              </a:cxn>
+              <a:cxn ang="0">
+                <a:pos x="connsiteX1" y="connsiteY1"/>
+              </a:cxn>
+              <a:cxn ang="0">
+                <a:pos x="connsiteX2" y="connsiteY2"/>
+              </a:cxn>
+              <a:cxn ang="0">
+                <a:pos x="connsiteX3" y="connsiteY3"/>
+              </a:cxn>
+            </a:cxnLst>
+            <a:rect l="l" t="t" r="r" b="b"/>
+            <a:pathLst>
+              <a:path w="2507530" h="848542">
+                <a:moveTo>
+                  <a:pt x="0" y="848542"/>
+                </a:moveTo>
+                <a:cubicBezTo>
+                  <a:pt x="318940" y="561024"/>
+                  <a:pt x="637880" y="273507"/>
+                  <a:pt x="1055802" y="132105"/>
+                </a:cubicBezTo>
+                <a:cubicBezTo>
+                  <a:pt x="1473724" y="-9297"/>
+                  <a:pt x="2507530" y="130"/>
+                  <a:pt x="2507530" y="130"/>
+                </a:cubicBezTo>
+                <a:lnTo>
+                  <a:pt x="2507530" y="130"/>
+                </a:lnTo>
+              </a:path>
+            </a:pathLst>
+          </a:custGeom>
+          <a:noFill/>
+          <a:ln w="19050" cap="flat" cmpd="sng" algn="ctr">
+            <a:solidFill>
+              <a:schemeClr val="bg1"/>
+            </a:solidFill>
+            <a:prstDash val="solid"/>
+            <a:round/>
+            <a:headEnd type="arrow" w="med" len="med"/>
+            <a:tailEnd type="none"/>
+          </a:ln>
+          <a:effectLst/>
+        </p:spPr>
+        <p:txBody>
+          <a:bodyPr rtlCol="0" anchor="ctr"/>
+          <a:lstStyle/>
+          <a:p>
+            <a:pPr algn="ctr"/>
+            <a:endParaRPr lang="zh-CN" altLang="en-US"/>
+          </a:p>
+        </p:txBody>
+      </p:sp>
+      <p:sp>
+        <p:nvSpPr>
+          <p:cNvPr id="29" name="矩形 28">
+            <a:extLst>
+              <a:ext uri="{FF2B5EF4-FFF2-40B4-BE49-F238E27FC236}">
+                <a16:creationId xmlns:a16="http://schemas.microsoft.com/office/drawing/2014/main" xmlns="" id="{9D3DD53F-FC8A-4A79-9D6A-7E89379C2568}"/>
+              </a:ext>
+            </a:extLst>
+          </p:cNvPr>
+          <p:cNvSpPr/>
+          <p:nvPr/>
+        </p:nvSpPr>
+        <p:spPr bwMode="auto">
+          <a:xfrm>
+            <a:off x="4902836" y="1825543"/>
+            <a:ext cx="1311266" cy="432128"/>
+          </a:xfrm>
+          <a:prstGeom prst="rect">
+            <a:avLst/>
+          </a:prstGeom>
+          <a:noFill/>
+          <a:ln w="25400" cap="flat" cmpd="sng" algn="ctr">
+            <a:noFill/>
+            <a:prstDash val="solid"/>
+            <a:round/>
+            <a:headEnd type="none" w="med" len="med"/>
+            <a:tailEnd type="none"/>
+          </a:ln>
+          <a:effectLst/>
+        </p:spPr>
+        <p:txBody>
+          <a:bodyPr rtlCol="0" anchor="ctr"/>
+          <a:lstStyle/>
+          <a:p>
+            <a:r>
+              <a:rPr lang="en-US" altLang="zh-CN" sz="1400" dirty="0" smtClean="0">
+                <a:solidFill>
+                  <a:srgbClr val="ECBB73"/>
+                </a:solidFill>
+              </a:rPr>
+              <a:t>2</a:t>
+            </a:r>
+            <a:r>
+              <a:rPr lang="zh-CN" altLang="en-US" sz="1400" dirty="0" smtClean="0">
+                <a:solidFill>
+                  <a:srgbClr val="ECBB73"/>
+                </a:solidFill>
+              </a:rPr>
+              <a:t>、通知</a:t>
+            </a:r>
+            <a:endParaRPr lang="zh-CN" altLang="en-US" sz="1400" dirty="0">
+              <a:solidFill>
+                <a:srgbClr val="ECBB73"/>
+              </a:solidFill>
+            </a:endParaRPr>
+          </a:p>
+        </p:txBody>
+      </p:sp>
+      <p:sp>
+        <p:nvSpPr>
+          <p:cNvPr id="30" name="矩形 29">
+            <a:extLst>
+              <a:ext uri="{FF2B5EF4-FFF2-40B4-BE49-F238E27FC236}">
+                <a16:creationId xmlns:a16="http://schemas.microsoft.com/office/drawing/2014/main" xmlns="" id="{9D3DD53F-FC8A-4A79-9D6A-7E89379C2568}"/>
+              </a:ext>
+            </a:extLst>
+          </p:cNvPr>
+          <p:cNvSpPr/>
+          <p:nvPr/>
+        </p:nvSpPr>
+        <p:spPr bwMode="auto">
+          <a:xfrm>
+            <a:off x="4913151" y="3755548"/>
+            <a:ext cx="1311266" cy="432128"/>
+          </a:xfrm>
+          <a:prstGeom prst="rect">
+            <a:avLst/>
+          </a:prstGeom>
+          <a:noFill/>
+          <a:ln w="25400" cap="flat" cmpd="sng" algn="ctr">
+            <a:noFill/>
+            <a:prstDash val="solid"/>
+            <a:round/>
+            <a:headEnd type="none" w="med" len="med"/>
+            <a:tailEnd type="none"/>
+          </a:ln>
+          <a:effectLst/>
+        </p:spPr>
+        <p:txBody>
+          <a:bodyPr rtlCol="0" anchor="ctr"/>
+          <a:lstStyle/>
+          <a:p>
+            <a:r>
+              <a:rPr lang="en-US" altLang="zh-CN" sz="1400" dirty="0" smtClean="0">
+                <a:solidFill>
+                  <a:srgbClr val="ECBB73"/>
+                </a:solidFill>
+              </a:rPr>
+              <a:t>3</a:t>
+            </a:r>
+            <a:r>
+              <a:rPr lang="zh-CN" altLang="en-US" sz="1400" dirty="0" smtClean="0">
+                <a:solidFill>
+                  <a:srgbClr val="ECBB73"/>
+                </a:solidFill>
+              </a:rPr>
+              <a:t>、读取</a:t>
+            </a:r>
+            <a:endParaRPr lang="zh-CN" altLang="en-US" sz="1400" dirty="0">
+              <a:solidFill>
+                <a:srgbClr val="ECBB73"/>
+              </a:solidFill>
+            </a:endParaRPr>
+          </a:p>
+        </p:txBody>
+      </p:sp>
+      <p:sp>
+        <p:nvSpPr>
+          <p:cNvPr id="31" name="矩形 30">
+            <a:extLst>
+              <a:ext uri="{FF2B5EF4-FFF2-40B4-BE49-F238E27FC236}">
+                <a16:creationId xmlns:a16="http://schemas.microsoft.com/office/drawing/2014/main" xmlns="" id="{9D3DD53F-FC8A-4A79-9D6A-7E89379C2568}"/>
+              </a:ext>
+            </a:extLst>
+          </p:cNvPr>
+          <p:cNvSpPr/>
+          <p:nvPr/>
+        </p:nvSpPr>
+        <p:spPr bwMode="auto">
+          <a:xfrm>
+            <a:off x="6404233" y="1920035"/>
+            <a:ext cx="1311266" cy="432128"/>
+          </a:xfrm>
+          <a:prstGeom prst="rect">
+            <a:avLst/>
+          </a:prstGeom>
+          <a:noFill/>
+          <a:ln w="25400" cap="flat" cmpd="sng" algn="ctr">
+            <a:noFill/>
+            <a:prstDash val="solid"/>
+            <a:round/>
+            <a:headEnd type="none" w="med" len="med"/>
+            <a:tailEnd type="none"/>
+          </a:ln>
+          <a:effectLst/>
+        </p:spPr>
+        <p:txBody>
+          <a:bodyPr rtlCol="0" anchor="ctr"/>
+          <a:lstStyle/>
+          <a:p>
+            <a:r>
+              <a:rPr lang="en-US" altLang="zh-CN" sz="1400" dirty="0" smtClean="0">
+                <a:solidFill>
+                  <a:schemeClr val="bg1"/>
+                </a:solidFill>
+              </a:rPr>
+              <a:t>I/O</a:t>
+            </a:r>
+            <a:r>
+              <a:rPr lang="zh-CN" altLang="en-US" sz="1400" dirty="0" smtClean="0">
+                <a:solidFill>
+                  <a:schemeClr val="bg1"/>
+                </a:solidFill>
+              </a:rPr>
+              <a:t>线程</a:t>
+            </a:r>
+            <a:endParaRPr lang="zh-CN" altLang="en-US" sz="1400" dirty="0">
+              <a:solidFill>
+                <a:schemeClr val="bg1"/>
+              </a:solidFill>
+            </a:endParaRPr>
+          </a:p>
+        </p:txBody>
+      </p:sp>
+      <p:sp>
+        <p:nvSpPr>
+          <p:cNvPr id="32" name="矩形 31">
+            <a:extLst>
+              <a:ext uri="{FF2B5EF4-FFF2-40B4-BE49-F238E27FC236}">
+                <a16:creationId xmlns:a16="http://schemas.microsoft.com/office/drawing/2014/main" xmlns="" id="{9D3DD53F-FC8A-4A79-9D6A-7E89379C2568}"/>
+              </a:ext>
+            </a:extLst>
+          </p:cNvPr>
+          <p:cNvSpPr/>
+          <p:nvPr/>
+        </p:nvSpPr>
+        <p:spPr bwMode="auto">
+          <a:xfrm>
+            <a:off x="7533571" y="5320148"/>
+            <a:ext cx="1089173" cy="432128"/>
+          </a:xfrm>
+          <a:prstGeom prst="rect">
+            <a:avLst/>
+          </a:prstGeom>
+          <a:noFill/>
+          <a:ln w="25400" cap="flat" cmpd="sng" algn="ctr">
+            <a:noFill/>
+            <a:prstDash val="solid"/>
+            <a:round/>
+            <a:headEnd type="none" w="med" len="med"/>
+            <a:tailEnd type="none"/>
+          </a:ln>
+          <a:effectLst/>
+        </p:spPr>
+        <p:txBody>
+          <a:bodyPr rtlCol="0" anchor="ctr"/>
+          <a:lstStyle/>
+          <a:p>
+            <a:r>
+              <a:rPr lang="en-US" altLang="zh-CN" sz="1400" dirty="0">
+                <a:solidFill>
+                  <a:schemeClr val="bg1"/>
+                </a:solidFill>
+              </a:rPr>
+              <a:t>r</a:t>
+            </a:r>
+            <a:r>
+              <a:rPr lang="en-US" altLang="zh-CN" sz="1400" dirty="0" smtClean="0">
+                <a:solidFill>
+                  <a:schemeClr val="bg1"/>
+                </a:solidFill>
+              </a:rPr>
+              <a:t>elay log</a:t>
+            </a:r>
+            <a:br>
+              <a:rPr lang="en-US" altLang="zh-CN" sz="1400" dirty="0" smtClean="0">
+                <a:solidFill>
+                  <a:schemeClr val="bg1"/>
+                </a:solidFill>
+              </a:rPr>
+            </a:br>
+            <a:r>
+              <a:rPr lang="zh-CN" altLang="en-US" sz="1400" dirty="0" smtClean="0">
+                <a:solidFill>
+                  <a:schemeClr val="bg1"/>
+                </a:solidFill>
+              </a:rPr>
+              <a:t>中继日志</a:t>
+            </a:r>
+            <a:endParaRPr lang="zh-CN" altLang="en-US" sz="1400" dirty="0">
+              <a:solidFill>
+                <a:schemeClr val="bg1"/>
+              </a:solidFill>
+            </a:endParaRPr>
+          </a:p>
+        </p:txBody>
+      </p:sp>
+      <p:pic>
+        <p:nvPicPr>
+          <p:cNvPr id="41" name="图片 40"/>
+          <p:cNvPicPr>
+            <a:picLocks noChangeAspect="1"/>
+          </p:cNvPicPr>
+          <p:nvPr/>
+        </p:nvPicPr>
+        <p:blipFill>
+          <a:blip r:embed="rId7" cstate="print">
+            <a:extLst>
+              <a:ext uri="{28A0092B-C50C-407E-A947-70E740481C1C}">
+                <a14:useLocalDpi xmlns:a14="http://schemas.microsoft.com/office/drawing/2010/main" val="0"/>
+              </a:ext>
+            </a:extLst>
+          </a:blip>
+          <a:stretch>
+            <a:fillRect/>
+          </a:stretch>
+        </p:blipFill>
+        <p:spPr>
+          <a:xfrm>
+            <a:off x="2662429" y="738201"/>
+            <a:ext cx="720000" cy="720000"/>
+          </a:xfrm>
+          <a:prstGeom prst="rect">
+            <a:avLst/>
+          </a:prstGeom>
+        </p:spPr>
+      </p:pic>
+      <p:pic>
+        <p:nvPicPr>
+          <p:cNvPr id="42" name="图片 41"/>
+          <p:cNvPicPr>
+            <a:picLocks noChangeAspect="1"/>
+          </p:cNvPicPr>
+          <p:nvPr/>
+        </p:nvPicPr>
+        <p:blipFill>
+          <a:blip r:embed="rId7" cstate="print">
+            <a:extLst>
+              <a:ext uri="{28A0092B-C50C-407E-A947-70E740481C1C}">
+                <a14:useLocalDpi xmlns:a14="http://schemas.microsoft.com/office/drawing/2010/main" val="0"/>
+              </a:ext>
+            </a:extLst>
+          </a:blip>
+          <a:stretch>
+            <a:fillRect/>
+          </a:stretch>
+        </p:blipFill>
+        <p:spPr>
+          <a:xfrm>
+            <a:off x="7802081" y="738201"/>
+            <a:ext cx="720000" cy="720000"/>
+          </a:xfrm>
+          <a:prstGeom prst="rect">
+            <a:avLst/>
+          </a:prstGeom>
+        </p:spPr>
+      </p:pic>
+      <p:sp>
+        <p:nvSpPr>
+          <p:cNvPr id="46" name="圆角矩形 45"/>
+          <p:cNvSpPr/>
+          <p:nvPr/>
+        </p:nvSpPr>
+        <p:spPr bwMode="auto">
+          <a:xfrm>
+            <a:off x="1396420" y="548680"/>
+            <a:ext cx="3240360" cy="5334922"/>
+          </a:xfrm>
+          <a:prstGeom prst="roundRect">
+            <a:avLst/>
+          </a:prstGeom>
+          <a:noFill/>
+          <a:ln w="19050" cap="flat" cmpd="sng" algn="ctr">
+            <a:solidFill>
+              <a:srgbClr val="B9CEFF"/>
+            </a:solidFill>
+            <a:prstDash val="dash"/>
+            <a:round/>
+            <a:headEnd type="none" w="med" len="med"/>
+            <a:tailEnd type="none"/>
+          </a:ln>
+          <a:effectLst>
+            <a:outerShdw blurRad="12700" dist="12700" dir="5400000" algn="ctr" rotWithShape="0">
+              <a:srgbClr val="000000">
+                <a:alpha val="50000"/>
+              </a:srgbClr>
+            </a:outerShdw>
+          </a:effectLst>
+        </p:spPr>
+        <p:txBody>
+          <a:bodyPr rtlCol="0" anchor="ctr"/>
+          <a:lstStyle/>
+          <a:p>
+            <a:pPr algn="ctr"/>
+            <a:endParaRPr lang="zh-CN" altLang="en-US"/>
+          </a:p>
+        </p:txBody>
+      </p:sp>
+      <p:sp>
+        <p:nvSpPr>
+          <p:cNvPr id="47" name="圆角矩形 46"/>
+          <p:cNvSpPr/>
+          <p:nvPr/>
+        </p:nvSpPr>
+        <p:spPr bwMode="auto">
+          <a:xfrm>
+            <a:off x="6456040" y="548680"/>
+            <a:ext cx="3240360" cy="5334922"/>
+          </a:xfrm>
+          <a:prstGeom prst="roundRect">
+            <a:avLst/>
+          </a:prstGeom>
+          <a:noFill/>
+          <a:ln w="19050" cap="flat" cmpd="sng" algn="ctr">
+            <a:solidFill>
+              <a:srgbClr val="B9CEFF"/>
+            </a:solidFill>
+            <a:prstDash val="dash"/>
+            <a:round/>
+            <a:headEnd type="none" w="med" len="med"/>
+            <a:tailEnd type="none"/>
+          </a:ln>
+          <a:effectLst>
+            <a:outerShdw blurRad="12700" dist="12700" dir="5400000" algn="ctr" rotWithShape="0">
+              <a:srgbClr val="000000">
+                <a:alpha val="50000"/>
+              </a:srgbClr>
+            </a:outerShdw>
+          </a:effectLst>
+        </p:spPr>
+        <p:txBody>
+          <a:bodyPr rtlCol="0" anchor="ctr"/>
+          <a:lstStyle/>
+          <a:p>
+            <a:pPr algn="ctr"/>
+            <a:endParaRPr lang="zh-CN" altLang="en-US"/>
+          </a:p>
+        </p:txBody>
+      </p:sp>
+      <p:sp>
+        <p:nvSpPr>
+          <p:cNvPr id="48" name="矩形 47">
+            <a:extLst>
+              <a:ext uri="{FF2B5EF4-FFF2-40B4-BE49-F238E27FC236}">
+                <a16:creationId xmlns:a16="http://schemas.microsoft.com/office/drawing/2014/main" xmlns="" id="{9D3DD53F-FC8A-4A79-9D6A-7E89379C2568}"/>
+              </a:ext>
+            </a:extLst>
+          </p:cNvPr>
+          <p:cNvSpPr/>
+          <p:nvPr/>
+        </p:nvSpPr>
+        <p:spPr bwMode="auto">
+          <a:xfrm>
+            <a:off x="8613746" y="2417115"/>
+            <a:ext cx="901288" cy="432128"/>
+          </a:xfrm>
+          <a:prstGeom prst="rect">
+            <a:avLst/>
+          </a:prstGeom>
+          <a:noFill/>
+          <a:ln w="25400" cap="flat" cmpd="sng" algn="ctr">
+            <a:noFill/>
+            <a:prstDash val="solid"/>
+            <a:round/>
+            <a:headEnd type="none" w="med" len="med"/>
+            <a:tailEnd type="none"/>
+          </a:ln>
+          <a:effectLst/>
+        </p:spPr>
+        <p:txBody>
+          <a:bodyPr rtlCol="0" anchor="ctr"/>
+          <a:lstStyle/>
+          <a:p>
+            <a:r>
+              <a:rPr lang="en-US" altLang="zh-CN" sz="1400" dirty="0" smtClean="0">
+                <a:solidFill>
+                  <a:schemeClr val="bg1"/>
+                </a:solidFill>
+              </a:rPr>
+              <a:t>SQL</a:t>
+            </a:r>
+            <a:r>
+              <a:rPr lang="zh-CN" altLang="en-US" sz="1400" dirty="0" smtClean="0">
+                <a:solidFill>
+                  <a:schemeClr val="bg1"/>
+                </a:solidFill>
+              </a:rPr>
+              <a:t>线程</a:t>
+            </a:r>
+            <a:endParaRPr lang="zh-CN" altLang="en-US" sz="1400" dirty="0">
+              <a:solidFill>
+                <a:schemeClr val="bg1"/>
+              </a:solidFill>
+            </a:endParaRPr>
+          </a:p>
+        </p:txBody>
+      </p:sp>
+      <p:sp>
+        <p:nvSpPr>
+          <p:cNvPr id="24" name="任意多边形 23"/>
+          <p:cNvSpPr/>
+          <p:nvPr/>
+        </p:nvSpPr>
+        <p:spPr bwMode="auto">
+          <a:xfrm rot="17153151" flipV="1">
+            <a:off x="7840922" y="3449707"/>
+            <a:ext cx="1911639" cy="469246"/>
+          </a:xfrm>
+          <a:custGeom>
+            <a:avLst/>
+            <a:gdLst>
+              <a:gd name="connsiteX0" fmla="*/ 0 w 2507530"/>
+              <a:gd name="connsiteY0" fmla="*/ 848542 h 848542"/>
+              <a:gd name="connsiteX1" fmla="*/ 1055802 w 2507530"/>
+              <a:gd name="connsiteY1" fmla="*/ 132105 h 848542"/>
+              <a:gd name="connsiteX2" fmla="*/ 2507530 w 2507530"/>
+              <a:gd name="connsiteY2" fmla="*/ 130 h 848542"/>
+              <a:gd name="connsiteX3" fmla="*/ 2507530 w 2507530"/>
+              <a:gd name="connsiteY3" fmla="*/ 130 h 848542"/>
+            </a:gdLst>
+            <a:ahLst/>
+            <a:cxnLst>
+              <a:cxn ang="0">
+                <a:pos x="connsiteX0" y="connsiteY0"/>
+              </a:cxn>
+              <a:cxn ang="0">
+                <a:pos x="connsiteX1" y="connsiteY1"/>
+              </a:cxn>
+              <a:cxn ang="0">
+                <a:pos x="connsiteX2" y="connsiteY2"/>
+              </a:cxn>
+              <a:cxn ang="0">
+                <a:pos x="connsiteX3" y="connsiteY3"/>
+              </a:cxn>
+            </a:cxnLst>
+            <a:rect l="l" t="t" r="r" b="b"/>
+            <a:pathLst>
+              <a:path w="2507530" h="848542">
+                <a:moveTo>
+                  <a:pt x="0" y="848542"/>
+                </a:moveTo>
+                <a:cubicBezTo>
+                  <a:pt x="318940" y="561024"/>
+                  <a:pt x="637880" y="273507"/>
+                  <a:pt x="1055802" y="132105"/>
+                </a:cubicBezTo>
+                <a:cubicBezTo>
+                  <a:pt x="1473724" y="-9297"/>
+                  <a:pt x="2507530" y="130"/>
+                  <a:pt x="2507530" y="130"/>
+                </a:cubicBezTo>
+                <a:lnTo>
+                  <a:pt x="2507530" y="130"/>
+                </a:lnTo>
+              </a:path>
+            </a:pathLst>
+          </a:custGeom>
+          <a:noFill/>
+          <a:ln w="19050" cap="flat" cmpd="sng" algn="ctr">
+            <a:solidFill>
+              <a:schemeClr val="bg1"/>
+            </a:solidFill>
+            <a:prstDash val="solid"/>
+            <a:round/>
+            <a:headEnd type="none" w="med" len="med"/>
+            <a:tailEnd type="arrow"/>
+          </a:ln>
+          <a:effectLst>
+            <a:outerShdw blurRad="12700" dist="12700" dir="5400000" algn="ctr" rotWithShape="0">
+              <a:srgbClr val="000000">
+                <a:alpha val="50000"/>
+              </a:srgbClr>
+            </a:outerShdw>
+          </a:effectLst>
+        </p:spPr>
+        <p:txBody>
+          <a:bodyPr rtlCol="0" anchor="ctr"/>
+          <a:lstStyle/>
+          <a:p>
+            <a:pPr algn="ctr"/>
+            <a:endParaRPr lang="zh-CN" altLang="en-US"/>
+          </a:p>
+        </p:txBody>
+      </p:sp>
+      <p:sp>
+        <p:nvSpPr>
+          <p:cNvPr id="52" name="矩形 51">
+            <a:extLst>
+              <a:ext uri="{FF2B5EF4-FFF2-40B4-BE49-F238E27FC236}">
+                <a16:creationId xmlns:a16="http://schemas.microsoft.com/office/drawing/2014/main" xmlns="" id="{9D3DD53F-FC8A-4A79-9D6A-7E89379C2568}"/>
+              </a:ext>
+            </a:extLst>
+          </p:cNvPr>
+          <p:cNvSpPr/>
+          <p:nvPr/>
+        </p:nvSpPr>
+        <p:spPr bwMode="auto">
+          <a:xfrm>
+            <a:off x="1408316" y="569897"/>
+            <a:ext cx="1311266" cy="432128"/>
+          </a:xfrm>
+          <a:prstGeom prst="rect">
+            <a:avLst/>
+          </a:prstGeom>
+          <a:noFill/>
+          <a:ln w="25400" cap="flat" cmpd="sng" algn="ctr">
+            <a:noFill/>
+            <a:prstDash val="solid"/>
+            <a:round/>
+            <a:headEnd type="none" w="med" len="med"/>
+            <a:tailEnd type="none"/>
+          </a:ln>
+          <a:effectLst/>
+        </p:spPr>
+        <p:txBody>
+          <a:bodyPr rtlCol="0" anchor="ctr"/>
+          <a:lstStyle/>
+          <a:p>
+            <a:r>
+              <a:rPr lang="en-US" altLang="zh-CN" sz="1800" dirty="0">
+                <a:solidFill>
+                  <a:srgbClr val="B9CEFF"/>
+                </a:solidFill>
+              </a:rPr>
+              <a:t>master</a:t>
+            </a:r>
+            <a:endParaRPr lang="zh-CN" altLang="en-US" sz="1800" dirty="0">
+              <a:solidFill>
+                <a:srgbClr val="B9CEFF"/>
+              </a:solidFill>
+            </a:endParaRPr>
+          </a:p>
+        </p:txBody>
+      </p:sp>
+      <p:sp>
+        <p:nvSpPr>
+          <p:cNvPr id="53" name="矩形 52">
+            <a:extLst>
+              <a:ext uri="{FF2B5EF4-FFF2-40B4-BE49-F238E27FC236}">
+                <a16:creationId xmlns:a16="http://schemas.microsoft.com/office/drawing/2014/main" xmlns="" id="{9D3DD53F-FC8A-4A79-9D6A-7E89379C2568}"/>
+              </a:ext>
+            </a:extLst>
+          </p:cNvPr>
+          <p:cNvSpPr/>
+          <p:nvPr/>
+        </p:nvSpPr>
+        <p:spPr bwMode="auto">
+          <a:xfrm>
+            <a:off x="6501696" y="533278"/>
+            <a:ext cx="1311266" cy="432128"/>
+          </a:xfrm>
+          <a:prstGeom prst="rect">
+            <a:avLst/>
+          </a:prstGeom>
+          <a:noFill/>
+          <a:ln w="25400" cap="flat" cmpd="sng" algn="ctr">
+            <a:noFill/>
+            <a:prstDash val="solid"/>
+            <a:round/>
+            <a:headEnd type="none" w="med" len="med"/>
+            <a:tailEnd type="none"/>
+          </a:ln>
+          <a:effectLst/>
+        </p:spPr>
+        <p:txBody>
+          <a:bodyPr rtlCol="0" anchor="ctr"/>
+          <a:lstStyle/>
+          <a:p>
+            <a:r>
+              <a:rPr lang="en-US" altLang="zh-CN" sz="1800" dirty="0" smtClean="0">
+                <a:solidFill>
+                  <a:srgbClr val="B9CEFF"/>
+                </a:solidFill>
+              </a:rPr>
+              <a:t>slave</a:t>
+            </a:r>
+            <a:endParaRPr lang="zh-CN" altLang="en-US" sz="1800" dirty="0">
+              <a:solidFill>
+                <a:srgbClr val="B9CEFF"/>
+              </a:solidFill>
+            </a:endParaRPr>
+          </a:p>
+        </p:txBody>
+      </p:sp>
+      <p:sp>
+        <p:nvSpPr>
+          <p:cNvPr id="54" name="矩形 53">
+            <a:extLst>
+              <a:ext uri="{FF2B5EF4-FFF2-40B4-BE49-F238E27FC236}">
+                <a16:creationId xmlns:a16="http://schemas.microsoft.com/office/drawing/2014/main" xmlns="" id="{9D3DD53F-FC8A-4A79-9D6A-7E89379C2568}"/>
+              </a:ext>
+            </a:extLst>
+          </p:cNvPr>
+          <p:cNvSpPr/>
+          <p:nvPr/>
+        </p:nvSpPr>
+        <p:spPr bwMode="auto">
+          <a:xfrm>
+            <a:off x="6343666" y="3392361"/>
+            <a:ext cx="1095423" cy="432128"/>
+          </a:xfrm>
+          <a:prstGeom prst="rect">
+            <a:avLst/>
+          </a:prstGeom>
+          <a:noFill/>
+          <a:ln w="25400" cap="flat" cmpd="sng" algn="ctr">
+            <a:noFill/>
+            <a:prstDash val="solid"/>
+            <a:round/>
+            <a:headEnd type="none" w="med" len="med"/>
+            <a:tailEnd type="none"/>
+          </a:ln>
+          <a:effectLst/>
+        </p:spPr>
+        <p:txBody>
+          <a:bodyPr rtlCol="0" anchor="ctr"/>
+          <a:lstStyle/>
+          <a:p>
+            <a:r>
+              <a:rPr lang="en-US" altLang="zh-CN" sz="1400" dirty="0" smtClean="0">
+                <a:solidFill>
+                  <a:srgbClr val="ECBB73"/>
+                </a:solidFill>
+              </a:rPr>
+              <a:t>4</a:t>
+            </a:r>
+            <a:r>
+              <a:rPr lang="zh-CN" altLang="en-US" sz="1400" dirty="0" smtClean="0">
+                <a:solidFill>
+                  <a:srgbClr val="ECBB73"/>
+                </a:solidFill>
+              </a:rPr>
+              <a:t>、写</a:t>
+            </a:r>
+            <a:endParaRPr lang="zh-CN" altLang="en-US" sz="1400" dirty="0">
+              <a:solidFill>
+                <a:srgbClr val="ECBB73"/>
+              </a:solidFill>
+            </a:endParaRPr>
+          </a:p>
+        </p:txBody>
+      </p:sp>
+      <p:sp>
+        <p:nvSpPr>
+          <p:cNvPr id="55" name="矩形 54">
+            <a:extLst>
+              <a:ext uri="{FF2B5EF4-FFF2-40B4-BE49-F238E27FC236}">
+                <a16:creationId xmlns:a16="http://schemas.microsoft.com/office/drawing/2014/main" xmlns="" id="{9D3DD53F-FC8A-4A79-9D6A-7E89379C2568}"/>
+              </a:ext>
+            </a:extLst>
+          </p:cNvPr>
+          <p:cNvSpPr/>
+          <p:nvPr/>
+        </p:nvSpPr>
+        <p:spPr bwMode="auto">
+          <a:xfrm>
+            <a:off x="8123629" y="3429399"/>
+            <a:ext cx="1095423" cy="432128"/>
+          </a:xfrm>
+          <a:prstGeom prst="rect">
+            <a:avLst/>
+          </a:prstGeom>
+          <a:noFill/>
+          <a:ln w="25400" cap="flat" cmpd="sng" algn="ctr">
+            <a:noFill/>
+            <a:prstDash val="solid"/>
+            <a:round/>
+            <a:headEnd type="none" w="med" len="med"/>
+            <a:tailEnd type="none"/>
+          </a:ln>
+          <a:effectLst/>
+        </p:spPr>
+        <p:txBody>
+          <a:bodyPr rtlCol="0" anchor="ctr"/>
+          <a:lstStyle/>
+          <a:p>
+            <a:r>
+              <a:rPr lang="en-US" altLang="zh-CN" sz="1400" dirty="0" smtClean="0">
+                <a:solidFill>
+                  <a:srgbClr val="ECBB73"/>
+                </a:solidFill>
+              </a:rPr>
+              <a:t>5</a:t>
+            </a:r>
+            <a:r>
+              <a:rPr lang="zh-CN" altLang="en-US" sz="1400" dirty="0" smtClean="0">
+                <a:solidFill>
+                  <a:srgbClr val="ECBB73"/>
+                </a:solidFill>
+              </a:rPr>
+              <a:t>、读</a:t>
+            </a:r>
+            <a:endParaRPr lang="zh-CN" altLang="en-US" sz="1400" dirty="0">
+              <a:solidFill>
+                <a:srgbClr val="ECBB73"/>
+              </a:solidFill>
+            </a:endParaRPr>
+          </a:p>
+        </p:txBody>
+      </p:sp>
+      <p:sp>
+        <p:nvSpPr>
+          <p:cNvPr id="56" name="弧形 55">
+            <a:extLst>
+              <a:ext uri="{FF2B5EF4-FFF2-40B4-BE49-F238E27FC236}">
+                <a16:creationId xmlns="" xmlns:a16="http://schemas.microsoft.com/office/drawing/2014/main" id="{E39619EE-940E-4DCD-B232-14B666B8A7B8}"/>
+              </a:ext>
+            </a:extLst>
+          </p:cNvPr>
+          <p:cNvSpPr/>
+          <p:nvPr/>
+        </p:nvSpPr>
+        <p:spPr bwMode="auto">
+          <a:xfrm rot="16353609" flipV="1">
+            <a:off x="8834509" y="1760341"/>
+            <a:ext cx="413314" cy="337647"/>
+          </a:xfrm>
+          <a:prstGeom prst="arc">
+            <a:avLst>
+              <a:gd name="adj1" fmla="val 16200000"/>
+              <a:gd name="adj2" fmla="val 5402117"/>
+            </a:avLst>
+          </a:prstGeom>
+          <a:noFill/>
+          <a:ln w="19050" cap="flat" cmpd="sng" algn="ctr">
+            <a:solidFill>
+              <a:schemeClr val="bg1"/>
+            </a:solidFill>
+            <a:prstDash val="solid"/>
+            <a:round/>
+            <a:headEnd type="arrow" w="med" len="med"/>
+            <a:tailEnd type="none" w="med" len="med"/>
+          </a:ln>
+          <a:effectLst>
+            <a:outerShdw blurRad="12700" dist="12700" dir="5400000" algn="ctr" rotWithShape="0">
+              <a:srgbClr val="000000">
+                <a:alpha val="50000"/>
+              </a:srgbClr>
+            </a:outerShdw>
+          </a:effectLst>
+        </p:spPr>
+        <p:txBody>
+          <a:bodyPr vert="horz" wrap="square" lIns="25400" tIns="25400" rIns="25400" bIns="25400" numCol="1" rtlCol="0" anchor="ctr" anchorCtr="0" compatLnSpc="1">
+            <a:prstTxWarp prst="textNoShape">
+              <a:avLst/>
+            </a:prstTxWarp>
+            <a:spAutoFit/>
+          </a:bodyPr>
+          <a:lstStyle/>
+          <a:p>
+            <a:pPr marL="0" marR="0" indent="0" algn="ctr" defTabSz="412750" rtl="0" eaLnBrk="1" fontAlgn="base" latinLnBrk="0" hangingPunct="0">
+              <a:lnSpc>
+                <a:spcPct val="100000"/>
+              </a:lnSpc>
+              <a:spcBef>
+                <a:spcPct val="0"/>
+              </a:spcBef>
+              <a:spcAft>
+                <a:spcPct val="0"/>
+              </a:spcAft>
+              <a:buClrTx/>
+              <a:buSzTx/>
+              <a:buFontTx/>
+              <a:buNone/>
+              <a:tabLst/>
+            </a:pPr>
+            <a:endParaRPr kumimoji="0" lang="zh-CN" altLang="en-US" sz="2400" b="0" i="0" u="none" strike="noStrike" cap="none" normalizeH="0" baseline="0">
+              <a:ln>
+                <a:noFill/>
+              </a:ln>
+              <a:solidFill>
+                <a:srgbClr val="000000"/>
+              </a:solidFill>
+              <a:effectLst/>
+              <a:latin typeface="Helvetica Light" charset="0"/>
+              <a:ea typeface="Helvetica Light" charset="0"/>
+              <a:cs typeface="Helvetica Light" charset="0"/>
+              <a:sym typeface="Helvetica Light" charset="0"/>
+            </a:endParaRPr>
+          </a:p>
+        </p:txBody>
+      </p:sp>
+      <p:sp>
+        <p:nvSpPr>
+          <p:cNvPr id="57" name="矩形 56">
+            <a:extLst>
+              <a:ext uri="{FF2B5EF4-FFF2-40B4-BE49-F238E27FC236}">
+                <a16:creationId xmlns:a16="http://schemas.microsoft.com/office/drawing/2014/main" xmlns="" id="{9D3DD53F-FC8A-4A79-9D6A-7E89379C2568}"/>
+              </a:ext>
+            </a:extLst>
+          </p:cNvPr>
+          <p:cNvSpPr/>
+          <p:nvPr/>
+        </p:nvSpPr>
+        <p:spPr bwMode="auto">
+          <a:xfrm>
+            <a:off x="8256240" y="1343257"/>
+            <a:ext cx="1305533" cy="432128"/>
+          </a:xfrm>
+          <a:prstGeom prst="rect">
+            <a:avLst/>
+          </a:prstGeom>
+          <a:noFill/>
+          <a:ln w="25400" cap="flat" cmpd="sng" algn="ctr">
+            <a:noFill/>
+            <a:prstDash val="solid"/>
+            <a:round/>
+            <a:headEnd type="none" w="med" len="med"/>
+            <a:tailEnd type="none"/>
+          </a:ln>
+          <a:effectLst/>
+        </p:spPr>
+        <p:txBody>
+          <a:bodyPr rtlCol="0" anchor="ctr"/>
+          <a:lstStyle/>
+          <a:p>
+            <a:r>
+              <a:rPr lang="en-US" altLang="zh-CN" sz="1400" dirty="0" smtClean="0">
+                <a:solidFill>
+                  <a:srgbClr val="ECBB73"/>
+                </a:solidFill>
+              </a:rPr>
+              <a:t>6</a:t>
+            </a:r>
+            <a:r>
+              <a:rPr lang="zh-CN" altLang="en-US" sz="1400" dirty="0" smtClean="0">
+                <a:solidFill>
+                  <a:srgbClr val="ECBB73"/>
+                </a:solidFill>
+              </a:rPr>
+              <a:t>、执行</a:t>
+            </a:r>
+            <a:r>
+              <a:rPr lang="en-US" altLang="zh-CN" sz="1400" dirty="0" smtClean="0">
+                <a:solidFill>
+                  <a:srgbClr val="ECBB73"/>
+                </a:solidFill>
+              </a:rPr>
+              <a:t>SQL</a:t>
+            </a:r>
+            <a:endParaRPr lang="zh-CN" altLang="en-US" sz="1400" dirty="0">
+              <a:solidFill>
+                <a:srgbClr val="ECBB73"/>
+              </a:solidFill>
+            </a:endParaRPr>
+          </a:p>
+        </p:txBody>
+      </p:sp>
+      <p:sp>
+        <p:nvSpPr>
+          <p:cNvPr id="58" name="矩形 57">
+            <a:extLst>
+              <a:ext uri="{FF2B5EF4-FFF2-40B4-BE49-F238E27FC236}">
+                <a16:creationId xmlns:a16="http://schemas.microsoft.com/office/drawing/2014/main" xmlns="" id="{9D3DD53F-FC8A-4A79-9D6A-7E89379C2568}"/>
+              </a:ext>
+            </a:extLst>
+          </p:cNvPr>
+          <p:cNvSpPr/>
+          <p:nvPr/>
+        </p:nvSpPr>
+        <p:spPr bwMode="auto">
+          <a:xfrm>
+            <a:off x="2885725" y="2775659"/>
+            <a:ext cx="1311266" cy="432128"/>
+          </a:xfrm>
+          <a:prstGeom prst="rect">
+            <a:avLst/>
+          </a:prstGeom>
+          <a:noFill/>
+          <a:ln w="25400" cap="flat" cmpd="sng" algn="ctr">
+            <a:noFill/>
+            <a:prstDash val="solid"/>
+            <a:round/>
+            <a:headEnd type="none" w="med" len="med"/>
+            <a:tailEnd type="none"/>
+          </a:ln>
+          <a:effectLst/>
+        </p:spPr>
+        <p:txBody>
+          <a:bodyPr rtlCol="0" anchor="ctr"/>
+          <a:lstStyle/>
+          <a:p>
+            <a:r>
+              <a:rPr lang="en-US" altLang="zh-CN" sz="1400" dirty="0" smtClean="0">
+                <a:solidFill>
+                  <a:srgbClr val="ECBB73"/>
+                </a:solidFill>
+              </a:rPr>
+              <a:t>1</a:t>
+            </a:r>
+            <a:r>
+              <a:rPr lang="zh-CN" altLang="en-US" sz="1400" dirty="0" smtClean="0">
+                <a:solidFill>
+                  <a:srgbClr val="ECBB73"/>
+                </a:solidFill>
+              </a:rPr>
+              <a:t>、数据变更</a:t>
+            </a:r>
+            <a:endParaRPr lang="zh-CN" altLang="en-US" sz="1400" dirty="0">
+              <a:solidFill>
+                <a:srgbClr val="ECBB73"/>
+              </a:solidFill>
+            </a:endParaRPr>
+          </a:p>
+        </p:txBody>
+      </p:sp>
+      <p:sp>
+        <p:nvSpPr>
+          <p:cNvPr id="60" name="矩形 59">
+            <a:extLst>
+              <a:ext uri="{FF2B5EF4-FFF2-40B4-BE49-F238E27FC236}">
+                <a16:creationId xmlns:a16="http://schemas.microsoft.com/office/drawing/2014/main" xmlns="" id="{FCF1CD20-F034-4BEF-8565-6060DAD94853}"/>
+              </a:ext>
+            </a:extLst>
+          </p:cNvPr>
+          <p:cNvSpPr/>
+          <p:nvPr/>
+        </p:nvSpPr>
+        <p:spPr bwMode="auto">
+          <a:xfrm>
+            <a:off x="3382429" y="5938739"/>
+            <a:ext cx="4196337" cy="493334"/>
+          </a:xfrm>
+          <a:prstGeom prst="rect">
+            <a:avLst/>
+          </a:prstGeom>
+          <a:noFill/>
+          <a:ln w="25400" cap="flat" cmpd="sng" algn="ctr">
+            <a:noFill/>
+            <a:prstDash val="solid"/>
+            <a:round/>
+            <a:headEnd type="none" w="med" len="med"/>
+            <a:tailEnd type="none"/>
+          </a:ln>
+          <a:effectLst/>
+        </p:spPr>
+        <p:txBody>
+          <a:bodyPr rot="0" spcFirstLastPara="0" vertOverflow="overflow" horzOverflow="overflow" vert="horz" wrap="square" lIns="91440" tIns="45720" rIns="91440" bIns="45720" numCol="1" spcCol="0" rtlCol="0" fromWordArt="0" anchor="ctr" anchorCtr="0" forceAA="0" compatLnSpc="1">
+            <a:prstTxWarp prst="textNoShape">
+              <a:avLst/>
+            </a:prstTxWarp>
+            <a:noAutofit/>
+          </a:bodyPr>
+          <a:lstStyle/>
+          <a:p>
+            <a:r>
+              <a:rPr lang="en-US" altLang="zh-CN" sz="1600" dirty="0" smtClean="0">
+                <a:solidFill>
+                  <a:schemeClr val="bg1"/>
+                </a:solidFill>
+              </a:rPr>
+              <a:t>MySQL</a:t>
+            </a:r>
+            <a:r>
+              <a:rPr lang="zh-CN" altLang="en-US" sz="1600" dirty="0" smtClean="0">
+                <a:solidFill>
+                  <a:schemeClr val="bg1"/>
+                </a:solidFill>
+              </a:rPr>
+              <a:t>主从同步原理图</a:t>
+            </a:r>
+            <a:endParaRPr lang="zh-CN" altLang="en-US" sz="1600" dirty="0">
+              <a:solidFill>
+                <a:schemeClr val="bg1"/>
+              </a:solidFill>
+            </a:endParaRPr>
+          </a:p>
+        </p:txBody>
+      </p:sp>
+    </p:spTree>
+    <p:extLst>
+      <p:ext uri="{BB962C8B-B14F-4D97-AF65-F5344CB8AC3E}">
+        <p14:creationId xmlns:p14="http://schemas.microsoft.com/office/powerpoint/2010/main" val="677712056"/>
       </p:ext>
     </p:extLst>
   </p:cSld>

--- a/数据库/配图.pptx
+++ b/数据库/配图.pptx
@@ -5,15 +5,18 @@
     <p:sldMasterId id="2147483649" r:id="rId1"/>
   </p:sldMasterIdLst>
   <p:notesMasterIdLst>
-    <p:notesMasterId r:id="rId8"/>
+    <p:notesMasterId r:id="rId11"/>
   </p:notesMasterIdLst>
   <p:sldIdLst>
     <p:sldId id="292" r:id="rId2"/>
     <p:sldId id="293" r:id="rId3"/>
-    <p:sldId id="294" r:id="rId4"/>
-    <p:sldId id="295" r:id="rId5"/>
-    <p:sldId id="296" r:id="rId6"/>
-    <p:sldId id="297" r:id="rId7"/>
+    <p:sldId id="299" r:id="rId4"/>
+    <p:sldId id="294" r:id="rId5"/>
+    <p:sldId id="295" r:id="rId6"/>
+    <p:sldId id="296" r:id="rId7"/>
+    <p:sldId id="297" r:id="rId8"/>
+    <p:sldId id="298" r:id="rId9"/>
+    <p:sldId id="300" r:id="rId10"/>
   </p:sldIdLst>
   <p:sldSz cx="12192000" cy="6858000"/>
   <p:notesSz cx="6858000" cy="9144000"/>
@@ -1835,7 +1838,7 @@
           <p:cNvPr id="4097" name="Rectangle 1">
             <a:extLst>
               <a:ext uri="{FF2B5EF4-FFF2-40B4-BE49-F238E27FC236}">
-                <a16:creationId xmlns:a16="http://schemas.microsoft.com/office/drawing/2014/main" xmlns="" id="{565A64E7-9CD6-4CA0-BB1F-239A37432A4C}"/>
+                <a16:creationId xmlns="" xmlns:a16="http://schemas.microsoft.com/office/drawing/2014/main" id="{565A64E7-9CD6-4CA0-BB1F-239A37432A4C}"/>
               </a:ext>
             </a:extLst>
           </p:cNvPr>
@@ -1895,7 +1898,7 @@
           <p:cNvPr id="4098" name="Rectangle 2">
             <a:extLst>
               <a:ext uri="{FF2B5EF4-FFF2-40B4-BE49-F238E27FC236}">
-                <a16:creationId xmlns:a16="http://schemas.microsoft.com/office/drawing/2014/main" xmlns="" id="{BEC89F56-1C5B-450B-BA44-8C5C6738B526}"/>
+                <a16:creationId xmlns="" xmlns:a16="http://schemas.microsoft.com/office/drawing/2014/main" id="{BEC89F56-1C5B-450B-BA44-8C5C6738B526}"/>
               </a:ext>
             </a:extLst>
           </p:cNvPr>
@@ -2344,7 +2347,7 @@
     </p:spTree>
     <p:extLst>
       <p:ext uri="{BB962C8B-B14F-4D97-AF65-F5344CB8AC3E}">
-        <p14:creationId xmlns:p14="http://schemas.microsoft.com/office/powerpoint/2010/main" val="1161482327"/>
+        <p14:creationId xmlns:p14="http://schemas.microsoft.com/office/powerpoint/2010/main" val="3336272911"/>
       </p:ext>
     </p:extLst>
   </p:cSld>
@@ -2410,7 +2413,7 @@
     </p:spTree>
     <p:extLst>
       <p:ext uri="{BB962C8B-B14F-4D97-AF65-F5344CB8AC3E}">
-        <p14:creationId xmlns:p14="http://schemas.microsoft.com/office/powerpoint/2010/main" val="3790502247"/>
+        <p14:creationId xmlns:p14="http://schemas.microsoft.com/office/powerpoint/2010/main" val="1161482327"/>
       </p:ext>
     </p:extLst>
   </p:cSld>
@@ -2476,7 +2479,7 @@
     </p:spTree>
     <p:extLst>
       <p:ext uri="{BB962C8B-B14F-4D97-AF65-F5344CB8AC3E}">
-        <p14:creationId xmlns:p14="http://schemas.microsoft.com/office/powerpoint/2010/main" val="3668788853"/>
+        <p14:creationId xmlns:p14="http://schemas.microsoft.com/office/powerpoint/2010/main" val="3790502247"/>
       </p:ext>
     </p:extLst>
   </p:cSld>
@@ -2542,7 +2545,205 @@
     </p:spTree>
     <p:extLst>
       <p:ext uri="{BB962C8B-B14F-4D97-AF65-F5344CB8AC3E}">
+        <p14:creationId xmlns:p14="http://schemas.microsoft.com/office/powerpoint/2010/main" val="3668788853"/>
+      </p:ext>
+    </p:extLst>
+  </p:cSld>
+  <p:clrMapOvr>
+    <a:masterClrMapping/>
+  </p:clrMapOvr>
+</p:notes>
+</file>
+
+<file path=ppt/notesSlides/notesSlide7.xml><?xml version="1.0" encoding="utf-8"?>
+<p:notes xmlns:a="http://schemas.openxmlformats.org/drawingml/2006/main" xmlns:r="http://schemas.openxmlformats.org/officeDocument/2006/relationships" xmlns:p="http://schemas.openxmlformats.org/presentationml/2006/main">
+  <p:cSld>
+    <p:spTree>
+      <p:nvGrpSpPr>
+        <p:cNvPr id="1" name=""/>
+        <p:cNvGrpSpPr/>
+        <p:nvPr/>
+      </p:nvGrpSpPr>
+      <p:grpSpPr>
+        <a:xfrm>
+          <a:off x="0" y="0"/>
+          <a:ext cx="0" cy="0"/>
+          <a:chOff x="0" y="0"/>
+          <a:chExt cx="0" cy="0"/>
+        </a:xfrm>
+      </p:grpSpPr>
+      <p:sp>
+        <p:nvSpPr>
+          <p:cNvPr id="2" name="幻灯片图像占位符 1"/>
+          <p:cNvSpPr>
+            <a:spLocks noGrp="1" noRot="1" noChangeAspect="1"/>
+          </p:cNvSpPr>
+          <p:nvPr>
+            <p:ph type="sldImg"/>
+          </p:nvPr>
+        </p:nvSpPr>
+        <p:spPr>
+          <a:xfrm>
+            <a:off x="381000" y="685800"/>
+            <a:ext cx="6096000" cy="3429000"/>
+          </a:xfrm>
+        </p:spPr>
+      </p:sp>
+      <p:sp>
+        <p:nvSpPr>
+          <p:cNvPr id="3" name="备注占位符 2"/>
+          <p:cNvSpPr>
+            <a:spLocks noGrp="1"/>
+          </p:cNvSpPr>
+          <p:nvPr>
+            <p:ph type="body" idx="1"/>
+          </p:nvPr>
+        </p:nvSpPr>
+        <p:spPr/>
+        <p:txBody>
+          <a:bodyPr/>
+          <a:lstStyle/>
+          <a:p>
+            <a:endParaRPr lang="zh-CN" altLang="en-US" dirty="0"/>
+          </a:p>
+        </p:txBody>
+      </p:sp>
+    </p:spTree>
+    <p:extLst>
+      <p:ext uri="{BB962C8B-B14F-4D97-AF65-F5344CB8AC3E}">
         <p14:creationId xmlns:p14="http://schemas.microsoft.com/office/powerpoint/2010/main" val="3436149696"/>
+      </p:ext>
+    </p:extLst>
+  </p:cSld>
+  <p:clrMapOvr>
+    <a:masterClrMapping/>
+  </p:clrMapOvr>
+</p:notes>
+</file>
+
+<file path=ppt/notesSlides/notesSlide8.xml><?xml version="1.0" encoding="utf-8"?>
+<p:notes xmlns:a="http://schemas.openxmlformats.org/drawingml/2006/main" xmlns:r="http://schemas.openxmlformats.org/officeDocument/2006/relationships" xmlns:p="http://schemas.openxmlformats.org/presentationml/2006/main">
+  <p:cSld>
+    <p:spTree>
+      <p:nvGrpSpPr>
+        <p:cNvPr id="1" name=""/>
+        <p:cNvGrpSpPr/>
+        <p:nvPr/>
+      </p:nvGrpSpPr>
+      <p:grpSpPr>
+        <a:xfrm>
+          <a:off x="0" y="0"/>
+          <a:ext cx="0" cy="0"/>
+          <a:chOff x="0" y="0"/>
+          <a:chExt cx="0" cy="0"/>
+        </a:xfrm>
+      </p:grpSpPr>
+      <p:sp>
+        <p:nvSpPr>
+          <p:cNvPr id="2" name="幻灯片图像占位符 1"/>
+          <p:cNvSpPr>
+            <a:spLocks noGrp="1" noRot="1" noChangeAspect="1"/>
+          </p:cNvSpPr>
+          <p:nvPr>
+            <p:ph type="sldImg"/>
+          </p:nvPr>
+        </p:nvSpPr>
+        <p:spPr>
+          <a:xfrm>
+            <a:off x="381000" y="685800"/>
+            <a:ext cx="6096000" cy="3429000"/>
+          </a:xfrm>
+        </p:spPr>
+      </p:sp>
+      <p:sp>
+        <p:nvSpPr>
+          <p:cNvPr id="3" name="备注占位符 2"/>
+          <p:cNvSpPr>
+            <a:spLocks noGrp="1"/>
+          </p:cNvSpPr>
+          <p:nvPr>
+            <p:ph type="body" idx="1"/>
+          </p:nvPr>
+        </p:nvSpPr>
+        <p:spPr/>
+        <p:txBody>
+          <a:bodyPr/>
+          <a:lstStyle/>
+          <a:p>
+            <a:endParaRPr lang="zh-CN" altLang="en-US" dirty="0"/>
+          </a:p>
+        </p:txBody>
+      </p:sp>
+    </p:spTree>
+    <p:extLst>
+      <p:ext uri="{BB962C8B-B14F-4D97-AF65-F5344CB8AC3E}">
+        <p14:creationId xmlns:p14="http://schemas.microsoft.com/office/powerpoint/2010/main" val="2920046655"/>
+      </p:ext>
+    </p:extLst>
+  </p:cSld>
+  <p:clrMapOvr>
+    <a:masterClrMapping/>
+  </p:clrMapOvr>
+</p:notes>
+</file>
+
+<file path=ppt/notesSlides/notesSlide9.xml><?xml version="1.0" encoding="utf-8"?>
+<p:notes xmlns:a="http://schemas.openxmlformats.org/drawingml/2006/main" xmlns:r="http://schemas.openxmlformats.org/officeDocument/2006/relationships" xmlns:p="http://schemas.openxmlformats.org/presentationml/2006/main">
+  <p:cSld>
+    <p:spTree>
+      <p:nvGrpSpPr>
+        <p:cNvPr id="1" name=""/>
+        <p:cNvGrpSpPr/>
+        <p:nvPr/>
+      </p:nvGrpSpPr>
+      <p:grpSpPr>
+        <a:xfrm>
+          <a:off x="0" y="0"/>
+          <a:ext cx="0" cy="0"/>
+          <a:chOff x="0" y="0"/>
+          <a:chExt cx="0" cy="0"/>
+        </a:xfrm>
+      </p:grpSpPr>
+      <p:sp>
+        <p:nvSpPr>
+          <p:cNvPr id="2" name="幻灯片图像占位符 1"/>
+          <p:cNvSpPr>
+            <a:spLocks noGrp="1" noRot="1" noChangeAspect="1"/>
+          </p:cNvSpPr>
+          <p:nvPr>
+            <p:ph type="sldImg"/>
+          </p:nvPr>
+        </p:nvSpPr>
+        <p:spPr>
+          <a:xfrm>
+            <a:off x="381000" y="685800"/>
+            <a:ext cx="6096000" cy="3429000"/>
+          </a:xfrm>
+        </p:spPr>
+      </p:sp>
+      <p:sp>
+        <p:nvSpPr>
+          <p:cNvPr id="3" name="备注占位符 2"/>
+          <p:cNvSpPr>
+            <a:spLocks noGrp="1"/>
+          </p:cNvSpPr>
+          <p:nvPr>
+            <p:ph type="body" idx="1"/>
+          </p:nvPr>
+        </p:nvSpPr>
+        <p:spPr/>
+        <p:txBody>
+          <a:bodyPr/>
+          <a:lstStyle/>
+          <a:p>
+            <a:endParaRPr lang="zh-CN" altLang="en-US" dirty="0"/>
+          </a:p>
+        </p:txBody>
+      </p:sp>
+    </p:spTree>
+    <p:extLst>
+      <p:ext uri="{BB962C8B-B14F-4D97-AF65-F5344CB8AC3E}">
+        <p14:creationId xmlns:p14="http://schemas.microsoft.com/office/powerpoint/2010/main" val="3782858731"/>
       </p:ext>
     </p:extLst>
   </p:cSld>
@@ -2574,7 +2775,7 @@
           <p:cNvPr id="2" name="标题 1">
             <a:extLst>
               <a:ext uri="{FF2B5EF4-FFF2-40B4-BE49-F238E27FC236}">
-                <a16:creationId xmlns:a16="http://schemas.microsoft.com/office/drawing/2014/main" xmlns="" id="{33920F4C-4250-4125-8984-E27C967C7C91}"/>
+                <a16:creationId xmlns="" xmlns:a16="http://schemas.microsoft.com/office/drawing/2014/main" id="{33920F4C-4250-4125-8984-E27C967C7C91}"/>
               </a:ext>
             </a:extLst>
           </p:cNvPr>
@@ -2614,7 +2815,7 @@
           <p:cNvPr id="3" name="副标题 2">
             <a:extLst>
               <a:ext uri="{FF2B5EF4-FFF2-40B4-BE49-F238E27FC236}">
-                <a16:creationId xmlns:a16="http://schemas.microsoft.com/office/drawing/2014/main" xmlns="" id="{CCF65E6E-81FD-4631-BDBA-343341FD9BED}"/>
+                <a16:creationId xmlns="" xmlns:a16="http://schemas.microsoft.com/office/drawing/2014/main" id="{CCF65E6E-81FD-4631-BDBA-343341FD9BED}"/>
               </a:ext>
             </a:extLst>
           </p:cNvPr>
@@ -2687,7 +2888,7 @@
           <p:cNvPr id="4" name="灯片编号占位符 3">
             <a:extLst>
               <a:ext uri="{FF2B5EF4-FFF2-40B4-BE49-F238E27FC236}">
-                <a16:creationId xmlns:a16="http://schemas.microsoft.com/office/drawing/2014/main" xmlns="" id="{47937965-0035-43F3-A8F9-BA99A5C466AA}"/>
+                <a16:creationId xmlns="" xmlns:a16="http://schemas.microsoft.com/office/drawing/2014/main" id="{47937965-0035-43F3-A8F9-BA99A5C466AA}"/>
               </a:ext>
             </a:extLst>
           </p:cNvPr>
@@ -2751,7 +2952,7 @@
           <p:cNvPr id="2" name="标题 1">
             <a:extLst>
               <a:ext uri="{FF2B5EF4-FFF2-40B4-BE49-F238E27FC236}">
-                <a16:creationId xmlns:a16="http://schemas.microsoft.com/office/drawing/2014/main" xmlns="" id="{5B0188C7-8DF4-45E6-BB0A-3DE8FA47D954}"/>
+                <a16:creationId xmlns="" xmlns:a16="http://schemas.microsoft.com/office/drawing/2014/main" id="{5B0188C7-8DF4-45E6-BB0A-3DE8FA47D954}"/>
               </a:ext>
             </a:extLst>
           </p:cNvPr>
@@ -2787,7 +2988,7 @@
           <p:cNvPr id="3" name="竖排文字占位符 2">
             <a:extLst>
               <a:ext uri="{FF2B5EF4-FFF2-40B4-BE49-F238E27FC236}">
-                <a16:creationId xmlns:a16="http://schemas.microsoft.com/office/drawing/2014/main" xmlns="" id="{332766E8-BF75-446A-964B-9715DDF66D28}"/>
+                <a16:creationId xmlns="" xmlns:a16="http://schemas.microsoft.com/office/drawing/2014/main" id="{332766E8-BF75-446A-964B-9715DDF66D28}"/>
               </a:ext>
             </a:extLst>
           </p:cNvPr>
@@ -2852,7 +3053,7 @@
           <p:cNvPr id="4" name="灯片编号占位符 3">
             <a:extLst>
               <a:ext uri="{FF2B5EF4-FFF2-40B4-BE49-F238E27FC236}">
-                <a16:creationId xmlns:a16="http://schemas.microsoft.com/office/drawing/2014/main" xmlns="" id="{553A1DE0-A6FD-4D1F-A299-AD52DB77F17D}"/>
+                <a16:creationId xmlns="" xmlns:a16="http://schemas.microsoft.com/office/drawing/2014/main" id="{553A1DE0-A6FD-4D1F-A299-AD52DB77F17D}"/>
               </a:ext>
             </a:extLst>
           </p:cNvPr>
@@ -2916,7 +3117,7 @@
           <p:cNvPr id="2" name="竖排标题 1">
             <a:extLst>
               <a:ext uri="{FF2B5EF4-FFF2-40B4-BE49-F238E27FC236}">
-                <a16:creationId xmlns:a16="http://schemas.microsoft.com/office/drawing/2014/main" xmlns="" id="{91216533-0BD7-4F3B-AC52-7D59BF32C6B7}"/>
+                <a16:creationId xmlns="" xmlns:a16="http://schemas.microsoft.com/office/drawing/2014/main" id="{91216533-0BD7-4F3B-AC52-7D59BF32C6B7}"/>
               </a:ext>
             </a:extLst>
           </p:cNvPr>
@@ -2952,7 +3153,7 @@
           <p:cNvPr id="3" name="竖排文字占位符 2">
             <a:extLst>
               <a:ext uri="{FF2B5EF4-FFF2-40B4-BE49-F238E27FC236}">
-                <a16:creationId xmlns:a16="http://schemas.microsoft.com/office/drawing/2014/main" xmlns="" id="{4B9DCB10-4EE5-4A4E-A344-9273E798B8A0}"/>
+                <a16:creationId xmlns="" xmlns:a16="http://schemas.microsoft.com/office/drawing/2014/main" id="{4B9DCB10-4EE5-4A4E-A344-9273E798B8A0}"/>
               </a:ext>
             </a:extLst>
           </p:cNvPr>
@@ -3017,7 +3218,7 @@
           <p:cNvPr id="4" name="灯片编号占位符 3">
             <a:extLst>
               <a:ext uri="{FF2B5EF4-FFF2-40B4-BE49-F238E27FC236}">
-                <a16:creationId xmlns:a16="http://schemas.microsoft.com/office/drawing/2014/main" xmlns="" id="{36606AC1-ADDE-49A6-9E3D-5F936A179597}"/>
+                <a16:creationId xmlns="" xmlns:a16="http://schemas.microsoft.com/office/drawing/2014/main" id="{36606AC1-ADDE-49A6-9E3D-5F936A179597}"/>
               </a:ext>
             </a:extLst>
           </p:cNvPr>
@@ -3081,7 +3282,7 @@
           <p:cNvPr id="2" name="标题 1">
             <a:extLst>
               <a:ext uri="{FF2B5EF4-FFF2-40B4-BE49-F238E27FC236}">
-                <a16:creationId xmlns:a16="http://schemas.microsoft.com/office/drawing/2014/main" xmlns="" id="{1AB45643-41E5-4F8A-A3FB-70282E6F91E4}"/>
+                <a16:creationId xmlns="" xmlns:a16="http://schemas.microsoft.com/office/drawing/2014/main" id="{1AB45643-41E5-4F8A-A3FB-70282E6F91E4}"/>
               </a:ext>
             </a:extLst>
           </p:cNvPr>
@@ -3117,7 +3318,7 @@
           <p:cNvPr id="3" name="内容占位符 2">
             <a:extLst>
               <a:ext uri="{FF2B5EF4-FFF2-40B4-BE49-F238E27FC236}">
-                <a16:creationId xmlns:a16="http://schemas.microsoft.com/office/drawing/2014/main" xmlns="" id="{E635A896-792B-4191-811D-D0D9BE8A97FD}"/>
+                <a16:creationId xmlns="" xmlns:a16="http://schemas.microsoft.com/office/drawing/2014/main" id="{E635A896-792B-4191-811D-D0D9BE8A97FD}"/>
               </a:ext>
             </a:extLst>
           </p:cNvPr>
@@ -3182,7 +3383,7 @@
           <p:cNvPr id="4" name="灯片编号占位符 3">
             <a:extLst>
               <a:ext uri="{FF2B5EF4-FFF2-40B4-BE49-F238E27FC236}">
-                <a16:creationId xmlns:a16="http://schemas.microsoft.com/office/drawing/2014/main" xmlns="" id="{2752FF08-65C9-4F66-835B-7EDC0DD8252F}"/>
+                <a16:creationId xmlns="" xmlns:a16="http://schemas.microsoft.com/office/drawing/2014/main" id="{2752FF08-65C9-4F66-835B-7EDC0DD8252F}"/>
               </a:ext>
             </a:extLst>
           </p:cNvPr>
@@ -3246,7 +3447,7 @@
           <p:cNvPr id="2" name="标题 1">
             <a:extLst>
               <a:ext uri="{FF2B5EF4-FFF2-40B4-BE49-F238E27FC236}">
-                <a16:creationId xmlns:a16="http://schemas.microsoft.com/office/drawing/2014/main" xmlns="" id="{DEF0F9E6-6E4E-4C9E-A98D-EF8DABD21CAB}"/>
+                <a16:creationId xmlns="" xmlns:a16="http://schemas.microsoft.com/office/drawing/2014/main" id="{DEF0F9E6-6E4E-4C9E-A98D-EF8DABD21CAB}"/>
               </a:ext>
             </a:extLst>
           </p:cNvPr>
@@ -3286,7 +3487,7 @@
           <p:cNvPr id="3" name="文本占位符 2">
             <a:extLst>
               <a:ext uri="{FF2B5EF4-FFF2-40B4-BE49-F238E27FC236}">
-                <a16:creationId xmlns:a16="http://schemas.microsoft.com/office/drawing/2014/main" xmlns="" id="{8D9ABEE6-AE6E-4050-8164-5EBC00252ACF}"/>
+                <a16:creationId xmlns="" xmlns:a16="http://schemas.microsoft.com/office/drawing/2014/main" id="{8D9ABEE6-AE6E-4050-8164-5EBC00252ACF}"/>
               </a:ext>
             </a:extLst>
           </p:cNvPr>
@@ -3360,7 +3561,7 @@
           <p:cNvPr id="4" name="灯片编号占位符 3">
             <a:extLst>
               <a:ext uri="{FF2B5EF4-FFF2-40B4-BE49-F238E27FC236}">
-                <a16:creationId xmlns:a16="http://schemas.microsoft.com/office/drawing/2014/main" xmlns="" id="{8E786AA7-4871-4B03-B855-2BCA04E63482}"/>
+                <a16:creationId xmlns="" xmlns:a16="http://schemas.microsoft.com/office/drawing/2014/main" id="{8E786AA7-4871-4B03-B855-2BCA04E63482}"/>
               </a:ext>
             </a:extLst>
           </p:cNvPr>
@@ -3424,7 +3625,7 @@
           <p:cNvPr id="2" name="标题 1">
             <a:extLst>
               <a:ext uri="{FF2B5EF4-FFF2-40B4-BE49-F238E27FC236}">
-                <a16:creationId xmlns:a16="http://schemas.microsoft.com/office/drawing/2014/main" xmlns="" id="{757AFEB8-002C-464E-9FC8-10826243CD30}"/>
+                <a16:creationId xmlns="" xmlns:a16="http://schemas.microsoft.com/office/drawing/2014/main" id="{757AFEB8-002C-464E-9FC8-10826243CD30}"/>
               </a:ext>
             </a:extLst>
           </p:cNvPr>
@@ -3460,7 +3661,7 @@
           <p:cNvPr id="3" name="内容占位符 2">
             <a:extLst>
               <a:ext uri="{FF2B5EF4-FFF2-40B4-BE49-F238E27FC236}">
-                <a16:creationId xmlns:a16="http://schemas.microsoft.com/office/drawing/2014/main" xmlns="" id="{343C147F-0E80-4BC5-88C0-0B13AB1C0E8E}"/>
+                <a16:creationId xmlns="" xmlns:a16="http://schemas.microsoft.com/office/drawing/2014/main" id="{343C147F-0E80-4BC5-88C0-0B13AB1C0E8E}"/>
               </a:ext>
             </a:extLst>
           </p:cNvPr>
@@ -3525,7 +3726,7 @@
           <p:cNvPr id="4" name="内容占位符 3">
             <a:extLst>
               <a:ext uri="{FF2B5EF4-FFF2-40B4-BE49-F238E27FC236}">
-                <a16:creationId xmlns:a16="http://schemas.microsoft.com/office/drawing/2014/main" xmlns="" id="{ABE29A0D-470A-4D24-B5E4-D69B45AFAA1A}"/>
+                <a16:creationId xmlns="" xmlns:a16="http://schemas.microsoft.com/office/drawing/2014/main" id="{ABE29A0D-470A-4D24-B5E4-D69B45AFAA1A}"/>
               </a:ext>
             </a:extLst>
           </p:cNvPr>
@@ -3590,7 +3791,7 @@
           <p:cNvPr id="5" name="灯片编号占位符 4">
             <a:extLst>
               <a:ext uri="{FF2B5EF4-FFF2-40B4-BE49-F238E27FC236}">
-                <a16:creationId xmlns:a16="http://schemas.microsoft.com/office/drawing/2014/main" xmlns="" id="{3D4E71FC-FA32-40B2-A781-96D870E3A664}"/>
+                <a16:creationId xmlns="" xmlns:a16="http://schemas.microsoft.com/office/drawing/2014/main" id="{3D4E71FC-FA32-40B2-A781-96D870E3A664}"/>
               </a:ext>
             </a:extLst>
           </p:cNvPr>
@@ -3654,7 +3855,7 @@
           <p:cNvPr id="2" name="标题 1">
             <a:extLst>
               <a:ext uri="{FF2B5EF4-FFF2-40B4-BE49-F238E27FC236}">
-                <a16:creationId xmlns:a16="http://schemas.microsoft.com/office/drawing/2014/main" xmlns="" id="{D088E822-3460-4549-B734-2357F8BD35D2}"/>
+                <a16:creationId xmlns="" xmlns:a16="http://schemas.microsoft.com/office/drawing/2014/main" id="{D088E822-3460-4549-B734-2357F8BD35D2}"/>
               </a:ext>
             </a:extLst>
           </p:cNvPr>
@@ -3690,7 +3891,7 @@
           <p:cNvPr id="3" name="文本占位符 2">
             <a:extLst>
               <a:ext uri="{FF2B5EF4-FFF2-40B4-BE49-F238E27FC236}">
-                <a16:creationId xmlns:a16="http://schemas.microsoft.com/office/drawing/2014/main" xmlns="" id="{25F6B7B6-AAD1-46DE-812D-E279B2BA4CAA}"/>
+                <a16:creationId xmlns="" xmlns:a16="http://schemas.microsoft.com/office/drawing/2014/main" id="{25F6B7B6-AAD1-46DE-812D-E279B2BA4CAA}"/>
               </a:ext>
             </a:extLst>
           </p:cNvPr>
@@ -3764,7 +3965,7 @@
           <p:cNvPr id="4" name="内容占位符 3">
             <a:extLst>
               <a:ext uri="{FF2B5EF4-FFF2-40B4-BE49-F238E27FC236}">
-                <a16:creationId xmlns:a16="http://schemas.microsoft.com/office/drawing/2014/main" xmlns="" id="{E6EF8512-4BCF-429F-98B6-A40F21E02F3B}"/>
+                <a16:creationId xmlns="" xmlns:a16="http://schemas.microsoft.com/office/drawing/2014/main" id="{E6EF8512-4BCF-429F-98B6-A40F21E02F3B}"/>
               </a:ext>
             </a:extLst>
           </p:cNvPr>
@@ -3829,7 +4030,7 @@
           <p:cNvPr id="5" name="文本占位符 4">
             <a:extLst>
               <a:ext uri="{FF2B5EF4-FFF2-40B4-BE49-F238E27FC236}">
-                <a16:creationId xmlns:a16="http://schemas.microsoft.com/office/drawing/2014/main" xmlns="" id="{2E43955C-CB2E-44EA-8DEC-762EDA6D8F57}"/>
+                <a16:creationId xmlns="" xmlns:a16="http://schemas.microsoft.com/office/drawing/2014/main" id="{2E43955C-CB2E-44EA-8DEC-762EDA6D8F57}"/>
               </a:ext>
             </a:extLst>
           </p:cNvPr>
@@ -3903,7 +4104,7 @@
           <p:cNvPr id="6" name="内容占位符 5">
             <a:extLst>
               <a:ext uri="{FF2B5EF4-FFF2-40B4-BE49-F238E27FC236}">
-                <a16:creationId xmlns:a16="http://schemas.microsoft.com/office/drawing/2014/main" xmlns="" id="{FF04F6E5-926D-46BC-967B-30BA700C57B5}"/>
+                <a16:creationId xmlns="" xmlns:a16="http://schemas.microsoft.com/office/drawing/2014/main" id="{FF04F6E5-926D-46BC-967B-30BA700C57B5}"/>
               </a:ext>
             </a:extLst>
           </p:cNvPr>
@@ -3968,7 +4169,7 @@
           <p:cNvPr id="7" name="灯片编号占位符 6">
             <a:extLst>
               <a:ext uri="{FF2B5EF4-FFF2-40B4-BE49-F238E27FC236}">
-                <a16:creationId xmlns:a16="http://schemas.microsoft.com/office/drawing/2014/main" xmlns="" id="{A67352EA-DCBA-42ED-B669-CF6A9048E629}"/>
+                <a16:creationId xmlns="" xmlns:a16="http://schemas.microsoft.com/office/drawing/2014/main" id="{A67352EA-DCBA-42ED-B669-CF6A9048E629}"/>
               </a:ext>
             </a:extLst>
           </p:cNvPr>
@@ -4032,7 +4233,7 @@
           <p:cNvPr id="2" name="标题 1">
             <a:extLst>
               <a:ext uri="{FF2B5EF4-FFF2-40B4-BE49-F238E27FC236}">
-                <a16:creationId xmlns:a16="http://schemas.microsoft.com/office/drawing/2014/main" xmlns="" id="{566439B8-A890-4BF3-A5FC-9269282A0AA1}"/>
+                <a16:creationId xmlns="" xmlns:a16="http://schemas.microsoft.com/office/drawing/2014/main" id="{566439B8-A890-4BF3-A5FC-9269282A0AA1}"/>
               </a:ext>
             </a:extLst>
           </p:cNvPr>
@@ -4068,7 +4269,7 @@
           <p:cNvPr id="3" name="灯片编号占位符 2">
             <a:extLst>
               <a:ext uri="{FF2B5EF4-FFF2-40B4-BE49-F238E27FC236}">
-                <a16:creationId xmlns:a16="http://schemas.microsoft.com/office/drawing/2014/main" xmlns="" id="{DC232DAC-B15C-46F2-8CAE-846C4A5E236A}"/>
+                <a16:creationId xmlns="" xmlns:a16="http://schemas.microsoft.com/office/drawing/2014/main" id="{DC232DAC-B15C-46F2-8CAE-846C4A5E236A}"/>
               </a:ext>
             </a:extLst>
           </p:cNvPr>
@@ -4132,7 +4333,7 @@
           <p:cNvPr id="2" name="灯片编号占位符 1">
             <a:extLst>
               <a:ext uri="{FF2B5EF4-FFF2-40B4-BE49-F238E27FC236}">
-                <a16:creationId xmlns:a16="http://schemas.microsoft.com/office/drawing/2014/main" xmlns="" id="{97A36CCC-2ABB-464B-82A7-289602FB00C7}"/>
+                <a16:creationId xmlns="" xmlns:a16="http://schemas.microsoft.com/office/drawing/2014/main" id="{97A36CCC-2ABB-464B-82A7-289602FB00C7}"/>
               </a:ext>
             </a:extLst>
           </p:cNvPr>
@@ -4196,7 +4397,7 @@
           <p:cNvPr id="2" name="标题 1">
             <a:extLst>
               <a:ext uri="{FF2B5EF4-FFF2-40B4-BE49-F238E27FC236}">
-                <a16:creationId xmlns:a16="http://schemas.microsoft.com/office/drawing/2014/main" xmlns="" id="{34A01729-8E96-427E-B87C-84725AC1F1A2}"/>
+                <a16:creationId xmlns="" xmlns:a16="http://schemas.microsoft.com/office/drawing/2014/main" id="{34A01729-8E96-427E-B87C-84725AC1F1A2}"/>
               </a:ext>
             </a:extLst>
           </p:cNvPr>
@@ -4236,7 +4437,7 @@
           <p:cNvPr id="3" name="内容占位符 2">
             <a:extLst>
               <a:ext uri="{FF2B5EF4-FFF2-40B4-BE49-F238E27FC236}">
-                <a16:creationId xmlns:a16="http://schemas.microsoft.com/office/drawing/2014/main" xmlns="" id="{E129B704-0C29-4DA0-AAE3-8730A27EC2C3}"/>
+                <a16:creationId xmlns="" xmlns:a16="http://schemas.microsoft.com/office/drawing/2014/main" id="{E129B704-0C29-4DA0-AAE3-8730A27EC2C3}"/>
               </a:ext>
             </a:extLst>
           </p:cNvPr>
@@ -4329,7 +4530,7 @@
           <p:cNvPr id="4" name="文本占位符 3">
             <a:extLst>
               <a:ext uri="{FF2B5EF4-FFF2-40B4-BE49-F238E27FC236}">
-                <a16:creationId xmlns:a16="http://schemas.microsoft.com/office/drawing/2014/main" xmlns="" id="{BD61614F-03CD-4D7C-AB94-0D876667233E}"/>
+                <a16:creationId xmlns="" xmlns:a16="http://schemas.microsoft.com/office/drawing/2014/main" id="{BD61614F-03CD-4D7C-AB94-0D876667233E}"/>
               </a:ext>
             </a:extLst>
           </p:cNvPr>
@@ -4403,7 +4604,7 @@
           <p:cNvPr id="5" name="灯片编号占位符 4">
             <a:extLst>
               <a:ext uri="{FF2B5EF4-FFF2-40B4-BE49-F238E27FC236}">
-                <a16:creationId xmlns:a16="http://schemas.microsoft.com/office/drawing/2014/main" xmlns="" id="{5F584EEA-F424-4D5A-9512-C341C6F74527}"/>
+                <a16:creationId xmlns="" xmlns:a16="http://schemas.microsoft.com/office/drawing/2014/main" id="{5F584EEA-F424-4D5A-9512-C341C6F74527}"/>
               </a:ext>
             </a:extLst>
           </p:cNvPr>
@@ -4467,7 +4668,7 @@
           <p:cNvPr id="2" name="标题 1">
             <a:extLst>
               <a:ext uri="{FF2B5EF4-FFF2-40B4-BE49-F238E27FC236}">
-                <a16:creationId xmlns:a16="http://schemas.microsoft.com/office/drawing/2014/main" xmlns="" id="{8AC0D9A2-D4AA-4901-B563-F938E76BA47B}"/>
+                <a16:creationId xmlns="" xmlns:a16="http://schemas.microsoft.com/office/drawing/2014/main" id="{8AC0D9A2-D4AA-4901-B563-F938E76BA47B}"/>
               </a:ext>
             </a:extLst>
           </p:cNvPr>
@@ -4507,7 +4708,7 @@
           <p:cNvPr id="3" name="图片占位符 2">
             <a:extLst>
               <a:ext uri="{FF2B5EF4-FFF2-40B4-BE49-F238E27FC236}">
-                <a16:creationId xmlns:a16="http://schemas.microsoft.com/office/drawing/2014/main" xmlns="" id="{55B52424-42FD-4880-9E96-0C7B44DF59E6}"/>
+                <a16:creationId xmlns="" xmlns:a16="http://schemas.microsoft.com/office/drawing/2014/main" id="{55B52424-42FD-4880-9E96-0C7B44DF59E6}"/>
               </a:ext>
             </a:extLst>
           </p:cNvPr>
@@ -4577,7 +4778,7 @@
           <p:cNvPr id="4" name="文本占位符 3">
             <a:extLst>
               <a:ext uri="{FF2B5EF4-FFF2-40B4-BE49-F238E27FC236}">
-                <a16:creationId xmlns:a16="http://schemas.microsoft.com/office/drawing/2014/main" xmlns="" id="{A9ACC898-B51A-4746-96CF-9C1B90950FE9}"/>
+                <a16:creationId xmlns="" xmlns:a16="http://schemas.microsoft.com/office/drawing/2014/main" id="{A9ACC898-B51A-4746-96CF-9C1B90950FE9}"/>
               </a:ext>
             </a:extLst>
           </p:cNvPr>
@@ -4651,7 +4852,7 @@
           <p:cNvPr id="5" name="灯片编号占位符 4">
             <a:extLst>
               <a:ext uri="{FF2B5EF4-FFF2-40B4-BE49-F238E27FC236}">
-                <a16:creationId xmlns:a16="http://schemas.microsoft.com/office/drawing/2014/main" xmlns="" id="{FF76DA64-88F7-483C-AE16-E94C47973A01}"/>
+                <a16:creationId xmlns="" xmlns:a16="http://schemas.microsoft.com/office/drawing/2014/main" id="{FF76DA64-88F7-483C-AE16-E94C47973A01}"/>
               </a:ext>
             </a:extLst>
           </p:cNvPr>
@@ -4723,7 +4924,7 @@
           <p:cNvPr id="2049" name="Picture 1" descr="ppt元素-11.png">
             <a:extLst>
               <a:ext uri="{FF2B5EF4-FFF2-40B4-BE49-F238E27FC236}">
-                <a16:creationId xmlns:a16="http://schemas.microsoft.com/office/drawing/2014/main" xmlns="" id="{4CBE4F7A-DF60-480C-A0F2-6DFBCF878D11}"/>
+                <a16:creationId xmlns="" xmlns:a16="http://schemas.microsoft.com/office/drawing/2014/main" id="{4CBE4F7A-DF60-480C-A0F2-6DFBCF878D11}"/>
               </a:ext>
             </a:extLst>
           </p:cNvPr>
@@ -4794,7 +4995,7 @@
           <p:cNvPr id="2050" name="Rectangle 2">
             <a:extLst>
               <a:ext uri="{FF2B5EF4-FFF2-40B4-BE49-F238E27FC236}">
-                <a16:creationId xmlns:a16="http://schemas.microsoft.com/office/drawing/2014/main" xmlns="" id="{8C0EE73C-67BB-4C42-8BD8-750C3733AD42}"/>
+                <a16:creationId xmlns="" xmlns:a16="http://schemas.microsoft.com/office/drawing/2014/main" id="{8C0EE73C-67BB-4C42-8BD8-750C3733AD42}"/>
               </a:ext>
             </a:extLst>
           </p:cNvPr>
@@ -5345,7 +5546,7 @@
           <p:cNvPr id="39" name="图片 38">
             <a:extLst>
               <a:ext uri="{FF2B5EF4-FFF2-40B4-BE49-F238E27FC236}">
-                <a16:creationId xmlns:a16="http://schemas.microsoft.com/office/drawing/2014/main" xmlns="" id="{C49BA596-B860-41A3-9734-D1BA0CD74A42}"/>
+                <a16:creationId xmlns="" xmlns:a16="http://schemas.microsoft.com/office/drawing/2014/main" id="{C49BA596-B860-41A3-9734-D1BA0CD74A42}"/>
               </a:ext>
             </a:extLst>
           </p:cNvPr>
@@ -5387,7 +5588,7 @@
           <p:cNvPr id="78" name="表格 77">
             <a:extLst>
               <a:ext uri="{FF2B5EF4-FFF2-40B4-BE49-F238E27FC236}">
-                <a16:creationId xmlns:a16="http://schemas.microsoft.com/office/drawing/2014/main" xmlns="" id="{FF252C29-EF21-4355-A912-49256C22FA06}"/>
+                <a16:creationId xmlns="" xmlns:a16="http://schemas.microsoft.com/office/drawing/2014/main" id="{FF252C29-EF21-4355-A912-49256C22FA06}"/>
               </a:ext>
             </a:extLst>
           </p:cNvPr>
@@ -5414,21 +5615,21 @@
                 <a:gridCol w="1895730">
                   <a:extLst>
                     <a:ext uri="{9D8B030D-6E8A-4147-A177-3AD203B41FA5}">
-                      <a16:colId xmlns:a16="http://schemas.microsoft.com/office/drawing/2014/main" xmlns="" val="3948644296"/>
+                      <a16:colId xmlns="" xmlns:a16="http://schemas.microsoft.com/office/drawing/2014/main" val="3948644296"/>
                     </a:ext>
                   </a:extLst>
                 </a:gridCol>
                 <a:gridCol w="2478587">
                   <a:extLst>
                     <a:ext uri="{9D8B030D-6E8A-4147-A177-3AD203B41FA5}">
-                      <a16:colId xmlns:a16="http://schemas.microsoft.com/office/drawing/2014/main" xmlns="" val="3723654050"/>
+                      <a16:colId xmlns="" xmlns:a16="http://schemas.microsoft.com/office/drawing/2014/main" val="3723654050"/>
                     </a:ext>
                   </a:extLst>
                 </a:gridCol>
                 <a:gridCol w="2826483">
                   <a:extLst>
                     <a:ext uri="{9D8B030D-6E8A-4147-A177-3AD203B41FA5}">
-                      <a16:colId xmlns:a16="http://schemas.microsoft.com/office/drawing/2014/main" xmlns="" val="4270415431"/>
+                      <a16:colId xmlns="" xmlns:a16="http://schemas.microsoft.com/office/drawing/2014/main" val="4270415431"/>
                     </a:ext>
                   </a:extLst>
                 </a:gridCol>
@@ -5653,7 +5854,7 @@
                 </a:tc>
                 <a:extLst>
                   <a:ext uri="{0D108BD9-81ED-4DB2-BD59-A6C34878D82A}">
-                    <a16:rowId xmlns:a16="http://schemas.microsoft.com/office/drawing/2014/main" xmlns="" val="1556317445"/>
+                    <a16:rowId xmlns="" xmlns:a16="http://schemas.microsoft.com/office/drawing/2014/main" val="1556317445"/>
                   </a:ext>
                 </a:extLst>
               </a:tr>
@@ -5848,7 +6049,7 @@
                 </a:tc>
                 <a:extLst>
                   <a:ext uri="{0D108BD9-81ED-4DB2-BD59-A6C34878D82A}">
-                    <a16:rowId xmlns:a16="http://schemas.microsoft.com/office/drawing/2014/main" xmlns="" val="1172037100"/>
+                    <a16:rowId xmlns="" xmlns:a16="http://schemas.microsoft.com/office/drawing/2014/main" val="1172037100"/>
                   </a:ext>
                 </a:extLst>
               </a:tr>
@@ -6062,7 +6263,7 @@
                 </a:tc>
                 <a:extLst>
                   <a:ext uri="{0D108BD9-81ED-4DB2-BD59-A6C34878D82A}">
-                    <a16:rowId xmlns:a16="http://schemas.microsoft.com/office/drawing/2014/main" xmlns="" val="2243676995"/>
+                    <a16:rowId xmlns="" xmlns:a16="http://schemas.microsoft.com/office/drawing/2014/main" val="2243676995"/>
                   </a:ext>
                 </a:extLst>
               </a:tr>
@@ -6266,7 +6467,7 @@
                 </a:tc>
                 <a:extLst>
                   <a:ext uri="{0D108BD9-81ED-4DB2-BD59-A6C34878D82A}">
-                    <a16:rowId xmlns:a16="http://schemas.microsoft.com/office/drawing/2014/main" xmlns="" val="4256870296"/>
+                    <a16:rowId xmlns="" xmlns:a16="http://schemas.microsoft.com/office/drawing/2014/main" val="4256870296"/>
                   </a:ext>
                 </a:extLst>
               </a:tr>
@@ -6461,7 +6662,7 @@
                 </a:tc>
                 <a:extLst>
                   <a:ext uri="{0D108BD9-81ED-4DB2-BD59-A6C34878D82A}">
-                    <a16:rowId xmlns:a16="http://schemas.microsoft.com/office/drawing/2014/main" xmlns="" val="899282155"/>
+                    <a16:rowId xmlns="" xmlns:a16="http://schemas.microsoft.com/office/drawing/2014/main" val="899282155"/>
                   </a:ext>
                 </a:extLst>
               </a:tr>
@@ -6664,7 +6865,7 @@
                 </a:tc>
                 <a:extLst>
                   <a:ext uri="{0D108BD9-81ED-4DB2-BD59-A6C34878D82A}">
-                    <a16:rowId xmlns:a16="http://schemas.microsoft.com/office/drawing/2014/main" xmlns="" val="10005"/>
+                    <a16:rowId xmlns="" xmlns:a16="http://schemas.microsoft.com/office/drawing/2014/main" val="10005"/>
                   </a:ext>
                 </a:extLst>
               </a:tr>
@@ -6951,7 +7152,7 @@
                 </a:tc>
                 <a:extLst>
                   <a:ext uri="{0D108BD9-81ED-4DB2-BD59-A6C34878D82A}">
-                    <a16:rowId xmlns:a16="http://schemas.microsoft.com/office/drawing/2014/main" xmlns="" val="10006"/>
+                    <a16:rowId xmlns="" xmlns:a16="http://schemas.microsoft.com/office/drawing/2014/main" val="10006"/>
                   </a:ext>
                 </a:extLst>
               </a:tr>
@@ -7202,7 +7403,7 @@
                 </a:tc>
                 <a:extLst>
                   <a:ext uri="{0D108BD9-81ED-4DB2-BD59-A6C34878D82A}">
-                    <a16:rowId xmlns:a16="http://schemas.microsoft.com/office/drawing/2014/main" xmlns="" val="10007"/>
+                    <a16:rowId xmlns="" xmlns:a16="http://schemas.microsoft.com/office/drawing/2014/main" val="10007"/>
                   </a:ext>
                 </a:extLst>
               </a:tr>
@@ -7275,7 +7476,7 @@
           <p:cNvPr id="40" name="流程图: 过程 39">
             <a:extLst>
               <a:ext uri="{FF2B5EF4-FFF2-40B4-BE49-F238E27FC236}">
-                <a16:creationId xmlns:a16="http://schemas.microsoft.com/office/drawing/2014/main" xmlns="" id="{DEE6F68B-D383-4456-A945-5D2426316FC6}"/>
+                <a16:creationId xmlns="" xmlns:a16="http://schemas.microsoft.com/office/drawing/2014/main" id="{DEE6F68B-D383-4456-A945-5D2426316FC6}"/>
               </a:ext>
             </a:extLst>
           </p:cNvPr>
@@ -7573,7 +7774,7 @@
           <p:cNvPr id="39" name="图片 38">
             <a:extLst>
               <a:ext uri="{FF2B5EF4-FFF2-40B4-BE49-F238E27FC236}">
-                <a16:creationId xmlns:a16="http://schemas.microsoft.com/office/drawing/2014/main" xmlns="" id="{C49BA596-B860-41A3-9734-D1BA0CD74A42}"/>
+                <a16:creationId xmlns="" xmlns:a16="http://schemas.microsoft.com/office/drawing/2014/main" id="{C49BA596-B860-41A3-9734-D1BA0CD74A42}"/>
               </a:ext>
             </a:extLst>
           </p:cNvPr>
@@ -7615,7 +7816,7 @@
           <p:cNvPr id="78" name="表格 77">
             <a:extLst>
               <a:ext uri="{FF2B5EF4-FFF2-40B4-BE49-F238E27FC236}">
-                <a16:creationId xmlns:a16="http://schemas.microsoft.com/office/drawing/2014/main" xmlns="" id="{FF252C29-EF21-4355-A912-49256C22FA06}"/>
+                <a16:creationId xmlns="" xmlns:a16="http://schemas.microsoft.com/office/drawing/2014/main" id="{FF252C29-EF21-4355-A912-49256C22FA06}"/>
               </a:ext>
             </a:extLst>
           </p:cNvPr>
@@ -7642,28 +7843,28 @@
                 <a:gridCol w="2232248">
                   <a:extLst>
                     <a:ext uri="{9D8B030D-6E8A-4147-A177-3AD203B41FA5}">
-                      <a16:colId xmlns:a16="http://schemas.microsoft.com/office/drawing/2014/main" xmlns="" val="3948644296"/>
+                      <a16:colId xmlns="" xmlns:a16="http://schemas.microsoft.com/office/drawing/2014/main" val="3948644296"/>
                     </a:ext>
                   </a:extLst>
                 </a:gridCol>
                 <a:gridCol w="1728191">
                   <a:extLst>
                     <a:ext uri="{9D8B030D-6E8A-4147-A177-3AD203B41FA5}">
-                      <a16:colId xmlns:a16="http://schemas.microsoft.com/office/drawing/2014/main" xmlns="" val="3723654050"/>
+                      <a16:colId xmlns="" xmlns:a16="http://schemas.microsoft.com/office/drawing/2014/main" val="3723654050"/>
                     </a:ext>
                   </a:extLst>
                 </a:gridCol>
                 <a:gridCol w="2094779">
                   <a:extLst>
                     <a:ext uri="{9D8B030D-6E8A-4147-A177-3AD203B41FA5}">
-                      <a16:colId xmlns:a16="http://schemas.microsoft.com/office/drawing/2014/main" xmlns="" val="4270415431"/>
+                      <a16:colId xmlns="" xmlns:a16="http://schemas.microsoft.com/office/drawing/2014/main" val="4270415431"/>
                     </a:ext>
                   </a:extLst>
                 </a:gridCol>
                 <a:gridCol w="1937670">
                   <a:extLst>
                     <a:ext uri="{9D8B030D-6E8A-4147-A177-3AD203B41FA5}">
-                      <a16:colId xmlns:a16="http://schemas.microsoft.com/office/drawing/2014/main" xmlns="" val="20003"/>
+                      <a16:colId xmlns="" xmlns:a16="http://schemas.microsoft.com/office/drawing/2014/main" val="20003"/>
                     </a:ext>
                   </a:extLst>
                 </a:gridCol>
@@ -8053,7 +8254,7 @@
                 </a:tc>
                 <a:extLst>
                   <a:ext uri="{0D108BD9-81ED-4DB2-BD59-A6C34878D82A}">
-                    <a16:rowId xmlns:a16="http://schemas.microsoft.com/office/drawing/2014/main" xmlns="" val="1556317445"/>
+                    <a16:rowId xmlns="" xmlns:a16="http://schemas.microsoft.com/office/drawing/2014/main" val="1556317445"/>
                   </a:ext>
                 </a:extLst>
               </a:tr>
@@ -8345,7 +8546,7 @@
                 </a:tc>
                 <a:extLst>
                   <a:ext uri="{0D108BD9-81ED-4DB2-BD59-A6C34878D82A}">
-                    <a16:rowId xmlns:a16="http://schemas.microsoft.com/office/drawing/2014/main" xmlns="" val="1172037100"/>
+                    <a16:rowId xmlns="" xmlns:a16="http://schemas.microsoft.com/office/drawing/2014/main" val="1172037100"/>
                   </a:ext>
                 </a:extLst>
               </a:tr>
@@ -8637,7 +8838,7 @@
                 </a:tc>
                 <a:extLst>
                   <a:ext uri="{0D108BD9-81ED-4DB2-BD59-A6C34878D82A}">
-                    <a16:rowId xmlns:a16="http://schemas.microsoft.com/office/drawing/2014/main" xmlns="" val="2243676995"/>
+                    <a16:rowId xmlns="" xmlns:a16="http://schemas.microsoft.com/office/drawing/2014/main" val="2243676995"/>
                   </a:ext>
                 </a:extLst>
               </a:tr>
@@ -8929,7 +9130,7 @@
                 </a:tc>
                 <a:extLst>
                   <a:ext uri="{0D108BD9-81ED-4DB2-BD59-A6C34878D82A}">
-                    <a16:rowId xmlns:a16="http://schemas.microsoft.com/office/drawing/2014/main" xmlns="" val="4256870296"/>
+                    <a16:rowId xmlns="" xmlns:a16="http://schemas.microsoft.com/office/drawing/2014/main" val="4256870296"/>
                   </a:ext>
                 </a:extLst>
               </a:tr>
@@ -9221,7 +9422,7 @@
                 </a:tc>
                 <a:extLst>
                   <a:ext uri="{0D108BD9-81ED-4DB2-BD59-A6C34878D82A}">
-                    <a16:rowId xmlns:a16="http://schemas.microsoft.com/office/drawing/2014/main" xmlns="" val="899282155"/>
+                    <a16:rowId xmlns="" xmlns:a16="http://schemas.microsoft.com/office/drawing/2014/main" val="899282155"/>
                   </a:ext>
                 </a:extLst>
               </a:tr>
@@ -9234,7 +9435,7 @@
           <p:cNvPr id="40" name="流程图: 过程 39">
             <a:extLst>
               <a:ext uri="{FF2B5EF4-FFF2-40B4-BE49-F238E27FC236}">
-                <a16:creationId xmlns:a16="http://schemas.microsoft.com/office/drawing/2014/main" xmlns="" id="{DEE6F68B-D383-4456-A945-5D2426316FC6}"/>
+                <a16:creationId xmlns="" xmlns:a16="http://schemas.microsoft.com/office/drawing/2014/main" id="{DEE6F68B-D383-4456-A945-5D2426316FC6}"/>
               </a:ext>
             </a:extLst>
           </p:cNvPr>
@@ -9700,7 +9901,2985 @@
           <p:cNvPr id="39" name="图片 38">
             <a:extLst>
               <a:ext uri="{FF2B5EF4-FFF2-40B4-BE49-F238E27FC236}">
-                <a16:creationId xmlns:a16="http://schemas.microsoft.com/office/drawing/2014/main" xmlns="" id="{C49BA596-B860-41A3-9734-D1BA0CD74A42}"/>
+                <a16:creationId xmlns="" xmlns:a16="http://schemas.microsoft.com/office/drawing/2014/main" id="{C49BA596-B860-41A3-9734-D1BA0CD74A42}"/>
+              </a:ext>
+            </a:extLst>
+          </p:cNvPr>
+          <p:cNvPicPr>
+            <a:picLocks noChangeAspect="1"/>
+          </p:cNvPicPr>
+          <p:nvPr/>
+        </p:nvPicPr>
+        <p:blipFill>
+          <a:blip r:embed="rId4">
+            <a:extLst>
+              <a:ext uri="{28A0092B-C50C-407E-A947-70E740481C1C}">
+                <a14:useLocalDpi xmlns:a14="http://schemas.microsoft.com/office/drawing/2010/main" val="0"/>
+              </a:ext>
+            </a:extLst>
+          </a:blip>
+          <a:stretch>
+            <a:fillRect/>
+          </a:stretch>
+        </p:blipFill>
+        <p:spPr>
+          <a:xfrm>
+            <a:off x="1703512" y="404664"/>
+            <a:ext cx="7488832" cy="5942382"/>
+          </a:xfrm>
+          <a:prstGeom prst="rect">
+            <a:avLst/>
+          </a:prstGeom>
+          <a:ln>
+            <a:solidFill>
+              <a:schemeClr val="bg1"/>
+            </a:solidFill>
+          </a:ln>
+          <a:effectLst/>
+        </p:spPr>
+      </p:pic>
+      <p:graphicFrame>
+        <p:nvGraphicFramePr>
+          <p:cNvPr id="78" name="表格 77">
+            <a:extLst>
+              <a:ext uri="{FF2B5EF4-FFF2-40B4-BE49-F238E27FC236}">
+                <a16:creationId xmlns="" xmlns:a16="http://schemas.microsoft.com/office/drawing/2014/main" id="{FF252C29-EF21-4355-A912-49256C22FA06}"/>
+              </a:ext>
+            </a:extLst>
+          </p:cNvPr>
+          <p:cNvGraphicFramePr>
+            <a:graphicFrameLocks noGrp="1"/>
+          </p:cNvGraphicFramePr>
+          <p:nvPr>
+            <p:extLst>
+              <p:ext uri="{D42A27DB-BD31-4B8C-83A1-F6EECF244321}">
+                <p14:modId xmlns:p14="http://schemas.microsoft.com/office/powerpoint/2010/main" val="3227966542"/>
+              </p:ext>
+            </p:extLst>
+          </p:nvPr>
+        </p:nvGraphicFramePr>
+        <p:xfrm>
+          <a:off x="2063551" y="672995"/>
+          <a:ext cx="6808058" cy="4920939"/>
+        </p:xfrm>
+        <a:graphic>
+          <a:graphicData uri="http://schemas.openxmlformats.org/drawingml/2006/table">
+            <a:tbl>
+              <a:tblPr/>
+              <a:tblGrid>
+                <a:gridCol w="2232248">
+                  <a:extLst>
+                    <a:ext uri="{9D8B030D-6E8A-4147-A177-3AD203B41FA5}">
+                      <a16:colId xmlns="" xmlns:a16="http://schemas.microsoft.com/office/drawing/2014/main" val="3948644296"/>
+                    </a:ext>
+                  </a:extLst>
+                </a:gridCol>
+                <a:gridCol w="1551474">
+                  <a:extLst>
+                    <a:ext uri="{9D8B030D-6E8A-4147-A177-3AD203B41FA5}">
+                      <a16:colId xmlns="" xmlns:a16="http://schemas.microsoft.com/office/drawing/2014/main" val="3723654050"/>
+                    </a:ext>
+                  </a:extLst>
+                </a:gridCol>
+                <a:gridCol w="1512168">
+                  <a:extLst>
+                    <a:ext uri="{9D8B030D-6E8A-4147-A177-3AD203B41FA5}">
+                      <a16:colId xmlns="" xmlns:a16="http://schemas.microsoft.com/office/drawing/2014/main" val="4270415431"/>
+                    </a:ext>
+                  </a:extLst>
+                </a:gridCol>
+                <a:gridCol w="1512168">
+                  <a:extLst>
+                    <a:ext uri="{9D8B030D-6E8A-4147-A177-3AD203B41FA5}">
+                      <a16:colId xmlns="" xmlns:a16="http://schemas.microsoft.com/office/drawing/2014/main" val="20003"/>
+                    </a:ext>
+                  </a:extLst>
+                </a:gridCol>
+              </a:tblGrid>
+              <a:tr h="546771">
+                <a:tc>
+                  <a:txBody>
+                    <a:bodyPr/>
+                    <a:lstStyle/>
+                    <a:p>
+                      <a:pPr algn="ctr" fontAlgn="ctr">
+                        <a:lnSpc>
+                          <a:spcPct val="150000"/>
+                        </a:lnSpc>
+                      </a:pPr>
+                      <a:endParaRPr lang="zh-CN" altLang="en-US" sz="1600" b="1" dirty="0">
+                        <a:solidFill>
+                          <a:schemeClr val="bg1"/>
+                        </a:solidFill>
+                        <a:effectLst/>
+                        <a:latin typeface="微软雅黑" panose="020B0503020204020204" pitchFamily="34" charset="-122"/>
+                        <a:ea typeface="微软雅黑" panose="020B0503020204020204" pitchFamily="34" charset="-122"/>
+                      </a:endParaRPr>
+                    </a:p>
+                  </a:txBody>
+                  <a:tcPr marL="18100" marR="18100" marT="18100" marB="18100" anchor="ctr">
+                    <a:lnL w="9525" cap="flat" cmpd="sng" algn="ctr">
+                      <a:solidFill>
+                        <a:srgbClr val="DDDDDD"/>
+                      </a:solidFill>
+                      <a:prstDash val="solid"/>
+                      <a:round/>
+                      <a:headEnd type="none" w="med" len="med"/>
+                      <a:tailEnd type="none" w="med" len="med"/>
+                    </a:lnL>
+                    <a:lnR w="9525" cap="flat" cmpd="sng" algn="ctr">
+                      <a:solidFill>
+                        <a:srgbClr val="DDDDDD"/>
+                      </a:solidFill>
+                      <a:prstDash val="solid"/>
+                      <a:round/>
+                      <a:headEnd type="none" w="med" len="med"/>
+                      <a:tailEnd type="none" w="med" len="med"/>
+                    </a:lnR>
+                    <a:lnT w="9525" cap="flat" cmpd="sng" algn="ctr">
+                      <a:solidFill>
+                        <a:srgbClr val="DDDDDD"/>
+                      </a:solidFill>
+                      <a:prstDash val="solid"/>
+                      <a:round/>
+                      <a:headEnd type="none" w="med" len="med"/>
+                      <a:tailEnd type="none" w="med" len="med"/>
+                    </a:lnT>
+                    <a:lnB w="9525" cap="flat" cmpd="sng" algn="ctr">
+                      <a:solidFill>
+                        <a:srgbClr val="DDDDDD"/>
+                      </a:solidFill>
+                      <a:prstDash val="solid"/>
+                      <a:round/>
+                      <a:headEnd type="none" w="med" len="med"/>
+                      <a:tailEnd type="none" w="med" len="med"/>
+                    </a:lnB>
+                    <a:solidFill>
+                      <a:schemeClr val="bg1">
+                        <a:lumMod val="50000"/>
+                      </a:schemeClr>
+                    </a:solidFill>
+                  </a:tcPr>
+                </a:tc>
+                <a:tc>
+                  <a:txBody>
+                    <a:bodyPr/>
+                    <a:lstStyle/>
+                    <a:p>
+                      <a:pPr algn="ctr" fontAlgn="ctr">
+                        <a:lnSpc>
+                          <a:spcPct val="150000"/>
+                        </a:lnSpc>
+                      </a:pPr>
+                      <a:r>
+                        <a:rPr lang="zh-CN" altLang="en-US" sz="1600" b="0" kern="1200" dirty="0" smtClean="0">
+                          <a:solidFill>
+                            <a:schemeClr val="bg1"/>
+                          </a:solidFill>
+                          <a:effectLst/>
+                          <a:latin typeface="微软雅黑" panose="020B0503020204020204" pitchFamily="34" charset="-122"/>
+                          <a:ea typeface="微软雅黑" panose="020B0503020204020204" pitchFamily="34" charset="-122"/>
+                          <a:cs typeface="+mn-cs"/>
+                        </a:rPr>
+                        <a:t>操作</a:t>
+                      </a:r>
+                      <a:endParaRPr lang="en-US" sz="1600" b="0" kern="1200" dirty="0">
+                        <a:solidFill>
+                          <a:schemeClr val="bg1"/>
+                        </a:solidFill>
+                        <a:effectLst/>
+                        <a:latin typeface="微软雅黑" panose="020B0503020204020204" pitchFamily="34" charset="-122"/>
+                        <a:ea typeface="微软雅黑" panose="020B0503020204020204" pitchFamily="34" charset="-122"/>
+                        <a:cs typeface="+mn-cs"/>
+                      </a:endParaRPr>
+                    </a:p>
+                  </a:txBody>
+                  <a:tcPr marL="18100" marR="18100" marT="18100" marB="18100" anchor="ctr">
+                    <a:lnL w="9525" cap="flat" cmpd="sng" algn="ctr">
+                      <a:solidFill>
+                        <a:srgbClr val="DDDDDD"/>
+                      </a:solidFill>
+                      <a:prstDash val="solid"/>
+                      <a:round/>
+                      <a:headEnd type="none" w="med" len="med"/>
+                      <a:tailEnd type="none" w="med" len="med"/>
+                    </a:lnL>
+                    <a:lnR w="9525" cap="flat" cmpd="sng" algn="ctr">
+                      <a:solidFill>
+                        <a:srgbClr val="DDDDDD"/>
+                      </a:solidFill>
+                      <a:prstDash val="solid"/>
+                      <a:round/>
+                      <a:headEnd type="none" w="med" len="med"/>
+                      <a:tailEnd type="none" w="med" len="med"/>
+                    </a:lnR>
+                    <a:lnT w="9525" cap="flat" cmpd="sng" algn="ctr">
+                      <a:solidFill>
+                        <a:srgbClr val="DDDDDD"/>
+                      </a:solidFill>
+                      <a:prstDash val="solid"/>
+                      <a:round/>
+                      <a:headEnd type="none" w="med" len="med"/>
+                      <a:tailEnd type="none" w="med" len="med"/>
+                    </a:lnT>
+                    <a:lnB w="9525" cap="flat" cmpd="sng" algn="ctr">
+                      <a:solidFill>
+                        <a:srgbClr val="DDDDDD"/>
+                      </a:solidFill>
+                      <a:prstDash val="solid"/>
+                      <a:round/>
+                      <a:headEnd type="none" w="med" len="med"/>
+                      <a:tailEnd type="none" w="med" len="med"/>
+                    </a:lnB>
+                    <a:solidFill>
+                      <a:schemeClr val="bg1">
+                        <a:lumMod val="50000"/>
+                      </a:schemeClr>
+                    </a:solidFill>
+                  </a:tcPr>
+                </a:tc>
+                <a:tc>
+                  <a:txBody>
+                    <a:bodyPr/>
+                    <a:lstStyle/>
+                    <a:p>
+                      <a:pPr algn="ctr" fontAlgn="ctr">
+                        <a:lnSpc>
+                          <a:spcPct val="150000"/>
+                        </a:lnSpc>
+                      </a:pPr>
+                      <a:r>
+                        <a:rPr lang="zh-CN" altLang="en-US" sz="1600" b="0" kern="1200" dirty="0" smtClean="0">
+                          <a:solidFill>
+                            <a:schemeClr val="bg1"/>
+                          </a:solidFill>
+                          <a:effectLst/>
+                          <a:latin typeface="微软雅黑" panose="020B0503020204020204" pitchFamily="34" charset="-122"/>
+                          <a:ea typeface="微软雅黑" panose="020B0503020204020204" pitchFamily="34" charset="-122"/>
+                          <a:cs typeface="+mn-cs"/>
+                        </a:rPr>
+                        <a:t>优先使用的锁</a:t>
+                      </a:r>
+                      <a:endParaRPr lang="en-US" sz="1600" b="0" kern="1200" dirty="0">
+                        <a:solidFill>
+                          <a:schemeClr val="bg1"/>
+                        </a:solidFill>
+                        <a:effectLst/>
+                        <a:latin typeface="微软雅黑" panose="020B0503020204020204" pitchFamily="34" charset="-122"/>
+                        <a:ea typeface="微软雅黑" panose="020B0503020204020204" pitchFamily="34" charset="-122"/>
+                        <a:cs typeface="+mn-cs"/>
+                      </a:endParaRPr>
+                    </a:p>
+                  </a:txBody>
+                  <a:tcPr marL="18100" marR="18100" marT="18100" marB="18100" anchor="ctr">
+                    <a:lnL w="9525" cap="flat" cmpd="sng" algn="ctr">
+                      <a:solidFill>
+                        <a:srgbClr val="DDDDDD"/>
+                      </a:solidFill>
+                      <a:prstDash val="solid"/>
+                      <a:round/>
+                      <a:headEnd type="none" w="med" len="med"/>
+                      <a:tailEnd type="none" w="med" len="med"/>
+                    </a:lnL>
+                    <a:lnR w="9525" cap="flat" cmpd="sng" algn="ctr">
+                      <a:solidFill>
+                        <a:srgbClr val="DDDDDD"/>
+                      </a:solidFill>
+                      <a:prstDash val="solid"/>
+                      <a:round/>
+                      <a:headEnd type="none" w="med" len="med"/>
+                      <a:tailEnd type="none" w="med" len="med"/>
+                    </a:lnR>
+                    <a:lnT w="9525" cap="flat" cmpd="sng" algn="ctr">
+                      <a:solidFill>
+                        <a:srgbClr val="DDDDDD"/>
+                      </a:solidFill>
+                      <a:prstDash val="solid"/>
+                      <a:round/>
+                      <a:headEnd type="none" w="med" len="med"/>
+                      <a:tailEnd type="none" w="med" len="med"/>
+                    </a:lnT>
+                    <a:lnB w="9525" cap="flat" cmpd="sng" algn="ctr">
+                      <a:solidFill>
+                        <a:srgbClr val="DDDDDD"/>
+                      </a:solidFill>
+                      <a:prstDash val="solid"/>
+                      <a:round/>
+                      <a:headEnd type="none" w="med" len="med"/>
+                      <a:tailEnd type="none" w="med" len="med"/>
+                    </a:lnB>
+                    <a:solidFill>
+                      <a:schemeClr val="bg1">
+                        <a:lumMod val="50000"/>
+                      </a:schemeClr>
+                    </a:solidFill>
+                  </a:tcPr>
+                </a:tc>
+                <a:tc>
+                  <a:txBody>
+                    <a:bodyPr/>
+                    <a:lstStyle/>
+                    <a:p>
+                      <a:pPr algn="ctr" fontAlgn="ctr">
+                        <a:lnSpc>
+                          <a:spcPct val="150000"/>
+                        </a:lnSpc>
+                      </a:pPr>
+                      <a:r>
+                        <a:rPr lang="zh-CN" altLang="en-US" sz="1600" b="0" kern="1200" dirty="0" smtClean="0">
+                          <a:solidFill>
+                            <a:schemeClr val="bg1"/>
+                          </a:solidFill>
+                          <a:effectLst/>
+                          <a:latin typeface="微软雅黑" panose="020B0503020204020204" pitchFamily="34" charset="-122"/>
+                          <a:ea typeface="微软雅黑" panose="020B0503020204020204" pitchFamily="34" charset="-122"/>
+                          <a:cs typeface="+mn-cs"/>
+                        </a:rPr>
+                        <a:t>加锁周期</a:t>
+                      </a:r>
+                      <a:endParaRPr lang="en-US" sz="1600" b="0" kern="1200" dirty="0">
+                        <a:solidFill>
+                          <a:schemeClr val="bg1"/>
+                        </a:solidFill>
+                        <a:effectLst/>
+                        <a:latin typeface="微软雅黑" panose="020B0503020204020204" pitchFamily="34" charset="-122"/>
+                        <a:ea typeface="微软雅黑" panose="020B0503020204020204" pitchFamily="34" charset="-122"/>
+                        <a:cs typeface="+mn-cs"/>
+                      </a:endParaRPr>
+                    </a:p>
+                  </a:txBody>
+                  <a:tcPr marL="18100" marR="18100" marT="18100" marB="18100" anchor="ctr">
+                    <a:lnL w="9525" cap="flat" cmpd="sng" algn="ctr">
+                      <a:solidFill>
+                        <a:srgbClr val="DDDDDD"/>
+                      </a:solidFill>
+                      <a:prstDash val="solid"/>
+                      <a:round/>
+                      <a:headEnd type="none" w="med" len="med"/>
+                      <a:tailEnd type="none" w="med" len="med"/>
+                    </a:lnL>
+                    <a:lnR w="9525" cap="flat" cmpd="sng" algn="ctr">
+                      <a:solidFill>
+                        <a:srgbClr val="DDDDDD"/>
+                      </a:solidFill>
+                      <a:prstDash val="solid"/>
+                      <a:round/>
+                      <a:headEnd type="none" w="med" len="med"/>
+                      <a:tailEnd type="none" w="med" len="med"/>
+                    </a:lnR>
+                    <a:lnT w="9525" cap="flat" cmpd="sng" algn="ctr">
+                      <a:solidFill>
+                        <a:srgbClr val="DDDDDD"/>
+                      </a:solidFill>
+                      <a:prstDash val="solid"/>
+                      <a:round/>
+                      <a:headEnd type="none" w="med" len="med"/>
+                      <a:tailEnd type="none" w="med" len="med"/>
+                    </a:lnT>
+                    <a:lnB w="9525" cap="flat" cmpd="sng" algn="ctr">
+                      <a:solidFill>
+                        <a:srgbClr val="DDDDDD"/>
+                      </a:solidFill>
+                      <a:prstDash val="solid"/>
+                      <a:round/>
+                      <a:headEnd type="none" w="med" len="med"/>
+                      <a:tailEnd type="none" w="med" len="med"/>
+                    </a:lnB>
+                    <a:solidFill>
+                      <a:schemeClr val="bg1">
+                        <a:lumMod val="50000"/>
+                      </a:schemeClr>
+                    </a:solidFill>
+                  </a:tcPr>
+                </a:tc>
+                <a:extLst>
+                  <a:ext uri="{0D108BD9-81ED-4DB2-BD59-A6C34878D82A}">
+                    <a16:rowId xmlns="" xmlns:a16="http://schemas.microsoft.com/office/drawing/2014/main" val="1556317445"/>
+                  </a:ext>
+                </a:extLst>
+              </a:tr>
+              <a:tr h="546771">
+                <a:tc rowSpan="2">
+                  <a:txBody>
+                    <a:bodyPr/>
+                    <a:lstStyle/>
+                    <a:p>
+                      <a:pPr marL="0" algn="ctr" defTabSz="914400" rtl="0" eaLnBrk="1" fontAlgn="ctr" latinLnBrk="0" hangingPunct="1">
+                        <a:lnSpc>
+                          <a:spcPct val="150000"/>
+                        </a:lnSpc>
+                      </a:pPr>
+                      <a:r>
+                        <a:rPr lang="zh-CN" altLang="en-US" sz="1600" b="0" kern="1200" dirty="0">
+                          <a:solidFill>
+                            <a:schemeClr val="bg1"/>
+                          </a:solidFill>
+                          <a:effectLst/>
+                          <a:latin typeface="微软雅黑" panose="020B0503020204020204" pitchFamily="34" charset="-122"/>
+                          <a:ea typeface="微软雅黑" panose="020B0503020204020204" pitchFamily="34" charset="-122"/>
+                          <a:cs typeface="+mn-cs"/>
+                        </a:rPr>
+                        <a:t>未提交读</a:t>
+                      </a:r>
+                      <a:endParaRPr lang="en-US" altLang="zh-CN" sz="1600" b="0" kern="1200" dirty="0">
+                        <a:solidFill>
+                          <a:schemeClr val="bg1"/>
+                        </a:solidFill>
+                        <a:effectLst/>
+                        <a:latin typeface="微软雅黑" panose="020B0503020204020204" pitchFamily="34" charset="-122"/>
+                        <a:ea typeface="微软雅黑" panose="020B0503020204020204" pitchFamily="34" charset="-122"/>
+                        <a:cs typeface="+mn-cs"/>
+                      </a:endParaRPr>
+                    </a:p>
+                    <a:p>
+                      <a:pPr marL="0" algn="ctr" defTabSz="914400" rtl="0" eaLnBrk="1" fontAlgn="ctr" latinLnBrk="0" hangingPunct="1">
+                        <a:lnSpc>
+                          <a:spcPct val="150000"/>
+                        </a:lnSpc>
+                      </a:pPr>
+                      <a:r>
+                        <a:rPr lang="en-US" altLang="zh-CN" sz="1600" b="0" kern="1200" dirty="0">
+                          <a:solidFill>
+                            <a:schemeClr val="bg1"/>
+                          </a:solidFill>
+                          <a:effectLst/>
+                          <a:latin typeface="微软雅黑" panose="020B0503020204020204" pitchFamily="34" charset="-122"/>
+                          <a:ea typeface="微软雅黑" panose="020B0503020204020204" pitchFamily="34" charset="-122"/>
+                          <a:cs typeface="+mn-cs"/>
+                        </a:rPr>
+                        <a:t>Read uncommitted</a:t>
+                      </a:r>
+                      <a:endParaRPr lang="zh-CN" altLang="en-US" sz="1600" b="0" kern="1200" dirty="0">
+                        <a:solidFill>
+                          <a:schemeClr val="bg1"/>
+                        </a:solidFill>
+                        <a:effectLst/>
+                        <a:latin typeface="微软雅黑" panose="020B0503020204020204" pitchFamily="34" charset="-122"/>
+                        <a:ea typeface="微软雅黑" panose="020B0503020204020204" pitchFamily="34" charset="-122"/>
+                        <a:cs typeface="+mn-cs"/>
+                      </a:endParaRPr>
+                    </a:p>
+                  </a:txBody>
+                  <a:tcPr marL="18100" marR="18100" marT="18100" marB="18100" anchor="ctr">
+                    <a:lnL w="9525" cap="flat" cmpd="sng" algn="ctr">
+                      <a:solidFill>
+                        <a:srgbClr val="DDDDDD"/>
+                      </a:solidFill>
+                      <a:prstDash val="solid"/>
+                      <a:round/>
+                      <a:headEnd type="none" w="med" len="med"/>
+                      <a:tailEnd type="none" w="med" len="med"/>
+                    </a:lnL>
+                    <a:lnR w="9525" cap="flat" cmpd="sng" algn="ctr">
+                      <a:solidFill>
+                        <a:srgbClr val="DDDDDD"/>
+                      </a:solidFill>
+                      <a:prstDash val="solid"/>
+                      <a:round/>
+                      <a:headEnd type="none" w="med" len="med"/>
+                      <a:tailEnd type="none" w="med" len="med"/>
+                    </a:lnR>
+                    <a:lnT w="9525" cap="flat" cmpd="sng" algn="ctr">
+                      <a:solidFill>
+                        <a:srgbClr val="DDDDDD"/>
+                      </a:solidFill>
+                      <a:prstDash val="solid"/>
+                      <a:round/>
+                      <a:headEnd type="none" w="med" len="med"/>
+                      <a:tailEnd type="none" w="med" len="med"/>
+                    </a:lnT>
+                    <a:lnB w="9525" cap="flat" cmpd="sng" algn="ctr">
+                      <a:solidFill>
+                        <a:srgbClr val="DDDDDD"/>
+                      </a:solidFill>
+                      <a:prstDash val="solid"/>
+                      <a:round/>
+                      <a:headEnd type="none" w="med" len="med"/>
+                      <a:tailEnd type="none" w="med" len="med"/>
+                    </a:lnB>
+                    <a:solidFill>
+                      <a:schemeClr val="bg1">
+                        <a:lumMod val="50000"/>
+                      </a:schemeClr>
+                    </a:solidFill>
+                  </a:tcPr>
+                </a:tc>
+                <a:tc>
+                  <a:txBody>
+                    <a:bodyPr/>
+                    <a:lstStyle/>
+                    <a:p>
+                      <a:pPr algn="ctr" fontAlgn="ctr">
+                        <a:lnSpc>
+                          <a:spcPct val="150000"/>
+                        </a:lnSpc>
+                      </a:pPr>
+                      <a:r>
+                        <a:rPr lang="en-US" altLang="zh-CN" sz="1600" dirty="0" smtClean="0">
+                          <a:solidFill>
+                            <a:schemeClr val="bg1"/>
+                          </a:solidFill>
+                          <a:effectLst/>
+                          <a:latin typeface="微软雅黑" panose="020B0503020204020204" pitchFamily="34" charset="-122"/>
+                          <a:ea typeface="微软雅黑" panose="020B0503020204020204" pitchFamily="34" charset="-122"/>
+                        </a:rPr>
+                        <a:t>read</a:t>
+                      </a:r>
+                      <a:endParaRPr lang="zh-CN" altLang="en-US" sz="1600" dirty="0">
+                        <a:solidFill>
+                          <a:schemeClr val="bg1"/>
+                        </a:solidFill>
+                        <a:effectLst/>
+                        <a:latin typeface="微软雅黑" panose="020B0503020204020204" pitchFamily="34" charset="-122"/>
+                        <a:ea typeface="微软雅黑" panose="020B0503020204020204" pitchFamily="34" charset="-122"/>
+                      </a:endParaRPr>
+                    </a:p>
+                  </a:txBody>
+                  <a:tcPr marL="18100" marR="18100" marT="18100" marB="18100" anchor="ctr">
+                    <a:lnL w="9525" cap="flat" cmpd="sng" algn="ctr">
+                      <a:solidFill>
+                        <a:srgbClr val="DDDDDD"/>
+                      </a:solidFill>
+                      <a:prstDash val="solid"/>
+                      <a:round/>
+                      <a:headEnd type="none" w="med" len="med"/>
+                      <a:tailEnd type="none" w="med" len="med"/>
+                    </a:lnL>
+                    <a:lnR w="9525" cap="flat" cmpd="sng" algn="ctr">
+                      <a:solidFill>
+                        <a:srgbClr val="DDDDDD"/>
+                      </a:solidFill>
+                      <a:prstDash val="solid"/>
+                      <a:round/>
+                      <a:headEnd type="none" w="med" len="med"/>
+                      <a:tailEnd type="none" w="med" len="med"/>
+                    </a:lnR>
+                    <a:lnT w="9525" cap="flat" cmpd="sng" algn="ctr">
+                      <a:solidFill>
+                        <a:srgbClr val="DDDDDD"/>
+                      </a:solidFill>
+                      <a:prstDash val="solid"/>
+                      <a:round/>
+                      <a:headEnd type="none" w="med" len="med"/>
+                      <a:tailEnd type="none" w="med" len="med"/>
+                    </a:lnT>
+                    <a:lnB w="9525" cap="flat" cmpd="sng" algn="ctr">
+                      <a:solidFill>
+                        <a:srgbClr val="DDDDDD"/>
+                      </a:solidFill>
+                      <a:prstDash val="solid"/>
+                      <a:round/>
+                      <a:headEnd type="none" w="med" len="med"/>
+                      <a:tailEnd type="none" w="med" len="med"/>
+                    </a:lnB>
+                    <a:noFill/>
+                  </a:tcPr>
+                </a:tc>
+                <a:tc>
+                  <a:txBody>
+                    <a:bodyPr/>
+                    <a:lstStyle/>
+                    <a:p>
+                      <a:pPr algn="ctr" fontAlgn="ctr">
+                        <a:lnSpc>
+                          <a:spcPct val="150000"/>
+                        </a:lnSpc>
+                      </a:pPr>
+                      <a:r>
+                        <a:rPr lang="zh-CN" altLang="en-US" sz="1600" dirty="0" smtClean="0">
+                          <a:solidFill>
+                            <a:schemeClr val="bg1"/>
+                          </a:solidFill>
+                          <a:effectLst/>
+                          <a:latin typeface="微软雅黑" panose="020B0503020204020204" pitchFamily="34" charset="-122"/>
+                          <a:ea typeface="微软雅黑" panose="020B0503020204020204" pitchFamily="34" charset="-122"/>
+                        </a:rPr>
+                        <a:t>无</a:t>
+                      </a:r>
+                      <a:endParaRPr lang="en-US" sz="1600" dirty="0">
+                        <a:solidFill>
+                          <a:schemeClr val="bg1"/>
+                        </a:solidFill>
+                        <a:effectLst/>
+                        <a:latin typeface="微软雅黑" panose="020B0503020204020204" pitchFamily="34" charset="-122"/>
+                        <a:ea typeface="微软雅黑" panose="020B0503020204020204" pitchFamily="34" charset="-122"/>
+                      </a:endParaRPr>
+                    </a:p>
+                  </a:txBody>
+                  <a:tcPr marL="18100" marR="18100" marT="18100" marB="18100" anchor="ctr">
+                    <a:lnL w="9525" cap="flat" cmpd="sng" algn="ctr">
+                      <a:solidFill>
+                        <a:srgbClr val="DDDDDD"/>
+                      </a:solidFill>
+                      <a:prstDash val="solid"/>
+                      <a:round/>
+                      <a:headEnd type="none" w="med" len="med"/>
+                      <a:tailEnd type="none" w="med" len="med"/>
+                    </a:lnL>
+                    <a:lnR w="9525" cap="flat" cmpd="sng" algn="ctr">
+                      <a:solidFill>
+                        <a:srgbClr val="DDDDDD"/>
+                      </a:solidFill>
+                      <a:prstDash val="solid"/>
+                      <a:round/>
+                      <a:headEnd type="none" w="med" len="med"/>
+                      <a:tailEnd type="none" w="med" len="med"/>
+                    </a:lnR>
+                    <a:lnT w="9525" cap="flat" cmpd="sng" algn="ctr">
+                      <a:solidFill>
+                        <a:srgbClr val="DDDDDD"/>
+                      </a:solidFill>
+                      <a:prstDash val="solid"/>
+                      <a:round/>
+                      <a:headEnd type="none" w="med" len="med"/>
+                      <a:tailEnd type="none" w="med" len="med"/>
+                    </a:lnT>
+                    <a:lnB w="9525" cap="flat" cmpd="sng" algn="ctr">
+                      <a:solidFill>
+                        <a:srgbClr val="DDDDDD"/>
+                      </a:solidFill>
+                      <a:prstDash val="solid"/>
+                      <a:round/>
+                      <a:headEnd type="none" w="med" len="med"/>
+                      <a:tailEnd type="none" w="med" len="med"/>
+                    </a:lnB>
+                    <a:noFill/>
+                  </a:tcPr>
+                </a:tc>
+                <a:tc>
+                  <a:txBody>
+                    <a:bodyPr/>
+                    <a:lstStyle/>
+                    <a:p>
+                      <a:pPr algn="ctr" fontAlgn="ctr">
+                        <a:lnSpc>
+                          <a:spcPct val="150000"/>
+                        </a:lnSpc>
+                      </a:pPr>
+                      <a:r>
+                        <a:rPr lang="en-US" sz="1600" dirty="0" smtClean="0">
+                          <a:solidFill>
+                            <a:schemeClr val="bg1"/>
+                          </a:solidFill>
+                          <a:effectLst/>
+                          <a:latin typeface="微软雅黑" panose="020B0503020204020204" pitchFamily="34" charset="-122"/>
+                          <a:ea typeface="微软雅黑" panose="020B0503020204020204" pitchFamily="34" charset="-122"/>
+                        </a:rPr>
+                        <a:t>-</a:t>
+                      </a:r>
+                      <a:endParaRPr lang="en-US" sz="1600" dirty="0">
+                        <a:solidFill>
+                          <a:schemeClr val="bg1"/>
+                        </a:solidFill>
+                        <a:effectLst/>
+                        <a:latin typeface="微软雅黑" panose="020B0503020204020204" pitchFamily="34" charset="-122"/>
+                        <a:ea typeface="微软雅黑" panose="020B0503020204020204" pitchFamily="34" charset="-122"/>
+                      </a:endParaRPr>
+                    </a:p>
+                  </a:txBody>
+                  <a:tcPr marL="18100" marR="18100" marT="18100" marB="18100" anchor="ctr">
+                    <a:lnL w="9525" cap="flat" cmpd="sng" algn="ctr">
+                      <a:solidFill>
+                        <a:srgbClr val="DDDDDD"/>
+                      </a:solidFill>
+                      <a:prstDash val="solid"/>
+                      <a:round/>
+                      <a:headEnd type="none" w="med" len="med"/>
+                      <a:tailEnd type="none" w="med" len="med"/>
+                    </a:lnL>
+                    <a:lnR w="9525" cap="flat" cmpd="sng" algn="ctr">
+                      <a:solidFill>
+                        <a:srgbClr val="DDDDDD"/>
+                      </a:solidFill>
+                      <a:prstDash val="solid"/>
+                      <a:round/>
+                      <a:headEnd type="none" w="med" len="med"/>
+                      <a:tailEnd type="none" w="med" len="med"/>
+                    </a:lnR>
+                    <a:lnT w="9525" cap="flat" cmpd="sng" algn="ctr">
+                      <a:solidFill>
+                        <a:srgbClr val="DDDDDD"/>
+                      </a:solidFill>
+                      <a:prstDash val="solid"/>
+                      <a:round/>
+                      <a:headEnd type="none" w="med" len="med"/>
+                      <a:tailEnd type="none" w="med" len="med"/>
+                    </a:lnT>
+                    <a:lnB w="9525" cap="flat" cmpd="sng" algn="ctr">
+                      <a:solidFill>
+                        <a:srgbClr val="DDDDDD"/>
+                      </a:solidFill>
+                      <a:prstDash val="solid"/>
+                      <a:round/>
+                      <a:headEnd type="none" w="med" len="med"/>
+                      <a:tailEnd type="none" w="med" len="med"/>
+                    </a:lnB>
+                    <a:noFill/>
+                  </a:tcPr>
+                </a:tc>
+                <a:extLst>
+                  <a:ext uri="{0D108BD9-81ED-4DB2-BD59-A6C34878D82A}">
+                    <a16:rowId xmlns="" xmlns:a16="http://schemas.microsoft.com/office/drawing/2014/main" val="1172037100"/>
+                  </a:ext>
+                </a:extLst>
+              </a:tr>
+              <a:tr h="546771">
+                <a:tc vMerge="1">
+                  <a:txBody>
+                    <a:bodyPr/>
+                    <a:lstStyle/>
+                    <a:p>
+                      <a:pPr marL="0" algn="ctr" defTabSz="914400" rtl="0" eaLnBrk="1" fontAlgn="ctr" latinLnBrk="0" hangingPunct="1">
+                        <a:lnSpc>
+                          <a:spcPct val="150000"/>
+                        </a:lnSpc>
+                      </a:pPr>
+                      <a:endParaRPr lang="zh-CN" altLang="en-US" sz="1600" b="0" kern="1200" dirty="0">
+                        <a:solidFill>
+                          <a:schemeClr val="bg1"/>
+                        </a:solidFill>
+                        <a:effectLst/>
+                        <a:latin typeface="微软雅黑" panose="020B0503020204020204" pitchFamily="34" charset="-122"/>
+                        <a:ea typeface="微软雅黑" panose="020B0503020204020204" pitchFamily="34" charset="-122"/>
+                        <a:cs typeface="+mn-cs"/>
+                      </a:endParaRPr>
+                    </a:p>
+                  </a:txBody>
+                  <a:tcPr marL="18100" marR="18100" marT="18100" marB="18100" anchor="ctr">
+                    <a:lnL w="9525" cap="flat" cmpd="sng" algn="ctr">
+                      <a:solidFill>
+                        <a:srgbClr val="DDDDDD"/>
+                      </a:solidFill>
+                      <a:prstDash val="solid"/>
+                      <a:round/>
+                      <a:headEnd type="none" w="med" len="med"/>
+                      <a:tailEnd type="none" w="med" len="med"/>
+                    </a:lnL>
+                    <a:lnR w="9525" cap="flat" cmpd="sng" algn="ctr">
+                      <a:solidFill>
+                        <a:srgbClr val="DDDDDD"/>
+                      </a:solidFill>
+                      <a:prstDash val="solid"/>
+                      <a:round/>
+                      <a:headEnd type="none" w="med" len="med"/>
+                      <a:tailEnd type="none" w="med" len="med"/>
+                    </a:lnR>
+                    <a:lnT w="9525" cap="flat" cmpd="sng" algn="ctr">
+                      <a:solidFill>
+                        <a:srgbClr val="DDDDDD"/>
+                      </a:solidFill>
+                      <a:prstDash val="solid"/>
+                      <a:round/>
+                      <a:headEnd type="none" w="med" len="med"/>
+                      <a:tailEnd type="none" w="med" len="med"/>
+                    </a:lnT>
+                    <a:lnB w="9525" cap="flat" cmpd="sng" algn="ctr">
+                      <a:solidFill>
+                        <a:srgbClr val="DDDDDD"/>
+                      </a:solidFill>
+                      <a:prstDash val="solid"/>
+                      <a:round/>
+                      <a:headEnd type="none" w="med" len="med"/>
+                      <a:tailEnd type="none" w="med" len="med"/>
+                    </a:lnB>
+                    <a:solidFill>
+                      <a:schemeClr val="bg1">
+                        <a:lumMod val="50000"/>
+                      </a:schemeClr>
+                    </a:solidFill>
+                  </a:tcPr>
+                </a:tc>
+                <a:tc>
+                  <a:txBody>
+                    <a:bodyPr/>
+                    <a:lstStyle/>
+                    <a:p>
+                      <a:pPr algn="ctr" fontAlgn="ctr">
+                        <a:lnSpc>
+                          <a:spcPct val="150000"/>
+                        </a:lnSpc>
+                      </a:pPr>
+                      <a:r>
+                        <a:rPr lang="en-US" altLang="zh-CN" sz="1600" dirty="0" smtClean="0">
+                          <a:solidFill>
+                            <a:srgbClr val="B9CEFF"/>
+                          </a:solidFill>
+                          <a:effectLst/>
+                          <a:latin typeface="微软雅黑" panose="020B0503020204020204" pitchFamily="34" charset="-122"/>
+                          <a:ea typeface="微软雅黑" panose="020B0503020204020204" pitchFamily="34" charset="-122"/>
+                        </a:rPr>
+                        <a:t>write</a:t>
+                      </a:r>
+                      <a:endParaRPr lang="zh-CN" altLang="en-US" sz="1600" dirty="0">
+                        <a:solidFill>
+                          <a:srgbClr val="B9CEFF"/>
+                        </a:solidFill>
+                        <a:effectLst/>
+                        <a:latin typeface="微软雅黑" panose="020B0503020204020204" pitchFamily="34" charset="-122"/>
+                        <a:ea typeface="微软雅黑" panose="020B0503020204020204" pitchFamily="34" charset="-122"/>
+                      </a:endParaRPr>
+                    </a:p>
+                  </a:txBody>
+                  <a:tcPr marL="18100" marR="18100" marT="18100" marB="18100" anchor="ctr">
+                    <a:lnL w="9525" cap="flat" cmpd="sng" algn="ctr">
+                      <a:solidFill>
+                        <a:srgbClr val="DDDDDD"/>
+                      </a:solidFill>
+                      <a:prstDash val="solid"/>
+                      <a:round/>
+                      <a:headEnd type="none" w="med" len="med"/>
+                      <a:tailEnd type="none" w="med" len="med"/>
+                    </a:lnL>
+                    <a:lnR w="9525" cap="flat" cmpd="sng" algn="ctr">
+                      <a:solidFill>
+                        <a:srgbClr val="DDDDDD"/>
+                      </a:solidFill>
+                      <a:prstDash val="solid"/>
+                      <a:round/>
+                      <a:headEnd type="none" w="med" len="med"/>
+                      <a:tailEnd type="none" w="med" len="med"/>
+                    </a:lnR>
+                    <a:lnT w="9525" cap="flat" cmpd="sng" algn="ctr">
+                      <a:solidFill>
+                        <a:srgbClr val="DDDDDD"/>
+                      </a:solidFill>
+                      <a:prstDash val="solid"/>
+                      <a:round/>
+                      <a:headEnd type="none" w="med" len="med"/>
+                      <a:tailEnd type="none" w="med" len="med"/>
+                    </a:lnT>
+                    <a:lnB w="9525" cap="flat" cmpd="sng" algn="ctr">
+                      <a:solidFill>
+                        <a:srgbClr val="DDDDDD"/>
+                      </a:solidFill>
+                      <a:prstDash val="solid"/>
+                      <a:round/>
+                      <a:headEnd type="none" w="med" len="med"/>
+                      <a:tailEnd type="none" w="med" len="med"/>
+                    </a:lnB>
+                    <a:noFill/>
+                  </a:tcPr>
+                </a:tc>
+                <a:tc>
+                  <a:txBody>
+                    <a:bodyPr/>
+                    <a:lstStyle/>
+                    <a:p>
+                      <a:pPr algn="ctr" fontAlgn="ctr">
+                        <a:lnSpc>
+                          <a:spcPct val="150000"/>
+                        </a:lnSpc>
+                      </a:pPr>
+                      <a:r>
+                        <a:rPr lang="zh-CN" altLang="en-US" sz="1600" dirty="0" smtClean="0">
+                          <a:solidFill>
+                            <a:srgbClr val="B9CEFF"/>
+                          </a:solidFill>
+                          <a:effectLst/>
+                          <a:latin typeface="微软雅黑" panose="020B0503020204020204" pitchFamily="34" charset="-122"/>
+                          <a:ea typeface="微软雅黑" panose="020B0503020204020204" pitchFamily="34" charset="-122"/>
+                        </a:rPr>
+                        <a:t>行排他锁</a:t>
+                      </a:r>
+                      <a:endParaRPr lang="en-US" sz="1600" dirty="0">
+                        <a:solidFill>
+                          <a:srgbClr val="B9CEFF"/>
+                        </a:solidFill>
+                        <a:effectLst/>
+                        <a:latin typeface="微软雅黑" panose="020B0503020204020204" pitchFamily="34" charset="-122"/>
+                        <a:ea typeface="微软雅黑" panose="020B0503020204020204" pitchFamily="34" charset="-122"/>
+                      </a:endParaRPr>
+                    </a:p>
+                  </a:txBody>
+                  <a:tcPr marL="18100" marR="18100" marT="18100" marB="18100" anchor="ctr">
+                    <a:lnL w="9525" cap="flat" cmpd="sng" algn="ctr">
+                      <a:solidFill>
+                        <a:srgbClr val="DDDDDD"/>
+                      </a:solidFill>
+                      <a:prstDash val="solid"/>
+                      <a:round/>
+                      <a:headEnd type="none" w="med" len="med"/>
+                      <a:tailEnd type="none" w="med" len="med"/>
+                    </a:lnL>
+                    <a:lnR w="9525" cap="flat" cmpd="sng" algn="ctr">
+                      <a:solidFill>
+                        <a:srgbClr val="DDDDDD"/>
+                      </a:solidFill>
+                      <a:prstDash val="solid"/>
+                      <a:round/>
+                      <a:headEnd type="none" w="med" len="med"/>
+                      <a:tailEnd type="none" w="med" len="med"/>
+                    </a:lnR>
+                    <a:lnT w="9525" cap="flat" cmpd="sng" algn="ctr">
+                      <a:solidFill>
+                        <a:srgbClr val="DDDDDD"/>
+                      </a:solidFill>
+                      <a:prstDash val="solid"/>
+                      <a:round/>
+                      <a:headEnd type="none" w="med" len="med"/>
+                      <a:tailEnd type="none" w="med" len="med"/>
+                    </a:lnT>
+                    <a:lnB w="9525" cap="flat" cmpd="sng" algn="ctr">
+                      <a:solidFill>
+                        <a:srgbClr val="DDDDDD"/>
+                      </a:solidFill>
+                      <a:prstDash val="solid"/>
+                      <a:round/>
+                      <a:headEnd type="none" w="med" len="med"/>
+                      <a:tailEnd type="none" w="med" len="med"/>
+                    </a:lnB>
+                    <a:noFill/>
+                  </a:tcPr>
+                </a:tc>
+                <a:tc>
+                  <a:txBody>
+                    <a:bodyPr/>
+                    <a:lstStyle/>
+                    <a:p>
+                      <a:pPr algn="ctr" fontAlgn="ctr">
+                        <a:lnSpc>
+                          <a:spcPct val="150000"/>
+                        </a:lnSpc>
+                      </a:pPr>
+                      <a:r>
+                        <a:rPr lang="zh-CN" altLang="en-US" sz="1600" dirty="0" smtClean="0">
+                          <a:solidFill>
+                            <a:srgbClr val="B9CEFF"/>
+                          </a:solidFill>
+                          <a:effectLst/>
+                          <a:latin typeface="微软雅黑" panose="020B0503020204020204" pitchFamily="34" charset="-122"/>
+                          <a:ea typeface="微软雅黑" panose="020B0503020204020204" pitchFamily="34" charset="-122"/>
+                        </a:rPr>
+                        <a:t>立即释放</a:t>
+                      </a:r>
+                      <a:endParaRPr lang="en-US" sz="1600" dirty="0">
+                        <a:solidFill>
+                          <a:srgbClr val="B9CEFF"/>
+                        </a:solidFill>
+                        <a:effectLst/>
+                        <a:latin typeface="微软雅黑" panose="020B0503020204020204" pitchFamily="34" charset="-122"/>
+                        <a:ea typeface="微软雅黑" panose="020B0503020204020204" pitchFamily="34" charset="-122"/>
+                      </a:endParaRPr>
+                    </a:p>
+                  </a:txBody>
+                  <a:tcPr marL="18100" marR="18100" marT="18100" marB="18100" anchor="ctr">
+                    <a:lnL w="9525" cap="flat" cmpd="sng" algn="ctr">
+                      <a:solidFill>
+                        <a:srgbClr val="DDDDDD"/>
+                      </a:solidFill>
+                      <a:prstDash val="solid"/>
+                      <a:round/>
+                      <a:headEnd type="none" w="med" len="med"/>
+                      <a:tailEnd type="none" w="med" len="med"/>
+                    </a:lnL>
+                    <a:lnR w="9525" cap="flat" cmpd="sng" algn="ctr">
+                      <a:solidFill>
+                        <a:srgbClr val="DDDDDD"/>
+                      </a:solidFill>
+                      <a:prstDash val="solid"/>
+                      <a:round/>
+                      <a:headEnd type="none" w="med" len="med"/>
+                      <a:tailEnd type="none" w="med" len="med"/>
+                    </a:lnR>
+                    <a:lnT w="9525" cap="flat" cmpd="sng" algn="ctr">
+                      <a:solidFill>
+                        <a:srgbClr val="DDDDDD"/>
+                      </a:solidFill>
+                      <a:prstDash val="solid"/>
+                      <a:round/>
+                      <a:headEnd type="none" w="med" len="med"/>
+                      <a:tailEnd type="none" w="med" len="med"/>
+                    </a:lnT>
+                    <a:lnB w="9525" cap="flat" cmpd="sng" algn="ctr">
+                      <a:solidFill>
+                        <a:srgbClr val="DDDDDD"/>
+                      </a:solidFill>
+                      <a:prstDash val="solid"/>
+                      <a:round/>
+                      <a:headEnd type="none" w="med" len="med"/>
+                      <a:tailEnd type="none" w="med" len="med"/>
+                    </a:lnB>
+                    <a:noFill/>
+                  </a:tcPr>
+                </a:tc>
+              </a:tr>
+              <a:tr h="546771">
+                <a:tc rowSpan="2">
+                  <a:txBody>
+                    <a:bodyPr/>
+                    <a:lstStyle/>
+                    <a:p>
+                      <a:pPr marL="0" algn="ctr" defTabSz="914400" rtl="0" eaLnBrk="1" fontAlgn="ctr" latinLnBrk="0" hangingPunct="1">
+                        <a:lnSpc>
+                          <a:spcPct val="150000"/>
+                        </a:lnSpc>
+                      </a:pPr>
+                      <a:r>
+                        <a:rPr lang="zh-CN" altLang="en-US" sz="1600" b="0" kern="1200" dirty="0">
+                          <a:solidFill>
+                            <a:schemeClr val="bg1"/>
+                          </a:solidFill>
+                          <a:effectLst/>
+                          <a:latin typeface="微软雅黑" panose="020B0503020204020204" pitchFamily="34" charset="-122"/>
+                          <a:ea typeface="微软雅黑" panose="020B0503020204020204" pitchFamily="34" charset="-122"/>
+                          <a:cs typeface="+mn-cs"/>
+                        </a:rPr>
+                        <a:t>已提交读</a:t>
+                      </a:r>
+                      <a:endParaRPr lang="en-US" altLang="zh-CN" sz="1600" b="0" kern="1200" dirty="0">
+                        <a:solidFill>
+                          <a:schemeClr val="bg1"/>
+                        </a:solidFill>
+                        <a:effectLst/>
+                        <a:latin typeface="微软雅黑" panose="020B0503020204020204" pitchFamily="34" charset="-122"/>
+                        <a:ea typeface="微软雅黑" panose="020B0503020204020204" pitchFamily="34" charset="-122"/>
+                        <a:cs typeface="+mn-cs"/>
+                      </a:endParaRPr>
+                    </a:p>
+                    <a:p>
+                      <a:pPr marL="0" algn="ctr" defTabSz="914400" rtl="0" eaLnBrk="1" fontAlgn="ctr" latinLnBrk="0" hangingPunct="1">
+                        <a:lnSpc>
+                          <a:spcPct val="150000"/>
+                        </a:lnSpc>
+                      </a:pPr>
+                      <a:r>
+                        <a:rPr lang="en-US" altLang="zh-CN" sz="1600" b="0" kern="1200" dirty="0">
+                          <a:solidFill>
+                            <a:schemeClr val="bg1"/>
+                          </a:solidFill>
+                          <a:effectLst/>
+                          <a:latin typeface="微软雅黑" panose="020B0503020204020204" pitchFamily="34" charset="-122"/>
+                          <a:ea typeface="微软雅黑" panose="020B0503020204020204" pitchFamily="34" charset="-122"/>
+                          <a:cs typeface="+mn-cs"/>
+                        </a:rPr>
+                        <a:t>Read committed</a:t>
+                      </a:r>
+                      <a:endParaRPr lang="zh-CN" altLang="en-US" sz="1600" b="0" kern="1200" dirty="0">
+                        <a:solidFill>
+                          <a:schemeClr val="bg1"/>
+                        </a:solidFill>
+                        <a:effectLst/>
+                        <a:latin typeface="微软雅黑" panose="020B0503020204020204" pitchFamily="34" charset="-122"/>
+                        <a:ea typeface="微软雅黑" panose="020B0503020204020204" pitchFamily="34" charset="-122"/>
+                        <a:cs typeface="+mn-cs"/>
+                      </a:endParaRPr>
+                    </a:p>
+                  </a:txBody>
+                  <a:tcPr marL="18100" marR="18100" marT="18100" marB="18100" anchor="ctr">
+                    <a:lnL w="9525" cap="flat" cmpd="sng" algn="ctr">
+                      <a:solidFill>
+                        <a:srgbClr val="DDDDDD"/>
+                      </a:solidFill>
+                      <a:prstDash val="solid"/>
+                      <a:round/>
+                      <a:headEnd type="none" w="med" len="med"/>
+                      <a:tailEnd type="none" w="med" len="med"/>
+                    </a:lnL>
+                    <a:lnR w="9525" cap="flat" cmpd="sng" algn="ctr">
+                      <a:solidFill>
+                        <a:srgbClr val="DDDDDD"/>
+                      </a:solidFill>
+                      <a:prstDash val="solid"/>
+                      <a:round/>
+                      <a:headEnd type="none" w="med" len="med"/>
+                      <a:tailEnd type="none" w="med" len="med"/>
+                    </a:lnR>
+                    <a:lnT w="9525" cap="flat" cmpd="sng" algn="ctr">
+                      <a:solidFill>
+                        <a:srgbClr val="DDDDDD"/>
+                      </a:solidFill>
+                      <a:prstDash val="solid"/>
+                      <a:round/>
+                      <a:headEnd type="none" w="med" len="med"/>
+                      <a:tailEnd type="none" w="med" len="med"/>
+                    </a:lnT>
+                    <a:lnB w="9525" cap="flat" cmpd="sng" algn="ctr">
+                      <a:solidFill>
+                        <a:srgbClr val="DDDDDD"/>
+                      </a:solidFill>
+                      <a:prstDash val="solid"/>
+                      <a:round/>
+                      <a:headEnd type="none" w="med" len="med"/>
+                      <a:tailEnd type="none" w="med" len="med"/>
+                    </a:lnB>
+                    <a:solidFill>
+                      <a:schemeClr val="bg1">
+                        <a:lumMod val="50000"/>
+                      </a:schemeClr>
+                    </a:solidFill>
+                  </a:tcPr>
+                </a:tc>
+                <a:tc>
+                  <a:txBody>
+                    <a:bodyPr/>
+                    <a:lstStyle/>
+                    <a:p>
+                      <a:pPr algn="ctr" fontAlgn="ctr">
+                        <a:lnSpc>
+                          <a:spcPct val="150000"/>
+                        </a:lnSpc>
+                      </a:pPr>
+                      <a:r>
+                        <a:rPr lang="en-US" altLang="zh-CN" sz="1600" dirty="0" smtClean="0">
+                          <a:solidFill>
+                            <a:schemeClr val="bg1"/>
+                          </a:solidFill>
+                          <a:effectLst/>
+                          <a:latin typeface="微软雅黑" panose="020B0503020204020204" pitchFamily="34" charset="-122"/>
+                          <a:ea typeface="微软雅黑" panose="020B0503020204020204" pitchFamily="34" charset="-122"/>
+                        </a:rPr>
+                        <a:t>read</a:t>
+                      </a:r>
+                      <a:endParaRPr lang="zh-CN" altLang="en-US" sz="1600" dirty="0">
+                        <a:solidFill>
+                          <a:schemeClr val="bg1"/>
+                        </a:solidFill>
+                        <a:effectLst/>
+                        <a:latin typeface="微软雅黑" panose="020B0503020204020204" pitchFamily="34" charset="-122"/>
+                        <a:ea typeface="微软雅黑" panose="020B0503020204020204" pitchFamily="34" charset="-122"/>
+                      </a:endParaRPr>
+                    </a:p>
+                  </a:txBody>
+                  <a:tcPr marL="18100" marR="18100" marT="18100" marB="18100" anchor="ctr">
+                    <a:lnL w="9525" cap="flat" cmpd="sng" algn="ctr">
+                      <a:solidFill>
+                        <a:srgbClr val="DDDDDD"/>
+                      </a:solidFill>
+                      <a:prstDash val="solid"/>
+                      <a:round/>
+                      <a:headEnd type="none" w="med" len="med"/>
+                      <a:tailEnd type="none" w="med" len="med"/>
+                    </a:lnL>
+                    <a:lnR w="9525" cap="flat" cmpd="sng" algn="ctr">
+                      <a:solidFill>
+                        <a:srgbClr val="DDDDDD"/>
+                      </a:solidFill>
+                      <a:prstDash val="solid"/>
+                      <a:round/>
+                      <a:headEnd type="none" w="med" len="med"/>
+                      <a:tailEnd type="none" w="med" len="med"/>
+                    </a:lnR>
+                    <a:lnT w="9525" cap="flat" cmpd="sng" algn="ctr">
+                      <a:solidFill>
+                        <a:srgbClr val="DDDDDD"/>
+                      </a:solidFill>
+                      <a:prstDash val="solid"/>
+                      <a:round/>
+                      <a:headEnd type="none" w="med" len="med"/>
+                      <a:tailEnd type="none" w="med" len="med"/>
+                    </a:lnT>
+                    <a:lnB w="9525" cap="flat" cmpd="sng" algn="ctr">
+                      <a:solidFill>
+                        <a:srgbClr val="DDDDDD"/>
+                      </a:solidFill>
+                      <a:prstDash val="solid"/>
+                      <a:round/>
+                      <a:headEnd type="none" w="med" len="med"/>
+                      <a:tailEnd type="none" w="med" len="med"/>
+                    </a:lnB>
+                    <a:noFill/>
+                  </a:tcPr>
+                </a:tc>
+                <a:tc>
+                  <a:txBody>
+                    <a:bodyPr/>
+                    <a:lstStyle/>
+                    <a:p>
+                      <a:pPr algn="ctr" fontAlgn="ctr">
+                        <a:lnSpc>
+                          <a:spcPct val="150000"/>
+                        </a:lnSpc>
+                      </a:pPr>
+                      <a:r>
+                        <a:rPr lang="zh-CN" altLang="en-US" sz="1600" dirty="0" smtClean="0">
+                          <a:solidFill>
+                            <a:schemeClr val="bg1"/>
+                          </a:solidFill>
+                          <a:effectLst/>
+                          <a:latin typeface="微软雅黑" panose="020B0503020204020204" pitchFamily="34" charset="-122"/>
+                          <a:ea typeface="微软雅黑" panose="020B0503020204020204" pitchFamily="34" charset="-122"/>
+                        </a:rPr>
+                        <a:t>行共享锁</a:t>
+                      </a:r>
+                      <a:endParaRPr lang="zh-CN" altLang="en-US" sz="1600" dirty="0">
+                        <a:solidFill>
+                          <a:schemeClr val="bg1"/>
+                        </a:solidFill>
+                        <a:effectLst/>
+                        <a:latin typeface="微软雅黑" panose="020B0503020204020204" pitchFamily="34" charset="-122"/>
+                        <a:ea typeface="微软雅黑" panose="020B0503020204020204" pitchFamily="34" charset="-122"/>
+                      </a:endParaRPr>
+                    </a:p>
+                  </a:txBody>
+                  <a:tcPr marL="18100" marR="18100" marT="18100" marB="18100" anchor="ctr">
+                    <a:lnL w="9525" cap="flat" cmpd="sng" algn="ctr">
+                      <a:solidFill>
+                        <a:srgbClr val="DDDDDD"/>
+                      </a:solidFill>
+                      <a:prstDash val="solid"/>
+                      <a:round/>
+                      <a:headEnd type="none" w="med" len="med"/>
+                      <a:tailEnd type="none" w="med" len="med"/>
+                    </a:lnL>
+                    <a:lnR w="9525" cap="flat" cmpd="sng" algn="ctr">
+                      <a:solidFill>
+                        <a:srgbClr val="DDDDDD"/>
+                      </a:solidFill>
+                      <a:prstDash val="solid"/>
+                      <a:round/>
+                      <a:headEnd type="none" w="med" len="med"/>
+                      <a:tailEnd type="none" w="med" len="med"/>
+                    </a:lnR>
+                    <a:lnT w="9525" cap="flat" cmpd="sng" algn="ctr">
+                      <a:solidFill>
+                        <a:srgbClr val="DDDDDD"/>
+                      </a:solidFill>
+                      <a:prstDash val="solid"/>
+                      <a:round/>
+                      <a:headEnd type="none" w="med" len="med"/>
+                      <a:tailEnd type="none" w="med" len="med"/>
+                    </a:lnT>
+                    <a:lnB w="9525" cap="flat" cmpd="sng" algn="ctr">
+                      <a:solidFill>
+                        <a:srgbClr val="DDDDDD"/>
+                      </a:solidFill>
+                      <a:prstDash val="solid"/>
+                      <a:round/>
+                      <a:headEnd type="none" w="med" len="med"/>
+                      <a:tailEnd type="none" w="med" len="med"/>
+                    </a:lnB>
+                    <a:noFill/>
+                  </a:tcPr>
+                </a:tc>
+                <a:tc>
+                  <a:txBody>
+                    <a:bodyPr/>
+                    <a:lstStyle/>
+                    <a:p>
+                      <a:pPr algn="ctr" fontAlgn="ctr">
+                        <a:lnSpc>
+                          <a:spcPct val="150000"/>
+                        </a:lnSpc>
+                      </a:pPr>
+                      <a:r>
+                        <a:rPr lang="zh-CN" altLang="en-US" sz="1600" dirty="0" smtClean="0">
+                          <a:solidFill>
+                            <a:schemeClr val="bg1"/>
+                          </a:solidFill>
+                          <a:effectLst/>
+                          <a:latin typeface="微软雅黑" panose="020B0503020204020204" pitchFamily="34" charset="-122"/>
+                          <a:ea typeface="微软雅黑" panose="020B0503020204020204" pitchFamily="34" charset="-122"/>
+                        </a:rPr>
+                        <a:t>立即释放</a:t>
+                      </a:r>
+                      <a:endParaRPr lang="zh-CN" altLang="en-US" sz="1600" dirty="0">
+                        <a:solidFill>
+                          <a:schemeClr val="bg1"/>
+                        </a:solidFill>
+                        <a:effectLst/>
+                        <a:latin typeface="微软雅黑" panose="020B0503020204020204" pitchFamily="34" charset="-122"/>
+                        <a:ea typeface="微软雅黑" panose="020B0503020204020204" pitchFamily="34" charset="-122"/>
+                      </a:endParaRPr>
+                    </a:p>
+                  </a:txBody>
+                  <a:tcPr marL="18100" marR="18100" marT="18100" marB="18100" anchor="ctr">
+                    <a:lnL w="9525" cap="flat" cmpd="sng" algn="ctr">
+                      <a:solidFill>
+                        <a:srgbClr val="DDDDDD"/>
+                      </a:solidFill>
+                      <a:prstDash val="solid"/>
+                      <a:round/>
+                      <a:headEnd type="none" w="med" len="med"/>
+                      <a:tailEnd type="none" w="med" len="med"/>
+                    </a:lnL>
+                    <a:lnR w="9525" cap="flat" cmpd="sng" algn="ctr">
+                      <a:solidFill>
+                        <a:srgbClr val="DDDDDD"/>
+                      </a:solidFill>
+                      <a:prstDash val="solid"/>
+                      <a:round/>
+                      <a:headEnd type="none" w="med" len="med"/>
+                      <a:tailEnd type="none" w="med" len="med"/>
+                    </a:lnR>
+                    <a:lnT w="9525" cap="flat" cmpd="sng" algn="ctr">
+                      <a:solidFill>
+                        <a:srgbClr val="DDDDDD"/>
+                      </a:solidFill>
+                      <a:prstDash val="solid"/>
+                      <a:round/>
+                      <a:headEnd type="none" w="med" len="med"/>
+                      <a:tailEnd type="none" w="med" len="med"/>
+                    </a:lnT>
+                    <a:lnB w="9525" cap="flat" cmpd="sng" algn="ctr">
+                      <a:solidFill>
+                        <a:srgbClr val="DDDDDD"/>
+                      </a:solidFill>
+                      <a:prstDash val="solid"/>
+                      <a:round/>
+                      <a:headEnd type="none" w="med" len="med"/>
+                      <a:tailEnd type="none" w="med" len="med"/>
+                    </a:lnB>
+                    <a:noFill/>
+                  </a:tcPr>
+                </a:tc>
+                <a:extLst>
+                  <a:ext uri="{0D108BD9-81ED-4DB2-BD59-A6C34878D82A}">
+                    <a16:rowId xmlns="" xmlns:a16="http://schemas.microsoft.com/office/drawing/2014/main" val="2243676995"/>
+                  </a:ext>
+                </a:extLst>
+              </a:tr>
+              <a:tr h="546771">
+                <a:tc vMerge="1">
+                  <a:txBody>
+                    <a:bodyPr/>
+                    <a:lstStyle/>
+                    <a:p>
+                      <a:pPr marL="0" algn="ctr" defTabSz="914400" rtl="0" eaLnBrk="1" fontAlgn="ctr" latinLnBrk="0" hangingPunct="1">
+                        <a:lnSpc>
+                          <a:spcPct val="150000"/>
+                        </a:lnSpc>
+                      </a:pPr>
+                      <a:endParaRPr lang="zh-CN" altLang="en-US" sz="1600" b="0" kern="1200" dirty="0">
+                        <a:solidFill>
+                          <a:schemeClr val="bg1"/>
+                        </a:solidFill>
+                        <a:effectLst/>
+                        <a:latin typeface="微软雅黑" panose="020B0503020204020204" pitchFamily="34" charset="-122"/>
+                        <a:ea typeface="微软雅黑" panose="020B0503020204020204" pitchFamily="34" charset="-122"/>
+                        <a:cs typeface="+mn-cs"/>
+                      </a:endParaRPr>
+                    </a:p>
+                  </a:txBody>
+                  <a:tcPr marL="18100" marR="18100" marT="18100" marB="18100" anchor="ctr">
+                    <a:lnL w="9525" cap="flat" cmpd="sng" algn="ctr">
+                      <a:solidFill>
+                        <a:srgbClr val="DDDDDD"/>
+                      </a:solidFill>
+                      <a:prstDash val="solid"/>
+                      <a:round/>
+                      <a:headEnd type="none" w="med" len="med"/>
+                      <a:tailEnd type="none" w="med" len="med"/>
+                    </a:lnL>
+                    <a:lnR w="9525" cap="flat" cmpd="sng" algn="ctr">
+                      <a:solidFill>
+                        <a:srgbClr val="DDDDDD"/>
+                      </a:solidFill>
+                      <a:prstDash val="solid"/>
+                      <a:round/>
+                      <a:headEnd type="none" w="med" len="med"/>
+                      <a:tailEnd type="none" w="med" len="med"/>
+                    </a:lnR>
+                    <a:lnT w="9525" cap="flat" cmpd="sng" algn="ctr">
+                      <a:solidFill>
+                        <a:srgbClr val="DDDDDD"/>
+                      </a:solidFill>
+                      <a:prstDash val="solid"/>
+                      <a:round/>
+                      <a:headEnd type="none" w="med" len="med"/>
+                      <a:tailEnd type="none" w="med" len="med"/>
+                    </a:lnT>
+                    <a:lnB w="9525" cap="flat" cmpd="sng" algn="ctr">
+                      <a:solidFill>
+                        <a:srgbClr val="DDDDDD"/>
+                      </a:solidFill>
+                      <a:prstDash val="solid"/>
+                      <a:round/>
+                      <a:headEnd type="none" w="med" len="med"/>
+                      <a:tailEnd type="none" w="med" len="med"/>
+                    </a:lnB>
+                    <a:solidFill>
+                      <a:schemeClr val="bg1">
+                        <a:lumMod val="50000"/>
+                      </a:schemeClr>
+                    </a:solidFill>
+                  </a:tcPr>
+                </a:tc>
+                <a:tc>
+                  <a:txBody>
+                    <a:bodyPr/>
+                    <a:lstStyle/>
+                    <a:p>
+                      <a:pPr algn="ctr" fontAlgn="ctr">
+                        <a:lnSpc>
+                          <a:spcPct val="150000"/>
+                        </a:lnSpc>
+                      </a:pPr>
+                      <a:r>
+                        <a:rPr lang="en-US" altLang="zh-CN" sz="1600" dirty="0" smtClean="0">
+                          <a:solidFill>
+                            <a:srgbClr val="B9CEFF"/>
+                          </a:solidFill>
+                          <a:effectLst/>
+                          <a:latin typeface="微软雅黑" panose="020B0503020204020204" pitchFamily="34" charset="-122"/>
+                          <a:ea typeface="微软雅黑" panose="020B0503020204020204" pitchFamily="34" charset="-122"/>
+                        </a:rPr>
+                        <a:t>write</a:t>
+                      </a:r>
+                      <a:endParaRPr lang="zh-CN" altLang="en-US" sz="1600" dirty="0">
+                        <a:solidFill>
+                          <a:srgbClr val="B9CEFF"/>
+                        </a:solidFill>
+                        <a:effectLst/>
+                        <a:latin typeface="微软雅黑" panose="020B0503020204020204" pitchFamily="34" charset="-122"/>
+                        <a:ea typeface="微软雅黑" panose="020B0503020204020204" pitchFamily="34" charset="-122"/>
+                      </a:endParaRPr>
+                    </a:p>
+                  </a:txBody>
+                  <a:tcPr marL="18100" marR="18100" marT="18100" marB="18100" anchor="ctr">
+                    <a:lnL w="9525" cap="flat" cmpd="sng" algn="ctr">
+                      <a:solidFill>
+                        <a:srgbClr val="DDDDDD"/>
+                      </a:solidFill>
+                      <a:prstDash val="solid"/>
+                      <a:round/>
+                      <a:headEnd type="none" w="med" len="med"/>
+                      <a:tailEnd type="none" w="med" len="med"/>
+                    </a:lnL>
+                    <a:lnR w="9525" cap="flat" cmpd="sng" algn="ctr">
+                      <a:solidFill>
+                        <a:srgbClr val="DDDDDD"/>
+                      </a:solidFill>
+                      <a:prstDash val="solid"/>
+                      <a:round/>
+                      <a:headEnd type="none" w="med" len="med"/>
+                      <a:tailEnd type="none" w="med" len="med"/>
+                    </a:lnR>
+                    <a:lnT w="9525" cap="flat" cmpd="sng" algn="ctr">
+                      <a:solidFill>
+                        <a:srgbClr val="DDDDDD"/>
+                      </a:solidFill>
+                      <a:prstDash val="solid"/>
+                      <a:round/>
+                      <a:headEnd type="none" w="med" len="med"/>
+                      <a:tailEnd type="none" w="med" len="med"/>
+                    </a:lnT>
+                    <a:lnB w="9525" cap="flat" cmpd="sng" algn="ctr">
+                      <a:solidFill>
+                        <a:srgbClr val="DDDDDD"/>
+                      </a:solidFill>
+                      <a:prstDash val="solid"/>
+                      <a:round/>
+                      <a:headEnd type="none" w="med" len="med"/>
+                      <a:tailEnd type="none" w="med" len="med"/>
+                    </a:lnB>
+                    <a:noFill/>
+                  </a:tcPr>
+                </a:tc>
+                <a:tc>
+                  <a:txBody>
+                    <a:bodyPr/>
+                    <a:lstStyle/>
+                    <a:p>
+                      <a:pPr algn="ctr" fontAlgn="ctr">
+                        <a:lnSpc>
+                          <a:spcPct val="150000"/>
+                        </a:lnSpc>
+                      </a:pPr>
+                      <a:r>
+                        <a:rPr lang="zh-CN" altLang="en-US" sz="1600" dirty="0" smtClean="0">
+                          <a:solidFill>
+                            <a:srgbClr val="B9CEFF"/>
+                          </a:solidFill>
+                          <a:effectLst/>
+                          <a:latin typeface="微软雅黑" panose="020B0503020204020204" pitchFamily="34" charset="-122"/>
+                          <a:ea typeface="微软雅黑" panose="020B0503020204020204" pitchFamily="34" charset="-122"/>
+                        </a:rPr>
+                        <a:t>行排他锁</a:t>
+                      </a:r>
+                      <a:endParaRPr lang="zh-CN" altLang="en-US" sz="1600" dirty="0">
+                        <a:solidFill>
+                          <a:srgbClr val="B9CEFF"/>
+                        </a:solidFill>
+                        <a:effectLst/>
+                        <a:latin typeface="微软雅黑" panose="020B0503020204020204" pitchFamily="34" charset="-122"/>
+                        <a:ea typeface="微软雅黑" panose="020B0503020204020204" pitchFamily="34" charset="-122"/>
+                      </a:endParaRPr>
+                    </a:p>
+                  </a:txBody>
+                  <a:tcPr marL="18100" marR="18100" marT="18100" marB="18100" anchor="ctr">
+                    <a:lnL w="9525" cap="flat" cmpd="sng" algn="ctr">
+                      <a:solidFill>
+                        <a:srgbClr val="DDDDDD"/>
+                      </a:solidFill>
+                      <a:prstDash val="solid"/>
+                      <a:round/>
+                      <a:headEnd type="none" w="med" len="med"/>
+                      <a:tailEnd type="none" w="med" len="med"/>
+                    </a:lnL>
+                    <a:lnR w="9525" cap="flat" cmpd="sng" algn="ctr">
+                      <a:solidFill>
+                        <a:srgbClr val="DDDDDD"/>
+                      </a:solidFill>
+                      <a:prstDash val="solid"/>
+                      <a:round/>
+                      <a:headEnd type="none" w="med" len="med"/>
+                      <a:tailEnd type="none" w="med" len="med"/>
+                    </a:lnR>
+                    <a:lnT w="9525" cap="flat" cmpd="sng" algn="ctr">
+                      <a:solidFill>
+                        <a:srgbClr val="DDDDDD"/>
+                      </a:solidFill>
+                      <a:prstDash val="solid"/>
+                      <a:round/>
+                      <a:headEnd type="none" w="med" len="med"/>
+                      <a:tailEnd type="none" w="med" len="med"/>
+                    </a:lnT>
+                    <a:lnB w="9525" cap="flat" cmpd="sng" algn="ctr">
+                      <a:solidFill>
+                        <a:srgbClr val="DDDDDD"/>
+                      </a:solidFill>
+                      <a:prstDash val="solid"/>
+                      <a:round/>
+                      <a:headEnd type="none" w="med" len="med"/>
+                      <a:tailEnd type="none" w="med" len="med"/>
+                    </a:lnB>
+                    <a:noFill/>
+                  </a:tcPr>
+                </a:tc>
+                <a:tc>
+                  <a:txBody>
+                    <a:bodyPr/>
+                    <a:lstStyle/>
+                    <a:p>
+                      <a:pPr algn="ctr" fontAlgn="ctr">
+                        <a:lnSpc>
+                          <a:spcPct val="150000"/>
+                        </a:lnSpc>
+                      </a:pPr>
+                      <a:r>
+                        <a:rPr lang="zh-CN" altLang="en-US" sz="1600" dirty="0" smtClean="0">
+                          <a:solidFill>
+                            <a:srgbClr val="B9CEFF"/>
+                          </a:solidFill>
+                          <a:effectLst/>
+                          <a:latin typeface="微软雅黑" panose="020B0503020204020204" pitchFamily="34" charset="-122"/>
+                          <a:ea typeface="微软雅黑" panose="020B0503020204020204" pitchFamily="34" charset="-122"/>
+                        </a:rPr>
+                        <a:t>事务结束</a:t>
+                      </a:r>
+                      <a:endParaRPr lang="zh-CN" altLang="en-US" sz="1600" dirty="0">
+                        <a:solidFill>
+                          <a:srgbClr val="B9CEFF"/>
+                        </a:solidFill>
+                        <a:effectLst/>
+                        <a:latin typeface="微软雅黑" panose="020B0503020204020204" pitchFamily="34" charset="-122"/>
+                        <a:ea typeface="微软雅黑" panose="020B0503020204020204" pitchFamily="34" charset="-122"/>
+                      </a:endParaRPr>
+                    </a:p>
+                  </a:txBody>
+                  <a:tcPr marL="18100" marR="18100" marT="18100" marB="18100" anchor="ctr">
+                    <a:lnL w="9525" cap="flat" cmpd="sng" algn="ctr">
+                      <a:solidFill>
+                        <a:srgbClr val="DDDDDD"/>
+                      </a:solidFill>
+                      <a:prstDash val="solid"/>
+                      <a:round/>
+                      <a:headEnd type="none" w="med" len="med"/>
+                      <a:tailEnd type="none" w="med" len="med"/>
+                    </a:lnL>
+                    <a:lnR w="9525" cap="flat" cmpd="sng" algn="ctr">
+                      <a:solidFill>
+                        <a:srgbClr val="DDDDDD"/>
+                      </a:solidFill>
+                      <a:prstDash val="solid"/>
+                      <a:round/>
+                      <a:headEnd type="none" w="med" len="med"/>
+                      <a:tailEnd type="none" w="med" len="med"/>
+                    </a:lnR>
+                    <a:lnT w="9525" cap="flat" cmpd="sng" algn="ctr">
+                      <a:solidFill>
+                        <a:srgbClr val="DDDDDD"/>
+                      </a:solidFill>
+                      <a:prstDash val="solid"/>
+                      <a:round/>
+                      <a:headEnd type="none" w="med" len="med"/>
+                      <a:tailEnd type="none" w="med" len="med"/>
+                    </a:lnT>
+                    <a:lnB w="9525" cap="flat" cmpd="sng" algn="ctr">
+                      <a:solidFill>
+                        <a:srgbClr val="DDDDDD"/>
+                      </a:solidFill>
+                      <a:prstDash val="solid"/>
+                      <a:round/>
+                      <a:headEnd type="none" w="med" len="med"/>
+                      <a:tailEnd type="none" w="med" len="med"/>
+                    </a:lnB>
+                    <a:noFill/>
+                  </a:tcPr>
+                </a:tc>
+              </a:tr>
+              <a:tr h="546771">
+                <a:tc rowSpan="2">
+                  <a:txBody>
+                    <a:bodyPr/>
+                    <a:lstStyle/>
+                    <a:p>
+                      <a:pPr marL="0" algn="ctr" defTabSz="914400" rtl="0" eaLnBrk="1" fontAlgn="ctr" latinLnBrk="0" hangingPunct="1">
+                        <a:lnSpc>
+                          <a:spcPct val="150000"/>
+                        </a:lnSpc>
+                      </a:pPr>
+                      <a:r>
+                        <a:rPr lang="zh-CN" altLang="en-US" sz="1600" b="0" kern="1200" dirty="0">
+                          <a:solidFill>
+                            <a:schemeClr val="bg1"/>
+                          </a:solidFill>
+                          <a:effectLst/>
+                          <a:latin typeface="微软雅黑" panose="020B0503020204020204" pitchFamily="34" charset="-122"/>
+                          <a:ea typeface="微软雅黑" panose="020B0503020204020204" pitchFamily="34" charset="-122"/>
+                          <a:cs typeface="+mn-cs"/>
+                        </a:rPr>
+                        <a:t>可重复读</a:t>
+                      </a:r>
+                      <a:endParaRPr lang="en-US" altLang="zh-CN" sz="1600" b="0" kern="1200" dirty="0">
+                        <a:solidFill>
+                          <a:schemeClr val="bg1"/>
+                        </a:solidFill>
+                        <a:effectLst/>
+                        <a:latin typeface="微软雅黑" panose="020B0503020204020204" pitchFamily="34" charset="-122"/>
+                        <a:ea typeface="微软雅黑" panose="020B0503020204020204" pitchFamily="34" charset="-122"/>
+                        <a:cs typeface="+mn-cs"/>
+                      </a:endParaRPr>
+                    </a:p>
+                    <a:p>
+                      <a:pPr marL="0" algn="ctr" defTabSz="914400" rtl="0" eaLnBrk="1" fontAlgn="ctr" latinLnBrk="0" hangingPunct="1">
+                        <a:lnSpc>
+                          <a:spcPct val="150000"/>
+                        </a:lnSpc>
+                      </a:pPr>
+                      <a:r>
+                        <a:rPr lang="en-US" altLang="zh-CN" sz="1600" b="0" kern="1200" dirty="0">
+                          <a:solidFill>
+                            <a:schemeClr val="bg1"/>
+                          </a:solidFill>
+                          <a:effectLst/>
+                          <a:latin typeface="微软雅黑" panose="020B0503020204020204" pitchFamily="34" charset="-122"/>
+                          <a:ea typeface="微软雅黑" panose="020B0503020204020204" pitchFamily="34" charset="-122"/>
+                          <a:cs typeface="+mn-cs"/>
+                        </a:rPr>
+                        <a:t>Repeatable read</a:t>
+                      </a:r>
+                      <a:endParaRPr lang="en-US" sz="1600" b="0" kern="1200" dirty="0">
+                        <a:solidFill>
+                          <a:schemeClr val="bg1"/>
+                        </a:solidFill>
+                        <a:effectLst/>
+                        <a:latin typeface="微软雅黑" panose="020B0503020204020204" pitchFamily="34" charset="-122"/>
+                        <a:ea typeface="微软雅黑" panose="020B0503020204020204" pitchFamily="34" charset="-122"/>
+                        <a:cs typeface="+mn-cs"/>
+                      </a:endParaRPr>
+                    </a:p>
+                  </a:txBody>
+                  <a:tcPr marL="18100" marR="18100" marT="18100" marB="18100" anchor="ctr">
+                    <a:lnL w="9525" cap="flat" cmpd="sng" algn="ctr">
+                      <a:solidFill>
+                        <a:srgbClr val="DDDDDD"/>
+                      </a:solidFill>
+                      <a:prstDash val="solid"/>
+                      <a:round/>
+                      <a:headEnd type="none" w="med" len="med"/>
+                      <a:tailEnd type="none" w="med" len="med"/>
+                    </a:lnL>
+                    <a:lnR w="9525" cap="flat" cmpd="sng" algn="ctr">
+                      <a:solidFill>
+                        <a:srgbClr val="DDDDDD"/>
+                      </a:solidFill>
+                      <a:prstDash val="solid"/>
+                      <a:round/>
+                      <a:headEnd type="none" w="med" len="med"/>
+                      <a:tailEnd type="none" w="med" len="med"/>
+                    </a:lnR>
+                    <a:lnT w="9525" cap="flat" cmpd="sng" algn="ctr">
+                      <a:solidFill>
+                        <a:srgbClr val="DDDDDD"/>
+                      </a:solidFill>
+                      <a:prstDash val="solid"/>
+                      <a:round/>
+                      <a:headEnd type="none" w="med" len="med"/>
+                      <a:tailEnd type="none" w="med" len="med"/>
+                    </a:lnT>
+                    <a:lnB w="9525" cap="flat" cmpd="sng" algn="ctr">
+                      <a:solidFill>
+                        <a:srgbClr val="DDDDDD"/>
+                      </a:solidFill>
+                      <a:prstDash val="solid"/>
+                      <a:round/>
+                      <a:headEnd type="none" w="med" len="med"/>
+                      <a:tailEnd type="none" w="med" len="med"/>
+                    </a:lnB>
+                    <a:solidFill>
+                      <a:schemeClr val="bg1">
+                        <a:lumMod val="50000"/>
+                      </a:schemeClr>
+                    </a:solidFill>
+                  </a:tcPr>
+                </a:tc>
+                <a:tc>
+                  <a:txBody>
+                    <a:bodyPr/>
+                    <a:lstStyle/>
+                    <a:p>
+                      <a:pPr algn="ctr" fontAlgn="ctr">
+                        <a:lnSpc>
+                          <a:spcPct val="150000"/>
+                        </a:lnSpc>
+                      </a:pPr>
+                      <a:r>
+                        <a:rPr lang="en-US" altLang="zh-CN" sz="1600" dirty="0" smtClean="0">
+                          <a:solidFill>
+                            <a:schemeClr val="bg1"/>
+                          </a:solidFill>
+                          <a:effectLst/>
+                          <a:latin typeface="微软雅黑" panose="020B0503020204020204" pitchFamily="34" charset="-122"/>
+                          <a:ea typeface="微软雅黑" panose="020B0503020204020204" pitchFamily="34" charset="-122"/>
+                        </a:rPr>
+                        <a:t>read</a:t>
+                      </a:r>
+                      <a:endParaRPr lang="en-US" sz="1600" dirty="0">
+                        <a:solidFill>
+                          <a:schemeClr val="bg1"/>
+                        </a:solidFill>
+                        <a:effectLst/>
+                        <a:latin typeface="微软雅黑" panose="020B0503020204020204" pitchFamily="34" charset="-122"/>
+                        <a:ea typeface="微软雅黑" panose="020B0503020204020204" pitchFamily="34" charset="-122"/>
+                      </a:endParaRPr>
+                    </a:p>
+                  </a:txBody>
+                  <a:tcPr marL="18100" marR="18100" marT="18100" marB="18100" anchor="ctr">
+                    <a:lnL w="9525" cap="flat" cmpd="sng" algn="ctr">
+                      <a:solidFill>
+                        <a:srgbClr val="DDDDDD"/>
+                      </a:solidFill>
+                      <a:prstDash val="solid"/>
+                      <a:round/>
+                      <a:headEnd type="none" w="med" len="med"/>
+                      <a:tailEnd type="none" w="med" len="med"/>
+                    </a:lnL>
+                    <a:lnR w="9525" cap="flat" cmpd="sng" algn="ctr">
+                      <a:solidFill>
+                        <a:srgbClr val="DDDDDD"/>
+                      </a:solidFill>
+                      <a:prstDash val="solid"/>
+                      <a:round/>
+                      <a:headEnd type="none" w="med" len="med"/>
+                      <a:tailEnd type="none" w="med" len="med"/>
+                    </a:lnR>
+                    <a:lnT w="9525" cap="flat" cmpd="sng" algn="ctr">
+                      <a:solidFill>
+                        <a:srgbClr val="DDDDDD"/>
+                      </a:solidFill>
+                      <a:prstDash val="solid"/>
+                      <a:round/>
+                      <a:headEnd type="none" w="med" len="med"/>
+                      <a:tailEnd type="none" w="med" len="med"/>
+                    </a:lnT>
+                    <a:lnB w="9525" cap="flat" cmpd="sng" algn="ctr">
+                      <a:solidFill>
+                        <a:srgbClr val="DDDDDD"/>
+                      </a:solidFill>
+                      <a:prstDash val="solid"/>
+                      <a:round/>
+                      <a:headEnd type="none" w="med" len="med"/>
+                      <a:tailEnd type="none" w="med" len="med"/>
+                    </a:lnB>
+                    <a:noFill/>
+                  </a:tcPr>
+                </a:tc>
+                <a:tc>
+                  <a:txBody>
+                    <a:bodyPr/>
+                    <a:lstStyle/>
+                    <a:p>
+                      <a:pPr marL="0" marR="0" lvl="0" indent="0" algn="ctr" defTabSz="914400" rtl="0" eaLnBrk="1" fontAlgn="ctr" latinLnBrk="0" hangingPunct="1">
+                        <a:lnSpc>
+                          <a:spcPct val="150000"/>
+                        </a:lnSpc>
+                        <a:spcBef>
+                          <a:spcPts val="0"/>
+                        </a:spcBef>
+                        <a:spcAft>
+                          <a:spcPts val="0"/>
+                        </a:spcAft>
+                        <a:buClrTx/>
+                        <a:buSzTx/>
+                        <a:buFontTx/>
+                        <a:buNone/>
+                        <a:tabLst/>
+                        <a:defRPr/>
+                      </a:pPr>
+                      <a:r>
+                        <a:rPr lang="zh-CN" altLang="en-US" sz="1600" dirty="0" smtClean="0">
+                          <a:solidFill>
+                            <a:schemeClr val="bg1"/>
+                          </a:solidFill>
+                          <a:effectLst/>
+                          <a:latin typeface="微软雅黑" panose="020B0503020204020204" pitchFamily="34" charset="-122"/>
+                          <a:ea typeface="微软雅黑" panose="020B0503020204020204" pitchFamily="34" charset="-122"/>
+                        </a:rPr>
+                        <a:t>行共享锁</a:t>
+                      </a:r>
+                    </a:p>
+                  </a:txBody>
+                  <a:tcPr marL="18100" marR="18100" marT="18100" marB="18100" anchor="ctr">
+                    <a:lnL w="9525" cap="flat" cmpd="sng" algn="ctr">
+                      <a:solidFill>
+                        <a:srgbClr val="DDDDDD"/>
+                      </a:solidFill>
+                      <a:prstDash val="solid"/>
+                      <a:round/>
+                      <a:headEnd type="none" w="med" len="med"/>
+                      <a:tailEnd type="none" w="med" len="med"/>
+                    </a:lnL>
+                    <a:lnR w="9525" cap="flat" cmpd="sng" algn="ctr">
+                      <a:solidFill>
+                        <a:srgbClr val="DDDDDD"/>
+                      </a:solidFill>
+                      <a:prstDash val="solid"/>
+                      <a:round/>
+                      <a:headEnd type="none" w="med" len="med"/>
+                      <a:tailEnd type="none" w="med" len="med"/>
+                    </a:lnR>
+                    <a:lnT w="9525" cap="flat" cmpd="sng" algn="ctr">
+                      <a:solidFill>
+                        <a:srgbClr val="DDDDDD"/>
+                      </a:solidFill>
+                      <a:prstDash val="solid"/>
+                      <a:round/>
+                      <a:headEnd type="none" w="med" len="med"/>
+                      <a:tailEnd type="none" w="med" len="med"/>
+                    </a:lnT>
+                    <a:lnB w="9525" cap="flat" cmpd="sng" algn="ctr">
+                      <a:solidFill>
+                        <a:srgbClr val="DDDDDD"/>
+                      </a:solidFill>
+                      <a:prstDash val="solid"/>
+                      <a:round/>
+                      <a:headEnd type="none" w="med" len="med"/>
+                      <a:tailEnd type="none" w="med" len="med"/>
+                    </a:lnB>
+                    <a:noFill/>
+                  </a:tcPr>
+                </a:tc>
+                <a:tc>
+                  <a:txBody>
+                    <a:bodyPr/>
+                    <a:lstStyle/>
+                    <a:p>
+                      <a:pPr marL="0" marR="0" lvl="0" indent="0" algn="ctr" defTabSz="914400" rtl="0" eaLnBrk="1" fontAlgn="ctr" latinLnBrk="0" hangingPunct="1">
+                        <a:lnSpc>
+                          <a:spcPct val="150000"/>
+                        </a:lnSpc>
+                        <a:spcBef>
+                          <a:spcPts val="0"/>
+                        </a:spcBef>
+                        <a:spcAft>
+                          <a:spcPts val="0"/>
+                        </a:spcAft>
+                        <a:buClrTx/>
+                        <a:buSzTx/>
+                        <a:buFontTx/>
+                        <a:buNone/>
+                        <a:tabLst/>
+                        <a:defRPr/>
+                      </a:pPr>
+                      <a:r>
+                        <a:rPr lang="zh-CN" altLang="en-US" sz="1600" kern="1200" dirty="0" smtClean="0">
+                          <a:solidFill>
+                            <a:schemeClr val="bg1"/>
+                          </a:solidFill>
+                          <a:effectLst/>
+                          <a:latin typeface="微软雅黑" panose="020B0503020204020204" pitchFamily="34" charset="-122"/>
+                          <a:ea typeface="微软雅黑" panose="020B0503020204020204" pitchFamily="34" charset="-122"/>
+                          <a:cs typeface="+mn-cs"/>
+                        </a:rPr>
+                        <a:t>事务结束</a:t>
+                      </a:r>
+                    </a:p>
+                  </a:txBody>
+                  <a:tcPr marL="18100" marR="18100" marT="18100" marB="18100" anchor="ctr">
+                    <a:lnL w="9525" cap="flat" cmpd="sng" algn="ctr">
+                      <a:solidFill>
+                        <a:srgbClr val="DDDDDD"/>
+                      </a:solidFill>
+                      <a:prstDash val="solid"/>
+                      <a:round/>
+                      <a:headEnd type="none" w="med" len="med"/>
+                      <a:tailEnd type="none" w="med" len="med"/>
+                    </a:lnL>
+                    <a:lnR w="9525" cap="flat" cmpd="sng" algn="ctr">
+                      <a:solidFill>
+                        <a:srgbClr val="DDDDDD"/>
+                      </a:solidFill>
+                      <a:prstDash val="solid"/>
+                      <a:round/>
+                      <a:headEnd type="none" w="med" len="med"/>
+                      <a:tailEnd type="none" w="med" len="med"/>
+                    </a:lnR>
+                    <a:lnT w="9525" cap="flat" cmpd="sng" algn="ctr">
+                      <a:solidFill>
+                        <a:srgbClr val="DDDDDD"/>
+                      </a:solidFill>
+                      <a:prstDash val="solid"/>
+                      <a:round/>
+                      <a:headEnd type="none" w="med" len="med"/>
+                      <a:tailEnd type="none" w="med" len="med"/>
+                    </a:lnT>
+                    <a:lnB w="9525" cap="flat" cmpd="sng" algn="ctr">
+                      <a:solidFill>
+                        <a:srgbClr val="DDDDDD"/>
+                      </a:solidFill>
+                      <a:prstDash val="solid"/>
+                      <a:round/>
+                      <a:headEnd type="none" w="med" len="med"/>
+                      <a:tailEnd type="none" w="med" len="med"/>
+                    </a:lnB>
+                    <a:noFill/>
+                  </a:tcPr>
+                </a:tc>
+                <a:extLst>
+                  <a:ext uri="{0D108BD9-81ED-4DB2-BD59-A6C34878D82A}">
+                    <a16:rowId xmlns="" xmlns:a16="http://schemas.microsoft.com/office/drawing/2014/main" val="4256870296"/>
+                  </a:ext>
+                </a:extLst>
+              </a:tr>
+              <a:tr h="546771">
+                <a:tc vMerge="1">
+                  <a:txBody>
+                    <a:bodyPr/>
+                    <a:lstStyle/>
+                    <a:p>
+                      <a:pPr marL="0" algn="ctr" defTabSz="914400" rtl="0" eaLnBrk="1" fontAlgn="ctr" latinLnBrk="0" hangingPunct="1">
+                        <a:lnSpc>
+                          <a:spcPct val="150000"/>
+                        </a:lnSpc>
+                      </a:pPr>
+                      <a:endParaRPr lang="en-US" sz="1600" b="0" kern="1200" dirty="0">
+                        <a:solidFill>
+                          <a:schemeClr val="bg1"/>
+                        </a:solidFill>
+                        <a:effectLst/>
+                        <a:latin typeface="微软雅黑" panose="020B0503020204020204" pitchFamily="34" charset="-122"/>
+                        <a:ea typeface="微软雅黑" panose="020B0503020204020204" pitchFamily="34" charset="-122"/>
+                        <a:cs typeface="+mn-cs"/>
+                      </a:endParaRPr>
+                    </a:p>
+                  </a:txBody>
+                  <a:tcPr marL="18100" marR="18100" marT="18100" marB="18100" anchor="ctr">
+                    <a:lnL w="9525" cap="flat" cmpd="sng" algn="ctr">
+                      <a:solidFill>
+                        <a:srgbClr val="DDDDDD"/>
+                      </a:solidFill>
+                      <a:prstDash val="solid"/>
+                      <a:round/>
+                      <a:headEnd type="none" w="med" len="med"/>
+                      <a:tailEnd type="none" w="med" len="med"/>
+                    </a:lnL>
+                    <a:lnR w="9525" cap="flat" cmpd="sng" algn="ctr">
+                      <a:solidFill>
+                        <a:srgbClr val="DDDDDD"/>
+                      </a:solidFill>
+                      <a:prstDash val="solid"/>
+                      <a:round/>
+                      <a:headEnd type="none" w="med" len="med"/>
+                      <a:tailEnd type="none" w="med" len="med"/>
+                    </a:lnR>
+                    <a:lnT w="9525" cap="flat" cmpd="sng" algn="ctr">
+                      <a:solidFill>
+                        <a:srgbClr val="DDDDDD"/>
+                      </a:solidFill>
+                      <a:prstDash val="solid"/>
+                      <a:round/>
+                      <a:headEnd type="none" w="med" len="med"/>
+                      <a:tailEnd type="none" w="med" len="med"/>
+                    </a:lnT>
+                    <a:lnB w="9525" cap="flat" cmpd="sng" algn="ctr">
+                      <a:solidFill>
+                        <a:srgbClr val="DDDDDD"/>
+                      </a:solidFill>
+                      <a:prstDash val="solid"/>
+                      <a:round/>
+                      <a:headEnd type="none" w="med" len="med"/>
+                      <a:tailEnd type="none" w="med" len="med"/>
+                    </a:lnB>
+                    <a:solidFill>
+                      <a:schemeClr val="bg1">
+                        <a:lumMod val="50000"/>
+                      </a:schemeClr>
+                    </a:solidFill>
+                  </a:tcPr>
+                </a:tc>
+                <a:tc>
+                  <a:txBody>
+                    <a:bodyPr/>
+                    <a:lstStyle/>
+                    <a:p>
+                      <a:pPr algn="ctr" fontAlgn="ctr">
+                        <a:lnSpc>
+                          <a:spcPct val="150000"/>
+                        </a:lnSpc>
+                      </a:pPr>
+                      <a:r>
+                        <a:rPr lang="en-US" altLang="zh-CN" sz="1600" dirty="0" smtClean="0">
+                          <a:solidFill>
+                            <a:srgbClr val="B9CEFF"/>
+                          </a:solidFill>
+                          <a:effectLst/>
+                          <a:latin typeface="微软雅黑" panose="020B0503020204020204" pitchFamily="34" charset="-122"/>
+                          <a:ea typeface="微软雅黑" panose="020B0503020204020204" pitchFamily="34" charset="-122"/>
+                        </a:rPr>
+                        <a:t>write</a:t>
+                      </a:r>
+                      <a:endParaRPr lang="zh-CN" altLang="en-US" sz="1600" dirty="0">
+                        <a:solidFill>
+                          <a:srgbClr val="B9CEFF"/>
+                        </a:solidFill>
+                        <a:effectLst/>
+                        <a:latin typeface="微软雅黑" panose="020B0503020204020204" pitchFamily="34" charset="-122"/>
+                        <a:ea typeface="微软雅黑" panose="020B0503020204020204" pitchFamily="34" charset="-122"/>
+                      </a:endParaRPr>
+                    </a:p>
+                  </a:txBody>
+                  <a:tcPr marL="18100" marR="18100" marT="18100" marB="18100" anchor="ctr">
+                    <a:lnL w="9525" cap="flat" cmpd="sng" algn="ctr">
+                      <a:solidFill>
+                        <a:srgbClr val="DDDDDD"/>
+                      </a:solidFill>
+                      <a:prstDash val="solid"/>
+                      <a:round/>
+                      <a:headEnd type="none" w="med" len="med"/>
+                      <a:tailEnd type="none" w="med" len="med"/>
+                    </a:lnL>
+                    <a:lnR w="9525" cap="flat" cmpd="sng" algn="ctr">
+                      <a:solidFill>
+                        <a:srgbClr val="DDDDDD"/>
+                      </a:solidFill>
+                      <a:prstDash val="solid"/>
+                      <a:round/>
+                      <a:headEnd type="none" w="med" len="med"/>
+                      <a:tailEnd type="none" w="med" len="med"/>
+                    </a:lnR>
+                    <a:lnT w="9525" cap="flat" cmpd="sng" algn="ctr">
+                      <a:solidFill>
+                        <a:srgbClr val="DDDDDD"/>
+                      </a:solidFill>
+                      <a:prstDash val="solid"/>
+                      <a:round/>
+                      <a:headEnd type="none" w="med" len="med"/>
+                      <a:tailEnd type="none" w="med" len="med"/>
+                    </a:lnT>
+                    <a:lnB w="9525" cap="flat" cmpd="sng" algn="ctr">
+                      <a:solidFill>
+                        <a:srgbClr val="DDDDDD"/>
+                      </a:solidFill>
+                      <a:prstDash val="solid"/>
+                      <a:round/>
+                      <a:headEnd type="none" w="med" len="med"/>
+                      <a:tailEnd type="none" w="med" len="med"/>
+                    </a:lnB>
+                    <a:noFill/>
+                  </a:tcPr>
+                </a:tc>
+                <a:tc>
+                  <a:txBody>
+                    <a:bodyPr/>
+                    <a:lstStyle/>
+                    <a:p>
+                      <a:pPr algn="ctr" fontAlgn="ctr">
+                        <a:lnSpc>
+                          <a:spcPct val="150000"/>
+                        </a:lnSpc>
+                      </a:pPr>
+                      <a:r>
+                        <a:rPr lang="zh-CN" altLang="en-US" sz="1600" dirty="0" smtClean="0">
+                          <a:solidFill>
+                            <a:srgbClr val="B9CEFF"/>
+                          </a:solidFill>
+                          <a:effectLst/>
+                          <a:latin typeface="微软雅黑" panose="020B0503020204020204" pitchFamily="34" charset="-122"/>
+                          <a:ea typeface="微软雅黑" panose="020B0503020204020204" pitchFamily="34" charset="-122"/>
+                        </a:rPr>
+                        <a:t>行排他</a:t>
+                      </a:r>
+                      <a:r>
+                        <a:rPr lang="zh-CN" altLang="en-US" sz="1600" dirty="0" smtClean="0">
+                          <a:solidFill>
+                            <a:srgbClr val="B9CEFF"/>
+                          </a:solidFill>
+                          <a:effectLst/>
+                          <a:latin typeface="微软雅黑" panose="020B0503020204020204" pitchFamily="34" charset="-122"/>
+                          <a:ea typeface="微软雅黑" panose="020B0503020204020204" pitchFamily="34" charset="-122"/>
+                        </a:rPr>
+                        <a:t>锁</a:t>
+                      </a:r>
+                      <a:endParaRPr lang="zh-CN" altLang="en-US" sz="1600" dirty="0">
+                        <a:solidFill>
+                          <a:srgbClr val="B9CEFF"/>
+                        </a:solidFill>
+                        <a:effectLst/>
+                        <a:latin typeface="微软雅黑" panose="020B0503020204020204" pitchFamily="34" charset="-122"/>
+                        <a:ea typeface="微软雅黑" panose="020B0503020204020204" pitchFamily="34" charset="-122"/>
+                      </a:endParaRPr>
+                    </a:p>
+                  </a:txBody>
+                  <a:tcPr marL="18100" marR="18100" marT="18100" marB="18100" anchor="ctr">
+                    <a:lnL w="9525" cap="flat" cmpd="sng" algn="ctr">
+                      <a:solidFill>
+                        <a:srgbClr val="DDDDDD"/>
+                      </a:solidFill>
+                      <a:prstDash val="solid"/>
+                      <a:round/>
+                      <a:headEnd type="none" w="med" len="med"/>
+                      <a:tailEnd type="none" w="med" len="med"/>
+                    </a:lnL>
+                    <a:lnR w="9525" cap="flat" cmpd="sng" algn="ctr">
+                      <a:solidFill>
+                        <a:srgbClr val="DDDDDD"/>
+                      </a:solidFill>
+                      <a:prstDash val="solid"/>
+                      <a:round/>
+                      <a:headEnd type="none" w="med" len="med"/>
+                      <a:tailEnd type="none" w="med" len="med"/>
+                    </a:lnR>
+                    <a:lnT w="9525" cap="flat" cmpd="sng" algn="ctr">
+                      <a:solidFill>
+                        <a:srgbClr val="DDDDDD"/>
+                      </a:solidFill>
+                      <a:prstDash val="solid"/>
+                      <a:round/>
+                      <a:headEnd type="none" w="med" len="med"/>
+                      <a:tailEnd type="none" w="med" len="med"/>
+                    </a:lnT>
+                    <a:lnB w="9525" cap="flat" cmpd="sng" algn="ctr">
+                      <a:solidFill>
+                        <a:srgbClr val="DDDDDD"/>
+                      </a:solidFill>
+                      <a:prstDash val="solid"/>
+                      <a:round/>
+                      <a:headEnd type="none" w="med" len="med"/>
+                      <a:tailEnd type="none" w="med" len="med"/>
+                    </a:lnB>
+                    <a:noFill/>
+                  </a:tcPr>
+                </a:tc>
+                <a:tc>
+                  <a:txBody>
+                    <a:bodyPr/>
+                    <a:lstStyle/>
+                    <a:p>
+                      <a:pPr algn="ctr" fontAlgn="ctr">
+                        <a:lnSpc>
+                          <a:spcPct val="150000"/>
+                        </a:lnSpc>
+                      </a:pPr>
+                      <a:r>
+                        <a:rPr lang="zh-CN" altLang="en-US" sz="1600" dirty="0" smtClean="0">
+                          <a:solidFill>
+                            <a:srgbClr val="B9CEFF"/>
+                          </a:solidFill>
+                          <a:effectLst/>
+                          <a:latin typeface="微软雅黑" panose="020B0503020204020204" pitchFamily="34" charset="-122"/>
+                          <a:ea typeface="微软雅黑" panose="020B0503020204020204" pitchFamily="34" charset="-122"/>
+                        </a:rPr>
+                        <a:t>事务结束</a:t>
+                      </a:r>
+                      <a:endParaRPr lang="zh-CN" altLang="en-US" sz="1600" dirty="0">
+                        <a:solidFill>
+                          <a:srgbClr val="B9CEFF"/>
+                        </a:solidFill>
+                        <a:effectLst/>
+                        <a:latin typeface="微软雅黑" panose="020B0503020204020204" pitchFamily="34" charset="-122"/>
+                        <a:ea typeface="微软雅黑" panose="020B0503020204020204" pitchFamily="34" charset="-122"/>
+                      </a:endParaRPr>
+                    </a:p>
+                  </a:txBody>
+                  <a:tcPr marL="18100" marR="18100" marT="18100" marB="18100" anchor="ctr">
+                    <a:lnL w="9525" cap="flat" cmpd="sng" algn="ctr">
+                      <a:solidFill>
+                        <a:srgbClr val="DDDDDD"/>
+                      </a:solidFill>
+                      <a:prstDash val="solid"/>
+                      <a:round/>
+                      <a:headEnd type="none" w="med" len="med"/>
+                      <a:tailEnd type="none" w="med" len="med"/>
+                    </a:lnL>
+                    <a:lnR w="9525" cap="flat" cmpd="sng" algn="ctr">
+                      <a:solidFill>
+                        <a:srgbClr val="DDDDDD"/>
+                      </a:solidFill>
+                      <a:prstDash val="solid"/>
+                      <a:round/>
+                      <a:headEnd type="none" w="med" len="med"/>
+                      <a:tailEnd type="none" w="med" len="med"/>
+                    </a:lnR>
+                    <a:lnT w="9525" cap="flat" cmpd="sng" algn="ctr">
+                      <a:solidFill>
+                        <a:srgbClr val="DDDDDD"/>
+                      </a:solidFill>
+                      <a:prstDash val="solid"/>
+                      <a:round/>
+                      <a:headEnd type="none" w="med" len="med"/>
+                      <a:tailEnd type="none" w="med" len="med"/>
+                    </a:lnT>
+                    <a:lnB w="9525" cap="flat" cmpd="sng" algn="ctr">
+                      <a:solidFill>
+                        <a:srgbClr val="DDDDDD"/>
+                      </a:solidFill>
+                      <a:prstDash val="solid"/>
+                      <a:round/>
+                      <a:headEnd type="none" w="med" len="med"/>
+                      <a:tailEnd type="none" w="med" len="med"/>
+                    </a:lnB>
+                    <a:noFill/>
+                  </a:tcPr>
+                </a:tc>
+              </a:tr>
+              <a:tr h="546771">
+                <a:tc rowSpan="2">
+                  <a:txBody>
+                    <a:bodyPr/>
+                    <a:lstStyle/>
+                    <a:p>
+                      <a:pPr marL="0" algn="ctr" defTabSz="914400" rtl="0" eaLnBrk="1" fontAlgn="ctr" latinLnBrk="0" hangingPunct="1">
+                        <a:lnSpc>
+                          <a:spcPct val="150000"/>
+                        </a:lnSpc>
+                      </a:pPr>
+                      <a:r>
+                        <a:rPr lang="zh-CN" altLang="en-US" sz="1600" b="0" kern="1200" dirty="0">
+                          <a:solidFill>
+                            <a:schemeClr val="bg1"/>
+                          </a:solidFill>
+                          <a:effectLst/>
+                          <a:latin typeface="微软雅黑" panose="020B0503020204020204" pitchFamily="34" charset="-122"/>
+                          <a:ea typeface="微软雅黑" panose="020B0503020204020204" pitchFamily="34" charset="-122"/>
+                          <a:cs typeface="+mn-cs"/>
+                        </a:rPr>
+                        <a:t>可串行化</a:t>
+                      </a:r>
+                      <a:endParaRPr lang="en-US" altLang="zh-CN" sz="1600" b="0" kern="1200" dirty="0">
+                        <a:solidFill>
+                          <a:schemeClr val="bg1"/>
+                        </a:solidFill>
+                        <a:effectLst/>
+                        <a:latin typeface="微软雅黑" panose="020B0503020204020204" pitchFamily="34" charset="-122"/>
+                        <a:ea typeface="微软雅黑" panose="020B0503020204020204" pitchFamily="34" charset="-122"/>
+                        <a:cs typeface="+mn-cs"/>
+                      </a:endParaRPr>
+                    </a:p>
+                    <a:p>
+                      <a:pPr marL="0" algn="ctr" defTabSz="914400" rtl="0" eaLnBrk="1" fontAlgn="ctr" latinLnBrk="0" hangingPunct="1">
+                        <a:lnSpc>
+                          <a:spcPct val="150000"/>
+                        </a:lnSpc>
+                      </a:pPr>
+                      <a:r>
+                        <a:rPr lang="en-US" altLang="zh-CN" sz="1600" b="0" kern="1200" dirty="0">
+                          <a:solidFill>
+                            <a:schemeClr val="bg1"/>
+                          </a:solidFill>
+                          <a:effectLst/>
+                          <a:latin typeface="微软雅黑" panose="020B0503020204020204" pitchFamily="34" charset="-122"/>
+                          <a:ea typeface="微软雅黑" panose="020B0503020204020204" pitchFamily="34" charset="-122"/>
+                          <a:cs typeface="+mn-cs"/>
+                        </a:rPr>
+                        <a:t>Serializable </a:t>
+                      </a:r>
+                      <a:endParaRPr lang="zh-CN" altLang="en-US" sz="1600" b="0" kern="1200" dirty="0">
+                        <a:solidFill>
+                          <a:schemeClr val="bg1"/>
+                        </a:solidFill>
+                        <a:effectLst/>
+                        <a:latin typeface="微软雅黑" panose="020B0503020204020204" pitchFamily="34" charset="-122"/>
+                        <a:ea typeface="微软雅黑" panose="020B0503020204020204" pitchFamily="34" charset="-122"/>
+                        <a:cs typeface="+mn-cs"/>
+                      </a:endParaRPr>
+                    </a:p>
+                  </a:txBody>
+                  <a:tcPr marL="18100" marR="18100" marT="18100" marB="18100" anchor="ctr">
+                    <a:lnL w="9525" cap="flat" cmpd="sng" algn="ctr">
+                      <a:solidFill>
+                        <a:srgbClr val="DDDDDD"/>
+                      </a:solidFill>
+                      <a:prstDash val="solid"/>
+                      <a:round/>
+                      <a:headEnd type="none" w="med" len="med"/>
+                      <a:tailEnd type="none" w="med" len="med"/>
+                    </a:lnL>
+                    <a:lnR w="9525" cap="flat" cmpd="sng" algn="ctr">
+                      <a:solidFill>
+                        <a:srgbClr val="DDDDDD"/>
+                      </a:solidFill>
+                      <a:prstDash val="solid"/>
+                      <a:round/>
+                      <a:headEnd type="none" w="med" len="med"/>
+                      <a:tailEnd type="none" w="med" len="med"/>
+                    </a:lnR>
+                    <a:lnT w="9525" cap="flat" cmpd="sng" algn="ctr">
+                      <a:solidFill>
+                        <a:srgbClr val="DDDDDD"/>
+                      </a:solidFill>
+                      <a:prstDash val="solid"/>
+                      <a:round/>
+                      <a:headEnd type="none" w="med" len="med"/>
+                      <a:tailEnd type="none" w="med" len="med"/>
+                    </a:lnT>
+                    <a:lnB w="9525" cap="flat" cmpd="sng" algn="ctr">
+                      <a:solidFill>
+                        <a:srgbClr val="DDDDDD"/>
+                      </a:solidFill>
+                      <a:prstDash val="solid"/>
+                      <a:round/>
+                      <a:headEnd type="none" w="med" len="med"/>
+                      <a:tailEnd type="none" w="med" len="med"/>
+                    </a:lnB>
+                    <a:solidFill>
+                      <a:schemeClr val="bg1">
+                        <a:lumMod val="50000"/>
+                      </a:schemeClr>
+                    </a:solidFill>
+                  </a:tcPr>
+                </a:tc>
+                <a:tc>
+                  <a:txBody>
+                    <a:bodyPr/>
+                    <a:lstStyle/>
+                    <a:p>
+                      <a:pPr algn="ctr" fontAlgn="ctr">
+                        <a:lnSpc>
+                          <a:spcPct val="150000"/>
+                        </a:lnSpc>
+                      </a:pPr>
+                      <a:r>
+                        <a:rPr lang="en-US" altLang="zh-CN" sz="1600" dirty="0" smtClean="0">
+                          <a:solidFill>
+                            <a:schemeClr val="bg1"/>
+                          </a:solidFill>
+                          <a:effectLst/>
+                          <a:latin typeface="微软雅黑" panose="020B0503020204020204" pitchFamily="34" charset="-122"/>
+                          <a:ea typeface="微软雅黑" panose="020B0503020204020204" pitchFamily="34" charset="-122"/>
+                        </a:rPr>
+                        <a:t>read</a:t>
+                      </a:r>
+                      <a:endParaRPr lang="zh-CN" altLang="en-US" sz="1600" dirty="0">
+                        <a:solidFill>
+                          <a:schemeClr val="bg1"/>
+                        </a:solidFill>
+                        <a:effectLst/>
+                        <a:latin typeface="微软雅黑" panose="020B0503020204020204" pitchFamily="34" charset="-122"/>
+                        <a:ea typeface="微软雅黑" panose="020B0503020204020204" pitchFamily="34" charset="-122"/>
+                      </a:endParaRPr>
+                    </a:p>
+                  </a:txBody>
+                  <a:tcPr marL="18100" marR="18100" marT="18100" marB="18100" anchor="ctr">
+                    <a:lnL w="9525" cap="flat" cmpd="sng" algn="ctr">
+                      <a:solidFill>
+                        <a:srgbClr val="DDDDDD"/>
+                      </a:solidFill>
+                      <a:prstDash val="solid"/>
+                      <a:round/>
+                      <a:headEnd type="none" w="med" len="med"/>
+                      <a:tailEnd type="none" w="med" len="med"/>
+                    </a:lnL>
+                    <a:lnR w="9525" cap="flat" cmpd="sng" algn="ctr">
+                      <a:solidFill>
+                        <a:srgbClr val="DDDDDD"/>
+                      </a:solidFill>
+                      <a:prstDash val="solid"/>
+                      <a:round/>
+                      <a:headEnd type="none" w="med" len="med"/>
+                      <a:tailEnd type="none" w="med" len="med"/>
+                    </a:lnR>
+                    <a:lnT w="9525" cap="flat" cmpd="sng" algn="ctr">
+                      <a:solidFill>
+                        <a:srgbClr val="DDDDDD"/>
+                      </a:solidFill>
+                      <a:prstDash val="solid"/>
+                      <a:round/>
+                      <a:headEnd type="none" w="med" len="med"/>
+                      <a:tailEnd type="none" w="med" len="med"/>
+                    </a:lnT>
+                    <a:lnB w="9525" cap="flat" cmpd="sng" algn="ctr">
+                      <a:solidFill>
+                        <a:srgbClr val="DDDDDD"/>
+                      </a:solidFill>
+                      <a:prstDash val="solid"/>
+                      <a:round/>
+                      <a:headEnd type="none" w="med" len="med"/>
+                      <a:tailEnd type="none" w="med" len="med"/>
+                    </a:lnB>
+                    <a:noFill/>
+                  </a:tcPr>
+                </a:tc>
+                <a:tc>
+                  <a:txBody>
+                    <a:bodyPr/>
+                    <a:lstStyle/>
+                    <a:p>
+                      <a:pPr marL="0" marR="0" lvl="0" indent="0" algn="ctr" defTabSz="914400" rtl="0" eaLnBrk="1" fontAlgn="ctr" latinLnBrk="0" hangingPunct="1">
+                        <a:lnSpc>
+                          <a:spcPct val="150000"/>
+                        </a:lnSpc>
+                        <a:spcBef>
+                          <a:spcPts val="0"/>
+                        </a:spcBef>
+                        <a:spcAft>
+                          <a:spcPts val="0"/>
+                        </a:spcAft>
+                        <a:buClrTx/>
+                        <a:buSzTx/>
+                        <a:buFontTx/>
+                        <a:buNone/>
+                        <a:tabLst/>
+                        <a:defRPr/>
+                      </a:pPr>
+                      <a:r>
+                        <a:rPr lang="zh-CN" altLang="en-US" sz="1600" dirty="0" smtClean="0">
+                          <a:solidFill>
+                            <a:schemeClr val="bg1"/>
+                          </a:solidFill>
+                          <a:effectLst/>
+                          <a:latin typeface="微软雅黑" panose="020B0503020204020204" pitchFamily="34" charset="-122"/>
+                          <a:ea typeface="微软雅黑" panose="020B0503020204020204" pitchFamily="34" charset="-122"/>
+                        </a:rPr>
+                        <a:t>范围锁</a:t>
+                      </a:r>
+                      <a:r>
+                        <a:rPr lang="en-US" altLang="zh-CN" sz="1600" dirty="0" smtClean="0">
+                          <a:solidFill>
+                            <a:schemeClr val="bg1"/>
+                          </a:solidFill>
+                          <a:effectLst/>
+                          <a:latin typeface="微软雅黑" panose="020B0503020204020204" pitchFamily="34" charset="-122"/>
+                          <a:ea typeface="微软雅黑" panose="020B0503020204020204" pitchFamily="34" charset="-122"/>
+                        </a:rPr>
+                        <a:t>/</a:t>
+                      </a:r>
+                      <a:r>
+                        <a:rPr lang="zh-CN" altLang="en-US" sz="1600" dirty="0" smtClean="0">
+                          <a:solidFill>
+                            <a:schemeClr val="bg1"/>
+                          </a:solidFill>
+                          <a:effectLst/>
+                          <a:latin typeface="微软雅黑" panose="020B0503020204020204" pitchFamily="34" charset="-122"/>
+                          <a:ea typeface="微软雅黑" panose="020B0503020204020204" pitchFamily="34" charset="-122"/>
+                        </a:rPr>
+                        <a:t>表锁</a:t>
+                      </a:r>
+                    </a:p>
+                  </a:txBody>
+                  <a:tcPr marL="18100" marR="18100" marT="18100" marB="18100" anchor="ctr">
+                    <a:lnL w="9525" cap="flat" cmpd="sng" algn="ctr">
+                      <a:solidFill>
+                        <a:srgbClr val="DDDDDD"/>
+                      </a:solidFill>
+                      <a:prstDash val="solid"/>
+                      <a:round/>
+                      <a:headEnd type="none" w="med" len="med"/>
+                      <a:tailEnd type="none" w="med" len="med"/>
+                    </a:lnL>
+                    <a:lnR w="9525" cap="flat" cmpd="sng" algn="ctr">
+                      <a:solidFill>
+                        <a:srgbClr val="DDDDDD"/>
+                      </a:solidFill>
+                      <a:prstDash val="solid"/>
+                      <a:round/>
+                      <a:headEnd type="none" w="med" len="med"/>
+                      <a:tailEnd type="none" w="med" len="med"/>
+                    </a:lnR>
+                    <a:lnT w="9525" cap="flat" cmpd="sng" algn="ctr">
+                      <a:solidFill>
+                        <a:srgbClr val="DDDDDD"/>
+                      </a:solidFill>
+                      <a:prstDash val="solid"/>
+                      <a:round/>
+                      <a:headEnd type="none" w="med" len="med"/>
+                      <a:tailEnd type="none" w="med" len="med"/>
+                    </a:lnT>
+                    <a:lnB w="9525" cap="flat" cmpd="sng" algn="ctr">
+                      <a:solidFill>
+                        <a:srgbClr val="DDDDDD"/>
+                      </a:solidFill>
+                      <a:prstDash val="solid"/>
+                      <a:round/>
+                      <a:headEnd type="none" w="med" len="med"/>
+                      <a:tailEnd type="none" w="med" len="med"/>
+                    </a:lnB>
+                    <a:noFill/>
+                  </a:tcPr>
+                </a:tc>
+                <a:tc>
+                  <a:txBody>
+                    <a:bodyPr/>
+                    <a:lstStyle/>
+                    <a:p>
+                      <a:pPr algn="ctr" fontAlgn="ctr">
+                        <a:lnSpc>
+                          <a:spcPct val="150000"/>
+                        </a:lnSpc>
+                      </a:pPr>
+                      <a:r>
+                        <a:rPr lang="zh-CN" altLang="en-US" sz="1600" dirty="0" smtClean="0">
+                          <a:solidFill>
+                            <a:schemeClr val="bg1"/>
+                          </a:solidFill>
+                          <a:effectLst/>
+                          <a:latin typeface="微软雅黑" panose="020B0503020204020204" pitchFamily="34" charset="-122"/>
+                          <a:ea typeface="微软雅黑" panose="020B0503020204020204" pitchFamily="34" charset="-122"/>
+                        </a:rPr>
+                        <a:t>事务结束</a:t>
+                      </a:r>
+                      <a:endParaRPr lang="zh-CN" altLang="en-US" sz="1600" dirty="0">
+                        <a:solidFill>
+                          <a:schemeClr val="bg1"/>
+                        </a:solidFill>
+                        <a:effectLst/>
+                        <a:latin typeface="微软雅黑" panose="020B0503020204020204" pitchFamily="34" charset="-122"/>
+                        <a:ea typeface="微软雅黑" panose="020B0503020204020204" pitchFamily="34" charset="-122"/>
+                      </a:endParaRPr>
+                    </a:p>
+                  </a:txBody>
+                  <a:tcPr marL="18100" marR="18100" marT="18100" marB="18100" anchor="ctr">
+                    <a:lnL w="9525" cap="flat" cmpd="sng" algn="ctr">
+                      <a:solidFill>
+                        <a:srgbClr val="DDDDDD"/>
+                      </a:solidFill>
+                      <a:prstDash val="solid"/>
+                      <a:round/>
+                      <a:headEnd type="none" w="med" len="med"/>
+                      <a:tailEnd type="none" w="med" len="med"/>
+                    </a:lnL>
+                    <a:lnR w="9525" cap="flat" cmpd="sng" algn="ctr">
+                      <a:solidFill>
+                        <a:srgbClr val="DDDDDD"/>
+                      </a:solidFill>
+                      <a:prstDash val="solid"/>
+                      <a:round/>
+                      <a:headEnd type="none" w="med" len="med"/>
+                      <a:tailEnd type="none" w="med" len="med"/>
+                    </a:lnR>
+                    <a:lnT w="9525" cap="flat" cmpd="sng" algn="ctr">
+                      <a:solidFill>
+                        <a:srgbClr val="DDDDDD"/>
+                      </a:solidFill>
+                      <a:prstDash val="solid"/>
+                      <a:round/>
+                      <a:headEnd type="none" w="med" len="med"/>
+                      <a:tailEnd type="none" w="med" len="med"/>
+                    </a:lnT>
+                    <a:lnB w="9525" cap="flat" cmpd="sng" algn="ctr">
+                      <a:solidFill>
+                        <a:srgbClr val="DDDDDD"/>
+                      </a:solidFill>
+                      <a:prstDash val="solid"/>
+                      <a:round/>
+                      <a:headEnd type="none" w="med" len="med"/>
+                      <a:tailEnd type="none" w="med" len="med"/>
+                    </a:lnB>
+                    <a:noFill/>
+                  </a:tcPr>
+                </a:tc>
+                <a:extLst>
+                  <a:ext uri="{0D108BD9-81ED-4DB2-BD59-A6C34878D82A}">
+                    <a16:rowId xmlns="" xmlns:a16="http://schemas.microsoft.com/office/drawing/2014/main" val="899282155"/>
+                  </a:ext>
+                </a:extLst>
+              </a:tr>
+              <a:tr h="546771">
+                <a:tc vMerge="1">
+                  <a:txBody>
+                    <a:bodyPr/>
+                    <a:lstStyle/>
+                    <a:p>
+                      <a:pPr marL="0" algn="ctr" defTabSz="914400" rtl="0" eaLnBrk="1" fontAlgn="ctr" latinLnBrk="0" hangingPunct="1">
+                        <a:lnSpc>
+                          <a:spcPct val="150000"/>
+                        </a:lnSpc>
+                      </a:pPr>
+                      <a:endParaRPr lang="zh-CN" altLang="en-US" sz="1600" b="0" kern="1200" dirty="0">
+                        <a:solidFill>
+                          <a:schemeClr val="bg1"/>
+                        </a:solidFill>
+                        <a:effectLst/>
+                        <a:latin typeface="微软雅黑" panose="020B0503020204020204" pitchFamily="34" charset="-122"/>
+                        <a:ea typeface="微软雅黑" panose="020B0503020204020204" pitchFamily="34" charset="-122"/>
+                        <a:cs typeface="+mn-cs"/>
+                      </a:endParaRPr>
+                    </a:p>
+                  </a:txBody>
+                  <a:tcPr marL="18100" marR="18100" marT="18100" marB="18100" anchor="ctr">
+                    <a:lnL w="9525" cap="flat" cmpd="sng" algn="ctr">
+                      <a:solidFill>
+                        <a:srgbClr val="DDDDDD"/>
+                      </a:solidFill>
+                      <a:prstDash val="solid"/>
+                      <a:round/>
+                      <a:headEnd type="none" w="med" len="med"/>
+                      <a:tailEnd type="none" w="med" len="med"/>
+                    </a:lnL>
+                    <a:lnR w="9525" cap="flat" cmpd="sng" algn="ctr">
+                      <a:solidFill>
+                        <a:srgbClr val="DDDDDD"/>
+                      </a:solidFill>
+                      <a:prstDash val="solid"/>
+                      <a:round/>
+                      <a:headEnd type="none" w="med" len="med"/>
+                      <a:tailEnd type="none" w="med" len="med"/>
+                    </a:lnR>
+                    <a:lnT w="9525" cap="flat" cmpd="sng" algn="ctr">
+                      <a:solidFill>
+                        <a:srgbClr val="DDDDDD"/>
+                      </a:solidFill>
+                      <a:prstDash val="solid"/>
+                      <a:round/>
+                      <a:headEnd type="none" w="med" len="med"/>
+                      <a:tailEnd type="none" w="med" len="med"/>
+                    </a:lnT>
+                    <a:lnB w="9525" cap="flat" cmpd="sng" algn="ctr">
+                      <a:solidFill>
+                        <a:srgbClr val="DDDDDD"/>
+                      </a:solidFill>
+                      <a:prstDash val="solid"/>
+                      <a:round/>
+                      <a:headEnd type="none" w="med" len="med"/>
+                      <a:tailEnd type="none" w="med" len="med"/>
+                    </a:lnB>
+                    <a:solidFill>
+                      <a:schemeClr val="bg1">
+                        <a:lumMod val="50000"/>
+                      </a:schemeClr>
+                    </a:solidFill>
+                  </a:tcPr>
+                </a:tc>
+                <a:tc>
+                  <a:txBody>
+                    <a:bodyPr/>
+                    <a:lstStyle/>
+                    <a:p>
+                      <a:pPr algn="ctr" fontAlgn="ctr">
+                        <a:lnSpc>
+                          <a:spcPct val="150000"/>
+                        </a:lnSpc>
+                      </a:pPr>
+                      <a:r>
+                        <a:rPr lang="en-US" altLang="zh-CN" sz="1600" dirty="0" smtClean="0">
+                          <a:solidFill>
+                            <a:srgbClr val="B9CEFF"/>
+                          </a:solidFill>
+                          <a:effectLst/>
+                          <a:latin typeface="微软雅黑" panose="020B0503020204020204" pitchFamily="34" charset="-122"/>
+                          <a:ea typeface="微软雅黑" panose="020B0503020204020204" pitchFamily="34" charset="-122"/>
+                        </a:rPr>
+                        <a:t>write</a:t>
+                      </a:r>
+                      <a:endParaRPr lang="zh-CN" altLang="en-US" sz="1600" dirty="0">
+                        <a:solidFill>
+                          <a:srgbClr val="B9CEFF"/>
+                        </a:solidFill>
+                        <a:effectLst/>
+                        <a:latin typeface="微软雅黑" panose="020B0503020204020204" pitchFamily="34" charset="-122"/>
+                        <a:ea typeface="微软雅黑" panose="020B0503020204020204" pitchFamily="34" charset="-122"/>
+                      </a:endParaRPr>
+                    </a:p>
+                  </a:txBody>
+                  <a:tcPr marL="18100" marR="18100" marT="18100" marB="18100" anchor="ctr">
+                    <a:lnL w="9525" cap="flat" cmpd="sng" algn="ctr">
+                      <a:solidFill>
+                        <a:srgbClr val="DDDDDD"/>
+                      </a:solidFill>
+                      <a:prstDash val="solid"/>
+                      <a:round/>
+                      <a:headEnd type="none" w="med" len="med"/>
+                      <a:tailEnd type="none" w="med" len="med"/>
+                    </a:lnL>
+                    <a:lnR w="9525" cap="flat" cmpd="sng" algn="ctr">
+                      <a:solidFill>
+                        <a:srgbClr val="DDDDDD"/>
+                      </a:solidFill>
+                      <a:prstDash val="solid"/>
+                      <a:round/>
+                      <a:headEnd type="none" w="med" len="med"/>
+                      <a:tailEnd type="none" w="med" len="med"/>
+                    </a:lnR>
+                    <a:lnT w="9525" cap="flat" cmpd="sng" algn="ctr">
+                      <a:solidFill>
+                        <a:srgbClr val="DDDDDD"/>
+                      </a:solidFill>
+                      <a:prstDash val="solid"/>
+                      <a:round/>
+                      <a:headEnd type="none" w="med" len="med"/>
+                      <a:tailEnd type="none" w="med" len="med"/>
+                    </a:lnT>
+                    <a:lnB w="9525" cap="flat" cmpd="sng" algn="ctr">
+                      <a:solidFill>
+                        <a:srgbClr val="DDDDDD"/>
+                      </a:solidFill>
+                      <a:prstDash val="solid"/>
+                      <a:round/>
+                      <a:headEnd type="none" w="med" len="med"/>
+                      <a:tailEnd type="none" w="med" len="med"/>
+                    </a:lnB>
+                    <a:noFill/>
+                  </a:tcPr>
+                </a:tc>
+                <a:tc>
+                  <a:txBody>
+                    <a:bodyPr/>
+                    <a:lstStyle/>
+                    <a:p>
+                      <a:pPr algn="ctr" fontAlgn="ctr">
+                        <a:lnSpc>
+                          <a:spcPct val="150000"/>
+                        </a:lnSpc>
+                      </a:pPr>
+                      <a:r>
+                        <a:rPr lang="zh-CN" altLang="en-US" sz="1600" dirty="0" smtClean="0">
+                          <a:solidFill>
+                            <a:srgbClr val="B9CEFF"/>
+                          </a:solidFill>
+                          <a:effectLst/>
+                          <a:latin typeface="微软雅黑" panose="020B0503020204020204" pitchFamily="34" charset="-122"/>
+                          <a:ea typeface="微软雅黑" panose="020B0503020204020204" pitchFamily="34" charset="-122"/>
+                        </a:rPr>
+                        <a:t>行排他锁</a:t>
+                      </a:r>
+                      <a:endParaRPr lang="zh-CN" altLang="en-US" sz="1600" dirty="0">
+                        <a:solidFill>
+                          <a:srgbClr val="B9CEFF"/>
+                        </a:solidFill>
+                        <a:effectLst/>
+                        <a:latin typeface="微软雅黑" panose="020B0503020204020204" pitchFamily="34" charset="-122"/>
+                        <a:ea typeface="微软雅黑" panose="020B0503020204020204" pitchFamily="34" charset="-122"/>
+                      </a:endParaRPr>
+                    </a:p>
+                  </a:txBody>
+                  <a:tcPr marL="18100" marR="18100" marT="18100" marB="18100" anchor="ctr">
+                    <a:lnL w="9525" cap="flat" cmpd="sng" algn="ctr">
+                      <a:solidFill>
+                        <a:srgbClr val="DDDDDD"/>
+                      </a:solidFill>
+                      <a:prstDash val="solid"/>
+                      <a:round/>
+                      <a:headEnd type="none" w="med" len="med"/>
+                      <a:tailEnd type="none" w="med" len="med"/>
+                    </a:lnL>
+                    <a:lnR w="9525" cap="flat" cmpd="sng" algn="ctr">
+                      <a:solidFill>
+                        <a:srgbClr val="DDDDDD"/>
+                      </a:solidFill>
+                      <a:prstDash val="solid"/>
+                      <a:round/>
+                      <a:headEnd type="none" w="med" len="med"/>
+                      <a:tailEnd type="none" w="med" len="med"/>
+                    </a:lnR>
+                    <a:lnT w="9525" cap="flat" cmpd="sng" algn="ctr">
+                      <a:solidFill>
+                        <a:srgbClr val="DDDDDD"/>
+                      </a:solidFill>
+                      <a:prstDash val="solid"/>
+                      <a:round/>
+                      <a:headEnd type="none" w="med" len="med"/>
+                      <a:tailEnd type="none" w="med" len="med"/>
+                    </a:lnT>
+                    <a:lnB w="9525" cap="flat" cmpd="sng" algn="ctr">
+                      <a:solidFill>
+                        <a:srgbClr val="DDDDDD"/>
+                      </a:solidFill>
+                      <a:prstDash val="solid"/>
+                      <a:round/>
+                      <a:headEnd type="none" w="med" len="med"/>
+                      <a:tailEnd type="none" w="med" len="med"/>
+                    </a:lnB>
+                    <a:noFill/>
+                  </a:tcPr>
+                </a:tc>
+                <a:tc>
+                  <a:txBody>
+                    <a:bodyPr/>
+                    <a:lstStyle/>
+                    <a:p>
+                      <a:pPr algn="ctr" fontAlgn="ctr">
+                        <a:lnSpc>
+                          <a:spcPct val="150000"/>
+                        </a:lnSpc>
+                      </a:pPr>
+                      <a:r>
+                        <a:rPr lang="zh-CN" altLang="en-US" sz="1600" dirty="0" smtClean="0">
+                          <a:solidFill>
+                            <a:srgbClr val="B9CEFF"/>
+                          </a:solidFill>
+                          <a:effectLst/>
+                          <a:latin typeface="微软雅黑" panose="020B0503020204020204" pitchFamily="34" charset="-122"/>
+                          <a:ea typeface="微软雅黑" panose="020B0503020204020204" pitchFamily="34" charset="-122"/>
+                        </a:rPr>
+                        <a:t>事务结束</a:t>
+                      </a:r>
+                      <a:endParaRPr lang="zh-CN" altLang="en-US" sz="1600" dirty="0">
+                        <a:solidFill>
+                          <a:srgbClr val="B9CEFF"/>
+                        </a:solidFill>
+                        <a:effectLst/>
+                        <a:latin typeface="微软雅黑" panose="020B0503020204020204" pitchFamily="34" charset="-122"/>
+                        <a:ea typeface="微软雅黑" panose="020B0503020204020204" pitchFamily="34" charset="-122"/>
+                      </a:endParaRPr>
+                    </a:p>
+                  </a:txBody>
+                  <a:tcPr marL="18100" marR="18100" marT="18100" marB="18100" anchor="ctr">
+                    <a:lnL w="9525" cap="flat" cmpd="sng" algn="ctr">
+                      <a:solidFill>
+                        <a:srgbClr val="DDDDDD"/>
+                      </a:solidFill>
+                      <a:prstDash val="solid"/>
+                      <a:round/>
+                      <a:headEnd type="none" w="med" len="med"/>
+                      <a:tailEnd type="none" w="med" len="med"/>
+                    </a:lnL>
+                    <a:lnR w="9525" cap="flat" cmpd="sng" algn="ctr">
+                      <a:solidFill>
+                        <a:srgbClr val="DDDDDD"/>
+                      </a:solidFill>
+                      <a:prstDash val="solid"/>
+                      <a:round/>
+                      <a:headEnd type="none" w="med" len="med"/>
+                      <a:tailEnd type="none" w="med" len="med"/>
+                    </a:lnR>
+                    <a:lnT w="9525" cap="flat" cmpd="sng" algn="ctr">
+                      <a:solidFill>
+                        <a:srgbClr val="DDDDDD"/>
+                      </a:solidFill>
+                      <a:prstDash val="solid"/>
+                      <a:round/>
+                      <a:headEnd type="none" w="med" len="med"/>
+                      <a:tailEnd type="none" w="med" len="med"/>
+                    </a:lnT>
+                    <a:lnB w="9525" cap="flat" cmpd="sng" algn="ctr">
+                      <a:solidFill>
+                        <a:srgbClr val="DDDDDD"/>
+                      </a:solidFill>
+                      <a:prstDash val="solid"/>
+                      <a:round/>
+                      <a:headEnd type="none" w="med" len="med"/>
+                      <a:tailEnd type="none" w="med" len="med"/>
+                    </a:lnB>
+                    <a:noFill/>
+                  </a:tcPr>
+                </a:tc>
+              </a:tr>
+            </a:tbl>
+          </a:graphicData>
+        </a:graphic>
+      </p:graphicFrame>
+      <p:sp>
+        <p:nvSpPr>
+          <p:cNvPr id="40" name="流程图: 过程 39">
+            <a:extLst>
+              <a:ext uri="{FF2B5EF4-FFF2-40B4-BE49-F238E27FC236}">
+                <a16:creationId xmlns="" xmlns:a16="http://schemas.microsoft.com/office/drawing/2014/main" id="{DEE6F68B-D383-4456-A945-5D2426316FC6}"/>
+              </a:ext>
+            </a:extLst>
+          </p:cNvPr>
+          <p:cNvSpPr/>
+          <p:nvPr/>
+        </p:nvSpPr>
+        <p:spPr>
+          <a:xfrm>
+            <a:off x="3379348" y="5745239"/>
+            <a:ext cx="4176464" cy="450501"/>
+          </a:xfrm>
+          <a:prstGeom prst="flowChartProcess">
+            <a:avLst/>
+          </a:prstGeom>
+          <a:noFill/>
+          <a:ln>
+            <a:noFill/>
+            <a:prstDash val="dash"/>
+          </a:ln>
+          <a:effectLst/>
+        </p:spPr>
+        <p:style>
+          <a:lnRef idx="2">
+            <a:schemeClr val="accent1">
+              <a:shade val="50000"/>
+            </a:schemeClr>
+          </a:lnRef>
+          <a:fillRef idx="1">
+            <a:schemeClr val="accent1"/>
+          </a:fillRef>
+          <a:effectRef idx="0">
+            <a:schemeClr val="accent1"/>
+          </a:effectRef>
+          <a:fontRef idx="minor">
+            <a:schemeClr val="lt1"/>
+          </a:fontRef>
+        </p:style>
+        <p:txBody>
+          <a:bodyPr rtlCol="0" anchor="ctr"/>
+          <a:lstStyle/>
+          <a:p>
+            <a:r>
+              <a:rPr lang="zh-CN" altLang="en-US" sz="1800" dirty="0" smtClean="0"/>
+              <a:t>不同事务隔离级别下优先使用的锁</a:t>
+            </a:r>
+            <a:endParaRPr lang="zh-CN" altLang="en-US" sz="1800" dirty="0">
+              <a:solidFill>
+                <a:schemeClr val="bg1"/>
+              </a:solidFill>
+              <a:latin typeface="微软雅黑" panose="020B0503020204020204" pitchFamily="34" charset="-122"/>
+              <a:ea typeface="微软雅黑" panose="020B0503020204020204" pitchFamily="34" charset="-122"/>
+            </a:endParaRPr>
+          </a:p>
+        </p:txBody>
+      </p:sp>
+    </p:spTree>
+    <p:extLst>
+      <p:ext uri="{BB962C8B-B14F-4D97-AF65-F5344CB8AC3E}">
+        <p14:creationId xmlns:p14="http://schemas.microsoft.com/office/powerpoint/2010/main" val="913072337"/>
+      </p:ext>
+    </p:extLst>
+  </p:cSld>
+  <p:clrMapOvr>
+    <a:masterClrMapping/>
+  </p:clrMapOvr>
+  <p:transition spd="med"/>
+</p:sld>
+</file>
+
+<file path=ppt/slides/slide4.xml><?xml version="1.0" encoding="utf-8"?>
+<p:sld xmlns:a="http://schemas.openxmlformats.org/drawingml/2006/main" xmlns:r="http://schemas.openxmlformats.org/officeDocument/2006/relationships" xmlns:p="http://schemas.openxmlformats.org/presentationml/2006/main" showMasterSp="0">
+  <p:cSld>
+    <p:bg>
+      <p:bgPr>
+        <a:blipFill dpi="0" rotWithShape="1">
+          <a:blip r:embed="rId3">
+            <a:lum/>
+          </a:blip>
+          <a:srcRect/>
+          <a:stretch>
+            <a:fillRect/>
+          </a:stretch>
+        </a:blipFill>
+        <a:effectLst/>
+      </p:bgPr>
+    </p:bg>
+    <p:spTree>
+      <p:nvGrpSpPr>
+        <p:cNvPr id="1" name=""/>
+        <p:cNvGrpSpPr/>
+        <p:nvPr/>
+      </p:nvGrpSpPr>
+      <p:grpSpPr>
+        <a:xfrm>
+          <a:off x="0" y="0"/>
+          <a:ext cx="0" cy="0"/>
+          <a:chOff x="0" y="0"/>
+          <a:chExt cx="0" cy="0"/>
+        </a:xfrm>
+      </p:grpSpPr>
+      <p:pic>
+        <p:nvPicPr>
+          <p:cNvPr id="39" name="图片 38">
+            <a:extLst>
+              <a:ext uri="{FF2B5EF4-FFF2-40B4-BE49-F238E27FC236}">
+                <a16:creationId xmlns="" xmlns:a16="http://schemas.microsoft.com/office/drawing/2014/main" id="{C49BA596-B860-41A3-9734-D1BA0CD74A42}"/>
               </a:ext>
             </a:extLst>
           </p:cNvPr>
@@ -9742,7 +12921,7 @@
           <p:cNvPr id="78" name="表格 77">
             <a:extLst>
               <a:ext uri="{FF2B5EF4-FFF2-40B4-BE49-F238E27FC236}">
-                <a16:creationId xmlns:a16="http://schemas.microsoft.com/office/drawing/2014/main" xmlns="" id="{FF252C29-EF21-4355-A912-49256C22FA06}"/>
+                <a16:creationId xmlns="" xmlns:a16="http://schemas.microsoft.com/office/drawing/2014/main" id="{FF252C29-EF21-4355-A912-49256C22FA06}"/>
               </a:ext>
             </a:extLst>
           </p:cNvPr>
@@ -9769,21 +12948,21 @@
                 <a:gridCol w="1438878">
                   <a:extLst>
                     <a:ext uri="{9D8B030D-6E8A-4147-A177-3AD203B41FA5}">
-                      <a16:colId xmlns:a16="http://schemas.microsoft.com/office/drawing/2014/main" xmlns="" val="3948644296"/>
+                      <a16:colId xmlns="" xmlns:a16="http://schemas.microsoft.com/office/drawing/2014/main" val="3948644296"/>
                     </a:ext>
                   </a:extLst>
                 </a:gridCol>
                 <a:gridCol w="1094802">
                   <a:extLst>
                     <a:ext uri="{9D8B030D-6E8A-4147-A177-3AD203B41FA5}">
-                      <a16:colId xmlns:a16="http://schemas.microsoft.com/office/drawing/2014/main" xmlns="" val="3723654050"/>
+                      <a16:colId xmlns="" xmlns:a16="http://schemas.microsoft.com/office/drawing/2014/main" val="3723654050"/>
                     </a:ext>
                   </a:extLst>
                 </a:gridCol>
                 <a:gridCol w="1192319">
                   <a:extLst>
                     <a:ext uri="{9D8B030D-6E8A-4147-A177-3AD203B41FA5}">
-                      <a16:colId xmlns:a16="http://schemas.microsoft.com/office/drawing/2014/main" xmlns="" val="4270415431"/>
+                      <a16:colId xmlns="" xmlns:a16="http://schemas.microsoft.com/office/drawing/2014/main" val="4270415431"/>
                     </a:ext>
                   </a:extLst>
                 </a:gridCol>
@@ -10008,7 +13187,7 @@
                 </a:tc>
                 <a:extLst>
                   <a:ext uri="{0D108BD9-81ED-4DB2-BD59-A6C34878D82A}">
-                    <a16:rowId xmlns:a16="http://schemas.microsoft.com/office/drawing/2014/main" xmlns="" val="1556317445"/>
+                    <a16:rowId xmlns="" xmlns:a16="http://schemas.microsoft.com/office/drawing/2014/main" val="1556317445"/>
                   </a:ext>
                 </a:extLst>
               </a:tr>
@@ -10217,7 +13396,7 @@
                 </a:tc>
                 <a:extLst>
                   <a:ext uri="{0D108BD9-81ED-4DB2-BD59-A6C34878D82A}">
-                    <a16:rowId xmlns:a16="http://schemas.microsoft.com/office/drawing/2014/main" xmlns="" val="1172037100"/>
+                    <a16:rowId xmlns="" xmlns:a16="http://schemas.microsoft.com/office/drawing/2014/main" val="1172037100"/>
                   </a:ext>
                 </a:extLst>
               </a:tr>
@@ -10442,7 +13621,7 @@
                 </a:tc>
                 <a:extLst>
                   <a:ext uri="{0D108BD9-81ED-4DB2-BD59-A6C34878D82A}">
-                    <a16:rowId xmlns:a16="http://schemas.microsoft.com/office/drawing/2014/main" xmlns="" val="2243676995"/>
+                    <a16:rowId xmlns="" xmlns:a16="http://schemas.microsoft.com/office/drawing/2014/main" val="2243676995"/>
                   </a:ext>
                 </a:extLst>
               </a:tr>
@@ -10455,7 +13634,7 @@
           <p:cNvPr id="40" name="流程图: 过程 39">
             <a:extLst>
               <a:ext uri="{FF2B5EF4-FFF2-40B4-BE49-F238E27FC236}">
-                <a16:creationId xmlns:a16="http://schemas.microsoft.com/office/drawing/2014/main" xmlns="" id="{DEE6F68B-D383-4456-A945-5D2426316FC6}"/>
+                <a16:creationId xmlns="" xmlns:a16="http://schemas.microsoft.com/office/drawing/2014/main" id="{DEE6F68B-D383-4456-A945-5D2426316FC6}"/>
               </a:ext>
             </a:extLst>
           </p:cNvPr>
@@ -10525,7 +13704,7 @@
 </p:sld>
 </file>
 
-<file path=ppt/slides/slide4.xml><?xml version="1.0" encoding="utf-8"?>
+<file path=ppt/slides/slide5.xml><?xml version="1.0" encoding="utf-8"?>
 <p:sld xmlns:a="http://schemas.openxmlformats.org/drawingml/2006/main" xmlns:r="http://schemas.openxmlformats.org/officeDocument/2006/relationships" xmlns:p="http://schemas.openxmlformats.org/presentationml/2006/main" showMasterSp="0">
   <p:cSld>
     <p:bg>
@@ -10645,7 +13824,7 @@
 </p:sld>
 </file>
 
-<file path=ppt/slides/slide5.xml><?xml version="1.0" encoding="utf-8"?>
+<file path=ppt/slides/slide6.xml><?xml version="1.0" encoding="utf-8"?>
 <p:sld xmlns:a="http://schemas.openxmlformats.org/drawingml/2006/main" xmlns:r="http://schemas.openxmlformats.org/officeDocument/2006/relationships" xmlns:p="http://schemas.openxmlformats.org/presentationml/2006/main" showMasterSp="0">
   <p:cSld>
     <p:bg>
@@ -10681,7 +13860,7 @@
           <p:cNvPr id="257" name="图片 256">
             <a:extLst>
               <a:ext uri="{FF2B5EF4-FFF2-40B4-BE49-F238E27FC236}">
-                <a16:creationId xmlns:a16="http://schemas.microsoft.com/office/drawing/2014/main" xmlns="" id="{F227F290-809D-4C66-80F7-4ED1A8FECA3A}"/>
+                <a16:creationId xmlns="" xmlns:a16="http://schemas.microsoft.com/office/drawing/2014/main" id="{F227F290-809D-4C66-80F7-4ED1A8FECA3A}"/>
               </a:ext>
             </a:extLst>
           </p:cNvPr>
@@ -10723,7 +13902,7 @@
           <p:cNvPr id="172" name="直接箭头连接符 171">
             <a:extLst>
               <a:ext uri="{FF2B5EF4-FFF2-40B4-BE49-F238E27FC236}">
-                <a16:creationId xmlns:a16="http://schemas.microsoft.com/office/drawing/2014/main" xmlns="" id="{0D64FD88-B358-4F8D-8E5E-BDE1594E50C2}"/>
+                <a16:creationId xmlns="" xmlns:a16="http://schemas.microsoft.com/office/drawing/2014/main" id="{0D64FD88-B358-4F8D-8E5E-BDE1594E50C2}"/>
               </a:ext>
             </a:extLst>
           </p:cNvPr>
@@ -10768,7 +13947,7 @@
           <p:cNvPr id="178" name="矩形 177">
             <a:extLst>
               <a:ext uri="{FF2B5EF4-FFF2-40B4-BE49-F238E27FC236}">
-                <a16:creationId xmlns:a16="http://schemas.microsoft.com/office/drawing/2014/main" xmlns="" id="{B050F764-DDE9-4B5B-9C18-3F92C32CA32C}"/>
+                <a16:creationId xmlns="" xmlns:a16="http://schemas.microsoft.com/office/drawing/2014/main" id="{B050F764-DDE9-4B5B-9C18-3F92C32CA32C}"/>
               </a:ext>
             </a:extLst>
           </p:cNvPr>
@@ -10819,7 +13998,7 @@
           <p:cNvPr id="194" name="直接箭头连接符 193">
             <a:extLst>
               <a:ext uri="{FF2B5EF4-FFF2-40B4-BE49-F238E27FC236}">
-                <a16:creationId xmlns:a16="http://schemas.microsoft.com/office/drawing/2014/main" xmlns="" id="{F56DB617-0071-4854-8092-F372A816CE21}"/>
+                <a16:creationId xmlns="" xmlns:a16="http://schemas.microsoft.com/office/drawing/2014/main" id="{F56DB617-0071-4854-8092-F372A816CE21}"/>
               </a:ext>
             </a:extLst>
           </p:cNvPr>
@@ -10864,7 +14043,7 @@
           <p:cNvPr id="197" name="直接箭头连接符 196">
             <a:extLst>
               <a:ext uri="{FF2B5EF4-FFF2-40B4-BE49-F238E27FC236}">
-                <a16:creationId xmlns:a16="http://schemas.microsoft.com/office/drawing/2014/main" xmlns="" id="{2553B99D-8C39-42D1-A5DA-5CA1B8E882C9}"/>
+                <a16:creationId xmlns="" xmlns:a16="http://schemas.microsoft.com/office/drawing/2014/main" id="{2553B99D-8C39-42D1-A5DA-5CA1B8E882C9}"/>
               </a:ext>
             </a:extLst>
           </p:cNvPr>
@@ -10909,7 +14088,7 @@
           <p:cNvPr id="161" name="直接箭头连接符 160">
             <a:extLst>
               <a:ext uri="{FF2B5EF4-FFF2-40B4-BE49-F238E27FC236}">
-                <a16:creationId xmlns:a16="http://schemas.microsoft.com/office/drawing/2014/main" xmlns="" id="{6D1CFA88-A0DF-45A5-A07D-D1BEB07BA749}"/>
+                <a16:creationId xmlns="" xmlns:a16="http://schemas.microsoft.com/office/drawing/2014/main" id="{6D1CFA88-A0DF-45A5-A07D-D1BEB07BA749}"/>
               </a:ext>
             </a:extLst>
           </p:cNvPr>
@@ -10953,7 +14132,7 @@
           <p:cNvPr id="166" name="直接箭头连接符 165">
             <a:extLst>
               <a:ext uri="{FF2B5EF4-FFF2-40B4-BE49-F238E27FC236}">
-                <a16:creationId xmlns:a16="http://schemas.microsoft.com/office/drawing/2014/main" xmlns="" id="{00FEAF24-65F1-4590-91F9-55951F495E80}"/>
+                <a16:creationId xmlns="" xmlns:a16="http://schemas.microsoft.com/office/drawing/2014/main" id="{00FEAF24-65F1-4590-91F9-55951F495E80}"/>
               </a:ext>
             </a:extLst>
           </p:cNvPr>
@@ -10997,7 +14176,7 @@
           <p:cNvPr id="169" name="直接箭头连接符 168">
             <a:extLst>
               <a:ext uri="{FF2B5EF4-FFF2-40B4-BE49-F238E27FC236}">
-                <a16:creationId xmlns:a16="http://schemas.microsoft.com/office/drawing/2014/main" xmlns="" id="{A1F223C0-81D2-4241-8C1E-DD444175A9CF}"/>
+                <a16:creationId xmlns="" xmlns:a16="http://schemas.microsoft.com/office/drawing/2014/main" id="{A1F223C0-81D2-4241-8C1E-DD444175A9CF}"/>
               </a:ext>
             </a:extLst>
           </p:cNvPr>
@@ -11041,7 +14220,7 @@
           <p:cNvPr id="175" name="矩形 174">
             <a:extLst>
               <a:ext uri="{FF2B5EF4-FFF2-40B4-BE49-F238E27FC236}">
-                <a16:creationId xmlns:a16="http://schemas.microsoft.com/office/drawing/2014/main" xmlns="" id="{17FE339F-6AC7-4745-A544-BDC4026D8792}"/>
+                <a16:creationId xmlns="" xmlns:a16="http://schemas.microsoft.com/office/drawing/2014/main" id="{17FE339F-6AC7-4745-A544-BDC4026D8792}"/>
               </a:ext>
             </a:extLst>
           </p:cNvPr>
@@ -11092,7 +14271,7 @@
           <p:cNvPr id="1024" name="直接箭头连接符 1023">
             <a:extLst>
               <a:ext uri="{FF2B5EF4-FFF2-40B4-BE49-F238E27FC236}">
-                <a16:creationId xmlns:a16="http://schemas.microsoft.com/office/drawing/2014/main" xmlns="" id="{A1985650-379D-4282-B198-3EBC10E65DEE}"/>
+                <a16:creationId xmlns="" xmlns:a16="http://schemas.microsoft.com/office/drawing/2014/main" id="{A1985650-379D-4282-B198-3EBC10E65DEE}"/>
               </a:ext>
             </a:extLst>
           </p:cNvPr>
@@ -11137,7 +14316,7 @@
           <p:cNvPr id="7" name="矩形 6">
             <a:extLst>
               <a:ext uri="{FF2B5EF4-FFF2-40B4-BE49-F238E27FC236}">
-                <a16:creationId xmlns:a16="http://schemas.microsoft.com/office/drawing/2014/main" xmlns="" id="{37B7BAEF-79CF-4B6B-A59B-86480827D2C9}"/>
+                <a16:creationId xmlns="" xmlns:a16="http://schemas.microsoft.com/office/drawing/2014/main" id="{37B7BAEF-79CF-4B6B-A59B-86480827D2C9}"/>
               </a:ext>
             </a:extLst>
           </p:cNvPr>
@@ -11198,7 +14377,7 @@
           <p:cNvPr id="9" name="矩形 8">
             <a:extLst>
               <a:ext uri="{FF2B5EF4-FFF2-40B4-BE49-F238E27FC236}">
-                <a16:creationId xmlns:a16="http://schemas.microsoft.com/office/drawing/2014/main" xmlns="" id="{E6ACE29F-F37D-4240-9D6C-130E7B1A3E48}"/>
+                <a16:creationId xmlns="" xmlns:a16="http://schemas.microsoft.com/office/drawing/2014/main" id="{E6ACE29F-F37D-4240-9D6C-130E7B1A3E48}"/>
               </a:ext>
             </a:extLst>
           </p:cNvPr>
@@ -11247,7 +14426,7 @@
           <p:cNvPr id="14" name="矩形 13">
             <a:extLst>
               <a:ext uri="{FF2B5EF4-FFF2-40B4-BE49-F238E27FC236}">
-                <a16:creationId xmlns:a16="http://schemas.microsoft.com/office/drawing/2014/main" xmlns="" id="{FC72634C-CB43-4AAA-B2DC-827D6BB31274}"/>
+                <a16:creationId xmlns="" xmlns:a16="http://schemas.microsoft.com/office/drawing/2014/main" id="{FC72634C-CB43-4AAA-B2DC-827D6BB31274}"/>
               </a:ext>
             </a:extLst>
           </p:cNvPr>
@@ -11312,7 +14491,7 @@
           <p:cNvPr id="15" name="矩形 14">
             <a:extLst>
               <a:ext uri="{FF2B5EF4-FFF2-40B4-BE49-F238E27FC236}">
-                <a16:creationId xmlns:a16="http://schemas.microsoft.com/office/drawing/2014/main" xmlns="" id="{07781BD3-FFCC-42E5-9DA7-72D4AE69B5B9}"/>
+                <a16:creationId xmlns="" xmlns:a16="http://schemas.microsoft.com/office/drawing/2014/main" id="{07781BD3-FFCC-42E5-9DA7-72D4AE69B5B9}"/>
               </a:ext>
             </a:extLst>
           </p:cNvPr>
@@ -11361,7 +14540,7 @@
           <p:cNvPr id="16" name="矩形 15">
             <a:extLst>
               <a:ext uri="{FF2B5EF4-FFF2-40B4-BE49-F238E27FC236}">
-                <a16:creationId xmlns:a16="http://schemas.microsoft.com/office/drawing/2014/main" xmlns="" id="{108CC32B-9F7B-446A-93EA-8D9250276AEC}"/>
+                <a16:creationId xmlns="" xmlns:a16="http://schemas.microsoft.com/office/drawing/2014/main" id="{108CC32B-9F7B-446A-93EA-8D9250276AEC}"/>
               </a:ext>
             </a:extLst>
           </p:cNvPr>
@@ -11426,7 +14605,7 @@
           <p:cNvPr id="17" name="矩形 16">
             <a:extLst>
               <a:ext uri="{FF2B5EF4-FFF2-40B4-BE49-F238E27FC236}">
-                <a16:creationId xmlns:a16="http://schemas.microsoft.com/office/drawing/2014/main" xmlns="" id="{5B1B5E58-96A2-4E36-A53B-3ADFBE4B9DE9}"/>
+                <a16:creationId xmlns="" xmlns:a16="http://schemas.microsoft.com/office/drawing/2014/main" id="{5B1B5E58-96A2-4E36-A53B-3ADFBE4B9DE9}"/>
               </a:ext>
             </a:extLst>
           </p:cNvPr>
@@ -11475,7 +14654,7 @@
           <p:cNvPr id="30" name="矩形 29">
             <a:extLst>
               <a:ext uri="{FF2B5EF4-FFF2-40B4-BE49-F238E27FC236}">
-                <a16:creationId xmlns:a16="http://schemas.microsoft.com/office/drawing/2014/main" xmlns="" id="{ACD153CC-3129-4228-90E8-89B05E479312}"/>
+                <a16:creationId xmlns="" xmlns:a16="http://schemas.microsoft.com/office/drawing/2014/main" id="{ACD153CC-3129-4228-90E8-89B05E479312}"/>
               </a:ext>
             </a:extLst>
           </p:cNvPr>
@@ -11540,7 +14719,7 @@
           <p:cNvPr id="31" name="矩形 30">
             <a:extLst>
               <a:ext uri="{FF2B5EF4-FFF2-40B4-BE49-F238E27FC236}">
-                <a16:creationId xmlns:a16="http://schemas.microsoft.com/office/drawing/2014/main" xmlns="" id="{4110AD99-9074-48EA-A28B-868C17D1FF0E}"/>
+                <a16:creationId xmlns="" xmlns:a16="http://schemas.microsoft.com/office/drawing/2014/main" id="{4110AD99-9074-48EA-A28B-868C17D1FF0E}"/>
               </a:ext>
             </a:extLst>
           </p:cNvPr>
@@ -11593,7 +14772,7 @@
           <p:cNvPr id="32" name="矩形 31">
             <a:extLst>
               <a:ext uri="{FF2B5EF4-FFF2-40B4-BE49-F238E27FC236}">
-                <a16:creationId xmlns:a16="http://schemas.microsoft.com/office/drawing/2014/main" xmlns="" id="{ED42542B-5FC7-4878-89A4-E691AAFF28BB}"/>
+                <a16:creationId xmlns="" xmlns:a16="http://schemas.microsoft.com/office/drawing/2014/main" id="{ED42542B-5FC7-4878-89A4-E691AAFF28BB}"/>
               </a:ext>
             </a:extLst>
           </p:cNvPr>
@@ -11658,7 +14837,7 @@
           <p:cNvPr id="33" name="矩形 32">
             <a:extLst>
               <a:ext uri="{FF2B5EF4-FFF2-40B4-BE49-F238E27FC236}">
-                <a16:creationId xmlns:a16="http://schemas.microsoft.com/office/drawing/2014/main" xmlns="" id="{953F89D5-4376-4335-99AB-E7A4BE097595}"/>
+                <a16:creationId xmlns="" xmlns:a16="http://schemas.microsoft.com/office/drawing/2014/main" id="{953F89D5-4376-4335-99AB-E7A4BE097595}"/>
               </a:ext>
             </a:extLst>
           </p:cNvPr>
@@ -11711,7 +14890,7 @@
           <p:cNvPr id="34" name="矩形 33">
             <a:extLst>
               <a:ext uri="{FF2B5EF4-FFF2-40B4-BE49-F238E27FC236}">
-                <a16:creationId xmlns:a16="http://schemas.microsoft.com/office/drawing/2014/main" xmlns="" id="{552D01B9-A9A8-45C2-BAFB-213F3DED539A}"/>
+                <a16:creationId xmlns="" xmlns:a16="http://schemas.microsoft.com/office/drawing/2014/main" id="{552D01B9-A9A8-45C2-BAFB-213F3DED539A}"/>
               </a:ext>
             </a:extLst>
           </p:cNvPr>
@@ -11776,7 +14955,7 @@
           <p:cNvPr id="35" name="矩形 34">
             <a:extLst>
               <a:ext uri="{FF2B5EF4-FFF2-40B4-BE49-F238E27FC236}">
-                <a16:creationId xmlns:a16="http://schemas.microsoft.com/office/drawing/2014/main" xmlns="" id="{ACB8139C-D524-4CD3-9FD1-32C13C729CDF}"/>
+                <a16:creationId xmlns="" xmlns:a16="http://schemas.microsoft.com/office/drawing/2014/main" id="{ACB8139C-D524-4CD3-9FD1-32C13C729CDF}"/>
               </a:ext>
             </a:extLst>
           </p:cNvPr>
@@ -11829,7 +15008,7 @@
           <p:cNvPr id="63" name="矩形 62">
             <a:extLst>
               <a:ext uri="{FF2B5EF4-FFF2-40B4-BE49-F238E27FC236}">
-                <a16:creationId xmlns:a16="http://schemas.microsoft.com/office/drawing/2014/main" xmlns="" id="{6BCF8310-F3B6-4BA0-A24B-2D7AF6095775}"/>
+                <a16:creationId xmlns="" xmlns:a16="http://schemas.microsoft.com/office/drawing/2014/main" id="{6BCF8310-F3B6-4BA0-A24B-2D7AF6095775}"/>
               </a:ext>
             </a:extLst>
           </p:cNvPr>
@@ -11882,7 +15061,7 @@
           <p:cNvPr id="64" name="矩形 63">
             <a:extLst>
               <a:ext uri="{FF2B5EF4-FFF2-40B4-BE49-F238E27FC236}">
-                <a16:creationId xmlns:a16="http://schemas.microsoft.com/office/drawing/2014/main" xmlns="" id="{79849AE5-574E-44A0-8FBC-DD77FC40B809}"/>
+                <a16:creationId xmlns="" xmlns:a16="http://schemas.microsoft.com/office/drawing/2014/main" id="{79849AE5-574E-44A0-8FBC-DD77FC40B809}"/>
               </a:ext>
             </a:extLst>
           </p:cNvPr>
@@ -11935,7 +15114,7 @@
           <p:cNvPr id="24" name="矩形 23">
             <a:extLst>
               <a:ext uri="{FF2B5EF4-FFF2-40B4-BE49-F238E27FC236}">
-                <a16:creationId xmlns:a16="http://schemas.microsoft.com/office/drawing/2014/main" xmlns="" id="{DA18C985-9AB9-4EBA-9EB1-362363B137D1}"/>
+                <a16:creationId xmlns="" xmlns:a16="http://schemas.microsoft.com/office/drawing/2014/main" id="{DA18C985-9AB9-4EBA-9EB1-362363B137D1}"/>
               </a:ext>
             </a:extLst>
           </p:cNvPr>
@@ -12000,7 +15179,7 @@
           <p:cNvPr id="26" name="矩形 25">
             <a:extLst>
               <a:ext uri="{FF2B5EF4-FFF2-40B4-BE49-F238E27FC236}">
-                <a16:creationId xmlns:a16="http://schemas.microsoft.com/office/drawing/2014/main" xmlns="" id="{0A87C972-9CCD-4CE9-931B-D0EC29B1BCD7}"/>
+                <a16:creationId xmlns="" xmlns:a16="http://schemas.microsoft.com/office/drawing/2014/main" id="{0A87C972-9CCD-4CE9-931B-D0EC29B1BCD7}"/>
               </a:ext>
             </a:extLst>
           </p:cNvPr>
@@ -12060,7 +15239,7 @@
           <p:cNvPr id="65" name="矩形 64">
             <a:extLst>
               <a:ext uri="{FF2B5EF4-FFF2-40B4-BE49-F238E27FC236}">
-                <a16:creationId xmlns:a16="http://schemas.microsoft.com/office/drawing/2014/main" xmlns="" id="{97AC42A3-0EB5-46C4-A2FA-39124F668C21}"/>
+                <a16:creationId xmlns="" xmlns:a16="http://schemas.microsoft.com/office/drawing/2014/main" id="{97AC42A3-0EB5-46C4-A2FA-39124F668C21}"/>
               </a:ext>
             </a:extLst>
           </p:cNvPr>
@@ -12119,7 +15298,7 @@
           <p:cNvPr id="73" name="矩形 72">
             <a:extLst>
               <a:ext uri="{FF2B5EF4-FFF2-40B4-BE49-F238E27FC236}">
-                <a16:creationId xmlns:a16="http://schemas.microsoft.com/office/drawing/2014/main" xmlns="" id="{E6C17853-00E6-4FAE-9BFD-A564612E2C6B}"/>
+                <a16:creationId xmlns="" xmlns:a16="http://schemas.microsoft.com/office/drawing/2014/main" id="{E6C17853-00E6-4FAE-9BFD-A564612E2C6B}"/>
               </a:ext>
             </a:extLst>
           </p:cNvPr>
@@ -12184,7 +15363,7 @@
           <p:cNvPr id="74" name="矩形 73">
             <a:extLst>
               <a:ext uri="{FF2B5EF4-FFF2-40B4-BE49-F238E27FC236}">
-                <a16:creationId xmlns:a16="http://schemas.microsoft.com/office/drawing/2014/main" xmlns="" id="{2333C966-DA8B-4150-839F-B139DDE0D0E4}"/>
+                <a16:creationId xmlns="" xmlns:a16="http://schemas.microsoft.com/office/drawing/2014/main" id="{2333C966-DA8B-4150-839F-B139DDE0D0E4}"/>
               </a:ext>
             </a:extLst>
           </p:cNvPr>
@@ -12244,7 +15423,7 @@
           <p:cNvPr id="71" name="矩形 70">
             <a:extLst>
               <a:ext uri="{FF2B5EF4-FFF2-40B4-BE49-F238E27FC236}">
-                <a16:creationId xmlns:a16="http://schemas.microsoft.com/office/drawing/2014/main" xmlns="" id="{0DA5654E-2DF2-44C6-9D65-3F7113AD38C8}"/>
+                <a16:creationId xmlns="" xmlns:a16="http://schemas.microsoft.com/office/drawing/2014/main" id="{0DA5654E-2DF2-44C6-9D65-3F7113AD38C8}"/>
               </a:ext>
             </a:extLst>
           </p:cNvPr>
@@ -12302,7 +15481,7 @@
           <p:cNvPr id="99" name="矩形 98">
             <a:extLst>
               <a:ext uri="{FF2B5EF4-FFF2-40B4-BE49-F238E27FC236}">
-                <a16:creationId xmlns:a16="http://schemas.microsoft.com/office/drawing/2014/main" xmlns="" id="{1639F1B4-D6E8-4376-85B5-248256518778}"/>
+                <a16:creationId xmlns="" xmlns:a16="http://schemas.microsoft.com/office/drawing/2014/main" id="{1639F1B4-D6E8-4376-85B5-248256518778}"/>
               </a:ext>
             </a:extLst>
           </p:cNvPr>
@@ -12367,7 +15546,7 @@
           <p:cNvPr id="100" name="矩形 99">
             <a:extLst>
               <a:ext uri="{FF2B5EF4-FFF2-40B4-BE49-F238E27FC236}">
-                <a16:creationId xmlns:a16="http://schemas.microsoft.com/office/drawing/2014/main" xmlns="" id="{EC50183A-5549-4B40-A606-C389FF335E01}"/>
+                <a16:creationId xmlns="" xmlns:a16="http://schemas.microsoft.com/office/drawing/2014/main" id="{EC50183A-5549-4B40-A606-C389FF335E01}"/>
               </a:ext>
             </a:extLst>
           </p:cNvPr>
@@ -12427,7 +15606,7 @@
           <p:cNvPr id="97" name="矩形 96">
             <a:extLst>
               <a:ext uri="{FF2B5EF4-FFF2-40B4-BE49-F238E27FC236}">
-                <a16:creationId xmlns:a16="http://schemas.microsoft.com/office/drawing/2014/main" xmlns="" id="{2A61C2F1-5BD4-4C70-8063-33A6D3847503}"/>
+                <a16:creationId xmlns="" xmlns:a16="http://schemas.microsoft.com/office/drawing/2014/main" id="{2A61C2F1-5BD4-4C70-8063-33A6D3847503}"/>
               </a:ext>
             </a:extLst>
           </p:cNvPr>
@@ -12490,7 +15669,7 @@
           <p:cNvPr id="94" name="矩形 93">
             <a:extLst>
               <a:ext uri="{FF2B5EF4-FFF2-40B4-BE49-F238E27FC236}">
-                <a16:creationId xmlns:a16="http://schemas.microsoft.com/office/drawing/2014/main" xmlns="" id="{A521D8BB-7B79-4C1E-951C-EA8AFCF4B267}"/>
+                <a16:creationId xmlns="" xmlns:a16="http://schemas.microsoft.com/office/drawing/2014/main" id="{A521D8BB-7B79-4C1E-951C-EA8AFCF4B267}"/>
               </a:ext>
             </a:extLst>
           </p:cNvPr>
@@ -12555,7 +15734,7 @@
           <p:cNvPr id="95" name="矩形 94">
             <a:extLst>
               <a:ext uri="{FF2B5EF4-FFF2-40B4-BE49-F238E27FC236}">
-                <a16:creationId xmlns:a16="http://schemas.microsoft.com/office/drawing/2014/main" xmlns="" id="{4E72158A-A825-4DDE-8239-D88E9FA67659}"/>
+                <a16:creationId xmlns="" xmlns:a16="http://schemas.microsoft.com/office/drawing/2014/main" id="{4E72158A-A825-4DDE-8239-D88E9FA67659}"/>
               </a:ext>
             </a:extLst>
           </p:cNvPr>
@@ -12615,7 +15794,7 @@
           <p:cNvPr id="92" name="矩形 91">
             <a:extLst>
               <a:ext uri="{FF2B5EF4-FFF2-40B4-BE49-F238E27FC236}">
-                <a16:creationId xmlns:a16="http://schemas.microsoft.com/office/drawing/2014/main" xmlns="" id="{02460B4E-7692-4094-BC26-D24AB102D2DE}"/>
+                <a16:creationId xmlns="" xmlns:a16="http://schemas.microsoft.com/office/drawing/2014/main" id="{02460B4E-7692-4094-BC26-D24AB102D2DE}"/>
               </a:ext>
             </a:extLst>
           </p:cNvPr>
@@ -12673,7 +15852,7 @@
           <p:cNvPr id="112" name="矩形 111">
             <a:extLst>
               <a:ext uri="{FF2B5EF4-FFF2-40B4-BE49-F238E27FC236}">
-                <a16:creationId xmlns:a16="http://schemas.microsoft.com/office/drawing/2014/main" xmlns="" id="{B5E5D5CD-3CC5-409C-BCB5-884E9D37E5D6}"/>
+                <a16:creationId xmlns="" xmlns:a16="http://schemas.microsoft.com/office/drawing/2014/main" id="{B5E5D5CD-3CC5-409C-BCB5-884E9D37E5D6}"/>
               </a:ext>
             </a:extLst>
           </p:cNvPr>
@@ -12738,7 +15917,7 @@
           <p:cNvPr id="113" name="矩形 112">
             <a:extLst>
               <a:ext uri="{FF2B5EF4-FFF2-40B4-BE49-F238E27FC236}">
-                <a16:creationId xmlns:a16="http://schemas.microsoft.com/office/drawing/2014/main" xmlns="" id="{3C74AE26-A41C-451A-93D6-B27CBB3E016A}"/>
+                <a16:creationId xmlns="" xmlns:a16="http://schemas.microsoft.com/office/drawing/2014/main" id="{3C74AE26-A41C-451A-93D6-B27CBB3E016A}"/>
               </a:ext>
             </a:extLst>
           </p:cNvPr>
@@ -12803,7 +15982,7 @@
           <p:cNvPr id="110" name="矩形 109">
             <a:extLst>
               <a:ext uri="{FF2B5EF4-FFF2-40B4-BE49-F238E27FC236}">
-                <a16:creationId xmlns:a16="http://schemas.microsoft.com/office/drawing/2014/main" xmlns="" id="{0C8CD50E-815E-47C5-A00B-C54DE312B28D}"/>
+                <a16:creationId xmlns="" xmlns:a16="http://schemas.microsoft.com/office/drawing/2014/main" id="{0C8CD50E-815E-47C5-A00B-C54DE312B28D}"/>
               </a:ext>
             </a:extLst>
           </p:cNvPr>
@@ -12861,7 +16040,7 @@
           <p:cNvPr id="107" name="矩形 106">
             <a:extLst>
               <a:ext uri="{FF2B5EF4-FFF2-40B4-BE49-F238E27FC236}">
-                <a16:creationId xmlns:a16="http://schemas.microsoft.com/office/drawing/2014/main" xmlns="" id="{B54F39DC-51EA-4478-8F4D-BB3DA807EE60}"/>
+                <a16:creationId xmlns="" xmlns:a16="http://schemas.microsoft.com/office/drawing/2014/main" id="{B54F39DC-51EA-4478-8F4D-BB3DA807EE60}"/>
               </a:ext>
             </a:extLst>
           </p:cNvPr>
@@ -12926,7 +16105,7 @@
           <p:cNvPr id="108" name="矩形 107">
             <a:extLst>
               <a:ext uri="{FF2B5EF4-FFF2-40B4-BE49-F238E27FC236}">
-                <a16:creationId xmlns:a16="http://schemas.microsoft.com/office/drawing/2014/main" xmlns="" id="{4F20AB32-1C4C-48BE-BCB1-5EB119FE6AF9}"/>
+                <a16:creationId xmlns="" xmlns:a16="http://schemas.microsoft.com/office/drawing/2014/main" id="{4F20AB32-1C4C-48BE-BCB1-5EB119FE6AF9}"/>
               </a:ext>
             </a:extLst>
           </p:cNvPr>
@@ -12991,7 +16170,7 @@
           <p:cNvPr id="105" name="矩形 104">
             <a:extLst>
               <a:ext uri="{FF2B5EF4-FFF2-40B4-BE49-F238E27FC236}">
-                <a16:creationId xmlns:a16="http://schemas.microsoft.com/office/drawing/2014/main" xmlns="" id="{250F81F5-628E-4CCB-914C-672AB20D1687}"/>
+                <a16:creationId xmlns="" xmlns:a16="http://schemas.microsoft.com/office/drawing/2014/main" id="{250F81F5-628E-4CCB-914C-672AB20D1687}"/>
               </a:ext>
             </a:extLst>
           </p:cNvPr>
@@ -13050,7 +16229,7 @@
           <p:cNvPr id="125" name="矩形 124">
             <a:extLst>
               <a:ext uri="{FF2B5EF4-FFF2-40B4-BE49-F238E27FC236}">
-                <a16:creationId xmlns:a16="http://schemas.microsoft.com/office/drawing/2014/main" xmlns="" id="{327EF90D-4738-465C-B6B5-55FC20FF21C1}"/>
+                <a16:creationId xmlns="" xmlns:a16="http://schemas.microsoft.com/office/drawing/2014/main" id="{327EF90D-4738-465C-B6B5-55FC20FF21C1}"/>
               </a:ext>
             </a:extLst>
           </p:cNvPr>
@@ -13115,7 +16294,7 @@
           <p:cNvPr id="126" name="矩形 125">
             <a:extLst>
               <a:ext uri="{FF2B5EF4-FFF2-40B4-BE49-F238E27FC236}">
-                <a16:creationId xmlns:a16="http://schemas.microsoft.com/office/drawing/2014/main" xmlns="" id="{DD5668FB-18A2-4C5D-A4E5-452B6AAF91F6}"/>
+                <a16:creationId xmlns="" xmlns:a16="http://schemas.microsoft.com/office/drawing/2014/main" id="{DD5668FB-18A2-4C5D-A4E5-452B6AAF91F6}"/>
               </a:ext>
             </a:extLst>
           </p:cNvPr>
@@ -13180,7 +16359,7 @@
           <p:cNvPr id="123" name="矩形 122">
             <a:extLst>
               <a:ext uri="{FF2B5EF4-FFF2-40B4-BE49-F238E27FC236}">
-                <a16:creationId xmlns:a16="http://schemas.microsoft.com/office/drawing/2014/main" xmlns="" id="{49C1F086-9102-485B-A3BA-C92C0397DCD1}"/>
+                <a16:creationId xmlns="" xmlns:a16="http://schemas.microsoft.com/office/drawing/2014/main" id="{49C1F086-9102-485B-A3BA-C92C0397DCD1}"/>
               </a:ext>
             </a:extLst>
           </p:cNvPr>
@@ -13239,7 +16418,7 @@
           <p:cNvPr id="135" name="组合 134">
             <a:extLst>
               <a:ext uri="{FF2B5EF4-FFF2-40B4-BE49-F238E27FC236}">
-                <a16:creationId xmlns:a16="http://schemas.microsoft.com/office/drawing/2014/main" xmlns="" id="{F975F6B0-D790-4A6C-BB29-F4FB51B602F7}"/>
+                <a16:creationId xmlns="" xmlns:a16="http://schemas.microsoft.com/office/drawing/2014/main" id="{F975F6B0-D790-4A6C-BB29-F4FB51B602F7}"/>
               </a:ext>
             </a:extLst>
           </p:cNvPr>
@@ -13259,7 +16438,7 @@
             <p:cNvPr id="138" name="矩形 137">
               <a:extLst>
                 <a:ext uri="{FF2B5EF4-FFF2-40B4-BE49-F238E27FC236}">
-                  <a16:creationId xmlns:a16="http://schemas.microsoft.com/office/drawing/2014/main" xmlns="" id="{DC1C98AF-A996-423D-89F0-3C95B8535B0D}"/>
+                  <a16:creationId xmlns="" xmlns:a16="http://schemas.microsoft.com/office/drawing/2014/main" id="{DC1C98AF-A996-423D-89F0-3C95B8535B0D}"/>
                 </a:ext>
               </a:extLst>
             </p:cNvPr>
@@ -13324,7 +16503,7 @@
             <p:cNvPr id="139" name="矩形 138">
               <a:extLst>
                 <a:ext uri="{FF2B5EF4-FFF2-40B4-BE49-F238E27FC236}">
-                  <a16:creationId xmlns:a16="http://schemas.microsoft.com/office/drawing/2014/main" xmlns="" id="{78F3EE47-A00F-4700-8C3F-F83F4EC2368A}"/>
+                  <a16:creationId xmlns="" xmlns:a16="http://schemas.microsoft.com/office/drawing/2014/main" id="{78F3EE47-A00F-4700-8C3F-F83F4EC2368A}"/>
                 </a:ext>
               </a:extLst>
             </p:cNvPr>
@@ -13383,7 +16562,7 @@
           <p:cNvPr id="136" name="矩形 135">
             <a:extLst>
               <a:ext uri="{FF2B5EF4-FFF2-40B4-BE49-F238E27FC236}">
-                <a16:creationId xmlns:a16="http://schemas.microsoft.com/office/drawing/2014/main" xmlns="" id="{4E58509F-9FCD-4635-997A-F57263518B87}"/>
+                <a16:creationId xmlns="" xmlns:a16="http://schemas.microsoft.com/office/drawing/2014/main" id="{4E58509F-9FCD-4635-997A-F57263518B87}"/>
               </a:ext>
             </a:extLst>
           </p:cNvPr>
@@ -13442,7 +16621,7 @@
           <p:cNvPr id="133" name="矩形 132">
             <a:extLst>
               <a:ext uri="{FF2B5EF4-FFF2-40B4-BE49-F238E27FC236}">
-                <a16:creationId xmlns:a16="http://schemas.microsoft.com/office/drawing/2014/main" xmlns="" id="{A435A12E-617E-4F50-A1FA-3E6396CA6389}"/>
+                <a16:creationId xmlns="" xmlns:a16="http://schemas.microsoft.com/office/drawing/2014/main" id="{A435A12E-617E-4F50-A1FA-3E6396CA6389}"/>
               </a:ext>
             </a:extLst>
           </p:cNvPr>
@@ -13507,7 +16686,7 @@
           <p:cNvPr id="134" name="矩形 133">
             <a:extLst>
               <a:ext uri="{FF2B5EF4-FFF2-40B4-BE49-F238E27FC236}">
-                <a16:creationId xmlns:a16="http://schemas.microsoft.com/office/drawing/2014/main" xmlns="" id="{4D5B8EBC-19FD-4F3C-A9C3-3673D0520470}"/>
+                <a16:creationId xmlns="" xmlns:a16="http://schemas.microsoft.com/office/drawing/2014/main" id="{4D5B8EBC-19FD-4F3C-A9C3-3673D0520470}"/>
               </a:ext>
             </a:extLst>
           </p:cNvPr>
@@ -13565,7 +16744,7 @@
           <p:cNvPr id="131" name="矩形 130">
             <a:extLst>
               <a:ext uri="{FF2B5EF4-FFF2-40B4-BE49-F238E27FC236}">
-                <a16:creationId xmlns:a16="http://schemas.microsoft.com/office/drawing/2014/main" xmlns="" id="{919463F1-DF37-41EB-BFA1-D983896AD0EB}"/>
+                <a16:creationId xmlns="" xmlns:a16="http://schemas.microsoft.com/office/drawing/2014/main" id="{919463F1-DF37-41EB-BFA1-D983896AD0EB}"/>
               </a:ext>
             </a:extLst>
           </p:cNvPr>
@@ -13624,7 +16803,7 @@
           <p:cNvPr id="153" name="矩形 152">
             <a:extLst>
               <a:ext uri="{FF2B5EF4-FFF2-40B4-BE49-F238E27FC236}">
-                <a16:creationId xmlns:a16="http://schemas.microsoft.com/office/drawing/2014/main" xmlns="" id="{83C1B2CA-14E6-4794-8594-B68ACAA78D34}"/>
+                <a16:creationId xmlns="" xmlns:a16="http://schemas.microsoft.com/office/drawing/2014/main" id="{83C1B2CA-14E6-4794-8594-B68ACAA78D34}"/>
               </a:ext>
             </a:extLst>
           </p:cNvPr>
@@ -13680,7 +16859,7 @@
           <p:cNvPr id="155" name="矩形 154">
             <a:extLst>
               <a:ext uri="{FF2B5EF4-FFF2-40B4-BE49-F238E27FC236}">
-                <a16:creationId xmlns:a16="http://schemas.microsoft.com/office/drawing/2014/main" xmlns="" id="{878A6970-1699-41F0-BDE3-886FBEF0B76B}"/>
+                <a16:creationId xmlns="" xmlns:a16="http://schemas.microsoft.com/office/drawing/2014/main" id="{878A6970-1699-41F0-BDE3-886FBEF0B76B}"/>
               </a:ext>
             </a:extLst>
           </p:cNvPr>
@@ -13736,7 +16915,7 @@
           <p:cNvPr id="156" name="矩形 155">
             <a:extLst>
               <a:ext uri="{FF2B5EF4-FFF2-40B4-BE49-F238E27FC236}">
-                <a16:creationId xmlns:a16="http://schemas.microsoft.com/office/drawing/2014/main" xmlns="" id="{967D82E7-9CF5-42D3-9793-0EF394115726}"/>
+                <a16:creationId xmlns="" xmlns:a16="http://schemas.microsoft.com/office/drawing/2014/main" id="{967D82E7-9CF5-42D3-9793-0EF394115726}"/>
               </a:ext>
             </a:extLst>
           </p:cNvPr>
@@ -13792,7 +16971,7 @@
           <p:cNvPr id="174" name="矩形 173">
             <a:extLst>
               <a:ext uri="{FF2B5EF4-FFF2-40B4-BE49-F238E27FC236}">
-                <a16:creationId xmlns:a16="http://schemas.microsoft.com/office/drawing/2014/main" xmlns="" id="{DFA3D6EC-3815-4B8D-BED3-F521A6FFAE36}"/>
+                <a16:creationId xmlns="" xmlns:a16="http://schemas.microsoft.com/office/drawing/2014/main" id="{DFA3D6EC-3815-4B8D-BED3-F521A6FFAE36}"/>
               </a:ext>
             </a:extLst>
           </p:cNvPr>
@@ -13847,7 +17026,7 @@
           <p:cNvPr id="176" name="矩形 175">
             <a:extLst>
               <a:ext uri="{FF2B5EF4-FFF2-40B4-BE49-F238E27FC236}">
-                <a16:creationId xmlns:a16="http://schemas.microsoft.com/office/drawing/2014/main" xmlns="" id="{DE650D74-511F-4E9C-8A02-226A28CD6B26}"/>
+                <a16:creationId xmlns="" xmlns:a16="http://schemas.microsoft.com/office/drawing/2014/main" id="{DE650D74-511F-4E9C-8A02-226A28CD6B26}"/>
               </a:ext>
             </a:extLst>
           </p:cNvPr>
@@ -13897,7 +17076,7 @@
           <p:cNvPr id="177" name="矩形 176">
             <a:extLst>
               <a:ext uri="{FF2B5EF4-FFF2-40B4-BE49-F238E27FC236}">
-                <a16:creationId xmlns:a16="http://schemas.microsoft.com/office/drawing/2014/main" xmlns="" id="{EC0B0EB3-16F5-44BE-A7CD-7081A5ABF1EA}"/>
+                <a16:creationId xmlns="" xmlns:a16="http://schemas.microsoft.com/office/drawing/2014/main" id="{EC0B0EB3-16F5-44BE-A7CD-7081A5ABF1EA}"/>
               </a:ext>
             </a:extLst>
           </p:cNvPr>
@@ -13947,7 +17126,7 @@
           <p:cNvPr id="183" name="矩形 182">
             <a:extLst>
               <a:ext uri="{FF2B5EF4-FFF2-40B4-BE49-F238E27FC236}">
-                <a16:creationId xmlns:a16="http://schemas.microsoft.com/office/drawing/2014/main" xmlns="" id="{9D3DD53F-FC8A-4A79-9D6A-7E89379C2568}"/>
+                <a16:creationId xmlns="" xmlns:a16="http://schemas.microsoft.com/office/drawing/2014/main" id="{9D3DD53F-FC8A-4A79-9D6A-7E89379C2568}"/>
               </a:ext>
             </a:extLst>
           </p:cNvPr>
@@ -13998,7 +17177,7 @@
           <p:cNvPr id="184" name="矩形 183">
             <a:extLst>
               <a:ext uri="{FF2B5EF4-FFF2-40B4-BE49-F238E27FC236}">
-                <a16:creationId xmlns:a16="http://schemas.microsoft.com/office/drawing/2014/main" xmlns="" id="{79AF8359-84AC-4AA7-984E-E1C58ED74B8E}"/>
+                <a16:creationId xmlns="" xmlns:a16="http://schemas.microsoft.com/office/drawing/2014/main" id="{79AF8359-84AC-4AA7-984E-E1C58ED74B8E}"/>
               </a:ext>
             </a:extLst>
           </p:cNvPr>
@@ -14053,7 +17232,7 @@
           <p:cNvPr id="185" name="矩形 184">
             <a:extLst>
               <a:ext uri="{FF2B5EF4-FFF2-40B4-BE49-F238E27FC236}">
-                <a16:creationId xmlns:a16="http://schemas.microsoft.com/office/drawing/2014/main" xmlns="" id="{9597E87A-8C74-47A3-BAFB-E73EFD676CFD}"/>
+                <a16:creationId xmlns="" xmlns:a16="http://schemas.microsoft.com/office/drawing/2014/main" id="{9597E87A-8C74-47A3-BAFB-E73EFD676CFD}"/>
               </a:ext>
             </a:extLst>
           </p:cNvPr>
@@ -14108,7 +17287,7 @@
           <p:cNvPr id="186" name="矩形 185">
             <a:extLst>
               <a:ext uri="{FF2B5EF4-FFF2-40B4-BE49-F238E27FC236}">
-                <a16:creationId xmlns:a16="http://schemas.microsoft.com/office/drawing/2014/main" xmlns="" id="{E2E91619-C893-4DF0-82D9-A204E8111C33}"/>
+                <a16:creationId xmlns="" xmlns:a16="http://schemas.microsoft.com/office/drawing/2014/main" id="{E2E91619-C893-4DF0-82D9-A204E8111C33}"/>
               </a:ext>
             </a:extLst>
           </p:cNvPr>
@@ -14159,7 +17338,7 @@
           <p:cNvPr id="187" name="矩形 186">
             <a:extLst>
               <a:ext uri="{FF2B5EF4-FFF2-40B4-BE49-F238E27FC236}">
-                <a16:creationId xmlns:a16="http://schemas.microsoft.com/office/drawing/2014/main" xmlns="" id="{5AB22BEF-4276-4C40-A6F9-3B5BE529424E}"/>
+                <a16:creationId xmlns="" xmlns:a16="http://schemas.microsoft.com/office/drawing/2014/main" id="{5AB22BEF-4276-4C40-A6F9-3B5BE529424E}"/>
               </a:ext>
             </a:extLst>
           </p:cNvPr>
@@ -14210,7 +17389,7 @@
           <p:cNvPr id="201" name="直接箭头连接符 200">
             <a:extLst>
               <a:ext uri="{FF2B5EF4-FFF2-40B4-BE49-F238E27FC236}">
-                <a16:creationId xmlns:a16="http://schemas.microsoft.com/office/drawing/2014/main" xmlns="" id="{40089274-E461-4FA9-A3A0-3DD4F286B7DC}"/>
+                <a16:creationId xmlns="" xmlns:a16="http://schemas.microsoft.com/office/drawing/2014/main" id="{40089274-E461-4FA9-A3A0-3DD4F286B7DC}"/>
               </a:ext>
             </a:extLst>
           </p:cNvPr>
@@ -14255,7 +17434,7 @@
           <p:cNvPr id="204" name="直接箭头连接符 203">
             <a:extLst>
               <a:ext uri="{FF2B5EF4-FFF2-40B4-BE49-F238E27FC236}">
-                <a16:creationId xmlns:a16="http://schemas.microsoft.com/office/drawing/2014/main" xmlns="" id="{B1AEC1EA-81C2-466D-BB1D-D71C4DEBC7AF}"/>
+                <a16:creationId xmlns="" xmlns:a16="http://schemas.microsoft.com/office/drawing/2014/main" id="{B1AEC1EA-81C2-466D-BB1D-D71C4DEBC7AF}"/>
               </a:ext>
             </a:extLst>
           </p:cNvPr>
@@ -14300,7 +17479,7 @@
           <p:cNvPr id="207" name="直接箭头连接符 206">
             <a:extLst>
               <a:ext uri="{FF2B5EF4-FFF2-40B4-BE49-F238E27FC236}">
-                <a16:creationId xmlns:a16="http://schemas.microsoft.com/office/drawing/2014/main" xmlns="" id="{A47430E1-8CF3-47EE-8B2E-7342844B071E}"/>
+                <a16:creationId xmlns="" xmlns:a16="http://schemas.microsoft.com/office/drawing/2014/main" id="{A47430E1-8CF3-47EE-8B2E-7342844B071E}"/>
               </a:ext>
             </a:extLst>
           </p:cNvPr>
@@ -14343,7 +17522,7 @@
           <p:cNvPr id="227" name="矩形 226">
             <a:extLst>
               <a:ext uri="{FF2B5EF4-FFF2-40B4-BE49-F238E27FC236}">
-                <a16:creationId xmlns:a16="http://schemas.microsoft.com/office/drawing/2014/main" xmlns="" id="{5B38A7EF-50A2-468E-959E-7300A24F8529}"/>
+                <a16:creationId xmlns="" xmlns:a16="http://schemas.microsoft.com/office/drawing/2014/main" id="{5B38A7EF-50A2-468E-959E-7300A24F8529}"/>
               </a:ext>
             </a:extLst>
           </p:cNvPr>
@@ -14400,7 +17579,7 @@
           <p:cNvPr id="228" name="直接箭头连接符 227">
             <a:extLst>
               <a:ext uri="{FF2B5EF4-FFF2-40B4-BE49-F238E27FC236}">
-                <a16:creationId xmlns:a16="http://schemas.microsoft.com/office/drawing/2014/main" xmlns="" id="{FCF163D0-2FB6-49F3-A07A-D163DAF85D65}"/>
+                <a16:creationId xmlns="" xmlns:a16="http://schemas.microsoft.com/office/drawing/2014/main" id="{FCF163D0-2FB6-49F3-A07A-D163DAF85D65}"/>
               </a:ext>
             </a:extLst>
           </p:cNvPr>
@@ -14443,7 +17622,7 @@
           <p:cNvPr id="1051" name="连接符: 肘形 1050">
             <a:extLst>
               <a:ext uri="{FF2B5EF4-FFF2-40B4-BE49-F238E27FC236}">
-                <a16:creationId xmlns:a16="http://schemas.microsoft.com/office/drawing/2014/main" xmlns="" id="{C18E0C09-8FC2-4752-A56B-66777B894DEF}"/>
+                <a16:creationId xmlns="" xmlns:a16="http://schemas.microsoft.com/office/drawing/2014/main" id="{C18E0C09-8FC2-4752-A56B-66777B894DEF}"/>
               </a:ext>
             </a:extLst>
           </p:cNvPr>
@@ -14489,7 +17668,7 @@
           <p:cNvPr id="235" name="矩形 234">
             <a:extLst>
               <a:ext uri="{FF2B5EF4-FFF2-40B4-BE49-F238E27FC236}">
-                <a16:creationId xmlns:a16="http://schemas.microsoft.com/office/drawing/2014/main" xmlns="" id="{866C2B94-D05D-4602-9A05-7040CB59A031}"/>
+                <a16:creationId xmlns="" xmlns:a16="http://schemas.microsoft.com/office/drawing/2014/main" id="{866C2B94-D05D-4602-9A05-7040CB59A031}"/>
               </a:ext>
             </a:extLst>
           </p:cNvPr>
@@ -14545,7 +17724,7 @@
           <p:cNvPr id="238" name="矩形 237">
             <a:extLst>
               <a:ext uri="{FF2B5EF4-FFF2-40B4-BE49-F238E27FC236}">
-                <a16:creationId xmlns:a16="http://schemas.microsoft.com/office/drawing/2014/main" xmlns="" id="{1C801504-BC9C-459F-9964-48D4EE4E50AF}"/>
+                <a16:creationId xmlns="" xmlns:a16="http://schemas.microsoft.com/office/drawing/2014/main" id="{1C801504-BC9C-459F-9964-48D4EE4E50AF}"/>
               </a:ext>
             </a:extLst>
           </p:cNvPr>
@@ -14614,7 +17793,7 @@
           <p:cNvPr id="239" name="矩形 238">
             <a:extLst>
               <a:ext uri="{FF2B5EF4-FFF2-40B4-BE49-F238E27FC236}">
-                <a16:creationId xmlns:a16="http://schemas.microsoft.com/office/drawing/2014/main" xmlns="" id="{C17303F0-5E15-4B80-BF00-13910CEE849A}"/>
+                <a16:creationId xmlns="" xmlns:a16="http://schemas.microsoft.com/office/drawing/2014/main" id="{C17303F0-5E15-4B80-BF00-13910CEE849A}"/>
               </a:ext>
             </a:extLst>
           </p:cNvPr>
@@ -14683,7 +17862,7 @@
           <p:cNvPr id="240" name="矩形 239">
             <a:extLst>
               <a:ext uri="{FF2B5EF4-FFF2-40B4-BE49-F238E27FC236}">
-                <a16:creationId xmlns:a16="http://schemas.microsoft.com/office/drawing/2014/main" xmlns="" id="{9E7E878F-B0F2-438A-8DF9-914FAAB4EAA6}"/>
+                <a16:creationId xmlns="" xmlns:a16="http://schemas.microsoft.com/office/drawing/2014/main" id="{9E7E878F-B0F2-438A-8DF9-914FAAB4EAA6}"/>
               </a:ext>
             </a:extLst>
           </p:cNvPr>
@@ -14739,7 +17918,7 @@
           <p:cNvPr id="242" name="表格 241">
             <a:extLst>
               <a:ext uri="{FF2B5EF4-FFF2-40B4-BE49-F238E27FC236}">
-                <a16:creationId xmlns:a16="http://schemas.microsoft.com/office/drawing/2014/main" xmlns="" id="{9AAB3172-877E-4AE8-8A67-240BB4D58BA3}"/>
+                <a16:creationId xmlns="" xmlns:a16="http://schemas.microsoft.com/office/drawing/2014/main" id="{9AAB3172-877E-4AE8-8A67-240BB4D58BA3}"/>
               </a:ext>
             </a:extLst>
           </p:cNvPr>
@@ -14766,28 +17945,28 @@
                 <a:gridCol w="798257">
                   <a:extLst>
                     <a:ext uri="{9D8B030D-6E8A-4147-A177-3AD203B41FA5}">
-                      <a16:colId xmlns:a16="http://schemas.microsoft.com/office/drawing/2014/main" xmlns="" val="3948644296"/>
+                      <a16:colId xmlns="" xmlns:a16="http://schemas.microsoft.com/office/drawing/2014/main" val="3948644296"/>
                     </a:ext>
                   </a:extLst>
                 </a:gridCol>
                 <a:gridCol w="618004">
                   <a:extLst>
                     <a:ext uri="{9D8B030D-6E8A-4147-A177-3AD203B41FA5}">
-                      <a16:colId xmlns:a16="http://schemas.microsoft.com/office/drawing/2014/main" xmlns="" val="3723654050"/>
+                      <a16:colId xmlns="" xmlns:a16="http://schemas.microsoft.com/office/drawing/2014/main" val="3723654050"/>
                     </a:ext>
                   </a:extLst>
                 </a:gridCol>
                 <a:gridCol w="749097">
                   <a:extLst>
                     <a:ext uri="{9D8B030D-6E8A-4147-A177-3AD203B41FA5}">
-                      <a16:colId xmlns:a16="http://schemas.microsoft.com/office/drawing/2014/main" xmlns="" val="4270415431"/>
+                      <a16:colId xmlns="" xmlns:a16="http://schemas.microsoft.com/office/drawing/2014/main" val="4270415431"/>
                     </a:ext>
                   </a:extLst>
                 </a:gridCol>
                 <a:gridCol w="692914">
                   <a:extLst>
                     <a:ext uri="{9D8B030D-6E8A-4147-A177-3AD203B41FA5}">
-                      <a16:colId xmlns:a16="http://schemas.microsoft.com/office/drawing/2014/main" xmlns="" val="20003"/>
+                      <a16:colId xmlns="" xmlns:a16="http://schemas.microsoft.com/office/drawing/2014/main" val="20003"/>
                     </a:ext>
                   </a:extLst>
                 </a:gridCol>
@@ -15129,7 +18308,7 @@
                 </a:tc>
                 <a:extLst>
                   <a:ext uri="{0D108BD9-81ED-4DB2-BD59-A6C34878D82A}">
-                    <a16:rowId xmlns:a16="http://schemas.microsoft.com/office/drawing/2014/main" xmlns="" val="1556317445"/>
+                    <a16:rowId xmlns="" xmlns:a16="http://schemas.microsoft.com/office/drawing/2014/main" val="1556317445"/>
                   </a:ext>
                 </a:extLst>
               </a:tr>
@@ -15414,7 +18593,7 @@
                 </a:tc>
                 <a:extLst>
                   <a:ext uri="{0D108BD9-81ED-4DB2-BD59-A6C34878D82A}">
-                    <a16:rowId xmlns:a16="http://schemas.microsoft.com/office/drawing/2014/main" xmlns="" val="1172037100"/>
+                    <a16:rowId xmlns="" xmlns:a16="http://schemas.microsoft.com/office/drawing/2014/main" val="1172037100"/>
                   </a:ext>
                 </a:extLst>
               </a:tr>
@@ -15699,7 +18878,7 @@
                 </a:tc>
                 <a:extLst>
                   <a:ext uri="{0D108BD9-81ED-4DB2-BD59-A6C34878D82A}">
-                    <a16:rowId xmlns:a16="http://schemas.microsoft.com/office/drawing/2014/main" xmlns="" val="2243676995"/>
+                    <a16:rowId xmlns="" xmlns:a16="http://schemas.microsoft.com/office/drawing/2014/main" val="2243676995"/>
                   </a:ext>
                 </a:extLst>
               </a:tr>
@@ -15967,7 +19146,7 @@
                 </a:tc>
                 <a:extLst>
                   <a:ext uri="{0D108BD9-81ED-4DB2-BD59-A6C34878D82A}">
-                    <a16:rowId xmlns:a16="http://schemas.microsoft.com/office/drawing/2014/main" xmlns="" val="4256870296"/>
+                    <a16:rowId xmlns="" xmlns:a16="http://schemas.microsoft.com/office/drawing/2014/main" val="4256870296"/>
                   </a:ext>
                 </a:extLst>
               </a:tr>
@@ -16252,7 +19431,7 @@
                 </a:tc>
                 <a:extLst>
                   <a:ext uri="{0D108BD9-81ED-4DB2-BD59-A6C34878D82A}">
-                    <a16:rowId xmlns:a16="http://schemas.microsoft.com/office/drawing/2014/main" xmlns="" val="899282155"/>
+                    <a16:rowId xmlns="" xmlns:a16="http://schemas.microsoft.com/office/drawing/2014/main" val="899282155"/>
                   </a:ext>
                 </a:extLst>
               </a:tr>
@@ -16265,7 +19444,7 @@
           <p:cNvPr id="255" name="矩形 254">
             <a:extLst>
               <a:ext uri="{FF2B5EF4-FFF2-40B4-BE49-F238E27FC236}">
-                <a16:creationId xmlns:a16="http://schemas.microsoft.com/office/drawing/2014/main" xmlns="" id="{069080C4-ED58-4DC6-97FC-AEC40E681730}"/>
+                <a16:creationId xmlns="" xmlns:a16="http://schemas.microsoft.com/office/drawing/2014/main" id="{069080C4-ED58-4DC6-97FC-AEC40E681730}"/>
               </a:ext>
             </a:extLst>
           </p:cNvPr>
@@ -16321,7 +19500,7 @@
           <p:cNvPr id="256" name="矩形 255">
             <a:extLst>
               <a:ext uri="{FF2B5EF4-FFF2-40B4-BE49-F238E27FC236}">
-                <a16:creationId xmlns:a16="http://schemas.microsoft.com/office/drawing/2014/main" xmlns="" id="{FCF1CD20-F034-4BEF-8565-6060DAD94853}"/>
+                <a16:creationId xmlns="" xmlns:a16="http://schemas.microsoft.com/office/drawing/2014/main" id="{FCF1CD20-F034-4BEF-8565-6060DAD94853}"/>
               </a:ext>
             </a:extLst>
           </p:cNvPr>
@@ -16454,7 +19633,7 @@
           <p:cNvPr id="258" name="矩形 257">
             <a:extLst>
               <a:ext uri="{FF2B5EF4-FFF2-40B4-BE49-F238E27FC236}">
-                <a16:creationId xmlns:a16="http://schemas.microsoft.com/office/drawing/2014/main" xmlns="" id="{AD976657-E2B9-436F-A69C-E68E93E618F0}"/>
+                <a16:creationId xmlns="" xmlns:a16="http://schemas.microsoft.com/office/drawing/2014/main" id="{AD976657-E2B9-436F-A69C-E68E93E618F0}"/>
               </a:ext>
             </a:extLst>
           </p:cNvPr>
@@ -16518,7 +19697,7 @@
 </p:sld>
 </file>
 
-<file path=ppt/slides/slide6.xml><?xml version="1.0" encoding="utf-8"?>
+<file path=ppt/slides/slide7.xml><?xml version="1.0" encoding="utf-8"?>
 <p:sld xmlns:a="http://schemas.openxmlformats.org/drawingml/2006/main" xmlns:r="http://schemas.openxmlformats.org/officeDocument/2006/relationships" xmlns:p="http://schemas.openxmlformats.org/presentationml/2006/main" showMasterSp="0">
   <p:cSld>
     <p:bg>
@@ -16554,7 +19733,7 @@
           <p:cNvPr id="59" name="图片 58">
             <a:extLst>
               <a:ext uri="{FF2B5EF4-FFF2-40B4-BE49-F238E27FC236}">
-                <a16:creationId xmlns:a16="http://schemas.microsoft.com/office/drawing/2014/main" xmlns="" id="{F227F290-809D-4C66-80F7-4ED1A8FECA3A}"/>
+                <a16:creationId xmlns="" xmlns:a16="http://schemas.microsoft.com/office/drawing/2014/main" id="{F227F290-809D-4C66-80F7-4ED1A8FECA3A}"/>
               </a:ext>
             </a:extLst>
           </p:cNvPr>
@@ -16751,7 +19930,7 @@
           <p:cNvPr id="13" name="矩形 12">
             <a:extLst>
               <a:ext uri="{FF2B5EF4-FFF2-40B4-BE49-F238E27FC236}">
-                <a16:creationId xmlns:a16="http://schemas.microsoft.com/office/drawing/2014/main" xmlns="" id="{9D3DD53F-FC8A-4A79-9D6A-7E89379C2568}"/>
+                <a16:creationId xmlns="" xmlns:a16="http://schemas.microsoft.com/office/drawing/2014/main" id="{9D3DD53F-FC8A-4A79-9D6A-7E89379C2568}"/>
               </a:ext>
             </a:extLst>
           </p:cNvPr>
@@ -16832,7 +20011,7 @@
           <p:cNvPr id="14" name="直接箭头连接符 13">
             <a:extLst>
               <a:ext uri="{FF2B5EF4-FFF2-40B4-BE49-F238E27FC236}">
-                <a16:creationId xmlns:a16="http://schemas.microsoft.com/office/drawing/2014/main" xmlns="" id="{6D1CFA88-A0DF-45A5-A07D-D1BEB07BA749}"/>
+                <a16:creationId xmlns="" xmlns:a16="http://schemas.microsoft.com/office/drawing/2014/main" id="{6D1CFA88-A0DF-45A5-A07D-D1BEB07BA749}"/>
               </a:ext>
             </a:extLst>
           </p:cNvPr>
@@ -16871,7 +20050,7 @@
           <p:cNvPr id="18" name="矩形 17">
             <a:extLst>
               <a:ext uri="{FF2B5EF4-FFF2-40B4-BE49-F238E27FC236}">
-                <a16:creationId xmlns:a16="http://schemas.microsoft.com/office/drawing/2014/main" xmlns="" id="{9D3DD53F-FC8A-4A79-9D6A-7E89379C2568}"/>
+                <a16:creationId xmlns="" xmlns:a16="http://schemas.microsoft.com/office/drawing/2014/main" id="{9D3DD53F-FC8A-4A79-9D6A-7E89379C2568}"/>
               </a:ext>
             </a:extLst>
           </p:cNvPr>
@@ -17180,7 +20359,7 @@
           <p:cNvPr id="29" name="矩形 28">
             <a:extLst>
               <a:ext uri="{FF2B5EF4-FFF2-40B4-BE49-F238E27FC236}">
-                <a16:creationId xmlns:a16="http://schemas.microsoft.com/office/drawing/2014/main" xmlns="" id="{9D3DD53F-FC8A-4A79-9D6A-7E89379C2568}"/>
+                <a16:creationId xmlns="" xmlns:a16="http://schemas.microsoft.com/office/drawing/2014/main" id="{9D3DD53F-FC8A-4A79-9D6A-7E89379C2568}"/>
               </a:ext>
             </a:extLst>
           </p:cNvPr>
@@ -17238,7 +20417,7 @@
           <p:cNvPr id="30" name="矩形 29">
             <a:extLst>
               <a:ext uri="{FF2B5EF4-FFF2-40B4-BE49-F238E27FC236}">
-                <a16:creationId xmlns:a16="http://schemas.microsoft.com/office/drawing/2014/main" xmlns="" id="{9D3DD53F-FC8A-4A79-9D6A-7E89379C2568}"/>
+                <a16:creationId xmlns="" xmlns:a16="http://schemas.microsoft.com/office/drawing/2014/main" id="{9D3DD53F-FC8A-4A79-9D6A-7E89379C2568}"/>
               </a:ext>
             </a:extLst>
           </p:cNvPr>
@@ -17296,7 +20475,7 @@
           <p:cNvPr id="31" name="矩形 30">
             <a:extLst>
               <a:ext uri="{FF2B5EF4-FFF2-40B4-BE49-F238E27FC236}">
-                <a16:creationId xmlns:a16="http://schemas.microsoft.com/office/drawing/2014/main" xmlns="" id="{9D3DD53F-FC8A-4A79-9D6A-7E89379C2568}"/>
+                <a16:creationId xmlns="" xmlns:a16="http://schemas.microsoft.com/office/drawing/2014/main" id="{9D3DD53F-FC8A-4A79-9D6A-7E89379C2568}"/>
               </a:ext>
             </a:extLst>
           </p:cNvPr>
@@ -17354,7 +20533,7 @@
           <p:cNvPr id="32" name="矩形 31">
             <a:extLst>
               <a:ext uri="{FF2B5EF4-FFF2-40B4-BE49-F238E27FC236}">
-                <a16:creationId xmlns:a16="http://schemas.microsoft.com/office/drawing/2014/main" xmlns="" id="{9D3DD53F-FC8A-4A79-9D6A-7E89379C2568}"/>
+                <a16:creationId xmlns="" xmlns:a16="http://schemas.microsoft.com/office/drawing/2014/main" id="{9D3DD53F-FC8A-4A79-9D6A-7E89379C2568}"/>
               </a:ext>
             </a:extLst>
           </p:cNvPr>
@@ -17569,7 +20748,7 @@
           <p:cNvPr id="48" name="矩形 47">
             <a:extLst>
               <a:ext uri="{FF2B5EF4-FFF2-40B4-BE49-F238E27FC236}">
-                <a16:creationId xmlns:a16="http://schemas.microsoft.com/office/drawing/2014/main" xmlns="" id="{9D3DD53F-FC8A-4A79-9D6A-7E89379C2568}"/>
+                <a16:creationId xmlns="" xmlns:a16="http://schemas.microsoft.com/office/drawing/2014/main" id="{9D3DD53F-FC8A-4A79-9D6A-7E89379C2568}"/>
               </a:ext>
             </a:extLst>
           </p:cNvPr>
@@ -17714,7 +20893,7 @@
           <p:cNvPr id="52" name="矩形 51">
             <a:extLst>
               <a:ext uri="{FF2B5EF4-FFF2-40B4-BE49-F238E27FC236}">
-                <a16:creationId xmlns:a16="http://schemas.microsoft.com/office/drawing/2014/main" xmlns="" id="{9D3DD53F-FC8A-4A79-9D6A-7E89379C2568}"/>
+                <a16:creationId xmlns="" xmlns:a16="http://schemas.microsoft.com/office/drawing/2014/main" id="{9D3DD53F-FC8A-4A79-9D6A-7E89379C2568}"/>
               </a:ext>
             </a:extLst>
           </p:cNvPr>
@@ -17764,7 +20943,7 @@
           <p:cNvPr id="53" name="矩形 52">
             <a:extLst>
               <a:ext uri="{FF2B5EF4-FFF2-40B4-BE49-F238E27FC236}">
-                <a16:creationId xmlns:a16="http://schemas.microsoft.com/office/drawing/2014/main" xmlns="" id="{9D3DD53F-FC8A-4A79-9D6A-7E89379C2568}"/>
+                <a16:creationId xmlns="" xmlns:a16="http://schemas.microsoft.com/office/drawing/2014/main" id="{9D3DD53F-FC8A-4A79-9D6A-7E89379C2568}"/>
               </a:ext>
             </a:extLst>
           </p:cNvPr>
@@ -17814,7 +20993,7 @@
           <p:cNvPr id="54" name="矩形 53">
             <a:extLst>
               <a:ext uri="{FF2B5EF4-FFF2-40B4-BE49-F238E27FC236}">
-                <a16:creationId xmlns:a16="http://schemas.microsoft.com/office/drawing/2014/main" xmlns="" id="{9D3DD53F-FC8A-4A79-9D6A-7E89379C2568}"/>
+                <a16:creationId xmlns="" xmlns:a16="http://schemas.microsoft.com/office/drawing/2014/main" id="{9D3DD53F-FC8A-4A79-9D6A-7E89379C2568}"/>
               </a:ext>
             </a:extLst>
           </p:cNvPr>
@@ -17872,7 +21051,7 @@
           <p:cNvPr id="55" name="矩形 54">
             <a:extLst>
               <a:ext uri="{FF2B5EF4-FFF2-40B4-BE49-F238E27FC236}">
-                <a16:creationId xmlns:a16="http://schemas.microsoft.com/office/drawing/2014/main" xmlns="" id="{9D3DD53F-FC8A-4A79-9D6A-7E89379C2568}"/>
+                <a16:creationId xmlns="" xmlns:a16="http://schemas.microsoft.com/office/drawing/2014/main" id="{9D3DD53F-FC8A-4A79-9D6A-7E89379C2568}"/>
               </a:ext>
             </a:extLst>
           </p:cNvPr>
@@ -17930,7 +21109,7 @@
           <p:cNvPr id="56" name="弧形 55">
             <a:extLst>
               <a:ext uri="{FF2B5EF4-FFF2-40B4-BE49-F238E27FC236}">
-                <a16:creationId xmlns="" xmlns:a16="http://schemas.microsoft.com/office/drawing/2014/main" id="{E39619EE-940E-4DCD-B232-14B666B8A7B8}"/>
+                <a16:creationId xmlns:a16="http://schemas.microsoft.com/office/drawing/2014/main" xmlns="" id="{E39619EE-940E-4DCD-B232-14B666B8A7B8}"/>
               </a:ext>
             </a:extLst>
           </p:cNvPr>
@@ -18012,7 +21191,7 @@
           <p:cNvPr id="57" name="矩形 56">
             <a:extLst>
               <a:ext uri="{FF2B5EF4-FFF2-40B4-BE49-F238E27FC236}">
-                <a16:creationId xmlns:a16="http://schemas.microsoft.com/office/drawing/2014/main" xmlns="" id="{9D3DD53F-FC8A-4A79-9D6A-7E89379C2568}"/>
+                <a16:creationId xmlns="" xmlns:a16="http://schemas.microsoft.com/office/drawing/2014/main" id="{9D3DD53F-FC8A-4A79-9D6A-7E89379C2568}"/>
               </a:ext>
             </a:extLst>
           </p:cNvPr>
@@ -18078,7 +21257,7 @@
           <p:cNvPr id="58" name="矩形 57">
             <a:extLst>
               <a:ext uri="{FF2B5EF4-FFF2-40B4-BE49-F238E27FC236}">
-                <a16:creationId xmlns:a16="http://schemas.microsoft.com/office/drawing/2014/main" xmlns="" id="{9D3DD53F-FC8A-4A79-9D6A-7E89379C2568}"/>
+                <a16:creationId xmlns="" xmlns:a16="http://schemas.microsoft.com/office/drawing/2014/main" id="{9D3DD53F-FC8A-4A79-9D6A-7E89379C2568}"/>
               </a:ext>
             </a:extLst>
           </p:cNvPr>
@@ -18136,7 +21315,7 @@
           <p:cNvPr id="60" name="矩形 59">
             <a:extLst>
               <a:ext uri="{FF2B5EF4-FFF2-40B4-BE49-F238E27FC236}">
-                <a16:creationId xmlns:a16="http://schemas.microsoft.com/office/drawing/2014/main" xmlns="" id="{FCF1CD20-F034-4BEF-8565-6060DAD94853}"/>
+                <a16:creationId xmlns="" xmlns:a16="http://schemas.microsoft.com/office/drawing/2014/main" id="{FCF1CD20-F034-4BEF-8565-6060DAD94853}"/>
               </a:ext>
             </a:extLst>
           </p:cNvPr>
@@ -18198,6 +21377,2780 @@
     <p:extLst>
       <p:ext uri="{BB962C8B-B14F-4D97-AF65-F5344CB8AC3E}">
         <p14:creationId xmlns:p14="http://schemas.microsoft.com/office/powerpoint/2010/main" val="677712056"/>
+      </p:ext>
+    </p:extLst>
+  </p:cSld>
+  <p:clrMapOvr>
+    <a:masterClrMapping/>
+  </p:clrMapOvr>
+  <p:transition spd="med"/>
+</p:sld>
+</file>
+
+<file path=ppt/slides/slide8.xml><?xml version="1.0" encoding="utf-8"?>
+<p:sld xmlns:a="http://schemas.openxmlformats.org/drawingml/2006/main" xmlns:r="http://schemas.openxmlformats.org/officeDocument/2006/relationships" xmlns:p="http://schemas.openxmlformats.org/presentationml/2006/main" showMasterSp="0">
+  <p:cSld>
+    <p:bg>
+      <p:bgPr>
+        <a:blipFill dpi="0" rotWithShape="1">
+          <a:blip r:embed="rId3">
+            <a:lum/>
+          </a:blip>
+          <a:srcRect/>
+          <a:stretch>
+            <a:fillRect/>
+          </a:stretch>
+        </a:blipFill>
+        <a:effectLst/>
+      </p:bgPr>
+    </p:bg>
+    <p:spTree>
+      <p:nvGrpSpPr>
+        <p:cNvPr id="1" name=""/>
+        <p:cNvGrpSpPr/>
+        <p:nvPr/>
+      </p:nvGrpSpPr>
+      <p:grpSpPr>
+        <a:xfrm>
+          <a:off x="0" y="0"/>
+          <a:ext cx="0" cy="0"/>
+          <a:chOff x="0" y="0"/>
+          <a:chExt cx="0" cy="0"/>
+        </a:xfrm>
+      </p:grpSpPr>
+      <p:pic>
+        <p:nvPicPr>
+          <p:cNvPr id="101" name="图片 100">
+            <a:extLst>
+              <a:ext uri="{FF2B5EF4-FFF2-40B4-BE49-F238E27FC236}">
+                <a16:creationId xmlns="" xmlns:a16="http://schemas.microsoft.com/office/drawing/2014/main" id="{F227F290-809D-4C66-80F7-4ED1A8FECA3A}"/>
+              </a:ext>
+            </a:extLst>
+          </p:cNvPr>
+          <p:cNvPicPr>
+            <a:picLocks noChangeAspect="1"/>
+          </p:cNvPicPr>
+          <p:nvPr/>
+        </p:nvPicPr>
+        <p:blipFill>
+          <a:blip r:embed="rId4">
+            <a:extLst>
+              <a:ext uri="{28A0092B-C50C-407E-A947-70E740481C1C}">
+                <a14:useLocalDpi xmlns:a14="http://schemas.microsoft.com/office/drawing/2010/main" val="0"/>
+              </a:ext>
+            </a:extLst>
+          </a:blip>
+          <a:stretch>
+            <a:fillRect/>
+          </a:stretch>
+        </p:blipFill>
+        <p:spPr>
+          <a:xfrm>
+            <a:off x="1343472" y="-675456"/>
+            <a:ext cx="10303265" cy="7776864"/>
+          </a:xfrm>
+          <a:prstGeom prst="rect">
+            <a:avLst/>
+          </a:prstGeom>
+          <a:ln>
+            <a:solidFill>
+              <a:schemeClr val="bg1"/>
+            </a:solidFill>
+          </a:ln>
+          <a:effectLst/>
+        </p:spPr>
+      </p:pic>
+      <p:sp>
+        <p:nvSpPr>
+          <p:cNvPr id="33" name="矩形 32">
+            <a:extLst>
+              <a:ext uri="{FF2B5EF4-FFF2-40B4-BE49-F238E27FC236}">
+                <a16:creationId xmlns="" xmlns:a16="http://schemas.microsoft.com/office/drawing/2014/main" id="{9D3DD53F-FC8A-4A79-9D6A-7E89379C2568}"/>
+              </a:ext>
+            </a:extLst>
+          </p:cNvPr>
+          <p:cNvSpPr/>
+          <p:nvPr/>
+        </p:nvSpPr>
+        <p:spPr bwMode="auto">
+          <a:xfrm>
+            <a:off x="1666401" y="454947"/>
+            <a:ext cx="871200" cy="432128"/>
+          </a:xfrm>
+          <a:prstGeom prst="rect">
+            <a:avLst/>
+          </a:prstGeom>
+          <a:noFill/>
+          <a:ln w="19050" cap="flat" cmpd="sng" algn="ctr">
+            <a:solidFill>
+              <a:schemeClr val="bg1"/>
+            </a:solidFill>
+            <a:prstDash val="solid"/>
+            <a:round/>
+            <a:headEnd type="none" w="med" len="med"/>
+            <a:tailEnd type="none"/>
+          </a:ln>
+          <a:effectLst/>
+        </p:spPr>
+        <p:txBody>
+          <a:bodyPr rtlCol="0" anchor="ctr"/>
+          <a:lstStyle/>
+          <a:p>
+            <a:r>
+              <a:rPr lang="zh-CN" altLang="en-US" sz="1400" dirty="0" smtClean="0">
+                <a:solidFill>
+                  <a:schemeClr val="bg1"/>
+                </a:solidFill>
+              </a:rPr>
+              <a:t>客户端</a:t>
+            </a:r>
+            <a:endParaRPr lang="zh-CN" altLang="en-US" sz="1400" dirty="0">
+              <a:solidFill>
+                <a:schemeClr val="bg1"/>
+              </a:solidFill>
+            </a:endParaRPr>
+          </a:p>
+        </p:txBody>
+      </p:sp>
+      <p:sp>
+        <p:nvSpPr>
+          <p:cNvPr id="34" name="矩形 33">
+            <a:extLst>
+              <a:ext uri="{FF2B5EF4-FFF2-40B4-BE49-F238E27FC236}">
+                <a16:creationId xmlns="" xmlns:a16="http://schemas.microsoft.com/office/drawing/2014/main" id="{9D3DD53F-FC8A-4A79-9D6A-7E89379C2568}"/>
+              </a:ext>
+            </a:extLst>
+          </p:cNvPr>
+          <p:cNvSpPr/>
+          <p:nvPr/>
+        </p:nvSpPr>
+        <p:spPr bwMode="auto">
+          <a:xfrm>
+            <a:off x="4294584" y="454947"/>
+            <a:ext cx="1008112" cy="432128"/>
+          </a:xfrm>
+          <a:prstGeom prst="rect">
+            <a:avLst/>
+          </a:prstGeom>
+          <a:noFill/>
+          <a:ln w="19050" cap="flat" cmpd="sng" algn="ctr">
+            <a:solidFill>
+              <a:schemeClr val="bg1"/>
+            </a:solidFill>
+            <a:prstDash val="solid"/>
+            <a:round/>
+            <a:headEnd type="none" w="med" len="med"/>
+            <a:tailEnd type="none"/>
+          </a:ln>
+          <a:effectLst/>
+        </p:spPr>
+        <p:txBody>
+          <a:bodyPr rtlCol="0" anchor="ctr"/>
+          <a:lstStyle/>
+          <a:p>
+            <a:r>
+              <a:rPr lang="zh-CN" altLang="en-US" sz="1400" dirty="0" smtClean="0">
+                <a:solidFill>
+                  <a:schemeClr val="bg1"/>
+                </a:solidFill>
+              </a:rPr>
+              <a:t>查询缓存</a:t>
+            </a:r>
+            <a:endParaRPr lang="zh-CN" altLang="en-US" sz="1400" dirty="0">
+              <a:solidFill>
+                <a:schemeClr val="bg1"/>
+              </a:solidFill>
+            </a:endParaRPr>
+          </a:p>
+        </p:txBody>
+      </p:sp>
+      <p:sp>
+        <p:nvSpPr>
+          <p:cNvPr id="35" name="矩形 34">
+            <a:extLst>
+              <a:ext uri="{FF2B5EF4-FFF2-40B4-BE49-F238E27FC236}">
+                <a16:creationId xmlns="" xmlns:a16="http://schemas.microsoft.com/office/drawing/2014/main" id="{9D3DD53F-FC8A-4A79-9D6A-7E89379C2568}"/>
+              </a:ext>
+            </a:extLst>
+          </p:cNvPr>
+          <p:cNvSpPr/>
+          <p:nvPr/>
+        </p:nvSpPr>
+        <p:spPr bwMode="auto">
+          <a:xfrm>
+            <a:off x="7102896" y="454947"/>
+            <a:ext cx="1008112" cy="432128"/>
+          </a:xfrm>
+          <a:prstGeom prst="rect">
+            <a:avLst/>
+          </a:prstGeom>
+          <a:noFill/>
+          <a:ln w="19050" cap="flat" cmpd="sng" algn="ctr">
+            <a:solidFill>
+              <a:schemeClr val="bg1"/>
+            </a:solidFill>
+            <a:prstDash val="solid"/>
+            <a:round/>
+            <a:headEnd type="none" w="med" len="med"/>
+            <a:tailEnd type="none"/>
+          </a:ln>
+          <a:effectLst/>
+        </p:spPr>
+        <p:txBody>
+          <a:bodyPr rtlCol="0" anchor="ctr"/>
+          <a:lstStyle/>
+          <a:p>
+            <a:r>
+              <a:rPr lang="zh-CN" altLang="en-US" sz="1400" dirty="0" smtClean="0">
+                <a:solidFill>
+                  <a:schemeClr val="bg1"/>
+                </a:solidFill>
+              </a:rPr>
+              <a:t>解析器</a:t>
+            </a:r>
+            <a:endParaRPr lang="zh-CN" altLang="en-US" sz="1400" dirty="0">
+              <a:solidFill>
+                <a:schemeClr val="bg1"/>
+              </a:solidFill>
+            </a:endParaRPr>
+          </a:p>
+        </p:txBody>
+      </p:sp>
+      <p:sp>
+        <p:nvSpPr>
+          <p:cNvPr id="36" name="矩形 35">
+            <a:extLst>
+              <a:ext uri="{FF2B5EF4-FFF2-40B4-BE49-F238E27FC236}">
+                <a16:creationId xmlns="" xmlns:a16="http://schemas.microsoft.com/office/drawing/2014/main" id="{9D3DD53F-FC8A-4A79-9D6A-7E89379C2568}"/>
+              </a:ext>
+            </a:extLst>
+          </p:cNvPr>
+          <p:cNvSpPr/>
+          <p:nvPr/>
+        </p:nvSpPr>
+        <p:spPr bwMode="auto">
+          <a:xfrm>
+            <a:off x="9908775" y="454947"/>
+            <a:ext cx="1008112" cy="432128"/>
+          </a:xfrm>
+          <a:prstGeom prst="rect">
+            <a:avLst/>
+          </a:prstGeom>
+          <a:noFill/>
+          <a:ln w="19050" cap="flat" cmpd="sng" algn="ctr">
+            <a:solidFill>
+              <a:schemeClr val="bg1"/>
+            </a:solidFill>
+            <a:prstDash val="solid"/>
+            <a:round/>
+            <a:headEnd type="none" w="med" len="med"/>
+            <a:tailEnd type="none"/>
+          </a:ln>
+          <a:effectLst/>
+        </p:spPr>
+        <p:txBody>
+          <a:bodyPr rtlCol="0" anchor="ctr"/>
+          <a:lstStyle/>
+          <a:p>
+            <a:r>
+              <a:rPr lang="zh-CN" altLang="en-US" sz="1400" dirty="0" smtClean="0">
+                <a:solidFill>
+                  <a:schemeClr val="bg1"/>
+                </a:solidFill>
+              </a:rPr>
+              <a:t>预处理器</a:t>
+            </a:r>
+            <a:endParaRPr lang="zh-CN" altLang="en-US" sz="1400" dirty="0">
+              <a:solidFill>
+                <a:schemeClr val="bg1"/>
+              </a:solidFill>
+            </a:endParaRPr>
+          </a:p>
+        </p:txBody>
+      </p:sp>
+      <p:sp>
+        <p:nvSpPr>
+          <p:cNvPr id="37" name="矩形 36">
+            <a:extLst>
+              <a:ext uri="{FF2B5EF4-FFF2-40B4-BE49-F238E27FC236}">
+                <a16:creationId xmlns="" xmlns:a16="http://schemas.microsoft.com/office/drawing/2014/main" id="{9D3DD53F-FC8A-4A79-9D6A-7E89379C2568}"/>
+              </a:ext>
+            </a:extLst>
+          </p:cNvPr>
+          <p:cNvSpPr/>
+          <p:nvPr/>
+        </p:nvSpPr>
+        <p:spPr bwMode="auto">
+          <a:xfrm>
+            <a:off x="6888088" y="3047235"/>
+            <a:ext cx="1437727" cy="432128"/>
+          </a:xfrm>
+          <a:prstGeom prst="rect">
+            <a:avLst/>
+          </a:prstGeom>
+          <a:noFill/>
+          <a:ln w="19050" cap="flat" cmpd="sng" algn="ctr">
+            <a:solidFill>
+              <a:schemeClr val="bg1"/>
+            </a:solidFill>
+            <a:prstDash val="solid"/>
+            <a:round/>
+            <a:headEnd type="none" w="med" len="med"/>
+            <a:tailEnd type="none"/>
+          </a:ln>
+          <a:effectLst/>
+        </p:spPr>
+        <p:txBody>
+          <a:bodyPr rtlCol="0" anchor="ctr"/>
+          <a:lstStyle/>
+          <a:p>
+            <a:r>
+              <a:rPr lang="zh-CN" altLang="en-US" sz="1400" dirty="0" smtClean="0">
+                <a:solidFill>
+                  <a:schemeClr val="bg1"/>
+                </a:solidFill>
+              </a:rPr>
+              <a:t>查询执行引擎</a:t>
+            </a:r>
+            <a:endParaRPr lang="zh-CN" altLang="en-US" sz="1400" dirty="0">
+              <a:solidFill>
+                <a:schemeClr val="bg1"/>
+              </a:solidFill>
+            </a:endParaRPr>
+          </a:p>
+        </p:txBody>
+      </p:sp>
+      <p:sp>
+        <p:nvSpPr>
+          <p:cNvPr id="38" name="矩形 37">
+            <a:extLst>
+              <a:ext uri="{FF2B5EF4-FFF2-40B4-BE49-F238E27FC236}">
+                <a16:creationId xmlns="" xmlns:a16="http://schemas.microsoft.com/office/drawing/2014/main" id="{9D3DD53F-FC8A-4A79-9D6A-7E89379C2568}"/>
+              </a:ext>
+            </a:extLst>
+          </p:cNvPr>
+          <p:cNvSpPr/>
+          <p:nvPr/>
+        </p:nvSpPr>
+        <p:spPr bwMode="auto">
+          <a:xfrm>
+            <a:off x="9836767" y="3047235"/>
+            <a:ext cx="1152128" cy="432128"/>
+          </a:xfrm>
+          <a:prstGeom prst="rect">
+            <a:avLst/>
+          </a:prstGeom>
+          <a:noFill/>
+          <a:ln w="19050" cap="flat" cmpd="sng" algn="ctr">
+            <a:solidFill>
+              <a:schemeClr val="bg1"/>
+            </a:solidFill>
+            <a:prstDash val="solid"/>
+            <a:round/>
+            <a:headEnd type="none" w="med" len="med"/>
+            <a:tailEnd type="none"/>
+          </a:ln>
+          <a:effectLst/>
+        </p:spPr>
+        <p:txBody>
+          <a:bodyPr rtlCol="0" anchor="ctr"/>
+          <a:lstStyle/>
+          <a:p>
+            <a:r>
+              <a:rPr lang="zh-CN" altLang="en-US" sz="1400" dirty="0" smtClean="0">
+                <a:solidFill>
+                  <a:schemeClr val="bg1"/>
+                </a:solidFill>
+              </a:rPr>
+              <a:t>查询优化器</a:t>
+            </a:r>
+            <a:endParaRPr lang="zh-CN" altLang="en-US" sz="1400" dirty="0">
+              <a:solidFill>
+                <a:schemeClr val="bg1"/>
+              </a:solidFill>
+            </a:endParaRPr>
+          </a:p>
+        </p:txBody>
+      </p:sp>
+      <p:grpSp>
+        <p:nvGrpSpPr>
+          <p:cNvPr id="3" name="组合 2"/>
+          <p:cNvGrpSpPr/>
+          <p:nvPr/>
+        </p:nvGrpSpPr>
+        <p:grpSpPr>
+          <a:xfrm>
+            <a:off x="4105259" y="3645022"/>
+            <a:ext cx="1386761" cy="2348329"/>
+            <a:chOff x="3845143" y="3645024"/>
+            <a:chExt cx="1386761" cy="2348329"/>
+          </a:xfrm>
+        </p:grpSpPr>
+        <p:sp>
+          <p:nvSpPr>
+            <p:cNvPr id="39" name="矩形 38">
+              <a:extLst>
+                <a:ext uri="{FF2B5EF4-FFF2-40B4-BE49-F238E27FC236}">
+                  <a16:creationId xmlns="" xmlns:a16="http://schemas.microsoft.com/office/drawing/2014/main" id="{9D3DD53F-FC8A-4A79-9D6A-7E89379C2568}"/>
+                </a:ext>
+              </a:extLst>
+            </p:cNvPr>
+            <p:cNvSpPr/>
+            <p:nvPr/>
+          </p:nvSpPr>
+          <p:spPr bwMode="auto">
+            <a:xfrm>
+              <a:off x="4079777" y="4215422"/>
+              <a:ext cx="936104" cy="434961"/>
+            </a:xfrm>
+            <a:prstGeom prst="rect">
+              <a:avLst/>
+            </a:prstGeom>
+            <a:noFill/>
+            <a:ln w="19050" cap="flat" cmpd="sng" algn="ctr">
+              <a:solidFill>
+                <a:schemeClr val="bg1"/>
+              </a:solidFill>
+              <a:prstDash val="solid"/>
+              <a:round/>
+              <a:headEnd type="none" w="med" len="med"/>
+              <a:tailEnd type="none"/>
+            </a:ln>
+            <a:effectLst/>
+          </p:spPr>
+          <p:txBody>
+            <a:bodyPr rtlCol="0" anchor="ctr"/>
+            <a:lstStyle/>
+            <a:p>
+              <a:r>
+                <a:rPr lang="en-US" altLang="zh-CN" sz="1400" dirty="0" err="1" smtClean="0">
+                  <a:solidFill>
+                    <a:schemeClr val="bg1"/>
+                  </a:solidFill>
+                </a:rPr>
+                <a:t>InnoDB</a:t>
+              </a:r>
+              <a:endParaRPr lang="zh-CN" altLang="en-US" sz="1400" dirty="0">
+                <a:solidFill>
+                  <a:schemeClr val="bg1"/>
+                </a:solidFill>
+              </a:endParaRPr>
+            </a:p>
+          </p:txBody>
+        </p:sp>
+        <p:sp>
+          <p:nvSpPr>
+            <p:cNvPr id="40" name="矩形 39">
+              <a:extLst>
+                <a:ext uri="{FF2B5EF4-FFF2-40B4-BE49-F238E27FC236}">
+                  <a16:creationId xmlns="" xmlns:a16="http://schemas.microsoft.com/office/drawing/2014/main" id="{9D3DD53F-FC8A-4A79-9D6A-7E89379C2568}"/>
+                </a:ext>
+              </a:extLst>
+            </p:cNvPr>
+            <p:cNvSpPr/>
+            <p:nvPr/>
+          </p:nvSpPr>
+          <p:spPr bwMode="auto">
+            <a:xfrm>
+              <a:off x="4079777" y="4797152"/>
+              <a:ext cx="936104" cy="432128"/>
+            </a:xfrm>
+            <a:prstGeom prst="rect">
+              <a:avLst/>
+            </a:prstGeom>
+            <a:noFill/>
+            <a:ln w="19050" cap="flat" cmpd="sng" algn="ctr">
+              <a:solidFill>
+                <a:schemeClr val="bg1"/>
+              </a:solidFill>
+              <a:prstDash val="solid"/>
+              <a:round/>
+              <a:headEnd type="none" w="med" len="med"/>
+              <a:tailEnd type="none"/>
+            </a:ln>
+            <a:effectLst/>
+          </p:spPr>
+          <p:txBody>
+            <a:bodyPr rtlCol="0" anchor="ctr"/>
+            <a:lstStyle/>
+            <a:p>
+              <a:r>
+                <a:rPr lang="en-US" altLang="zh-CN" sz="1400" dirty="0" err="1" smtClean="0">
+                  <a:solidFill>
+                    <a:schemeClr val="bg1"/>
+                  </a:solidFill>
+                </a:rPr>
+                <a:t>MyISAM</a:t>
+              </a:r>
+              <a:endParaRPr lang="zh-CN" altLang="en-US" sz="1400" dirty="0">
+                <a:solidFill>
+                  <a:schemeClr val="bg1"/>
+                </a:solidFill>
+              </a:endParaRPr>
+            </a:p>
+          </p:txBody>
+        </p:sp>
+        <p:sp>
+          <p:nvSpPr>
+            <p:cNvPr id="43" name="矩形 42">
+              <a:extLst>
+                <a:ext uri="{FF2B5EF4-FFF2-40B4-BE49-F238E27FC236}">
+                  <a16:creationId xmlns="" xmlns:a16="http://schemas.microsoft.com/office/drawing/2014/main" id="{9D3DD53F-FC8A-4A79-9D6A-7E89379C2568}"/>
+                </a:ext>
+              </a:extLst>
+            </p:cNvPr>
+            <p:cNvSpPr/>
+            <p:nvPr/>
+          </p:nvSpPr>
+          <p:spPr bwMode="auto">
+            <a:xfrm>
+              <a:off x="4079777" y="5386442"/>
+              <a:ext cx="936104" cy="432128"/>
+            </a:xfrm>
+            <a:prstGeom prst="rect">
+              <a:avLst/>
+            </a:prstGeom>
+            <a:noFill/>
+            <a:ln w="19050" cap="flat" cmpd="sng" algn="ctr">
+              <a:solidFill>
+                <a:schemeClr val="bg1"/>
+              </a:solidFill>
+              <a:prstDash val="solid"/>
+              <a:round/>
+              <a:headEnd type="none" w="med" len="med"/>
+              <a:tailEnd type="none"/>
+            </a:ln>
+            <a:effectLst/>
+          </p:spPr>
+          <p:txBody>
+            <a:bodyPr rtlCol="0" anchor="ctr"/>
+            <a:lstStyle/>
+            <a:p>
+              <a:r>
+                <a:rPr lang="en-US" altLang="zh-CN" sz="1400" dirty="0" smtClean="0">
+                  <a:solidFill>
+                    <a:schemeClr val="bg1"/>
+                  </a:solidFill>
+                </a:rPr>
+                <a:t>….</a:t>
+              </a:r>
+              <a:endParaRPr lang="zh-CN" altLang="en-US" sz="1400" dirty="0">
+                <a:solidFill>
+                  <a:schemeClr val="bg1"/>
+                </a:solidFill>
+              </a:endParaRPr>
+            </a:p>
+          </p:txBody>
+        </p:sp>
+        <p:sp>
+          <p:nvSpPr>
+            <p:cNvPr id="44" name="矩形 43">
+              <a:extLst>
+                <a:ext uri="{FF2B5EF4-FFF2-40B4-BE49-F238E27FC236}">
+                  <a16:creationId xmlns="" xmlns:a16="http://schemas.microsoft.com/office/drawing/2014/main" id="{9D3DD53F-FC8A-4A79-9D6A-7E89379C2568}"/>
+                </a:ext>
+              </a:extLst>
+            </p:cNvPr>
+            <p:cNvSpPr/>
+            <p:nvPr/>
+          </p:nvSpPr>
+          <p:spPr bwMode="auto">
+            <a:xfrm>
+              <a:off x="3845143" y="3645024"/>
+              <a:ext cx="1386761" cy="2348329"/>
+            </a:xfrm>
+            <a:prstGeom prst="rect">
+              <a:avLst/>
+            </a:prstGeom>
+            <a:noFill/>
+            <a:ln w="19050" cap="flat" cmpd="sng" algn="ctr">
+              <a:solidFill>
+                <a:schemeClr val="bg1"/>
+              </a:solidFill>
+              <a:prstDash val="solid"/>
+              <a:round/>
+              <a:headEnd type="none" w="med" len="med"/>
+              <a:tailEnd type="none"/>
+            </a:ln>
+            <a:effectLst/>
+          </p:spPr>
+          <p:txBody>
+            <a:bodyPr rtlCol="0" anchor="ctr"/>
+            <a:lstStyle/>
+            <a:p>
+              <a:endParaRPr lang="zh-CN" altLang="en-US" sz="1400" dirty="0">
+                <a:solidFill>
+                  <a:schemeClr val="bg1"/>
+                </a:solidFill>
+              </a:endParaRPr>
+            </a:p>
+          </p:txBody>
+        </p:sp>
+        <p:sp>
+          <p:nvSpPr>
+            <p:cNvPr id="45" name="矩形 44">
+              <a:extLst>
+                <a:ext uri="{FF2B5EF4-FFF2-40B4-BE49-F238E27FC236}">
+                  <a16:creationId xmlns="" xmlns:a16="http://schemas.microsoft.com/office/drawing/2014/main" id="{9D3DD53F-FC8A-4A79-9D6A-7E89379C2568}"/>
+                </a:ext>
+              </a:extLst>
+            </p:cNvPr>
+            <p:cNvSpPr/>
+            <p:nvPr/>
+          </p:nvSpPr>
+          <p:spPr bwMode="auto">
+            <a:xfrm>
+              <a:off x="4070471" y="3701880"/>
+              <a:ext cx="936104" cy="434961"/>
+            </a:xfrm>
+            <a:prstGeom prst="rect">
+              <a:avLst/>
+            </a:prstGeom>
+            <a:noFill/>
+            <a:ln w="19050" cap="flat" cmpd="sng" algn="ctr">
+              <a:noFill/>
+              <a:prstDash val="solid"/>
+              <a:round/>
+              <a:headEnd type="none" w="med" len="med"/>
+              <a:tailEnd type="none"/>
+            </a:ln>
+            <a:effectLst/>
+          </p:spPr>
+          <p:txBody>
+            <a:bodyPr rtlCol="0" anchor="ctr"/>
+            <a:lstStyle/>
+            <a:p>
+              <a:r>
+                <a:rPr lang="zh-CN" altLang="en-US" sz="1400" dirty="0" smtClean="0">
+                  <a:solidFill>
+                    <a:schemeClr val="bg1"/>
+                  </a:solidFill>
+                </a:rPr>
+                <a:t>存储引擎</a:t>
+              </a:r>
+              <a:endParaRPr lang="zh-CN" altLang="en-US" sz="1400" dirty="0">
+                <a:solidFill>
+                  <a:schemeClr val="bg1"/>
+                </a:solidFill>
+              </a:endParaRPr>
+            </a:p>
+          </p:txBody>
+        </p:sp>
+      </p:grpSp>
+      <p:sp>
+        <p:nvSpPr>
+          <p:cNvPr id="2" name="圆柱形 1"/>
+          <p:cNvSpPr/>
+          <p:nvPr/>
+        </p:nvSpPr>
+        <p:spPr bwMode="auto">
+          <a:xfrm>
+            <a:off x="7318919" y="4518529"/>
+            <a:ext cx="576064" cy="601313"/>
+          </a:xfrm>
+          <a:prstGeom prst="can">
+            <a:avLst/>
+          </a:prstGeom>
+          <a:noFill/>
+          <a:ln w="25400" cap="flat" cmpd="sng" algn="ctr">
+            <a:solidFill>
+              <a:schemeClr val="bg1"/>
+            </a:solidFill>
+            <a:prstDash val="solid"/>
+            <a:round/>
+            <a:headEnd type="none" w="med" len="med"/>
+            <a:tailEnd type="none"/>
+          </a:ln>
+          <a:effectLst>
+            <a:outerShdw blurRad="12700" dist="12700" dir="5400000" algn="ctr" rotWithShape="0">
+              <a:srgbClr val="000000">
+                <a:alpha val="50000"/>
+              </a:srgbClr>
+            </a:outerShdw>
+          </a:effectLst>
+        </p:spPr>
+        <p:txBody>
+          <a:bodyPr rtlCol="0" anchor="ctr"/>
+          <a:lstStyle/>
+          <a:p>
+            <a:pPr algn="ctr"/>
+            <a:endParaRPr lang="zh-CN" altLang="en-US"/>
+          </a:p>
+        </p:txBody>
+      </p:sp>
+      <p:sp>
+        <p:nvSpPr>
+          <p:cNvPr id="49" name="矩形 48">
+            <a:extLst>
+              <a:ext uri="{FF2B5EF4-FFF2-40B4-BE49-F238E27FC236}">
+                <a16:creationId xmlns="" xmlns:a16="http://schemas.microsoft.com/office/drawing/2014/main" id="{9D3DD53F-FC8A-4A79-9D6A-7E89379C2568}"/>
+              </a:ext>
+            </a:extLst>
+          </p:cNvPr>
+          <p:cNvSpPr/>
+          <p:nvPr/>
+        </p:nvSpPr>
+        <p:spPr bwMode="auto">
+          <a:xfrm>
+            <a:off x="7102896" y="5134478"/>
+            <a:ext cx="936104" cy="434961"/>
+          </a:xfrm>
+          <a:prstGeom prst="rect">
+            <a:avLst/>
+          </a:prstGeom>
+          <a:noFill/>
+          <a:ln w="19050" cap="flat" cmpd="sng" algn="ctr">
+            <a:noFill/>
+            <a:prstDash val="solid"/>
+            <a:round/>
+            <a:headEnd type="none" w="med" len="med"/>
+            <a:tailEnd type="none"/>
+          </a:ln>
+          <a:effectLst/>
+        </p:spPr>
+        <p:txBody>
+          <a:bodyPr rtlCol="0" anchor="ctr"/>
+          <a:lstStyle/>
+          <a:p>
+            <a:r>
+              <a:rPr lang="zh-CN" altLang="en-US" sz="1400" dirty="0" smtClean="0">
+                <a:solidFill>
+                  <a:schemeClr val="bg1"/>
+                </a:solidFill>
+              </a:rPr>
+              <a:t>数据</a:t>
+            </a:r>
+            <a:endParaRPr lang="zh-CN" altLang="en-US" sz="1400" dirty="0">
+              <a:solidFill>
+                <a:schemeClr val="bg1"/>
+              </a:solidFill>
+            </a:endParaRPr>
+          </a:p>
+        </p:txBody>
+      </p:sp>
+      <p:sp>
+        <p:nvSpPr>
+          <p:cNvPr id="51" name="矩形 50">
+            <a:extLst>
+              <a:ext uri="{FF2B5EF4-FFF2-40B4-BE49-F238E27FC236}">
+                <a16:creationId xmlns="" xmlns:a16="http://schemas.microsoft.com/office/drawing/2014/main" id="{9D3DD53F-FC8A-4A79-9D6A-7E89379C2568}"/>
+              </a:ext>
+            </a:extLst>
+          </p:cNvPr>
+          <p:cNvSpPr/>
+          <p:nvPr/>
+        </p:nvSpPr>
+        <p:spPr bwMode="auto">
+          <a:xfrm>
+            <a:off x="3791744" y="-387424"/>
+            <a:ext cx="7632240" cy="6748805"/>
+          </a:xfrm>
+          <a:prstGeom prst="rect">
+            <a:avLst/>
+          </a:prstGeom>
+          <a:noFill/>
+          <a:ln w="19050" cap="flat" cmpd="sng" algn="ctr">
+            <a:solidFill>
+              <a:srgbClr val="B9CEFF"/>
+            </a:solidFill>
+            <a:prstDash val="dash"/>
+            <a:round/>
+            <a:headEnd type="none" w="med" len="med"/>
+            <a:tailEnd type="none"/>
+          </a:ln>
+          <a:effectLst/>
+        </p:spPr>
+        <p:txBody>
+          <a:bodyPr rtlCol="0" anchor="ctr"/>
+          <a:lstStyle/>
+          <a:p>
+            <a:endParaRPr lang="zh-CN" altLang="en-US" sz="1400" dirty="0">
+              <a:solidFill>
+                <a:schemeClr val="bg1"/>
+              </a:solidFill>
+            </a:endParaRPr>
+          </a:p>
+        </p:txBody>
+      </p:sp>
+      <p:cxnSp>
+        <p:nvCxnSpPr>
+          <p:cNvPr id="61" name="直接箭头连接符 60">
+            <a:extLst>
+              <a:ext uri="{FF2B5EF4-FFF2-40B4-BE49-F238E27FC236}">
+                <a16:creationId xmlns="" xmlns:a16="http://schemas.microsoft.com/office/drawing/2014/main" id="{6D1CFA88-A0DF-45A5-A07D-D1BEB07BA749}"/>
+              </a:ext>
+            </a:extLst>
+          </p:cNvPr>
+          <p:cNvCxnSpPr>
+            <a:cxnSpLocks/>
+            <a:stCxn id="33" idx="3"/>
+            <a:endCxn id="34" idx="1"/>
+          </p:cNvCxnSpPr>
+          <p:nvPr/>
+        </p:nvCxnSpPr>
+        <p:spPr bwMode="auto">
+          <a:xfrm>
+            <a:off x="2537601" y="671011"/>
+            <a:ext cx="1756983" cy="0"/>
+          </a:xfrm>
+          <a:prstGeom prst="straightConnector1">
+            <a:avLst/>
+          </a:prstGeom>
+          <a:solidFill>
+            <a:srgbClr val="FFFFFF"/>
+          </a:solidFill>
+          <a:ln w="19050" cap="flat" cmpd="sng" algn="ctr">
+            <a:solidFill>
+              <a:schemeClr val="bg1"/>
+            </a:solidFill>
+            <a:prstDash val="solid"/>
+            <a:round/>
+            <a:headEnd type="none" w="med" len="med"/>
+            <a:tailEnd type="arrow"/>
+          </a:ln>
+          <a:effectLst/>
+        </p:spPr>
+      </p:cxnSp>
+      <p:sp>
+        <p:nvSpPr>
+          <p:cNvPr id="62" name="矩形 61">
+            <a:extLst>
+              <a:ext uri="{FF2B5EF4-FFF2-40B4-BE49-F238E27FC236}">
+                <a16:creationId xmlns="" xmlns:a16="http://schemas.microsoft.com/office/drawing/2014/main" id="{9D3DD53F-FC8A-4A79-9D6A-7E89379C2568}"/>
+              </a:ext>
+            </a:extLst>
+          </p:cNvPr>
+          <p:cNvSpPr/>
+          <p:nvPr/>
+        </p:nvSpPr>
+        <p:spPr bwMode="auto">
+          <a:xfrm>
+            <a:off x="2319786" y="242174"/>
+            <a:ext cx="1661420" cy="434961"/>
+          </a:xfrm>
+          <a:prstGeom prst="rect">
+            <a:avLst/>
+          </a:prstGeom>
+          <a:noFill/>
+          <a:ln w="19050" cap="flat" cmpd="sng" algn="ctr">
+            <a:noFill/>
+            <a:prstDash val="solid"/>
+            <a:round/>
+            <a:headEnd type="none" w="med" len="med"/>
+            <a:tailEnd type="none"/>
+          </a:ln>
+          <a:effectLst/>
+        </p:spPr>
+        <p:txBody>
+          <a:bodyPr rtlCol="0" anchor="ctr"/>
+          <a:lstStyle/>
+          <a:p>
+            <a:r>
+              <a:rPr lang="en-US" altLang="zh-CN" sz="1400" dirty="0" smtClean="0">
+                <a:solidFill>
+                  <a:srgbClr val="ECBB73"/>
+                </a:solidFill>
+              </a:rPr>
+              <a:t>SQL</a:t>
+            </a:r>
+            <a:r>
+              <a:rPr lang="zh-CN" altLang="en-US" sz="1400" dirty="0" smtClean="0">
+                <a:solidFill>
+                  <a:srgbClr val="ECBB73"/>
+                </a:solidFill>
+              </a:rPr>
+              <a:t>查询请求</a:t>
+            </a:r>
+            <a:endParaRPr lang="zh-CN" altLang="en-US" sz="1400" dirty="0">
+              <a:solidFill>
+                <a:srgbClr val="ECBB73"/>
+              </a:solidFill>
+            </a:endParaRPr>
+          </a:p>
+        </p:txBody>
+      </p:sp>
+      <p:cxnSp>
+        <p:nvCxnSpPr>
+          <p:cNvPr id="64" name="直接箭头连接符 63">
+            <a:extLst>
+              <a:ext uri="{FF2B5EF4-FFF2-40B4-BE49-F238E27FC236}">
+                <a16:creationId xmlns="" xmlns:a16="http://schemas.microsoft.com/office/drawing/2014/main" id="{6D1CFA88-A0DF-45A5-A07D-D1BEB07BA749}"/>
+              </a:ext>
+            </a:extLst>
+          </p:cNvPr>
+          <p:cNvCxnSpPr>
+            <a:cxnSpLocks/>
+            <a:stCxn id="34" idx="3"/>
+            <a:endCxn id="35" idx="1"/>
+          </p:cNvCxnSpPr>
+          <p:nvPr/>
+        </p:nvCxnSpPr>
+        <p:spPr bwMode="auto">
+          <a:xfrm>
+            <a:off x="5302696" y="671011"/>
+            <a:ext cx="1800200" cy="0"/>
+          </a:xfrm>
+          <a:prstGeom prst="straightConnector1">
+            <a:avLst/>
+          </a:prstGeom>
+          <a:solidFill>
+            <a:srgbClr val="FFFFFF"/>
+          </a:solidFill>
+          <a:ln w="19050" cap="flat" cmpd="sng" algn="ctr">
+            <a:solidFill>
+              <a:schemeClr val="bg1"/>
+            </a:solidFill>
+            <a:prstDash val="solid"/>
+            <a:round/>
+            <a:headEnd type="none" w="med" len="med"/>
+            <a:tailEnd type="arrow"/>
+          </a:ln>
+          <a:effectLst/>
+        </p:spPr>
+      </p:cxnSp>
+      <p:sp>
+        <p:nvSpPr>
+          <p:cNvPr id="65" name="矩形 64">
+            <a:extLst>
+              <a:ext uri="{FF2B5EF4-FFF2-40B4-BE49-F238E27FC236}">
+                <a16:creationId xmlns="" xmlns:a16="http://schemas.microsoft.com/office/drawing/2014/main" id="{9D3DD53F-FC8A-4A79-9D6A-7E89379C2568}"/>
+              </a:ext>
+            </a:extLst>
+          </p:cNvPr>
+          <p:cNvSpPr/>
+          <p:nvPr/>
+        </p:nvSpPr>
+        <p:spPr bwMode="auto">
+          <a:xfrm>
+            <a:off x="5364435" y="224238"/>
+            <a:ext cx="1661420" cy="434961"/>
+          </a:xfrm>
+          <a:prstGeom prst="rect">
+            <a:avLst/>
+          </a:prstGeom>
+          <a:noFill/>
+          <a:ln w="19050" cap="flat" cmpd="sng" algn="ctr">
+            <a:noFill/>
+            <a:prstDash val="solid"/>
+            <a:round/>
+            <a:headEnd type="none" w="med" len="med"/>
+            <a:tailEnd type="none"/>
+          </a:ln>
+          <a:effectLst/>
+        </p:spPr>
+        <p:txBody>
+          <a:bodyPr rtlCol="0" anchor="ctr"/>
+          <a:lstStyle/>
+          <a:p>
+            <a:r>
+              <a:rPr lang="en-US" altLang="zh-CN" sz="1400" dirty="0" smtClean="0">
+                <a:solidFill>
+                  <a:srgbClr val="ECBB73"/>
+                </a:solidFill>
+              </a:rPr>
+              <a:t>SQL</a:t>
+            </a:r>
+            <a:endParaRPr lang="zh-CN" altLang="en-US" sz="1400" dirty="0">
+              <a:solidFill>
+                <a:srgbClr val="ECBB73"/>
+              </a:solidFill>
+            </a:endParaRPr>
+          </a:p>
+        </p:txBody>
+      </p:sp>
+      <p:cxnSp>
+        <p:nvCxnSpPr>
+          <p:cNvPr id="66" name="直接箭头连接符 65">
+            <a:extLst>
+              <a:ext uri="{FF2B5EF4-FFF2-40B4-BE49-F238E27FC236}">
+                <a16:creationId xmlns="" xmlns:a16="http://schemas.microsoft.com/office/drawing/2014/main" id="{6D1CFA88-A0DF-45A5-A07D-D1BEB07BA749}"/>
+              </a:ext>
+            </a:extLst>
+          </p:cNvPr>
+          <p:cNvCxnSpPr>
+            <a:cxnSpLocks/>
+            <a:stCxn id="35" idx="3"/>
+          </p:cNvCxnSpPr>
+          <p:nvPr/>
+        </p:nvCxnSpPr>
+        <p:spPr bwMode="auto">
+          <a:xfrm flipV="1">
+            <a:off x="8111008" y="656331"/>
+            <a:ext cx="1797767" cy="14680"/>
+          </a:xfrm>
+          <a:prstGeom prst="straightConnector1">
+            <a:avLst/>
+          </a:prstGeom>
+          <a:solidFill>
+            <a:srgbClr val="FFFFFF"/>
+          </a:solidFill>
+          <a:ln w="19050" cap="flat" cmpd="sng" algn="ctr">
+            <a:solidFill>
+              <a:schemeClr val="bg1"/>
+            </a:solidFill>
+            <a:prstDash val="solid"/>
+            <a:round/>
+            <a:headEnd type="none" w="med" len="med"/>
+            <a:tailEnd type="arrow"/>
+          </a:ln>
+          <a:effectLst/>
+        </p:spPr>
+      </p:cxnSp>
+      <p:cxnSp>
+        <p:nvCxnSpPr>
+          <p:cNvPr id="67" name="直接箭头连接符 66">
+            <a:extLst>
+              <a:ext uri="{FF2B5EF4-FFF2-40B4-BE49-F238E27FC236}">
+                <a16:creationId xmlns="" xmlns:a16="http://schemas.microsoft.com/office/drawing/2014/main" id="{6D1CFA88-A0DF-45A5-A07D-D1BEB07BA749}"/>
+              </a:ext>
+            </a:extLst>
+          </p:cNvPr>
+          <p:cNvCxnSpPr>
+            <a:cxnSpLocks/>
+            <a:stCxn id="36" idx="2"/>
+            <a:endCxn id="38" idx="0"/>
+          </p:cNvCxnSpPr>
+          <p:nvPr/>
+        </p:nvCxnSpPr>
+        <p:spPr bwMode="auto">
+          <a:xfrm>
+            <a:off x="10412831" y="887075"/>
+            <a:ext cx="0" cy="2160160"/>
+          </a:xfrm>
+          <a:prstGeom prst="straightConnector1">
+            <a:avLst/>
+          </a:prstGeom>
+          <a:solidFill>
+            <a:srgbClr val="FFFFFF"/>
+          </a:solidFill>
+          <a:ln w="19050" cap="flat" cmpd="sng" algn="ctr">
+            <a:solidFill>
+              <a:schemeClr val="bg1"/>
+            </a:solidFill>
+            <a:prstDash val="solid"/>
+            <a:round/>
+            <a:headEnd type="none" w="med" len="med"/>
+            <a:tailEnd type="arrow"/>
+          </a:ln>
+          <a:effectLst/>
+        </p:spPr>
+      </p:cxnSp>
+      <p:cxnSp>
+        <p:nvCxnSpPr>
+          <p:cNvPr id="70" name="直接箭头连接符 69">
+            <a:extLst>
+              <a:ext uri="{FF2B5EF4-FFF2-40B4-BE49-F238E27FC236}">
+                <a16:creationId xmlns="" xmlns:a16="http://schemas.microsoft.com/office/drawing/2014/main" id="{6D1CFA88-A0DF-45A5-A07D-D1BEB07BA749}"/>
+              </a:ext>
+            </a:extLst>
+          </p:cNvPr>
+          <p:cNvCxnSpPr>
+            <a:cxnSpLocks/>
+            <a:stCxn id="38" idx="1"/>
+            <a:endCxn id="37" idx="3"/>
+          </p:cNvCxnSpPr>
+          <p:nvPr/>
+        </p:nvCxnSpPr>
+        <p:spPr bwMode="auto">
+          <a:xfrm flipH="1">
+            <a:off x="8325815" y="3263299"/>
+            <a:ext cx="1510952" cy="0"/>
+          </a:xfrm>
+          <a:prstGeom prst="straightConnector1">
+            <a:avLst/>
+          </a:prstGeom>
+          <a:solidFill>
+            <a:srgbClr val="FFFFFF"/>
+          </a:solidFill>
+          <a:ln w="19050" cap="flat" cmpd="sng" algn="ctr">
+            <a:solidFill>
+              <a:schemeClr val="bg1"/>
+            </a:solidFill>
+            <a:prstDash val="solid"/>
+            <a:round/>
+            <a:headEnd type="none" w="med" len="med"/>
+            <a:tailEnd type="arrow"/>
+          </a:ln>
+          <a:effectLst/>
+        </p:spPr>
+      </p:cxnSp>
+      <p:sp>
+        <p:nvSpPr>
+          <p:cNvPr id="74" name="任意多边形 73"/>
+          <p:cNvSpPr/>
+          <p:nvPr/>
+        </p:nvSpPr>
+        <p:spPr bwMode="auto">
+          <a:xfrm rot="17801513" flipV="1">
+            <a:off x="5589577" y="3355524"/>
+            <a:ext cx="1666132" cy="1224737"/>
+          </a:xfrm>
+          <a:custGeom>
+            <a:avLst/>
+            <a:gdLst>
+              <a:gd name="connsiteX0" fmla="*/ 0 w 2507530"/>
+              <a:gd name="connsiteY0" fmla="*/ 848542 h 848542"/>
+              <a:gd name="connsiteX1" fmla="*/ 1055802 w 2507530"/>
+              <a:gd name="connsiteY1" fmla="*/ 132105 h 848542"/>
+              <a:gd name="connsiteX2" fmla="*/ 2507530 w 2507530"/>
+              <a:gd name="connsiteY2" fmla="*/ 130 h 848542"/>
+              <a:gd name="connsiteX3" fmla="*/ 2507530 w 2507530"/>
+              <a:gd name="connsiteY3" fmla="*/ 130 h 848542"/>
+            </a:gdLst>
+            <a:ahLst/>
+            <a:cxnLst>
+              <a:cxn ang="0">
+                <a:pos x="connsiteX0" y="connsiteY0"/>
+              </a:cxn>
+              <a:cxn ang="0">
+                <a:pos x="connsiteX1" y="connsiteY1"/>
+              </a:cxn>
+              <a:cxn ang="0">
+                <a:pos x="connsiteX2" y="connsiteY2"/>
+              </a:cxn>
+              <a:cxn ang="0">
+                <a:pos x="connsiteX3" y="connsiteY3"/>
+              </a:cxn>
+            </a:cxnLst>
+            <a:rect l="l" t="t" r="r" b="b"/>
+            <a:pathLst>
+              <a:path w="2507530" h="848542">
+                <a:moveTo>
+                  <a:pt x="0" y="848542"/>
+                </a:moveTo>
+                <a:cubicBezTo>
+                  <a:pt x="318940" y="561024"/>
+                  <a:pt x="637880" y="273507"/>
+                  <a:pt x="1055802" y="132105"/>
+                </a:cubicBezTo>
+                <a:cubicBezTo>
+                  <a:pt x="1473724" y="-9297"/>
+                  <a:pt x="2507530" y="130"/>
+                  <a:pt x="2507530" y="130"/>
+                </a:cubicBezTo>
+                <a:lnTo>
+                  <a:pt x="2507530" y="130"/>
+                </a:lnTo>
+              </a:path>
+            </a:pathLst>
+          </a:custGeom>
+          <a:noFill/>
+          <a:ln w="19050" cap="flat" cmpd="sng" algn="ctr">
+            <a:solidFill>
+              <a:schemeClr val="bg1"/>
+            </a:solidFill>
+            <a:prstDash val="solid"/>
+            <a:round/>
+            <a:headEnd type="arrow" w="med" len="med"/>
+            <a:tailEnd type="none"/>
+          </a:ln>
+          <a:effectLst/>
+        </p:spPr>
+        <p:txBody>
+          <a:bodyPr rtlCol="0" anchor="ctr"/>
+          <a:lstStyle/>
+          <a:p>
+            <a:pPr algn="ctr"/>
+            <a:endParaRPr lang="zh-CN" altLang="en-US"/>
+          </a:p>
+        </p:txBody>
+      </p:sp>
+      <p:cxnSp>
+        <p:nvCxnSpPr>
+          <p:cNvPr id="75" name="直接箭头连接符 74">
+            <a:extLst>
+              <a:ext uri="{FF2B5EF4-FFF2-40B4-BE49-F238E27FC236}">
+                <a16:creationId xmlns="" xmlns:a16="http://schemas.microsoft.com/office/drawing/2014/main" id="{6D1CFA88-A0DF-45A5-A07D-D1BEB07BA749}"/>
+              </a:ext>
+            </a:extLst>
+          </p:cNvPr>
+          <p:cNvCxnSpPr>
+            <a:cxnSpLocks/>
+            <a:stCxn id="44" idx="3"/>
+            <a:endCxn id="2" idx="2"/>
+          </p:cNvCxnSpPr>
+          <p:nvPr/>
+        </p:nvCxnSpPr>
+        <p:spPr bwMode="auto">
+          <a:xfrm flipV="1">
+            <a:off x="5492020" y="4819186"/>
+            <a:ext cx="1826899" cy="1"/>
+          </a:xfrm>
+          <a:prstGeom prst="straightConnector1">
+            <a:avLst/>
+          </a:prstGeom>
+          <a:solidFill>
+            <a:srgbClr val="FFFFFF"/>
+          </a:solidFill>
+          <a:ln w="19050" cap="flat" cmpd="sng" algn="ctr">
+            <a:solidFill>
+              <a:schemeClr val="bg1"/>
+            </a:solidFill>
+            <a:prstDash val="solid"/>
+            <a:round/>
+            <a:headEnd type="none" w="med" len="med"/>
+            <a:tailEnd type="arrow"/>
+          </a:ln>
+          <a:effectLst/>
+        </p:spPr>
+      </p:cxnSp>
+      <p:sp>
+        <p:nvSpPr>
+          <p:cNvPr id="81" name="任意多边形 80"/>
+          <p:cNvSpPr/>
+          <p:nvPr/>
+        </p:nvSpPr>
+        <p:spPr bwMode="auto">
+          <a:xfrm rot="21325733" flipV="1">
+            <a:off x="4827138" y="801366"/>
+            <a:ext cx="1957006" cy="2569828"/>
+          </a:xfrm>
+          <a:custGeom>
+            <a:avLst/>
+            <a:gdLst>
+              <a:gd name="connsiteX0" fmla="*/ 0 w 2507530"/>
+              <a:gd name="connsiteY0" fmla="*/ 848542 h 848542"/>
+              <a:gd name="connsiteX1" fmla="*/ 1055802 w 2507530"/>
+              <a:gd name="connsiteY1" fmla="*/ 132105 h 848542"/>
+              <a:gd name="connsiteX2" fmla="*/ 2507530 w 2507530"/>
+              <a:gd name="connsiteY2" fmla="*/ 130 h 848542"/>
+              <a:gd name="connsiteX3" fmla="*/ 2507530 w 2507530"/>
+              <a:gd name="connsiteY3" fmla="*/ 130 h 848542"/>
+            </a:gdLst>
+            <a:ahLst/>
+            <a:cxnLst>
+              <a:cxn ang="0">
+                <a:pos x="connsiteX0" y="connsiteY0"/>
+              </a:cxn>
+              <a:cxn ang="0">
+                <a:pos x="connsiteX1" y="connsiteY1"/>
+              </a:cxn>
+              <a:cxn ang="0">
+                <a:pos x="connsiteX2" y="connsiteY2"/>
+              </a:cxn>
+              <a:cxn ang="0">
+                <a:pos x="connsiteX3" y="connsiteY3"/>
+              </a:cxn>
+            </a:cxnLst>
+            <a:rect l="l" t="t" r="r" b="b"/>
+            <a:pathLst>
+              <a:path w="2507530" h="848542">
+                <a:moveTo>
+                  <a:pt x="0" y="848542"/>
+                </a:moveTo>
+                <a:cubicBezTo>
+                  <a:pt x="318940" y="561024"/>
+                  <a:pt x="637880" y="273507"/>
+                  <a:pt x="1055802" y="132105"/>
+                </a:cubicBezTo>
+                <a:cubicBezTo>
+                  <a:pt x="1473724" y="-9297"/>
+                  <a:pt x="2507530" y="130"/>
+                  <a:pt x="2507530" y="130"/>
+                </a:cubicBezTo>
+                <a:lnTo>
+                  <a:pt x="2507530" y="130"/>
+                </a:lnTo>
+              </a:path>
+            </a:pathLst>
+          </a:custGeom>
+          <a:noFill/>
+          <a:ln w="19050" cap="flat" cmpd="sng" algn="ctr">
+            <a:solidFill>
+              <a:schemeClr val="bg1"/>
+            </a:solidFill>
+            <a:prstDash val="solid"/>
+            <a:round/>
+            <a:headEnd type="arrow" w="med" len="med"/>
+            <a:tailEnd type="none"/>
+          </a:ln>
+          <a:effectLst/>
+        </p:spPr>
+        <p:txBody>
+          <a:bodyPr rtlCol="0" anchor="ctr"/>
+          <a:lstStyle/>
+          <a:p>
+            <a:pPr algn="ctr"/>
+            <a:endParaRPr lang="zh-CN" altLang="en-US"/>
+          </a:p>
+        </p:txBody>
+      </p:sp>
+      <p:sp>
+        <p:nvSpPr>
+          <p:cNvPr id="82" name="任意多边形 81"/>
+          <p:cNvSpPr/>
+          <p:nvPr/>
+        </p:nvSpPr>
+        <p:spPr bwMode="auto">
+          <a:xfrm rot="10615067" flipV="1">
+            <a:off x="2568976" y="733881"/>
+            <a:ext cx="2676905" cy="1616128"/>
+          </a:xfrm>
+          <a:custGeom>
+            <a:avLst/>
+            <a:gdLst>
+              <a:gd name="connsiteX0" fmla="*/ 0 w 2507530"/>
+              <a:gd name="connsiteY0" fmla="*/ 848542 h 848542"/>
+              <a:gd name="connsiteX1" fmla="*/ 1055802 w 2507530"/>
+              <a:gd name="connsiteY1" fmla="*/ 132105 h 848542"/>
+              <a:gd name="connsiteX2" fmla="*/ 2507530 w 2507530"/>
+              <a:gd name="connsiteY2" fmla="*/ 130 h 848542"/>
+              <a:gd name="connsiteX3" fmla="*/ 2507530 w 2507530"/>
+              <a:gd name="connsiteY3" fmla="*/ 130 h 848542"/>
+            </a:gdLst>
+            <a:ahLst/>
+            <a:cxnLst>
+              <a:cxn ang="0">
+                <a:pos x="connsiteX0" y="connsiteY0"/>
+              </a:cxn>
+              <a:cxn ang="0">
+                <a:pos x="connsiteX1" y="connsiteY1"/>
+              </a:cxn>
+              <a:cxn ang="0">
+                <a:pos x="connsiteX2" y="connsiteY2"/>
+              </a:cxn>
+              <a:cxn ang="0">
+                <a:pos x="connsiteX3" y="connsiteY3"/>
+              </a:cxn>
+            </a:cxnLst>
+            <a:rect l="l" t="t" r="r" b="b"/>
+            <a:pathLst>
+              <a:path w="2507530" h="848542">
+                <a:moveTo>
+                  <a:pt x="0" y="848542"/>
+                </a:moveTo>
+                <a:cubicBezTo>
+                  <a:pt x="318940" y="561024"/>
+                  <a:pt x="637880" y="273507"/>
+                  <a:pt x="1055802" y="132105"/>
+                </a:cubicBezTo>
+                <a:cubicBezTo>
+                  <a:pt x="1473724" y="-9297"/>
+                  <a:pt x="2507530" y="130"/>
+                  <a:pt x="2507530" y="130"/>
+                </a:cubicBezTo>
+                <a:lnTo>
+                  <a:pt x="2507530" y="130"/>
+                </a:lnTo>
+              </a:path>
+            </a:pathLst>
+          </a:custGeom>
+          <a:noFill/>
+          <a:ln w="19050" cap="flat" cmpd="sng" algn="ctr">
+            <a:solidFill>
+              <a:schemeClr val="bg1"/>
+            </a:solidFill>
+            <a:prstDash val="solid"/>
+            <a:round/>
+            <a:headEnd type="none" w="med" len="med"/>
+            <a:tailEnd type="arrow"/>
+          </a:ln>
+          <a:effectLst/>
+        </p:spPr>
+        <p:txBody>
+          <a:bodyPr rtlCol="0" anchor="ctr"/>
+          <a:lstStyle/>
+          <a:p>
+            <a:pPr algn="ctr"/>
+            <a:endParaRPr lang="zh-CN" altLang="en-US"/>
+          </a:p>
+        </p:txBody>
+      </p:sp>
+      <p:sp>
+        <p:nvSpPr>
+          <p:cNvPr id="83" name="矩形 82">
+            <a:extLst>
+              <a:ext uri="{FF2B5EF4-FFF2-40B4-BE49-F238E27FC236}">
+                <a16:creationId xmlns="" xmlns:a16="http://schemas.microsoft.com/office/drawing/2014/main" id="{9D3DD53F-FC8A-4A79-9D6A-7E89379C2568}"/>
+              </a:ext>
+            </a:extLst>
+          </p:cNvPr>
+          <p:cNvSpPr/>
+          <p:nvPr/>
+        </p:nvSpPr>
+        <p:spPr bwMode="auto">
+          <a:xfrm>
+            <a:off x="8175347" y="236050"/>
+            <a:ext cx="1661420" cy="434961"/>
+          </a:xfrm>
+          <a:prstGeom prst="rect">
+            <a:avLst/>
+          </a:prstGeom>
+          <a:noFill/>
+          <a:ln w="19050" cap="flat" cmpd="sng" algn="ctr">
+            <a:noFill/>
+            <a:prstDash val="solid"/>
+            <a:round/>
+            <a:headEnd type="none" w="med" len="med"/>
+            <a:tailEnd type="none"/>
+          </a:ln>
+          <a:effectLst/>
+        </p:spPr>
+        <p:txBody>
+          <a:bodyPr rtlCol="0" anchor="ctr"/>
+          <a:lstStyle/>
+          <a:p>
+            <a:r>
+              <a:rPr lang="zh-CN" altLang="en-US" sz="1400" dirty="0" smtClean="0">
+                <a:solidFill>
+                  <a:srgbClr val="ECBB73"/>
+                </a:solidFill>
+              </a:rPr>
+              <a:t>解析树</a:t>
+            </a:r>
+            <a:endParaRPr lang="zh-CN" altLang="en-US" sz="1400" dirty="0">
+              <a:solidFill>
+                <a:srgbClr val="ECBB73"/>
+              </a:solidFill>
+            </a:endParaRPr>
+          </a:p>
+        </p:txBody>
+      </p:sp>
+      <p:sp>
+        <p:nvSpPr>
+          <p:cNvPr id="84" name="矩形 83">
+            <a:extLst>
+              <a:ext uri="{FF2B5EF4-FFF2-40B4-BE49-F238E27FC236}">
+                <a16:creationId xmlns="" xmlns:a16="http://schemas.microsoft.com/office/drawing/2014/main" id="{9D3DD53F-FC8A-4A79-9D6A-7E89379C2568}"/>
+              </a:ext>
+            </a:extLst>
+          </p:cNvPr>
+          <p:cNvSpPr/>
+          <p:nvPr/>
+        </p:nvSpPr>
+        <p:spPr bwMode="auto">
+          <a:xfrm>
+            <a:off x="7105743" y="14794"/>
+            <a:ext cx="936104" cy="434961"/>
+          </a:xfrm>
+          <a:prstGeom prst="rect">
+            <a:avLst/>
+          </a:prstGeom>
+          <a:noFill/>
+          <a:ln w="19050" cap="flat" cmpd="sng" algn="ctr">
+            <a:noFill/>
+            <a:prstDash val="solid"/>
+            <a:round/>
+            <a:headEnd type="none" w="med" len="med"/>
+            <a:tailEnd type="none"/>
+          </a:ln>
+          <a:effectLst/>
+        </p:spPr>
+        <p:txBody>
+          <a:bodyPr rtlCol="0" anchor="ctr"/>
+          <a:lstStyle/>
+          <a:p>
+            <a:r>
+              <a:rPr lang="zh-CN" altLang="en-US" sz="1400" dirty="0" smtClean="0">
+                <a:solidFill>
+                  <a:srgbClr val="B9CEFF"/>
+                </a:solidFill>
+              </a:rPr>
+              <a:t>语法解析</a:t>
+            </a:r>
+            <a:endParaRPr lang="zh-CN" altLang="en-US" sz="1400" dirty="0">
+              <a:solidFill>
+                <a:srgbClr val="B9CEFF"/>
+              </a:solidFill>
+            </a:endParaRPr>
+          </a:p>
+        </p:txBody>
+      </p:sp>
+      <p:sp>
+        <p:nvSpPr>
+          <p:cNvPr id="86" name="矩形 85">
+            <a:extLst>
+              <a:ext uri="{FF2B5EF4-FFF2-40B4-BE49-F238E27FC236}">
+                <a16:creationId xmlns="" xmlns:a16="http://schemas.microsoft.com/office/drawing/2014/main" id="{9D3DD53F-FC8A-4A79-9D6A-7E89379C2568}"/>
+              </a:ext>
+            </a:extLst>
+          </p:cNvPr>
+          <p:cNvSpPr/>
+          <p:nvPr/>
+        </p:nvSpPr>
+        <p:spPr bwMode="auto">
+          <a:xfrm>
+            <a:off x="9693475" y="21961"/>
+            <a:ext cx="1514035" cy="434961"/>
+          </a:xfrm>
+          <a:prstGeom prst="rect">
+            <a:avLst/>
+          </a:prstGeom>
+          <a:noFill/>
+          <a:ln w="19050" cap="flat" cmpd="sng" algn="ctr">
+            <a:noFill/>
+            <a:prstDash val="solid"/>
+            <a:round/>
+            <a:headEnd type="none" w="med" len="med"/>
+            <a:tailEnd type="none"/>
+          </a:ln>
+          <a:effectLst/>
+        </p:spPr>
+        <p:txBody>
+          <a:bodyPr rtlCol="0" anchor="ctr"/>
+          <a:lstStyle/>
+          <a:p>
+            <a:r>
+              <a:rPr lang="zh-CN" altLang="en-US" sz="1400" dirty="0" smtClean="0">
+                <a:solidFill>
+                  <a:srgbClr val="B9CEFF"/>
+                </a:solidFill>
+              </a:rPr>
+              <a:t>进一步检语法查</a:t>
+            </a:r>
+            <a:endParaRPr lang="zh-CN" altLang="en-US" sz="1400" dirty="0">
+              <a:solidFill>
+                <a:srgbClr val="B9CEFF"/>
+              </a:solidFill>
+            </a:endParaRPr>
+          </a:p>
+        </p:txBody>
+      </p:sp>
+      <p:sp>
+        <p:nvSpPr>
+          <p:cNvPr id="89" name="矩形 88">
+            <a:extLst>
+              <a:ext uri="{FF2B5EF4-FFF2-40B4-BE49-F238E27FC236}">
+                <a16:creationId xmlns="" xmlns:a16="http://schemas.microsoft.com/office/drawing/2014/main" id="{9D3DD53F-FC8A-4A79-9D6A-7E89379C2568}"/>
+              </a:ext>
+            </a:extLst>
+          </p:cNvPr>
+          <p:cNvSpPr/>
+          <p:nvPr/>
+        </p:nvSpPr>
+        <p:spPr bwMode="auto">
+          <a:xfrm>
+            <a:off x="4318601" y="17563"/>
+            <a:ext cx="936104" cy="434961"/>
+          </a:xfrm>
+          <a:prstGeom prst="rect">
+            <a:avLst/>
+          </a:prstGeom>
+          <a:noFill/>
+          <a:ln w="19050" cap="flat" cmpd="sng" algn="ctr">
+            <a:noFill/>
+            <a:prstDash val="solid"/>
+            <a:round/>
+            <a:headEnd type="none" w="med" len="med"/>
+            <a:tailEnd type="none"/>
+          </a:ln>
+          <a:effectLst/>
+        </p:spPr>
+        <p:txBody>
+          <a:bodyPr rtlCol="0" anchor="ctr"/>
+          <a:lstStyle/>
+          <a:p>
+            <a:r>
+              <a:rPr lang="zh-CN" altLang="en-US" sz="1400" dirty="0" smtClean="0">
+                <a:solidFill>
+                  <a:srgbClr val="B9CEFF"/>
+                </a:solidFill>
+              </a:rPr>
+              <a:t>检查缓存</a:t>
+            </a:r>
+            <a:endParaRPr lang="zh-CN" altLang="en-US" sz="1400" dirty="0">
+              <a:solidFill>
+                <a:srgbClr val="B9CEFF"/>
+              </a:solidFill>
+            </a:endParaRPr>
+          </a:p>
+        </p:txBody>
+      </p:sp>
+      <p:sp>
+        <p:nvSpPr>
+          <p:cNvPr id="92" name="矩形 91">
+            <a:extLst>
+              <a:ext uri="{FF2B5EF4-FFF2-40B4-BE49-F238E27FC236}">
+                <a16:creationId xmlns="" xmlns:a16="http://schemas.microsoft.com/office/drawing/2014/main" id="{9D3DD53F-FC8A-4A79-9D6A-7E89379C2568}"/>
+              </a:ext>
+            </a:extLst>
+          </p:cNvPr>
+          <p:cNvSpPr/>
+          <p:nvPr/>
+        </p:nvSpPr>
+        <p:spPr bwMode="auto">
+          <a:xfrm>
+            <a:off x="6160280" y="5861878"/>
+            <a:ext cx="5486457" cy="432128"/>
+          </a:xfrm>
+          <a:prstGeom prst="rect">
+            <a:avLst/>
+          </a:prstGeom>
+          <a:noFill/>
+          <a:ln w="19050" cap="flat" cmpd="sng" algn="ctr">
+            <a:noFill/>
+            <a:prstDash val="solid"/>
+            <a:round/>
+            <a:headEnd type="none" w="med" len="med"/>
+            <a:tailEnd type="none"/>
+          </a:ln>
+          <a:effectLst/>
+        </p:spPr>
+        <p:txBody>
+          <a:bodyPr rtlCol="0" anchor="ctr"/>
+          <a:lstStyle/>
+          <a:p>
+            <a:pPr algn="l"/>
+            <a:r>
+              <a:rPr lang="zh-CN" altLang="en-US" sz="1200" dirty="0" smtClean="0">
+                <a:solidFill>
+                  <a:schemeClr val="bg1"/>
+                </a:solidFill>
+              </a:rPr>
+              <a:t>备注：查询缓存、查询优化器、查询执行引擎中的“查询” 是名词，不是动词</a:t>
+            </a:r>
+            <a:endParaRPr lang="zh-CN" altLang="en-US" sz="1200" dirty="0">
+              <a:solidFill>
+                <a:schemeClr val="bg1"/>
+              </a:solidFill>
+            </a:endParaRPr>
+          </a:p>
+        </p:txBody>
+      </p:sp>
+      <p:sp>
+        <p:nvSpPr>
+          <p:cNvPr id="93" name="矩形 92">
+            <a:extLst>
+              <a:ext uri="{FF2B5EF4-FFF2-40B4-BE49-F238E27FC236}">
+                <a16:creationId xmlns="" xmlns:a16="http://schemas.microsoft.com/office/drawing/2014/main" id="{9D3DD53F-FC8A-4A79-9D6A-7E89379C2568}"/>
+              </a:ext>
+            </a:extLst>
+          </p:cNvPr>
+          <p:cNvSpPr/>
+          <p:nvPr/>
+        </p:nvSpPr>
+        <p:spPr bwMode="auto">
+          <a:xfrm>
+            <a:off x="10272741" y="1638497"/>
+            <a:ext cx="1151243" cy="434961"/>
+          </a:xfrm>
+          <a:prstGeom prst="rect">
+            <a:avLst/>
+          </a:prstGeom>
+          <a:noFill/>
+          <a:ln w="19050" cap="flat" cmpd="sng" algn="ctr">
+            <a:noFill/>
+            <a:prstDash val="solid"/>
+            <a:round/>
+            <a:headEnd type="none" w="med" len="med"/>
+            <a:tailEnd type="none"/>
+          </a:ln>
+          <a:effectLst/>
+        </p:spPr>
+        <p:txBody>
+          <a:bodyPr rtlCol="0" anchor="ctr"/>
+          <a:lstStyle/>
+          <a:p>
+            <a:r>
+              <a:rPr lang="zh-CN" altLang="en-US" sz="1400" dirty="0" smtClean="0">
+                <a:solidFill>
+                  <a:srgbClr val="ECBB73"/>
+                </a:solidFill>
+              </a:rPr>
+              <a:t>新解析树</a:t>
+            </a:r>
+            <a:endParaRPr lang="zh-CN" altLang="en-US" sz="1400" dirty="0">
+              <a:solidFill>
+                <a:srgbClr val="ECBB73"/>
+              </a:solidFill>
+            </a:endParaRPr>
+          </a:p>
+        </p:txBody>
+      </p:sp>
+      <p:sp>
+        <p:nvSpPr>
+          <p:cNvPr id="94" name="矩形 93">
+            <a:extLst>
+              <a:ext uri="{FF2B5EF4-FFF2-40B4-BE49-F238E27FC236}">
+                <a16:creationId xmlns="" xmlns:a16="http://schemas.microsoft.com/office/drawing/2014/main" id="{9D3DD53F-FC8A-4A79-9D6A-7E89379C2568}"/>
+              </a:ext>
+            </a:extLst>
+          </p:cNvPr>
+          <p:cNvSpPr/>
+          <p:nvPr/>
+        </p:nvSpPr>
+        <p:spPr bwMode="auto">
+          <a:xfrm>
+            <a:off x="8264475" y="2780402"/>
+            <a:ext cx="1661420" cy="434961"/>
+          </a:xfrm>
+          <a:prstGeom prst="rect">
+            <a:avLst/>
+          </a:prstGeom>
+          <a:noFill/>
+          <a:ln w="19050" cap="flat" cmpd="sng" algn="ctr">
+            <a:noFill/>
+            <a:prstDash val="solid"/>
+            <a:round/>
+            <a:headEnd type="none" w="med" len="med"/>
+            <a:tailEnd type="none"/>
+          </a:ln>
+          <a:effectLst/>
+        </p:spPr>
+        <p:txBody>
+          <a:bodyPr rtlCol="0" anchor="ctr"/>
+          <a:lstStyle/>
+          <a:p>
+            <a:r>
+              <a:rPr lang="en-US" altLang="zh-CN" sz="1400" dirty="0" smtClean="0">
+                <a:solidFill>
+                  <a:srgbClr val="ECBB73"/>
+                </a:solidFill>
+              </a:rPr>
+              <a:t>SQL</a:t>
+            </a:r>
+            <a:r>
+              <a:rPr lang="zh-CN" altLang="en-US" sz="1400" dirty="0" smtClean="0">
+                <a:solidFill>
+                  <a:srgbClr val="ECBB73"/>
+                </a:solidFill>
+              </a:rPr>
+              <a:t>执行计划</a:t>
+            </a:r>
+            <a:endParaRPr lang="zh-CN" altLang="en-US" sz="1400" dirty="0">
+              <a:solidFill>
+                <a:srgbClr val="ECBB73"/>
+              </a:solidFill>
+            </a:endParaRPr>
+          </a:p>
+        </p:txBody>
+      </p:sp>
+      <p:sp>
+        <p:nvSpPr>
+          <p:cNvPr id="95" name="矩形 94">
+            <a:extLst>
+              <a:ext uri="{FF2B5EF4-FFF2-40B4-BE49-F238E27FC236}">
+                <a16:creationId xmlns="" xmlns:a16="http://schemas.microsoft.com/office/drawing/2014/main" id="{9D3DD53F-FC8A-4A79-9D6A-7E89379C2568}"/>
+              </a:ext>
+            </a:extLst>
+          </p:cNvPr>
+          <p:cNvSpPr/>
+          <p:nvPr/>
+        </p:nvSpPr>
+        <p:spPr bwMode="auto">
+          <a:xfrm>
+            <a:off x="5540180" y="3717753"/>
+            <a:ext cx="1661420" cy="434961"/>
+          </a:xfrm>
+          <a:prstGeom prst="rect">
+            <a:avLst/>
+          </a:prstGeom>
+          <a:noFill/>
+          <a:ln w="19050" cap="flat" cmpd="sng" algn="ctr">
+            <a:noFill/>
+            <a:prstDash val="solid"/>
+            <a:round/>
+            <a:headEnd type="none" w="med" len="med"/>
+            <a:tailEnd type="none"/>
+          </a:ln>
+          <a:effectLst/>
+        </p:spPr>
+        <p:txBody>
+          <a:bodyPr rtlCol="0" anchor="ctr"/>
+          <a:lstStyle/>
+          <a:p>
+            <a:r>
+              <a:rPr lang="en-US" altLang="zh-CN" sz="1400" dirty="0" smtClean="0">
+                <a:solidFill>
+                  <a:srgbClr val="ECBB73"/>
+                </a:solidFill>
+              </a:rPr>
+              <a:t>API</a:t>
+            </a:r>
+            <a:r>
+              <a:rPr lang="zh-CN" altLang="en-US" sz="1400" dirty="0" smtClean="0">
+                <a:solidFill>
+                  <a:srgbClr val="ECBB73"/>
+                </a:solidFill>
+              </a:rPr>
+              <a:t>接口查询请求</a:t>
+            </a:r>
+            <a:endParaRPr lang="zh-CN" altLang="en-US" sz="1400" dirty="0">
+              <a:solidFill>
+                <a:srgbClr val="ECBB73"/>
+              </a:solidFill>
+            </a:endParaRPr>
+          </a:p>
+        </p:txBody>
+      </p:sp>
+      <p:sp>
+        <p:nvSpPr>
+          <p:cNvPr id="97" name="矩形 96">
+            <a:extLst>
+              <a:ext uri="{FF2B5EF4-FFF2-40B4-BE49-F238E27FC236}">
+                <a16:creationId xmlns="" xmlns:a16="http://schemas.microsoft.com/office/drawing/2014/main" id="{9D3DD53F-FC8A-4A79-9D6A-7E89379C2568}"/>
+              </a:ext>
+            </a:extLst>
+          </p:cNvPr>
+          <p:cNvSpPr/>
+          <p:nvPr/>
+        </p:nvSpPr>
+        <p:spPr bwMode="auto">
+          <a:xfrm>
+            <a:off x="5062512" y="1566723"/>
+            <a:ext cx="936104" cy="434961"/>
+          </a:xfrm>
+          <a:prstGeom prst="rect">
+            <a:avLst/>
+          </a:prstGeom>
+          <a:noFill/>
+          <a:ln w="19050" cap="flat" cmpd="sng" algn="ctr">
+            <a:noFill/>
+            <a:prstDash val="solid"/>
+            <a:round/>
+            <a:headEnd type="none" w="med" len="med"/>
+            <a:tailEnd type="none"/>
+          </a:ln>
+          <a:effectLst/>
+        </p:spPr>
+        <p:txBody>
+          <a:bodyPr rtlCol="0" anchor="ctr"/>
+          <a:lstStyle/>
+          <a:p>
+            <a:r>
+              <a:rPr lang="zh-CN" altLang="en-US" sz="1400" dirty="0" smtClean="0">
+                <a:solidFill>
+                  <a:srgbClr val="B9CEFF"/>
+                </a:solidFill>
+              </a:rPr>
+              <a:t>结果缓存</a:t>
+            </a:r>
+            <a:endParaRPr lang="zh-CN" altLang="en-US" sz="1400" dirty="0">
+              <a:solidFill>
+                <a:srgbClr val="B9CEFF"/>
+              </a:solidFill>
+            </a:endParaRPr>
+          </a:p>
+        </p:txBody>
+      </p:sp>
+      <p:sp>
+        <p:nvSpPr>
+          <p:cNvPr id="98" name="矩形 97">
+            <a:extLst>
+              <a:ext uri="{FF2B5EF4-FFF2-40B4-BE49-F238E27FC236}">
+                <a16:creationId xmlns="" xmlns:a16="http://schemas.microsoft.com/office/drawing/2014/main" id="{9D3DD53F-FC8A-4A79-9D6A-7E89379C2568}"/>
+              </a:ext>
+            </a:extLst>
+          </p:cNvPr>
+          <p:cNvSpPr/>
+          <p:nvPr/>
+        </p:nvSpPr>
+        <p:spPr bwMode="auto">
+          <a:xfrm>
+            <a:off x="3903940" y="1549106"/>
+            <a:ext cx="936104" cy="434961"/>
+          </a:xfrm>
+          <a:prstGeom prst="rect">
+            <a:avLst/>
+          </a:prstGeom>
+          <a:noFill/>
+          <a:ln w="19050" cap="flat" cmpd="sng" algn="ctr">
+            <a:noFill/>
+            <a:prstDash val="solid"/>
+            <a:round/>
+            <a:headEnd type="none" w="med" len="med"/>
+            <a:tailEnd type="none"/>
+          </a:ln>
+          <a:effectLst/>
+        </p:spPr>
+        <p:txBody>
+          <a:bodyPr rtlCol="0" anchor="ctr"/>
+          <a:lstStyle/>
+          <a:p>
+            <a:r>
+              <a:rPr lang="zh-CN" altLang="en-US" sz="1400" dirty="0" smtClean="0">
+                <a:solidFill>
+                  <a:srgbClr val="B9CEFF"/>
+                </a:solidFill>
+              </a:rPr>
+              <a:t>结果返回</a:t>
+            </a:r>
+            <a:endParaRPr lang="zh-CN" altLang="en-US" sz="1400" dirty="0">
+              <a:solidFill>
+                <a:srgbClr val="B9CEFF"/>
+              </a:solidFill>
+            </a:endParaRPr>
+          </a:p>
+        </p:txBody>
+      </p:sp>
+      <p:sp>
+        <p:nvSpPr>
+          <p:cNvPr id="99" name="矩形 98">
+            <a:extLst>
+              <a:ext uri="{FF2B5EF4-FFF2-40B4-BE49-F238E27FC236}">
+                <a16:creationId xmlns="" xmlns:a16="http://schemas.microsoft.com/office/drawing/2014/main" id="{9D3DD53F-FC8A-4A79-9D6A-7E89379C2568}"/>
+              </a:ext>
+            </a:extLst>
+          </p:cNvPr>
+          <p:cNvSpPr/>
+          <p:nvPr/>
+        </p:nvSpPr>
+        <p:spPr bwMode="auto">
+          <a:xfrm>
+            <a:off x="9944779" y="3468341"/>
+            <a:ext cx="936104" cy="434961"/>
+          </a:xfrm>
+          <a:prstGeom prst="rect">
+            <a:avLst/>
+          </a:prstGeom>
+          <a:noFill/>
+          <a:ln w="19050" cap="flat" cmpd="sng" algn="ctr">
+            <a:noFill/>
+            <a:prstDash val="solid"/>
+            <a:round/>
+            <a:headEnd type="none" w="med" len="med"/>
+            <a:tailEnd type="none"/>
+          </a:ln>
+          <a:effectLst/>
+        </p:spPr>
+        <p:txBody>
+          <a:bodyPr rtlCol="0" anchor="ctr"/>
+          <a:lstStyle/>
+          <a:p>
+            <a:r>
+              <a:rPr lang="zh-CN" altLang="en-US" sz="1400" dirty="0" smtClean="0">
+                <a:solidFill>
+                  <a:srgbClr val="B9CEFF"/>
+                </a:solidFill>
+              </a:rPr>
+              <a:t>生成计划</a:t>
+            </a:r>
+            <a:endParaRPr lang="zh-CN" altLang="en-US" sz="1400" dirty="0">
+              <a:solidFill>
+                <a:srgbClr val="B9CEFF"/>
+              </a:solidFill>
+            </a:endParaRPr>
+          </a:p>
+        </p:txBody>
+      </p:sp>
+      <p:sp>
+        <p:nvSpPr>
+          <p:cNvPr id="100" name="矩形 99">
+            <a:extLst>
+              <a:ext uri="{FF2B5EF4-FFF2-40B4-BE49-F238E27FC236}">
+                <a16:creationId xmlns="" xmlns:a16="http://schemas.microsoft.com/office/drawing/2014/main" id="{9D3DD53F-FC8A-4A79-9D6A-7E89379C2568}"/>
+              </a:ext>
+            </a:extLst>
+          </p:cNvPr>
+          <p:cNvSpPr/>
+          <p:nvPr/>
+        </p:nvSpPr>
+        <p:spPr bwMode="auto">
+          <a:xfrm>
+            <a:off x="7240456" y="3479697"/>
+            <a:ext cx="936104" cy="434961"/>
+          </a:xfrm>
+          <a:prstGeom prst="rect">
+            <a:avLst/>
+          </a:prstGeom>
+          <a:noFill/>
+          <a:ln w="19050" cap="flat" cmpd="sng" algn="ctr">
+            <a:noFill/>
+            <a:prstDash val="solid"/>
+            <a:round/>
+            <a:headEnd type="none" w="med" len="med"/>
+            <a:tailEnd type="none"/>
+          </a:ln>
+          <a:effectLst/>
+        </p:spPr>
+        <p:txBody>
+          <a:bodyPr rtlCol="0" anchor="ctr"/>
+          <a:lstStyle/>
+          <a:p>
+            <a:r>
+              <a:rPr lang="zh-CN" altLang="en-US" sz="1400" dirty="0" smtClean="0">
+                <a:solidFill>
+                  <a:srgbClr val="B9CEFF"/>
+                </a:solidFill>
+              </a:rPr>
+              <a:t>执行计划</a:t>
+            </a:r>
+            <a:endParaRPr lang="zh-CN" altLang="en-US" sz="1400" dirty="0">
+              <a:solidFill>
+                <a:srgbClr val="B9CEFF"/>
+              </a:solidFill>
+            </a:endParaRPr>
+          </a:p>
+        </p:txBody>
+      </p:sp>
+      <p:sp>
+        <p:nvSpPr>
+          <p:cNvPr id="102" name="矩形 101">
+            <a:extLst>
+              <a:ext uri="{FF2B5EF4-FFF2-40B4-BE49-F238E27FC236}">
+                <a16:creationId xmlns="" xmlns:a16="http://schemas.microsoft.com/office/drawing/2014/main" id="{FCF1CD20-F034-4BEF-8565-6060DAD94853}"/>
+              </a:ext>
+            </a:extLst>
+          </p:cNvPr>
+          <p:cNvSpPr/>
+          <p:nvPr/>
+        </p:nvSpPr>
+        <p:spPr bwMode="auto">
+          <a:xfrm>
+            <a:off x="4294584" y="6507162"/>
+            <a:ext cx="4196337" cy="493334"/>
+          </a:xfrm>
+          <a:prstGeom prst="rect">
+            <a:avLst/>
+          </a:prstGeom>
+          <a:noFill/>
+          <a:ln w="25400" cap="flat" cmpd="sng" algn="ctr">
+            <a:noFill/>
+            <a:prstDash val="solid"/>
+            <a:round/>
+            <a:headEnd type="none" w="med" len="med"/>
+            <a:tailEnd type="none"/>
+          </a:ln>
+          <a:effectLst/>
+        </p:spPr>
+        <p:txBody>
+          <a:bodyPr rot="0" spcFirstLastPara="0" vertOverflow="overflow" horzOverflow="overflow" vert="horz" wrap="square" lIns="91440" tIns="45720" rIns="91440" bIns="45720" numCol="1" spcCol="0" rtlCol="0" fromWordArt="0" anchor="ctr" anchorCtr="0" forceAA="0" compatLnSpc="1">
+            <a:prstTxWarp prst="textNoShape">
+              <a:avLst/>
+            </a:prstTxWarp>
+            <a:noAutofit/>
+          </a:bodyPr>
+          <a:lstStyle/>
+          <a:p>
+            <a:r>
+              <a:rPr lang="en-US" altLang="zh-CN" sz="1600" dirty="0" smtClean="0">
+                <a:solidFill>
+                  <a:schemeClr val="bg1"/>
+                </a:solidFill>
+              </a:rPr>
+              <a:t>SQL</a:t>
+            </a:r>
+            <a:r>
+              <a:rPr lang="zh-CN" altLang="en-US" sz="1600" dirty="0" smtClean="0">
+                <a:solidFill>
+                  <a:schemeClr val="bg1"/>
+                </a:solidFill>
+              </a:rPr>
+              <a:t>执行流程</a:t>
+            </a:r>
+            <a:r>
+              <a:rPr lang="en-US" altLang="zh-CN" sz="1600" dirty="0" smtClean="0">
+                <a:solidFill>
+                  <a:schemeClr val="bg1"/>
+                </a:solidFill>
+              </a:rPr>
+              <a:t>(</a:t>
+            </a:r>
+            <a:r>
+              <a:rPr lang="zh-CN" altLang="en-US" sz="1600" dirty="0" smtClean="0">
+                <a:solidFill>
+                  <a:schemeClr val="bg1"/>
+                </a:solidFill>
+              </a:rPr>
+              <a:t>数据查询</a:t>
+            </a:r>
+            <a:r>
+              <a:rPr lang="en-US" altLang="zh-CN" sz="1600" dirty="0" smtClean="0">
+                <a:solidFill>
+                  <a:schemeClr val="bg1"/>
+                </a:solidFill>
+              </a:rPr>
+              <a:t>)</a:t>
+            </a:r>
+            <a:endParaRPr lang="zh-CN" altLang="en-US" sz="1600" dirty="0">
+              <a:solidFill>
+                <a:schemeClr val="bg1"/>
+              </a:solidFill>
+            </a:endParaRPr>
+          </a:p>
+        </p:txBody>
+      </p:sp>
+      <p:sp>
+        <p:nvSpPr>
+          <p:cNvPr id="104" name="矩形 103">
+            <a:extLst>
+              <a:ext uri="{FF2B5EF4-FFF2-40B4-BE49-F238E27FC236}">
+                <a16:creationId xmlns="" xmlns:a16="http://schemas.microsoft.com/office/drawing/2014/main" id="{FCF1CD20-F034-4BEF-8565-6060DAD94853}"/>
+              </a:ext>
+            </a:extLst>
+          </p:cNvPr>
+          <p:cNvSpPr/>
+          <p:nvPr/>
+        </p:nvSpPr>
+        <p:spPr bwMode="auto">
+          <a:xfrm>
+            <a:off x="3935276" y="-373163"/>
+            <a:ext cx="1585141" cy="493334"/>
+          </a:xfrm>
+          <a:prstGeom prst="rect">
+            <a:avLst/>
+          </a:prstGeom>
+          <a:noFill/>
+          <a:ln w="25400" cap="flat" cmpd="sng" algn="ctr">
+            <a:noFill/>
+            <a:prstDash val="solid"/>
+            <a:round/>
+            <a:headEnd type="none" w="med" len="med"/>
+            <a:tailEnd type="none"/>
+          </a:ln>
+          <a:effectLst/>
+        </p:spPr>
+        <p:txBody>
+          <a:bodyPr rot="0" spcFirstLastPara="0" vertOverflow="overflow" horzOverflow="overflow" vert="horz" wrap="square" lIns="91440" tIns="45720" rIns="91440" bIns="45720" numCol="1" spcCol="0" rtlCol="0" fromWordArt="0" anchor="ctr" anchorCtr="0" forceAA="0" compatLnSpc="1">
+            <a:prstTxWarp prst="textNoShape">
+              <a:avLst/>
+            </a:prstTxWarp>
+            <a:noAutofit/>
+          </a:bodyPr>
+          <a:lstStyle/>
+          <a:p>
+            <a:r>
+              <a:rPr lang="en-US" altLang="zh-CN" sz="1600" dirty="0" smtClean="0">
+                <a:solidFill>
+                  <a:schemeClr val="bg1"/>
+                </a:solidFill>
+              </a:rPr>
+              <a:t>MySQL</a:t>
+            </a:r>
+            <a:r>
+              <a:rPr lang="zh-CN" altLang="en-US" sz="1600" dirty="0" smtClean="0">
+                <a:solidFill>
+                  <a:schemeClr val="bg1"/>
+                </a:solidFill>
+              </a:rPr>
+              <a:t>服务器</a:t>
+            </a:r>
+            <a:endParaRPr lang="zh-CN" altLang="en-US" sz="1600" dirty="0">
+              <a:solidFill>
+                <a:schemeClr val="bg1"/>
+              </a:solidFill>
+            </a:endParaRPr>
+          </a:p>
+        </p:txBody>
+      </p:sp>
+    </p:spTree>
+    <p:extLst>
+      <p:ext uri="{BB962C8B-B14F-4D97-AF65-F5344CB8AC3E}">
+        <p14:creationId xmlns:p14="http://schemas.microsoft.com/office/powerpoint/2010/main" val="3186378173"/>
+      </p:ext>
+    </p:extLst>
+  </p:cSld>
+  <p:clrMapOvr>
+    <a:masterClrMapping/>
+  </p:clrMapOvr>
+  <p:transition spd="med"/>
+</p:sld>
+</file>
+
+<file path=ppt/slides/slide9.xml><?xml version="1.0" encoding="utf-8"?>
+<p:sld xmlns:a="http://schemas.openxmlformats.org/drawingml/2006/main" xmlns:r="http://schemas.openxmlformats.org/officeDocument/2006/relationships" xmlns:p="http://schemas.openxmlformats.org/presentationml/2006/main" showMasterSp="0">
+  <p:cSld>
+    <p:bg>
+      <p:bgPr>
+        <a:blipFill dpi="0" rotWithShape="1">
+          <a:blip r:embed="rId3">
+            <a:lum/>
+          </a:blip>
+          <a:srcRect/>
+          <a:stretch>
+            <a:fillRect/>
+          </a:stretch>
+        </a:blipFill>
+        <a:effectLst/>
+      </p:bgPr>
+    </p:bg>
+    <p:spTree>
+      <p:nvGrpSpPr>
+        <p:cNvPr id="1" name=""/>
+        <p:cNvGrpSpPr/>
+        <p:nvPr/>
+      </p:nvGrpSpPr>
+      <p:grpSpPr>
+        <a:xfrm>
+          <a:off x="0" y="0"/>
+          <a:ext cx="0" cy="0"/>
+          <a:chOff x="0" y="0"/>
+          <a:chExt cx="0" cy="0"/>
+        </a:xfrm>
+      </p:grpSpPr>
+      <p:pic>
+        <p:nvPicPr>
+          <p:cNvPr id="125" name="图片 124">
+            <a:extLst>
+              <a:ext uri="{FF2B5EF4-FFF2-40B4-BE49-F238E27FC236}">
+                <a16:creationId xmlns="" xmlns:a16="http://schemas.microsoft.com/office/drawing/2014/main" id="{F227F290-809D-4C66-80F7-4ED1A8FECA3A}"/>
+              </a:ext>
+            </a:extLst>
+          </p:cNvPr>
+          <p:cNvPicPr>
+            <a:picLocks noChangeAspect="1"/>
+          </p:cNvPicPr>
+          <p:nvPr/>
+        </p:nvPicPr>
+        <p:blipFill>
+          <a:blip r:embed="rId4">
+            <a:extLst>
+              <a:ext uri="{28A0092B-C50C-407E-A947-70E740481C1C}">
+                <a14:useLocalDpi xmlns:a14="http://schemas.microsoft.com/office/drawing/2010/main" val="0"/>
+              </a:ext>
+            </a:extLst>
+          </a:blip>
+          <a:stretch>
+            <a:fillRect/>
+          </a:stretch>
+        </p:blipFill>
+        <p:spPr>
+          <a:xfrm>
+            <a:off x="4223792" y="620688"/>
+            <a:ext cx="4536504" cy="4608512"/>
+          </a:xfrm>
+          <a:prstGeom prst="rect">
+            <a:avLst/>
+          </a:prstGeom>
+          <a:ln>
+            <a:solidFill>
+              <a:schemeClr val="bg1"/>
+            </a:solidFill>
+          </a:ln>
+          <a:effectLst/>
+        </p:spPr>
+      </p:pic>
+      <p:sp>
+        <p:nvSpPr>
+          <p:cNvPr id="120" name="矩形 119">
+            <a:extLst>
+              <a:ext uri="{FF2B5EF4-FFF2-40B4-BE49-F238E27FC236}">
+                <a16:creationId xmlns="" xmlns:a16="http://schemas.microsoft.com/office/drawing/2014/main" id="{9D3DD53F-FC8A-4A79-9D6A-7E89379C2568}"/>
+              </a:ext>
+            </a:extLst>
+          </p:cNvPr>
+          <p:cNvSpPr/>
+          <p:nvPr/>
+        </p:nvSpPr>
+        <p:spPr bwMode="auto">
+          <a:xfrm>
+            <a:off x="4583832" y="949121"/>
+            <a:ext cx="3744416" cy="3553180"/>
+          </a:xfrm>
+          <a:prstGeom prst="rect">
+            <a:avLst/>
+          </a:prstGeom>
+          <a:noFill/>
+          <a:ln w="19050" cap="flat" cmpd="sng" algn="ctr">
+            <a:solidFill>
+              <a:schemeClr val="bg1"/>
+            </a:solidFill>
+            <a:prstDash val="solid"/>
+            <a:round/>
+            <a:headEnd type="none" w="med" len="med"/>
+            <a:tailEnd type="none"/>
+          </a:ln>
+          <a:effectLst/>
+        </p:spPr>
+        <p:txBody>
+          <a:bodyPr rtlCol="0" anchor="ctr"/>
+          <a:lstStyle/>
+          <a:p>
+            <a:pPr algn="l">
+              <a:lnSpc>
+                <a:spcPct val="150000"/>
+              </a:lnSpc>
+            </a:pPr>
+            <a:r>
+              <a:rPr lang="zh-CN" altLang="en-US" sz="1400" dirty="0">
+                <a:solidFill>
+                  <a:schemeClr val="bg1"/>
+                </a:solidFill>
+              </a:rPr>
+              <a:t>假设有</a:t>
+            </a:r>
+            <a:r>
+              <a:rPr lang="en-US" altLang="zh-CN" sz="1400" dirty="0">
+                <a:solidFill>
+                  <a:schemeClr val="bg1"/>
+                </a:solidFill>
+              </a:rPr>
+              <a:t>A</a:t>
+            </a:r>
+            <a:r>
+              <a:rPr lang="zh-CN" altLang="en-US" sz="1400" dirty="0">
+                <a:solidFill>
+                  <a:schemeClr val="bg1"/>
+                </a:solidFill>
+              </a:rPr>
+              <a:t>、</a:t>
+            </a:r>
+            <a:r>
+              <a:rPr lang="en-US" altLang="zh-CN" sz="1400" dirty="0">
+                <a:solidFill>
+                  <a:schemeClr val="bg1"/>
+                </a:solidFill>
+              </a:rPr>
+              <a:t>B</a:t>
+            </a:r>
+            <a:r>
+              <a:rPr lang="zh-CN" altLang="en-US" sz="1400" dirty="0">
+                <a:solidFill>
+                  <a:schemeClr val="bg1"/>
+                </a:solidFill>
+              </a:rPr>
+              <a:t>两个数据，值分别为</a:t>
+            </a:r>
+            <a:r>
+              <a:rPr lang="en-US" altLang="zh-CN" sz="1400" dirty="0">
+                <a:solidFill>
+                  <a:schemeClr val="bg1"/>
+                </a:solidFill>
+              </a:rPr>
+              <a:t>1,2.</a:t>
+            </a:r>
+          </a:p>
+          <a:p>
+            <a:pPr algn="l">
+              <a:lnSpc>
+                <a:spcPct val="150000"/>
+              </a:lnSpc>
+            </a:pPr>
+            <a:r>
+              <a:rPr lang="en-US" altLang="zh-CN" sz="1400" dirty="0">
+                <a:solidFill>
+                  <a:schemeClr val="bg1"/>
+                </a:solidFill>
+              </a:rPr>
+              <a:t>1. </a:t>
+            </a:r>
+            <a:r>
+              <a:rPr lang="zh-CN" altLang="en-US" sz="1400" dirty="0">
+                <a:solidFill>
+                  <a:schemeClr val="bg1"/>
+                </a:solidFill>
+              </a:rPr>
+              <a:t>事务开始</a:t>
+            </a:r>
+          </a:p>
+          <a:p>
+            <a:pPr algn="l">
+              <a:lnSpc>
+                <a:spcPct val="150000"/>
+              </a:lnSpc>
+            </a:pPr>
+            <a:r>
+              <a:rPr lang="en-US" altLang="zh-CN" sz="1400" dirty="0">
+                <a:solidFill>
+                  <a:schemeClr val="bg1"/>
+                </a:solidFill>
+              </a:rPr>
+              <a:t>2. </a:t>
+            </a:r>
+            <a:r>
+              <a:rPr lang="zh-CN" altLang="en-US" sz="1400" dirty="0">
+                <a:solidFill>
+                  <a:schemeClr val="bg1"/>
+                </a:solidFill>
+              </a:rPr>
+              <a:t>记录</a:t>
+            </a:r>
+            <a:r>
+              <a:rPr lang="en-US" altLang="zh-CN" sz="1400" dirty="0">
+                <a:solidFill>
+                  <a:schemeClr val="bg1"/>
+                </a:solidFill>
+              </a:rPr>
+              <a:t>A=1</a:t>
+            </a:r>
+            <a:r>
+              <a:rPr lang="zh-CN" altLang="en-US" sz="1400" dirty="0">
+                <a:solidFill>
+                  <a:schemeClr val="bg1"/>
+                </a:solidFill>
+              </a:rPr>
+              <a:t>到</a:t>
+            </a:r>
+            <a:r>
+              <a:rPr lang="en-US" altLang="zh-CN" sz="1400" dirty="0">
+                <a:solidFill>
+                  <a:schemeClr val="bg1"/>
+                </a:solidFill>
+              </a:rPr>
+              <a:t>undo log</a:t>
+            </a:r>
+          </a:p>
+          <a:p>
+            <a:pPr algn="l">
+              <a:lnSpc>
+                <a:spcPct val="150000"/>
+              </a:lnSpc>
+            </a:pPr>
+            <a:r>
+              <a:rPr lang="en-US" altLang="zh-CN" sz="1400" dirty="0">
+                <a:solidFill>
+                  <a:schemeClr val="bg1"/>
+                </a:solidFill>
+              </a:rPr>
+              <a:t>3. </a:t>
+            </a:r>
+            <a:r>
+              <a:rPr lang="zh-CN" altLang="en-US" sz="1400" dirty="0" smtClean="0">
+                <a:solidFill>
+                  <a:schemeClr val="bg1"/>
+                </a:solidFill>
+              </a:rPr>
+              <a:t>内存中修改</a:t>
+            </a:r>
+            <a:r>
+              <a:rPr lang="en-US" altLang="zh-CN" sz="1400" dirty="0">
+                <a:solidFill>
+                  <a:schemeClr val="bg1"/>
+                </a:solidFill>
+              </a:rPr>
+              <a:t>A=3</a:t>
+            </a:r>
+          </a:p>
+          <a:p>
+            <a:pPr algn="l">
+              <a:lnSpc>
+                <a:spcPct val="150000"/>
+              </a:lnSpc>
+            </a:pPr>
+            <a:r>
+              <a:rPr lang="en-US" altLang="zh-CN" sz="1400" dirty="0">
+                <a:solidFill>
+                  <a:schemeClr val="bg1"/>
+                </a:solidFill>
+              </a:rPr>
+              <a:t>4. </a:t>
+            </a:r>
+            <a:r>
+              <a:rPr lang="zh-CN" altLang="en-US" sz="1400" dirty="0">
+                <a:solidFill>
+                  <a:schemeClr val="bg1"/>
+                </a:solidFill>
+              </a:rPr>
+              <a:t>记录</a:t>
+            </a:r>
+            <a:r>
+              <a:rPr lang="en-US" altLang="zh-CN" sz="1400" dirty="0">
+                <a:solidFill>
+                  <a:schemeClr val="bg1"/>
+                </a:solidFill>
+              </a:rPr>
+              <a:t>A=3</a:t>
+            </a:r>
+            <a:r>
+              <a:rPr lang="zh-CN" altLang="en-US" sz="1400" dirty="0">
+                <a:solidFill>
+                  <a:schemeClr val="bg1"/>
+                </a:solidFill>
+              </a:rPr>
+              <a:t>到 </a:t>
+            </a:r>
+            <a:r>
+              <a:rPr lang="en-US" altLang="zh-CN" sz="1400" dirty="0">
+                <a:solidFill>
+                  <a:schemeClr val="bg1"/>
+                </a:solidFill>
+              </a:rPr>
+              <a:t>redo </a:t>
+            </a:r>
+            <a:r>
+              <a:rPr lang="en-US" altLang="zh-CN" sz="1400" dirty="0" smtClean="0">
+                <a:solidFill>
+                  <a:schemeClr val="bg1"/>
+                </a:solidFill>
+              </a:rPr>
+              <a:t>log</a:t>
+            </a:r>
+            <a:r>
+              <a:rPr lang="zh-CN" altLang="en-US" sz="1400" dirty="0" smtClean="0">
+                <a:solidFill>
+                  <a:schemeClr val="bg1"/>
+                </a:solidFill>
+              </a:rPr>
+              <a:t>到内存中</a:t>
+            </a:r>
+            <a:endParaRPr lang="en-US" altLang="zh-CN" sz="1400" dirty="0">
+              <a:solidFill>
+                <a:schemeClr val="bg1"/>
+              </a:solidFill>
+            </a:endParaRPr>
+          </a:p>
+          <a:p>
+            <a:pPr algn="l">
+              <a:lnSpc>
+                <a:spcPct val="200000"/>
+              </a:lnSpc>
+            </a:pPr>
+            <a:r>
+              <a:rPr lang="en-US" altLang="zh-CN" sz="1400" dirty="0">
+                <a:solidFill>
+                  <a:schemeClr val="bg1"/>
+                </a:solidFill>
+              </a:rPr>
+              <a:t>5. </a:t>
+            </a:r>
+            <a:r>
+              <a:rPr lang="zh-CN" altLang="en-US" sz="1400" dirty="0">
+                <a:solidFill>
+                  <a:schemeClr val="bg1"/>
+                </a:solidFill>
+              </a:rPr>
+              <a:t>记录</a:t>
+            </a:r>
+            <a:r>
+              <a:rPr lang="en-US" altLang="zh-CN" sz="1400" dirty="0">
+                <a:solidFill>
+                  <a:schemeClr val="bg1"/>
+                </a:solidFill>
+              </a:rPr>
+              <a:t>B=2</a:t>
+            </a:r>
+            <a:r>
+              <a:rPr lang="zh-CN" altLang="en-US" sz="1400" dirty="0">
+                <a:solidFill>
+                  <a:schemeClr val="bg1"/>
+                </a:solidFill>
+              </a:rPr>
+              <a:t>到 </a:t>
+            </a:r>
+            <a:r>
+              <a:rPr lang="en-US" altLang="zh-CN" sz="1400" dirty="0">
+                <a:solidFill>
+                  <a:schemeClr val="bg1"/>
+                </a:solidFill>
+              </a:rPr>
+              <a:t>undo log</a:t>
+            </a:r>
+          </a:p>
+          <a:p>
+            <a:pPr algn="l">
+              <a:lnSpc>
+                <a:spcPct val="150000"/>
+              </a:lnSpc>
+            </a:pPr>
+            <a:r>
+              <a:rPr lang="en-US" altLang="zh-CN" sz="1400" dirty="0">
+                <a:solidFill>
+                  <a:schemeClr val="bg1"/>
+                </a:solidFill>
+              </a:rPr>
+              <a:t>6. </a:t>
+            </a:r>
+            <a:r>
+              <a:rPr lang="zh-CN" altLang="en-US" sz="1400" dirty="0">
+                <a:solidFill>
+                  <a:schemeClr val="bg1"/>
+                </a:solidFill>
+              </a:rPr>
+              <a:t>修改</a:t>
+            </a:r>
+            <a:r>
+              <a:rPr lang="en-US" altLang="zh-CN" sz="1400" dirty="0">
+                <a:solidFill>
+                  <a:schemeClr val="bg1"/>
+                </a:solidFill>
+              </a:rPr>
+              <a:t>B=4</a:t>
+            </a:r>
+          </a:p>
+          <a:p>
+            <a:pPr algn="l">
+              <a:lnSpc>
+                <a:spcPct val="150000"/>
+              </a:lnSpc>
+            </a:pPr>
+            <a:r>
+              <a:rPr lang="en-US" altLang="zh-CN" sz="1400" dirty="0">
+                <a:solidFill>
+                  <a:schemeClr val="bg1"/>
+                </a:solidFill>
+              </a:rPr>
+              <a:t>7. </a:t>
+            </a:r>
+            <a:r>
+              <a:rPr lang="zh-CN" altLang="en-US" sz="1400" dirty="0">
+                <a:solidFill>
+                  <a:schemeClr val="bg1"/>
+                </a:solidFill>
+              </a:rPr>
+              <a:t>记录</a:t>
+            </a:r>
+            <a:r>
+              <a:rPr lang="en-US" altLang="zh-CN" sz="1400" dirty="0">
+                <a:solidFill>
+                  <a:schemeClr val="bg1"/>
+                </a:solidFill>
+              </a:rPr>
+              <a:t>B=4</a:t>
+            </a:r>
+            <a:r>
+              <a:rPr lang="zh-CN" altLang="en-US" sz="1400" dirty="0">
+                <a:solidFill>
+                  <a:schemeClr val="bg1"/>
+                </a:solidFill>
+              </a:rPr>
+              <a:t>到</a:t>
+            </a:r>
+            <a:r>
+              <a:rPr lang="en-US" altLang="zh-CN" sz="1400" dirty="0">
+                <a:solidFill>
+                  <a:schemeClr val="bg1"/>
+                </a:solidFill>
+              </a:rPr>
+              <a:t>redo </a:t>
+            </a:r>
+            <a:r>
+              <a:rPr lang="en-US" altLang="zh-CN" sz="1400" dirty="0" smtClean="0">
+                <a:solidFill>
+                  <a:schemeClr val="bg1"/>
+                </a:solidFill>
+              </a:rPr>
+              <a:t>log</a:t>
+            </a:r>
+            <a:r>
+              <a:rPr lang="zh-CN" altLang="en-US" sz="1400" dirty="0" smtClean="0">
+                <a:solidFill>
+                  <a:schemeClr val="bg1"/>
+                </a:solidFill>
+              </a:rPr>
+              <a:t>到内存中</a:t>
+            </a:r>
+            <a:endParaRPr lang="en-US" altLang="zh-CN" sz="1400" dirty="0">
+              <a:solidFill>
+                <a:schemeClr val="bg1"/>
+              </a:solidFill>
+            </a:endParaRPr>
+          </a:p>
+          <a:p>
+            <a:pPr algn="l">
+              <a:lnSpc>
+                <a:spcPct val="150000"/>
+              </a:lnSpc>
+            </a:pPr>
+            <a:r>
+              <a:rPr lang="en-US" altLang="zh-CN" sz="1400" dirty="0">
+                <a:solidFill>
+                  <a:schemeClr val="bg1"/>
+                </a:solidFill>
+              </a:rPr>
+              <a:t>8. </a:t>
+            </a:r>
+            <a:r>
+              <a:rPr lang="zh-CN" altLang="en-US" sz="1400" dirty="0">
+                <a:solidFill>
+                  <a:schemeClr val="bg1"/>
+                </a:solidFill>
+              </a:rPr>
+              <a:t>将</a:t>
+            </a:r>
+            <a:r>
+              <a:rPr lang="en-US" altLang="zh-CN" sz="1400" dirty="0">
+                <a:solidFill>
+                  <a:schemeClr val="bg1"/>
+                </a:solidFill>
+              </a:rPr>
+              <a:t>redo log</a:t>
+            </a:r>
+            <a:r>
+              <a:rPr lang="zh-CN" altLang="en-US" sz="1400" dirty="0">
+                <a:solidFill>
+                  <a:schemeClr val="bg1"/>
+                </a:solidFill>
+              </a:rPr>
+              <a:t>写入磁盘</a:t>
+            </a:r>
+          </a:p>
+          <a:p>
+            <a:pPr algn="l">
+              <a:lnSpc>
+                <a:spcPct val="150000"/>
+              </a:lnSpc>
+            </a:pPr>
+            <a:r>
+              <a:rPr lang="en-US" altLang="zh-CN" sz="1400" dirty="0">
+                <a:solidFill>
+                  <a:schemeClr val="bg1"/>
+                </a:solidFill>
+              </a:rPr>
+              <a:t>9. </a:t>
+            </a:r>
+            <a:r>
+              <a:rPr lang="zh-CN" altLang="en-US" sz="1400" dirty="0">
+                <a:solidFill>
+                  <a:schemeClr val="bg1"/>
+                </a:solidFill>
+              </a:rPr>
+              <a:t>事务</a:t>
+            </a:r>
+            <a:r>
+              <a:rPr lang="zh-CN" altLang="en-US" sz="1400" dirty="0" smtClean="0">
+                <a:solidFill>
+                  <a:schemeClr val="bg1"/>
+                </a:solidFill>
+              </a:rPr>
+              <a:t>提交，把内存中的数据保存到磁盘</a:t>
+            </a:r>
+            <a:endParaRPr lang="zh-CN" altLang="en-US" sz="1400" dirty="0">
+              <a:solidFill>
+                <a:schemeClr val="bg1"/>
+              </a:solidFill>
+            </a:endParaRPr>
+          </a:p>
+        </p:txBody>
+      </p:sp>
+      <p:sp>
+        <p:nvSpPr>
+          <p:cNvPr id="124" name="矩形 123">
+            <a:extLst>
+              <a:ext uri="{FF2B5EF4-FFF2-40B4-BE49-F238E27FC236}">
+                <a16:creationId xmlns="" xmlns:a16="http://schemas.microsoft.com/office/drawing/2014/main" id="{FCF1CD20-F034-4BEF-8565-6060DAD94853}"/>
+              </a:ext>
+            </a:extLst>
+          </p:cNvPr>
+          <p:cNvSpPr/>
+          <p:nvPr/>
+        </p:nvSpPr>
+        <p:spPr bwMode="auto">
+          <a:xfrm>
+            <a:off x="4902899" y="4610316"/>
+            <a:ext cx="3106281" cy="493334"/>
+          </a:xfrm>
+          <a:prstGeom prst="rect">
+            <a:avLst/>
+          </a:prstGeom>
+          <a:noFill/>
+          <a:ln w="25400" cap="flat" cmpd="sng" algn="ctr">
+            <a:noFill/>
+            <a:prstDash val="solid"/>
+            <a:round/>
+            <a:headEnd type="none" w="med" len="med"/>
+            <a:tailEnd type="none"/>
+          </a:ln>
+          <a:effectLst/>
+        </p:spPr>
+        <p:txBody>
+          <a:bodyPr rot="0" spcFirstLastPara="0" vertOverflow="overflow" horzOverflow="overflow" vert="horz" wrap="square" lIns="91440" tIns="45720" rIns="91440" bIns="45720" numCol="1" spcCol="0" rtlCol="0" fromWordArt="0" anchor="ctr" anchorCtr="0" forceAA="0" compatLnSpc="1">
+            <a:prstTxWarp prst="textNoShape">
+              <a:avLst/>
+            </a:prstTxWarp>
+            <a:noAutofit/>
+          </a:bodyPr>
+          <a:lstStyle/>
+          <a:p>
+            <a:r>
+              <a:rPr lang="zh-CN" altLang="en-US" sz="1600" dirty="0" smtClean="0">
+                <a:solidFill>
+                  <a:schemeClr val="bg1"/>
+                </a:solidFill>
+              </a:rPr>
+              <a:t>事务执行流程</a:t>
+            </a:r>
+            <a:endParaRPr lang="zh-CN" altLang="en-US" sz="1600" dirty="0">
+              <a:solidFill>
+                <a:schemeClr val="bg1"/>
+              </a:solidFill>
+            </a:endParaRPr>
+          </a:p>
+        </p:txBody>
+      </p:sp>
+    </p:spTree>
+    <p:extLst>
+      <p:ext uri="{BB962C8B-B14F-4D97-AF65-F5344CB8AC3E}">
+        <p14:creationId xmlns:p14="http://schemas.microsoft.com/office/powerpoint/2010/main" val="3870130412"/>
       </p:ext>
     </p:extLst>
   </p:cSld>
